--- a/Syllabus/Lecture19/Lec19DNN2.pptx
+++ b/Syllabus/Lecture19/Lec19DNN2.pptx
@@ -2988,6 +2988,341 @@
             <a:noAutofit/>
           </a:bodyPr>
           <a:lstStyle/>
+          <a:p>
+            <a:pPr marL="0" lvl="0" indent="0" algn="l" rtl="0">
+              <a:spcBef>
+                <a:spcPts val="0"/>
+              </a:spcBef>
+              <a:spcAft>
+                <a:spcPts val="0"/>
+              </a:spcAft>
+              <a:buNone/>
+            </a:pPr>
+            <a:r>
+              <a:rPr lang="en-US" dirty="0"/>
+              <a:t>RBMs are </a:t>
+            </a:r>
+            <a:r>
+              <a:rPr lang="en-US" b="0" i="0" dirty="0">
+                <a:solidFill>
+                  <a:srgbClr val="202122"/>
+                </a:solidFill>
+                <a:effectLst/>
+                <a:latin typeface="Arial" panose="020B0604020202020204" pitchFamily="34" charset="0"/>
+              </a:rPr>
+              <a:t> </a:t>
+            </a:r>
+            <a:r>
+              <a:rPr lang="en-US" b="0" i="0" u="none" strike="noStrike" dirty="0">
+                <a:solidFill>
+                  <a:srgbClr val="0645AD"/>
+                </a:solidFill>
+                <a:effectLst/>
+                <a:latin typeface="Arial" panose="020B0604020202020204" pitchFamily="34" charset="0"/>
+                <a:hlinkClick r:id="rId3" tooltip="Generative model"/>
+              </a:rPr>
+              <a:t>generative</a:t>
+            </a:r>
+            <a:r>
+              <a:rPr lang="en-US" b="0" i="0" dirty="0">
+                <a:solidFill>
+                  <a:srgbClr val="202122"/>
+                </a:solidFill>
+                <a:effectLst/>
+                <a:latin typeface="Arial" panose="020B0604020202020204" pitchFamily="34" charset="0"/>
+              </a:rPr>
+              <a:t> </a:t>
+            </a:r>
+            <a:r>
+              <a:rPr lang="en-US" b="0" i="0" u="none" strike="noStrike" dirty="0">
+                <a:solidFill>
+                  <a:srgbClr val="0645AD"/>
+                </a:solidFill>
+                <a:effectLst/>
+                <a:latin typeface="Arial" panose="020B0604020202020204" pitchFamily="34" charset="0"/>
+                <a:hlinkClick r:id="rId4" tooltip="Stochastic neural network"/>
+              </a:rPr>
+              <a:t>stochastic</a:t>
+            </a:r>
+            <a:r>
+              <a:rPr lang="en-US" b="0" i="0" dirty="0">
+                <a:solidFill>
+                  <a:srgbClr val="202122"/>
+                </a:solidFill>
+                <a:effectLst/>
+                <a:latin typeface="Arial" panose="020B0604020202020204" pitchFamily="34" charset="0"/>
+              </a:rPr>
+              <a:t> </a:t>
+            </a:r>
+            <a:r>
+              <a:rPr lang="en-US" b="0" i="0" u="none" strike="noStrike" dirty="0">
+                <a:solidFill>
+                  <a:srgbClr val="0645AD"/>
+                </a:solidFill>
+                <a:effectLst/>
+                <a:latin typeface="Arial" panose="020B0604020202020204" pitchFamily="34" charset="0"/>
+                <a:hlinkClick r:id="rId5" tooltip="Artificial neural network"/>
+              </a:rPr>
+              <a:t>artificial neural network</a:t>
+            </a:r>
+            <a:r>
+              <a:rPr lang="en-US" b="0" i="0" dirty="0">
+                <a:solidFill>
+                  <a:srgbClr val="202122"/>
+                </a:solidFill>
+                <a:effectLst/>
+                <a:latin typeface="Arial" panose="020B0604020202020204" pitchFamily="34" charset="0"/>
+              </a:rPr>
+              <a:t> that can learn a </a:t>
+            </a:r>
+            <a:r>
+              <a:rPr lang="en-US" b="0" i="0" u="none" strike="noStrike" dirty="0">
+                <a:solidFill>
+                  <a:srgbClr val="0645AD"/>
+                </a:solidFill>
+                <a:effectLst/>
+                <a:latin typeface="Arial" panose="020B0604020202020204" pitchFamily="34" charset="0"/>
+                <a:hlinkClick r:id="rId6" tooltip="Probability distribution"/>
+              </a:rPr>
+              <a:t>probability distribution</a:t>
+            </a:r>
+            <a:r>
+              <a:rPr lang="en-US" b="0" i="0" dirty="0">
+                <a:solidFill>
+                  <a:srgbClr val="202122"/>
+                </a:solidFill>
+                <a:effectLst/>
+                <a:latin typeface="Arial" panose="020B0604020202020204" pitchFamily="34" charset="0"/>
+              </a:rPr>
+              <a:t> over its set of inputs</a:t>
+            </a:r>
+          </a:p>
+          <a:p>
+            <a:pPr marL="0" lvl="0" indent="0" algn="l" rtl="0">
+              <a:spcBef>
+                <a:spcPts val="0"/>
+              </a:spcBef>
+              <a:spcAft>
+                <a:spcPts val="0"/>
+              </a:spcAft>
+              <a:buNone/>
+            </a:pPr>
+            <a:r>
+              <a:rPr lang="en-US" b="0" i="0" dirty="0">
+                <a:solidFill>
+                  <a:srgbClr val="202122"/>
+                </a:solidFill>
+                <a:effectLst/>
+                <a:latin typeface="Arial" panose="020B0604020202020204" pitchFamily="34" charset="0"/>
+              </a:rPr>
+              <a:t>Autoencoders: An </a:t>
+            </a:r>
+            <a:r>
+              <a:rPr lang="en-US" b="1" i="0" dirty="0">
+                <a:solidFill>
+                  <a:srgbClr val="202122"/>
+                </a:solidFill>
+                <a:effectLst/>
+                <a:latin typeface="Arial" panose="020B0604020202020204" pitchFamily="34" charset="0"/>
+              </a:rPr>
+              <a:t>autoencoder</a:t>
+            </a:r>
+            <a:r>
+              <a:rPr lang="en-US" b="0" i="0" dirty="0">
+                <a:solidFill>
+                  <a:srgbClr val="202122"/>
+                </a:solidFill>
+                <a:effectLst/>
+                <a:latin typeface="Arial" panose="020B0604020202020204" pitchFamily="34" charset="0"/>
+              </a:rPr>
+              <a:t> is a type of </a:t>
+            </a:r>
+            <a:r>
+              <a:rPr lang="en-US" b="0" i="0" u="none" strike="noStrike" dirty="0">
+                <a:solidFill>
+                  <a:srgbClr val="0645AD"/>
+                </a:solidFill>
+                <a:effectLst/>
+                <a:latin typeface="Arial" panose="020B0604020202020204" pitchFamily="34" charset="0"/>
+                <a:hlinkClick r:id="rId5" tooltip="Artificial neural network"/>
+              </a:rPr>
+              <a:t>artificial neural network</a:t>
+            </a:r>
+            <a:r>
+              <a:rPr lang="en-US" b="0" i="0" dirty="0">
+                <a:solidFill>
+                  <a:srgbClr val="202122"/>
+                </a:solidFill>
+                <a:effectLst/>
+                <a:latin typeface="Arial" panose="020B0604020202020204" pitchFamily="34" charset="0"/>
+              </a:rPr>
+              <a:t> used to learn </a:t>
+            </a:r>
+            <a:r>
+              <a:rPr lang="en-US" b="0" i="0" u="none" strike="noStrike" dirty="0">
+                <a:solidFill>
+                  <a:srgbClr val="0645AD"/>
+                </a:solidFill>
+                <a:effectLst/>
+                <a:latin typeface="Arial" panose="020B0604020202020204" pitchFamily="34" charset="0"/>
+                <a:hlinkClick r:id="rId7" tooltip="Feature learning"/>
+              </a:rPr>
+              <a:t>efficient codings</a:t>
+            </a:r>
+            <a:r>
+              <a:rPr lang="en-US" b="0" i="0" dirty="0">
+                <a:solidFill>
+                  <a:srgbClr val="202122"/>
+                </a:solidFill>
+                <a:effectLst/>
+                <a:latin typeface="Arial" panose="020B0604020202020204" pitchFamily="34" charset="0"/>
+              </a:rPr>
+              <a:t> of unlabeled data (</a:t>
+            </a:r>
+            <a:r>
+              <a:rPr lang="en-US" b="0" i="0" u="none" strike="noStrike" dirty="0">
+                <a:solidFill>
+                  <a:srgbClr val="0645AD"/>
+                </a:solidFill>
+                <a:effectLst/>
+                <a:latin typeface="Arial" panose="020B0604020202020204" pitchFamily="34" charset="0"/>
+                <a:hlinkClick r:id="rId8" tooltip="Unsupervised learning"/>
+              </a:rPr>
+              <a:t>unsupervised learning</a:t>
+            </a:r>
+            <a:r>
+              <a:rPr lang="en-US" b="0" i="0" dirty="0">
+                <a:solidFill>
+                  <a:srgbClr val="202122"/>
+                </a:solidFill>
+                <a:effectLst/>
+                <a:latin typeface="Arial" panose="020B0604020202020204" pitchFamily="34" charset="0"/>
+              </a:rPr>
+              <a:t>).</a:t>
+            </a:r>
+            <a:r>
+              <a:rPr lang="en-US" b="0" i="0" u="none" strike="noStrike" baseline="30000" dirty="0">
+                <a:solidFill>
+                  <a:srgbClr val="0645AD"/>
+                </a:solidFill>
+                <a:effectLst/>
+                <a:latin typeface="Arial" panose="020B0604020202020204" pitchFamily="34" charset="0"/>
+                <a:hlinkClick r:id="rId9"/>
+              </a:rPr>
+              <a:t>[1]</a:t>
+            </a:r>
+            <a:r>
+              <a:rPr lang="en-US" b="0" i="0" dirty="0">
+                <a:solidFill>
+                  <a:srgbClr val="202122"/>
+                </a:solidFill>
+                <a:effectLst/>
+                <a:latin typeface="Arial" panose="020B0604020202020204" pitchFamily="34" charset="0"/>
+              </a:rPr>
+              <a:t> The encoding is validated and refined by attempting to regenerate the input from the encoding. The autoencoder learns a </a:t>
+            </a:r>
+            <a:r>
+              <a:rPr lang="en-US" b="0" i="0" u="none" strike="noStrike" dirty="0">
+                <a:solidFill>
+                  <a:srgbClr val="0645AD"/>
+                </a:solidFill>
+                <a:effectLst/>
+                <a:latin typeface="Arial" panose="020B0604020202020204" pitchFamily="34" charset="0"/>
+                <a:hlinkClick r:id="rId7" tooltip="Feature learning"/>
+              </a:rPr>
+              <a:t>representation</a:t>
+            </a:r>
+            <a:r>
+              <a:rPr lang="en-US" b="0" i="0" dirty="0">
+                <a:solidFill>
+                  <a:srgbClr val="202122"/>
+                </a:solidFill>
+                <a:effectLst/>
+                <a:latin typeface="Arial" panose="020B0604020202020204" pitchFamily="34" charset="0"/>
+              </a:rPr>
+              <a:t> (encoding) for a set of data, typically for </a:t>
+            </a:r>
+            <a:r>
+              <a:rPr lang="en-US" b="0" i="0" u="none" strike="noStrike" dirty="0">
+                <a:solidFill>
+                  <a:srgbClr val="0645AD"/>
+                </a:solidFill>
+                <a:effectLst/>
+                <a:latin typeface="Arial" panose="020B0604020202020204" pitchFamily="34" charset="0"/>
+                <a:hlinkClick r:id="rId10" tooltip="Dimensionality reduction"/>
+              </a:rPr>
+              <a:t>dimensionality reduction</a:t>
+            </a:r>
+            <a:r>
+              <a:rPr lang="en-US" b="0" i="0" dirty="0">
+                <a:solidFill>
+                  <a:srgbClr val="202122"/>
+                </a:solidFill>
+                <a:effectLst/>
+                <a:latin typeface="Arial" panose="020B0604020202020204" pitchFamily="34" charset="0"/>
+              </a:rPr>
+              <a:t>, by training the network to ignore insignificant data (“noise”)</a:t>
+            </a:r>
+          </a:p>
+          <a:p>
+            <a:pPr marL="0" lvl="0" indent="0" algn="l" rtl="0">
+              <a:spcBef>
+                <a:spcPts val="0"/>
+              </a:spcBef>
+              <a:spcAft>
+                <a:spcPts val="0"/>
+              </a:spcAft>
+              <a:buNone/>
+            </a:pPr>
+            <a:endParaRPr lang="en-US" b="0" i="0" dirty="0">
+              <a:solidFill>
+                <a:srgbClr val="202122"/>
+              </a:solidFill>
+              <a:effectLst/>
+              <a:latin typeface="Arial" panose="020B0604020202020204" pitchFamily="34" charset="0"/>
+            </a:endParaRPr>
+          </a:p>
+          <a:p>
+            <a:pPr marL="0" lvl="0" indent="0" algn="l" rtl="0">
+              <a:spcBef>
+                <a:spcPts val="0"/>
+              </a:spcBef>
+              <a:spcAft>
+                <a:spcPts val="0"/>
+              </a:spcAft>
+              <a:buNone/>
+            </a:pPr>
+            <a:r>
+              <a:rPr lang="en-US" b="0" i="0" dirty="0">
+                <a:solidFill>
+                  <a:srgbClr val="202122"/>
+                </a:solidFill>
+                <a:effectLst/>
+                <a:latin typeface="Arial" panose="020B0604020202020204" pitchFamily="34" charset="0"/>
+              </a:rPr>
+              <a:t>(</a:t>
+            </a:r>
+            <a:r>
+              <a:rPr lang="en-US" b="0" i="0" dirty="0" err="1">
+                <a:solidFill>
+                  <a:srgbClr val="202122"/>
+                </a:solidFill>
+                <a:effectLst/>
+                <a:latin typeface="Arial" panose="020B0604020202020204" pitchFamily="34" charset="0"/>
+              </a:rPr>
+              <a:t>src</a:t>
+            </a:r>
+            <a:r>
+              <a:rPr lang="en-US" b="0" i="0" dirty="0">
+                <a:solidFill>
+                  <a:srgbClr val="202122"/>
+                </a:solidFill>
+                <a:effectLst/>
+                <a:latin typeface="Arial" panose="020B0604020202020204" pitchFamily="34" charset="0"/>
+              </a:rPr>
+              <a:t> wiki)</a:t>
+            </a:r>
+          </a:p>
           <a:p>
             <a:pPr marL="0" lvl="0" indent="0" algn="l" rtl="0">
               <a:spcBef>
@@ -7947,7 +8282,7 @@
             </a:pPr>
             <a:r>
               <a:rPr lang="en-US" sz="2800" dirty="0"/>
-              <a:t>.. Faster optimizers</a:t>
+              <a:t>Faster optimizers</a:t>
             </a:r>
           </a:p>
           <a:p>
@@ -7981,307 +8316,6 @@
   <p:clrMapOvr>
     <a:masterClrMapping/>
   </p:clrMapOvr>
-  <p:timing>
-    <p:tnLst>
-      <p:par>
-        <p:cTn id="1" dur="indefinite" restart="never" nodeType="tmRoot">
-          <p:childTnLst>
-            <p:seq concurrent="1" nextAc="seek">
-              <p:cTn id="2" dur="indefinite" nodeType="mainSeq">
-                <p:childTnLst>
-                  <p:par>
-                    <p:cTn id="3" fill="hold">
-                      <p:stCondLst>
-                        <p:cond delay="indefinite"/>
-                      </p:stCondLst>
-                      <p:childTnLst>
-                        <p:par>
-                          <p:cTn id="4" fill="hold">
-                            <p:stCondLst>
-                              <p:cond delay="0"/>
-                            </p:stCondLst>
-                            <p:childTnLst>
-                              <p:par>
-                                <p:cTn id="5" presetID="1" presetClass="entr" presetSubtype="0" fill="hold" nodeType="clickEffect">
-                                  <p:stCondLst>
-                                    <p:cond delay="0"/>
-                                  </p:stCondLst>
-                                  <p:childTnLst>
-                                    <p:set>
-                                      <p:cBhvr>
-                                        <p:cTn id="6" dur="1" fill="hold">
-                                          <p:stCondLst>
-                                            <p:cond delay="0"/>
-                                          </p:stCondLst>
-                                        </p:cTn>
-                                        <p:tgtEl>
-                                          <p:spTgt spid="5">
-                                            <p:txEl>
-                                              <p:pRg st="0" end="0"/>
-                                            </p:txEl>
-                                          </p:spTgt>
-                                        </p:tgtEl>
-                                        <p:attrNameLst>
-                                          <p:attrName>style.visibility</p:attrName>
-                                        </p:attrNameLst>
-                                      </p:cBhvr>
-                                      <p:to>
-                                        <p:strVal val="visible"/>
-                                      </p:to>
-                                    </p:set>
-                                  </p:childTnLst>
-                                </p:cTn>
-                              </p:par>
-                            </p:childTnLst>
-                          </p:cTn>
-                        </p:par>
-                      </p:childTnLst>
-                    </p:cTn>
-                  </p:par>
-                  <p:par>
-                    <p:cTn id="7" fill="hold">
-                      <p:stCondLst>
-                        <p:cond delay="indefinite"/>
-                      </p:stCondLst>
-                      <p:childTnLst>
-                        <p:par>
-                          <p:cTn id="8" fill="hold">
-                            <p:stCondLst>
-                              <p:cond delay="0"/>
-                            </p:stCondLst>
-                            <p:childTnLst>
-                              <p:par>
-                                <p:cTn id="9" presetID="1" presetClass="entr" presetSubtype="0" fill="hold" nodeType="clickEffect">
-                                  <p:stCondLst>
-                                    <p:cond delay="0"/>
-                                  </p:stCondLst>
-                                  <p:childTnLst>
-                                    <p:set>
-                                      <p:cBhvr>
-                                        <p:cTn id="10" dur="1" fill="hold">
-                                          <p:stCondLst>
-                                            <p:cond delay="0"/>
-                                          </p:stCondLst>
-                                        </p:cTn>
-                                        <p:tgtEl>
-                                          <p:spTgt spid="5">
-                                            <p:txEl>
-                                              <p:pRg st="1" end="1"/>
-                                            </p:txEl>
-                                          </p:spTgt>
-                                        </p:tgtEl>
-                                        <p:attrNameLst>
-                                          <p:attrName>style.visibility</p:attrName>
-                                        </p:attrNameLst>
-                                      </p:cBhvr>
-                                      <p:to>
-                                        <p:strVal val="visible"/>
-                                      </p:to>
-                                    </p:set>
-                                  </p:childTnLst>
-                                </p:cTn>
-                              </p:par>
-                              <p:par>
-                                <p:cTn id="11" presetID="1" presetClass="entr" presetSubtype="0" fill="hold" nodeType="withEffect">
-                                  <p:stCondLst>
-                                    <p:cond delay="0"/>
-                                  </p:stCondLst>
-                                  <p:childTnLst>
-                                    <p:set>
-                                      <p:cBhvr>
-                                        <p:cTn id="12" dur="1" fill="hold">
-                                          <p:stCondLst>
-                                            <p:cond delay="0"/>
-                                          </p:stCondLst>
-                                        </p:cTn>
-                                        <p:tgtEl>
-                                          <p:spTgt spid="5">
-                                            <p:txEl>
-                                              <p:pRg st="2" end="2"/>
-                                            </p:txEl>
-                                          </p:spTgt>
-                                        </p:tgtEl>
-                                        <p:attrNameLst>
-                                          <p:attrName>style.visibility</p:attrName>
-                                        </p:attrNameLst>
-                                      </p:cBhvr>
-                                      <p:to>
-                                        <p:strVal val="visible"/>
-                                      </p:to>
-                                    </p:set>
-                                  </p:childTnLst>
-                                </p:cTn>
-                              </p:par>
-                              <p:par>
-                                <p:cTn id="13" presetID="1" presetClass="entr" presetSubtype="0" fill="hold" nodeType="withEffect">
-                                  <p:stCondLst>
-                                    <p:cond delay="0"/>
-                                  </p:stCondLst>
-                                  <p:childTnLst>
-                                    <p:set>
-                                      <p:cBhvr>
-                                        <p:cTn id="14" dur="1" fill="hold">
-                                          <p:stCondLst>
-                                            <p:cond delay="0"/>
-                                          </p:stCondLst>
-                                        </p:cTn>
-                                        <p:tgtEl>
-                                          <p:spTgt spid="5">
-                                            <p:txEl>
-                                              <p:pRg st="3" end="3"/>
-                                            </p:txEl>
-                                          </p:spTgt>
-                                        </p:tgtEl>
-                                        <p:attrNameLst>
-                                          <p:attrName>style.visibility</p:attrName>
-                                        </p:attrNameLst>
-                                      </p:cBhvr>
-                                      <p:to>
-                                        <p:strVal val="visible"/>
-                                      </p:to>
-                                    </p:set>
-                                  </p:childTnLst>
-                                </p:cTn>
-                              </p:par>
-                              <p:par>
-                                <p:cTn id="15" presetID="1" presetClass="entr" presetSubtype="0" fill="hold" nodeType="withEffect">
-                                  <p:stCondLst>
-                                    <p:cond delay="0"/>
-                                  </p:stCondLst>
-                                  <p:childTnLst>
-                                    <p:set>
-                                      <p:cBhvr>
-                                        <p:cTn id="16" dur="1" fill="hold">
-                                          <p:stCondLst>
-                                            <p:cond delay="0"/>
-                                          </p:stCondLst>
-                                        </p:cTn>
-                                        <p:tgtEl>
-                                          <p:spTgt spid="5">
-                                            <p:txEl>
-                                              <p:pRg st="4" end="4"/>
-                                            </p:txEl>
-                                          </p:spTgt>
-                                        </p:tgtEl>
-                                        <p:attrNameLst>
-                                          <p:attrName>style.visibility</p:attrName>
-                                        </p:attrNameLst>
-                                      </p:cBhvr>
-                                      <p:to>
-                                        <p:strVal val="visible"/>
-                                      </p:to>
-                                    </p:set>
-                                  </p:childTnLst>
-                                </p:cTn>
-                              </p:par>
-                              <p:par>
-                                <p:cTn id="17" presetID="1" presetClass="entr" presetSubtype="0" fill="hold" nodeType="withEffect">
-                                  <p:stCondLst>
-                                    <p:cond delay="0"/>
-                                  </p:stCondLst>
-                                  <p:childTnLst>
-                                    <p:set>
-                                      <p:cBhvr>
-                                        <p:cTn id="18" dur="1" fill="hold">
-                                          <p:stCondLst>
-                                            <p:cond delay="0"/>
-                                          </p:stCondLst>
-                                        </p:cTn>
-                                        <p:tgtEl>
-                                          <p:spTgt spid="5">
-                                            <p:txEl>
-                                              <p:pRg st="5" end="5"/>
-                                            </p:txEl>
-                                          </p:spTgt>
-                                        </p:tgtEl>
-                                        <p:attrNameLst>
-                                          <p:attrName>style.visibility</p:attrName>
-                                        </p:attrNameLst>
-                                      </p:cBhvr>
-                                      <p:to>
-                                        <p:strVal val="visible"/>
-                                      </p:to>
-                                    </p:set>
-                                  </p:childTnLst>
-                                </p:cTn>
-                              </p:par>
-                            </p:childTnLst>
-                          </p:cTn>
-                        </p:par>
-                      </p:childTnLst>
-                    </p:cTn>
-                  </p:par>
-                  <p:par>
-                    <p:cTn id="19" fill="hold">
-                      <p:stCondLst>
-                        <p:cond delay="indefinite"/>
-                      </p:stCondLst>
-                      <p:childTnLst>
-                        <p:par>
-                          <p:cTn id="20" fill="hold">
-                            <p:stCondLst>
-                              <p:cond delay="0"/>
-                            </p:stCondLst>
-                            <p:childTnLst>
-                              <p:par>
-                                <p:cTn id="21" presetID="1" presetClass="entr" presetSubtype="0" fill="hold" nodeType="clickEffect">
-                                  <p:stCondLst>
-                                    <p:cond delay="0"/>
-                                  </p:stCondLst>
-                                  <p:childTnLst>
-                                    <p:set>
-                                      <p:cBhvr>
-                                        <p:cTn id="22" dur="1" fill="hold">
-                                          <p:stCondLst>
-                                            <p:cond delay="0"/>
-                                          </p:stCondLst>
-                                        </p:cTn>
-                                        <p:tgtEl>
-                                          <p:spTgt spid="5">
-                                            <p:txEl>
-                                              <p:pRg st="6" end="6"/>
-                                            </p:txEl>
-                                          </p:spTgt>
-                                        </p:tgtEl>
-                                        <p:attrNameLst>
-                                          <p:attrName>style.visibility</p:attrName>
-                                        </p:attrNameLst>
-                                      </p:cBhvr>
-                                      <p:to>
-                                        <p:strVal val="visible"/>
-                                      </p:to>
-                                    </p:set>
-                                  </p:childTnLst>
-                                </p:cTn>
-                              </p:par>
-                            </p:childTnLst>
-                          </p:cTn>
-                        </p:par>
-                      </p:childTnLst>
-                    </p:cTn>
-                  </p:par>
-                </p:childTnLst>
-              </p:cTn>
-              <p:prevCondLst>
-                <p:cond evt="onPrev" delay="0">
-                  <p:tgtEl>
-                    <p:sldTgt/>
-                  </p:tgtEl>
-                </p:cond>
-              </p:prevCondLst>
-              <p:nextCondLst>
-                <p:cond evt="onNext" delay="0">
-                  <p:tgtEl>
-                    <p:sldTgt/>
-                  </p:tgtEl>
-                </p:cond>
-              </p:nextCondLst>
-            </p:seq>
-          </p:childTnLst>
-        </p:cTn>
-      </p:par>
-    </p:tnLst>
-  </p:timing>
 </p:sld>
 </file>
 
@@ -8840,20 +8874,11 @@
             </a:pPr>
             <a:r>
               <a:rPr lang="en-US" dirty="0"/>
-              <a:t>Through backpropagation, the loss is transferred from one layer to another and the model’s parameters also known as weights are modified depending on the losses so that the loss can be minimized.</a:t>
-            </a:r>
-          </a:p>
-          <a:p>
-            <a:pPr marL="558798" indent="-457200">
-              <a:buSzPts val="2400"/>
-              <a:buFont typeface="Arial" panose="020B0604020202020204" pitchFamily="34" charset="0"/>
-              <a:buChar char="•"/>
-            </a:pPr>
-            <a:r>
-              <a:rPr lang="en-US" dirty="0">
-                <a:hlinkClick r:id="rId2"/>
-              </a:rPr>
-              <a:t>Nice link on building intuition on GD</a:t>
+              <a:t>Through backpropagation, the loss is transferred from one layer to another and the model’s parameters also known as weights are modified depending on the losses so that the loss can </a:t>
+            </a:r>
+            <a:r>
+              <a:rPr lang="en-US"/>
+              <a:t>be minimized.</a:t>
             </a:r>
             <a:endParaRPr lang="en-US" dirty="0"/>
           </a:p>
@@ -8951,130 +8976,6 @@
   <p:clrMapOvr>
     <a:masterClrMapping/>
   </p:clrMapOvr>
-  <p:timing>
-    <p:tnLst>
-      <p:par>
-        <p:cTn id="1" dur="indefinite" restart="never" nodeType="tmRoot">
-          <p:childTnLst>
-            <p:seq concurrent="1" nextAc="seek">
-              <p:cTn id="2" dur="indefinite" nodeType="mainSeq">
-                <p:childTnLst>
-                  <p:par>
-                    <p:cTn id="3" fill="hold">
-                      <p:stCondLst>
-                        <p:cond delay="indefinite"/>
-                      </p:stCondLst>
-                      <p:childTnLst>
-                        <p:par>
-                          <p:cTn id="4" fill="hold">
-                            <p:stCondLst>
-                              <p:cond delay="0"/>
-                            </p:stCondLst>
-                            <p:childTnLst>
-                              <p:par>
-                                <p:cTn id="5" presetID="1" presetClass="entr" presetSubtype="0" fill="hold" grpId="0" nodeType="clickEffect">
-                                  <p:stCondLst>
-                                    <p:cond delay="0"/>
-                                  </p:stCondLst>
-                                  <p:childTnLst>
-                                    <p:set>
-                                      <p:cBhvr>
-                                        <p:cTn id="6" dur="1" fill="hold">
-                                          <p:stCondLst>
-                                            <p:cond delay="0"/>
-                                          </p:stCondLst>
-                                        </p:cTn>
-                                        <p:tgtEl>
-                                          <p:spTgt spid="5"/>
-                                        </p:tgtEl>
-                                        <p:attrNameLst>
-                                          <p:attrName>style.visibility</p:attrName>
-                                        </p:attrNameLst>
-                                      </p:cBhvr>
-                                      <p:to>
-                                        <p:strVal val="visible"/>
-                                      </p:to>
-                                    </p:set>
-                                  </p:childTnLst>
-                                </p:cTn>
-                              </p:par>
-                            </p:childTnLst>
-                          </p:cTn>
-                        </p:par>
-                      </p:childTnLst>
-                    </p:cTn>
-                  </p:par>
-                  <p:par>
-                    <p:cTn id="7" fill="hold">
-                      <p:stCondLst>
-                        <p:cond delay="indefinite"/>
-                      </p:stCondLst>
-                      <p:childTnLst>
-                        <p:par>
-                          <p:cTn id="8" fill="hold">
-                            <p:stCondLst>
-                              <p:cond delay="0"/>
-                            </p:stCondLst>
-                            <p:childTnLst>
-                              <p:par>
-                                <p:cTn id="9" presetID="1" presetClass="entr" presetSubtype="0" fill="hold" grpId="0" nodeType="clickEffect">
-                                  <p:stCondLst>
-                                    <p:cond delay="0"/>
-                                  </p:stCondLst>
-                                  <p:childTnLst>
-                                    <p:set>
-                                      <p:cBhvr>
-                                        <p:cTn id="10" dur="1" fill="hold">
-                                          <p:stCondLst>
-                                            <p:cond delay="0"/>
-                                          </p:stCondLst>
-                                        </p:cTn>
-                                        <p:tgtEl>
-                                          <p:spTgt spid="6"/>
-                                        </p:tgtEl>
-                                        <p:attrNameLst>
-                                          <p:attrName>style.visibility</p:attrName>
-                                        </p:attrNameLst>
-                                      </p:cBhvr>
-                                      <p:to>
-                                        <p:strVal val="visible"/>
-                                      </p:to>
-                                    </p:set>
-                                  </p:childTnLst>
-                                </p:cTn>
-                              </p:par>
-                            </p:childTnLst>
-                          </p:cTn>
-                        </p:par>
-                      </p:childTnLst>
-                    </p:cTn>
-                  </p:par>
-                </p:childTnLst>
-              </p:cTn>
-              <p:prevCondLst>
-                <p:cond evt="onPrev" delay="0">
-                  <p:tgtEl>
-                    <p:sldTgt/>
-                  </p:tgtEl>
-                </p:cond>
-              </p:prevCondLst>
-              <p:nextCondLst>
-                <p:cond evt="onNext" delay="0">
-                  <p:tgtEl>
-                    <p:sldTgt/>
-                  </p:tgtEl>
-                </p:cond>
-              </p:nextCondLst>
-            </p:seq>
-          </p:childTnLst>
-        </p:cTn>
-      </p:par>
-    </p:tnLst>
-    <p:bldLst>
-      <p:bldP spid="5" grpId="0"/>
-      <p:bldP spid="6" grpId="0" animBg="1"/>
-    </p:bldLst>
-  </p:timing>
 </p:sld>
 </file>
 
@@ -11944,365 +11845,6 @@
   <p:clrMapOvr>
     <a:masterClrMapping/>
   </p:clrMapOvr>
-  <p:timing>
-    <p:tnLst>
-      <p:par>
-        <p:cTn id="1" dur="indefinite" restart="never" nodeType="tmRoot">
-          <p:childTnLst>
-            <p:seq concurrent="1" nextAc="seek">
-              <p:cTn id="2" dur="indefinite" nodeType="mainSeq">
-                <p:childTnLst>
-                  <p:par>
-                    <p:cTn id="3" fill="hold">
-                      <p:stCondLst>
-                        <p:cond delay="indefinite"/>
-                      </p:stCondLst>
-                      <p:childTnLst>
-                        <p:par>
-                          <p:cTn id="4" fill="hold">
-                            <p:stCondLst>
-                              <p:cond delay="0"/>
-                            </p:stCondLst>
-                            <p:childTnLst>
-                              <p:par>
-                                <p:cTn id="5" presetID="1" presetClass="entr" presetSubtype="0" fill="hold" nodeType="clickEffect">
-                                  <p:stCondLst>
-                                    <p:cond delay="0"/>
-                                  </p:stCondLst>
-                                  <p:childTnLst>
-                                    <p:set>
-                                      <p:cBhvr>
-                                        <p:cTn id="6" dur="1" fill="hold">
-                                          <p:stCondLst>
-                                            <p:cond delay="0"/>
-                                          </p:stCondLst>
-                                        </p:cTn>
-                                        <p:tgtEl>
-                                          <p:spTgt spid="5">
-                                            <p:txEl>
-                                              <p:pRg st="0" end="0"/>
-                                            </p:txEl>
-                                          </p:spTgt>
-                                        </p:tgtEl>
-                                        <p:attrNameLst>
-                                          <p:attrName>style.visibility</p:attrName>
-                                        </p:attrNameLst>
-                                      </p:cBhvr>
-                                      <p:to>
-                                        <p:strVal val="visible"/>
-                                      </p:to>
-                                    </p:set>
-                                  </p:childTnLst>
-                                </p:cTn>
-                              </p:par>
-                              <p:par>
-                                <p:cTn id="7" presetID="1" presetClass="entr" presetSubtype="0" fill="hold" nodeType="withEffect">
-                                  <p:stCondLst>
-                                    <p:cond delay="0"/>
-                                  </p:stCondLst>
-                                  <p:childTnLst>
-                                    <p:set>
-                                      <p:cBhvr>
-                                        <p:cTn id="8" dur="1" fill="hold">
-                                          <p:stCondLst>
-                                            <p:cond delay="0"/>
-                                          </p:stCondLst>
-                                        </p:cTn>
-                                        <p:tgtEl>
-                                          <p:spTgt spid="5">
-                                            <p:txEl>
-                                              <p:pRg st="1" end="1"/>
-                                            </p:txEl>
-                                          </p:spTgt>
-                                        </p:tgtEl>
-                                        <p:attrNameLst>
-                                          <p:attrName>style.visibility</p:attrName>
-                                        </p:attrNameLst>
-                                      </p:cBhvr>
-                                      <p:to>
-                                        <p:strVal val="visible"/>
-                                      </p:to>
-                                    </p:set>
-                                  </p:childTnLst>
-                                </p:cTn>
-                              </p:par>
-                            </p:childTnLst>
-                          </p:cTn>
-                        </p:par>
-                      </p:childTnLst>
-                    </p:cTn>
-                  </p:par>
-                  <p:par>
-                    <p:cTn id="9" fill="hold">
-                      <p:stCondLst>
-                        <p:cond delay="indefinite"/>
-                      </p:stCondLst>
-                      <p:childTnLst>
-                        <p:par>
-                          <p:cTn id="10" fill="hold">
-                            <p:stCondLst>
-                              <p:cond delay="0"/>
-                            </p:stCondLst>
-                            <p:childTnLst>
-                              <p:par>
-                                <p:cTn id="11" presetID="1" presetClass="entr" presetSubtype="0" fill="hold" nodeType="clickEffect">
-                                  <p:stCondLst>
-                                    <p:cond delay="0"/>
-                                  </p:stCondLst>
-                                  <p:childTnLst>
-                                    <p:set>
-                                      <p:cBhvr>
-                                        <p:cTn id="12" dur="1" fill="hold">
-                                          <p:stCondLst>
-                                            <p:cond delay="0"/>
-                                          </p:stCondLst>
-                                        </p:cTn>
-                                        <p:tgtEl>
-                                          <p:spTgt spid="5">
-                                            <p:txEl>
-                                              <p:pRg st="3" end="3"/>
-                                            </p:txEl>
-                                          </p:spTgt>
-                                        </p:tgtEl>
-                                        <p:attrNameLst>
-                                          <p:attrName>style.visibility</p:attrName>
-                                        </p:attrNameLst>
-                                      </p:cBhvr>
-                                      <p:to>
-                                        <p:strVal val="visible"/>
-                                      </p:to>
-                                    </p:set>
-                                  </p:childTnLst>
-                                </p:cTn>
-                              </p:par>
-                              <p:par>
-                                <p:cTn id="13" presetID="1" presetClass="entr" presetSubtype="0" fill="hold" nodeType="withEffect">
-                                  <p:stCondLst>
-                                    <p:cond delay="0"/>
-                                  </p:stCondLst>
-                                  <p:childTnLst>
-                                    <p:set>
-                                      <p:cBhvr>
-                                        <p:cTn id="14" dur="1" fill="hold">
-                                          <p:stCondLst>
-                                            <p:cond delay="0"/>
-                                          </p:stCondLst>
-                                        </p:cTn>
-                                        <p:tgtEl>
-                                          <p:spTgt spid="5">
-                                            <p:txEl>
-                                              <p:pRg st="4" end="4"/>
-                                            </p:txEl>
-                                          </p:spTgt>
-                                        </p:tgtEl>
-                                        <p:attrNameLst>
-                                          <p:attrName>style.visibility</p:attrName>
-                                        </p:attrNameLst>
-                                      </p:cBhvr>
-                                      <p:to>
-                                        <p:strVal val="visible"/>
-                                      </p:to>
-                                    </p:set>
-                                  </p:childTnLst>
-                                </p:cTn>
-                              </p:par>
-                            </p:childTnLst>
-                          </p:cTn>
-                        </p:par>
-                      </p:childTnLst>
-                    </p:cTn>
-                  </p:par>
-                  <p:par>
-                    <p:cTn id="15" fill="hold">
-                      <p:stCondLst>
-                        <p:cond delay="indefinite"/>
-                      </p:stCondLst>
-                      <p:childTnLst>
-                        <p:par>
-                          <p:cTn id="16" fill="hold">
-                            <p:stCondLst>
-                              <p:cond delay="0"/>
-                            </p:stCondLst>
-                            <p:childTnLst>
-                              <p:par>
-                                <p:cTn id="17" presetID="1" presetClass="entr" presetSubtype="0" fill="hold" nodeType="clickEffect">
-                                  <p:stCondLst>
-                                    <p:cond delay="0"/>
-                                  </p:stCondLst>
-                                  <p:childTnLst>
-                                    <p:set>
-                                      <p:cBhvr>
-                                        <p:cTn id="18" dur="1" fill="hold">
-                                          <p:stCondLst>
-                                            <p:cond delay="0"/>
-                                          </p:stCondLst>
-                                        </p:cTn>
-                                        <p:tgtEl>
-                                          <p:spTgt spid="5">
-                                            <p:txEl>
-                                              <p:pRg st="5" end="5"/>
-                                            </p:txEl>
-                                          </p:spTgt>
-                                        </p:tgtEl>
-                                        <p:attrNameLst>
-                                          <p:attrName>style.visibility</p:attrName>
-                                        </p:attrNameLst>
-                                      </p:cBhvr>
-                                      <p:to>
-                                        <p:strVal val="visible"/>
-                                      </p:to>
-                                    </p:set>
-                                  </p:childTnLst>
-                                </p:cTn>
-                              </p:par>
-                              <p:par>
-                                <p:cTn id="19" presetID="1" presetClass="entr" presetSubtype="0" fill="hold" nodeType="withEffect">
-                                  <p:stCondLst>
-                                    <p:cond delay="0"/>
-                                  </p:stCondLst>
-                                  <p:childTnLst>
-                                    <p:set>
-                                      <p:cBhvr>
-                                        <p:cTn id="20" dur="1" fill="hold">
-                                          <p:stCondLst>
-                                            <p:cond delay="0"/>
-                                          </p:stCondLst>
-                                        </p:cTn>
-                                        <p:tgtEl>
-                                          <p:spTgt spid="5">
-                                            <p:txEl>
-                                              <p:pRg st="6" end="6"/>
-                                            </p:txEl>
-                                          </p:spTgt>
-                                        </p:tgtEl>
-                                        <p:attrNameLst>
-                                          <p:attrName>style.visibility</p:attrName>
-                                        </p:attrNameLst>
-                                      </p:cBhvr>
-                                      <p:to>
-                                        <p:strVal val="visible"/>
-                                      </p:to>
-                                    </p:set>
-                                  </p:childTnLst>
-                                </p:cTn>
-                              </p:par>
-                              <p:par>
-                                <p:cTn id="21" presetID="1" presetClass="entr" presetSubtype="0" fill="hold" nodeType="withEffect">
-                                  <p:stCondLst>
-                                    <p:cond delay="0"/>
-                                  </p:stCondLst>
-                                  <p:childTnLst>
-                                    <p:set>
-                                      <p:cBhvr>
-                                        <p:cTn id="22" dur="1" fill="hold">
-                                          <p:stCondLst>
-                                            <p:cond delay="0"/>
-                                          </p:stCondLst>
-                                        </p:cTn>
-                                        <p:tgtEl>
-                                          <p:spTgt spid="5">
-                                            <p:txEl>
-                                              <p:pRg st="8" end="8"/>
-                                            </p:txEl>
-                                          </p:spTgt>
-                                        </p:tgtEl>
-                                        <p:attrNameLst>
-                                          <p:attrName>style.visibility</p:attrName>
-                                        </p:attrNameLst>
-                                      </p:cBhvr>
-                                      <p:to>
-                                        <p:strVal val="visible"/>
-                                      </p:to>
-                                    </p:set>
-                                  </p:childTnLst>
-                                </p:cTn>
-                              </p:par>
-                              <p:par>
-                                <p:cTn id="23" presetID="1" presetClass="entr" presetSubtype="0" fill="hold" nodeType="withEffect">
-                                  <p:stCondLst>
-                                    <p:cond delay="0"/>
-                                  </p:stCondLst>
-                                  <p:childTnLst>
-                                    <p:set>
-                                      <p:cBhvr>
-                                        <p:cTn id="24" dur="1" fill="hold">
-                                          <p:stCondLst>
-                                            <p:cond delay="0"/>
-                                          </p:stCondLst>
-                                        </p:cTn>
-                                        <p:tgtEl>
-                                          <p:spTgt spid="5">
-                                            <p:txEl>
-                                              <p:pRg st="10" end="10"/>
-                                            </p:txEl>
-                                          </p:spTgt>
-                                        </p:tgtEl>
-                                        <p:attrNameLst>
-                                          <p:attrName>style.visibility</p:attrName>
-                                        </p:attrNameLst>
-                                      </p:cBhvr>
-                                      <p:to>
-                                        <p:strVal val="visible"/>
-                                      </p:to>
-                                    </p:set>
-                                  </p:childTnLst>
-                                </p:cTn>
-                              </p:par>
-                              <p:par>
-                                <p:cTn id="25" presetID="1" presetClass="entr" presetSubtype="0" fill="hold" nodeType="withEffect">
-                                  <p:stCondLst>
-                                    <p:cond delay="0"/>
-                                  </p:stCondLst>
-                                  <p:childTnLst>
-                                    <p:set>
-                                      <p:cBhvr>
-                                        <p:cTn id="26" dur="1" fill="hold">
-                                          <p:stCondLst>
-                                            <p:cond delay="0"/>
-                                          </p:stCondLst>
-                                        </p:cTn>
-                                        <p:tgtEl>
-                                          <p:spTgt spid="3077"/>
-                                        </p:tgtEl>
-                                        <p:attrNameLst>
-                                          <p:attrName>style.visibility</p:attrName>
-                                        </p:attrNameLst>
-                                      </p:cBhvr>
-                                      <p:to>
-                                        <p:strVal val="visible"/>
-                                      </p:to>
-                                    </p:set>
-                                  </p:childTnLst>
-                                </p:cTn>
-                              </p:par>
-                            </p:childTnLst>
-                          </p:cTn>
-                        </p:par>
-                      </p:childTnLst>
-                    </p:cTn>
-                  </p:par>
-                </p:childTnLst>
-              </p:cTn>
-              <p:prevCondLst>
-                <p:cond evt="onPrev" delay="0">
-                  <p:tgtEl>
-                    <p:sldTgt/>
-                  </p:tgtEl>
-                </p:cond>
-              </p:prevCondLst>
-              <p:nextCondLst>
-                <p:cond evt="onNext" delay="0">
-                  <p:tgtEl>
-                    <p:sldTgt/>
-                  </p:tgtEl>
-                </p:cond>
-              </p:nextCondLst>
-            </p:seq>
-          </p:childTnLst>
-        </p:cTn>
-      </p:par>
-    </p:tnLst>
-  </p:timing>
 </p:sld>
 </file>
 
@@ -12666,134 +12208,6 @@
   <p:clrMapOvr>
     <a:masterClrMapping/>
   </p:clrMapOvr>
-  <p:timing>
-    <p:tnLst>
-      <p:par>
-        <p:cTn id="1" dur="indefinite" restart="never" nodeType="tmRoot">
-          <p:childTnLst>
-            <p:seq concurrent="1" nextAc="seek">
-              <p:cTn id="2" dur="indefinite" nodeType="mainSeq">
-                <p:childTnLst>
-                  <p:par>
-                    <p:cTn id="3" fill="hold">
-                      <p:stCondLst>
-                        <p:cond delay="indefinite"/>
-                      </p:stCondLst>
-                      <p:childTnLst>
-                        <p:par>
-                          <p:cTn id="4" fill="hold">
-                            <p:stCondLst>
-                              <p:cond delay="0"/>
-                            </p:stCondLst>
-                            <p:childTnLst>
-                              <p:par>
-                                <p:cTn id="5" presetID="1" presetClass="entr" presetSubtype="0" fill="hold" nodeType="clickEffect">
-                                  <p:stCondLst>
-                                    <p:cond delay="0"/>
-                                  </p:stCondLst>
-                                  <p:childTnLst>
-                                    <p:set>
-                                      <p:cBhvr>
-                                        <p:cTn id="6" dur="1" fill="hold">
-                                          <p:stCondLst>
-                                            <p:cond delay="0"/>
-                                          </p:stCondLst>
-                                        </p:cTn>
-                                        <p:tgtEl>
-                                          <p:spTgt spid="5">
-                                            <p:txEl>
-                                              <p:pRg st="0" end="0"/>
-                                            </p:txEl>
-                                          </p:spTgt>
-                                        </p:tgtEl>
-                                        <p:attrNameLst>
-                                          <p:attrName>style.visibility</p:attrName>
-                                        </p:attrNameLst>
-                                      </p:cBhvr>
-                                      <p:to>
-                                        <p:strVal val="visible"/>
-                                      </p:to>
-                                    </p:set>
-                                  </p:childTnLst>
-                                </p:cTn>
-                              </p:par>
-                            </p:childTnLst>
-                          </p:cTn>
-                        </p:par>
-                      </p:childTnLst>
-                    </p:cTn>
-                  </p:par>
-                  <p:par>
-                    <p:cTn id="7" fill="hold">
-                      <p:stCondLst>
-                        <p:cond delay="indefinite"/>
-                      </p:stCondLst>
-                      <p:childTnLst>
-                        <p:par>
-                          <p:cTn id="8" fill="hold">
-                            <p:stCondLst>
-                              <p:cond delay="0"/>
-                            </p:stCondLst>
-                            <p:childTnLst>
-                              <p:par>
-                                <p:cTn id="9" presetID="1" presetClass="entr" presetSubtype="0" fill="hold" nodeType="clickEffect">
-                                  <p:stCondLst>
-                                    <p:cond delay="0"/>
-                                  </p:stCondLst>
-                                  <p:childTnLst>
-                                    <p:set>
-                                      <p:cBhvr>
-                                        <p:cTn id="10" dur="1" fill="hold">
-                                          <p:stCondLst>
-                                            <p:cond delay="0"/>
-                                          </p:stCondLst>
-                                        </p:cTn>
-                                        <p:tgtEl>
-                                          <p:spTgt spid="5">
-                                            <p:txEl>
-                                              <p:pRg st="2" end="2"/>
-                                            </p:txEl>
-                                          </p:spTgt>
-                                        </p:tgtEl>
-                                        <p:attrNameLst>
-                                          <p:attrName>style.visibility</p:attrName>
-                                        </p:attrNameLst>
-                                      </p:cBhvr>
-                                      <p:to>
-                                        <p:strVal val="visible"/>
-                                      </p:to>
-                                    </p:set>
-                                  </p:childTnLst>
-                                </p:cTn>
-                              </p:par>
-                            </p:childTnLst>
-                          </p:cTn>
-                        </p:par>
-                      </p:childTnLst>
-                    </p:cTn>
-                  </p:par>
-                </p:childTnLst>
-              </p:cTn>
-              <p:prevCondLst>
-                <p:cond evt="onPrev" delay="0">
-                  <p:tgtEl>
-                    <p:sldTgt/>
-                  </p:tgtEl>
-                </p:cond>
-              </p:prevCondLst>
-              <p:nextCondLst>
-                <p:cond evt="onNext" delay="0">
-                  <p:tgtEl>
-                    <p:sldTgt/>
-                  </p:tgtEl>
-                </p:cond>
-              </p:nextCondLst>
-            </p:seq>
-          </p:childTnLst>
-        </p:cTn>
-      </p:par>
-    </p:tnLst>
-  </p:timing>
 </p:sld>
 </file>
 
@@ -13251,166 +12665,6 @@
   <p:clrMapOvr>
     <a:masterClrMapping/>
   </p:clrMapOvr>
-  <p:timing>
-    <p:tnLst>
-      <p:par>
-        <p:cTn id="1" dur="indefinite" restart="never" nodeType="tmRoot">
-          <p:childTnLst>
-            <p:seq concurrent="1" nextAc="seek">
-              <p:cTn id="2" dur="indefinite" nodeType="mainSeq">
-                <p:childTnLst>
-                  <p:par>
-                    <p:cTn id="3" fill="hold">
-                      <p:stCondLst>
-                        <p:cond delay="indefinite"/>
-                      </p:stCondLst>
-                      <p:childTnLst>
-                        <p:par>
-                          <p:cTn id="4" fill="hold">
-                            <p:stCondLst>
-                              <p:cond delay="0"/>
-                            </p:stCondLst>
-                            <p:childTnLst>
-                              <p:par>
-                                <p:cTn id="5" presetID="1" presetClass="entr" presetSubtype="0" fill="hold" nodeType="clickEffect">
-                                  <p:stCondLst>
-                                    <p:cond delay="0"/>
-                                  </p:stCondLst>
-                                  <p:childTnLst>
-                                    <p:set>
-                                      <p:cBhvr>
-                                        <p:cTn id="6" dur="1" fill="hold">
-                                          <p:stCondLst>
-                                            <p:cond delay="0"/>
-                                          </p:stCondLst>
-                                        </p:cTn>
-                                        <p:tgtEl>
-                                          <p:spTgt spid="6"/>
-                                        </p:tgtEl>
-                                        <p:attrNameLst>
-                                          <p:attrName>style.visibility</p:attrName>
-                                        </p:attrNameLst>
-                                      </p:cBhvr>
-                                      <p:to>
-                                        <p:strVal val="visible"/>
-                                      </p:to>
-                                    </p:set>
-                                  </p:childTnLst>
-                                </p:cTn>
-                              </p:par>
-                              <p:par>
-                                <p:cTn id="7" presetID="1" presetClass="entr" presetSubtype="0" fill="hold" grpId="0" nodeType="withEffect">
-                                  <p:stCondLst>
-                                    <p:cond delay="0"/>
-                                  </p:stCondLst>
-                                  <p:childTnLst>
-                                    <p:set>
-                                      <p:cBhvr>
-                                        <p:cTn id="8" dur="1" fill="hold">
-                                          <p:stCondLst>
-                                            <p:cond delay="0"/>
-                                          </p:stCondLst>
-                                        </p:cTn>
-                                        <p:tgtEl>
-                                          <p:spTgt spid="7"/>
-                                        </p:tgtEl>
-                                        <p:attrNameLst>
-                                          <p:attrName>style.visibility</p:attrName>
-                                        </p:attrNameLst>
-                                      </p:cBhvr>
-                                      <p:to>
-                                        <p:strVal val="visible"/>
-                                      </p:to>
-                                    </p:set>
-                                  </p:childTnLst>
-                                </p:cTn>
-                              </p:par>
-                              <p:par>
-                                <p:cTn id="9" presetID="1" presetClass="entr" presetSubtype="0" fill="hold" nodeType="withEffect">
-                                  <p:stCondLst>
-                                    <p:cond delay="0"/>
-                                  </p:stCondLst>
-                                  <p:childTnLst>
-                                    <p:set>
-                                      <p:cBhvr>
-                                        <p:cTn id="10" dur="1" fill="hold">
-                                          <p:stCondLst>
-                                            <p:cond delay="0"/>
-                                          </p:stCondLst>
-                                        </p:cTn>
-                                        <p:tgtEl>
-                                          <p:spTgt spid="8"/>
-                                        </p:tgtEl>
-                                        <p:attrNameLst>
-                                          <p:attrName>style.visibility</p:attrName>
-                                        </p:attrNameLst>
-                                      </p:cBhvr>
-                                      <p:to>
-                                        <p:strVal val="visible"/>
-                                      </p:to>
-                                    </p:set>
-                                  </p:childTnLst>
-                                </p:cTn>
-                              </p:par>
-                              <p:par>
-                                <p:cTn id="11" presetID="1" presetClass="entr" presetSubtype="0" fill="hold" grpId="0" nodeType="withEffect">
-                                  <p:stCondLst>
-                                    <p:cond delay="0"/>
-                                  </p:stCondLst>
-                                  <p:childTnLst>
-                                    <p:set>
-                                      <p:cBhvr>
-                                        <p:cTn id="12" dur="1" fill="hold">
-                                          <p:stCondLst>
-                                            <p:cond delay="0"/>
-                                          </p:stCondLst>
-                                        </p:cTn>
-                                        <p:tgtEl>
-                                          <p:spTgt spid="9"/>
-                                        </p:tgtEl>
-                                        <p:attrNameLst>
-                                          <p:attrName>style.visibility</p:attrName>
-                                        </p:attrNameLst>
-                                      </p:cBhvr>
-                                      <p:to>
-                                        <p:strVal val="visible"/>
-                                      </p:to>
-                                    </p:set>
-                                  </p:childTnLst>
-                                </p:cTn>
-                              </p:par>
-                            </p:childTnLst>
-                          </p:cTn>
-                        </p:par>
-                      </p:childTnLst>
-                    </p:cTn>
-                  </p:par>
-                </p:childTnLst>
-              </p:cTn>
-              <p:prevCondLst>
-                <p:cond evt="onPrev" delay="0">
-                  <p:tgtEl>
-                    <p:sldTgt/>
-                  </p:tgtEl>
-                </p:cond>
-              </p:prevCondLst>
-              <p:nextCondLst>
-                <p:cond evt="onNext" delay="0">
-                  <p:tgtEl>
-                    <p:sldTgt/>
-                  </p:tgtEl>
-                </p:cond>
-              </p:nextCondLst>
-            </p:seq>
-          </p:childTnLst>
-        </p:cTn>
-      </p:par>
-    </p:tnLst>
-    <p:bldLst>
-      <p:bldP spid="7" grpId="0"/>
-      <p:bldP spid="9" grpId="0"/>
-    </p:bldLst>
-  </p:timing>
 </p:sld>
 </file>
 
@@ -20843,196 +20097,6 @@
   <p:clrMapOvr>
     <a:masterClrMapping/>
   </p:clrMapOvr>
-  <p:timing>
-    <p:tnLst>
-      <p:par>
-        <p:cTn id="1" dur="indefinite" restart="never" nodeType="tmRoot">
-          <p:childTnLst>
-            <p:seq concurrent="1" nextAc="seek">
-              <p:cTn id="2" dur="indefinite" nodeType="mainSeq">
-                <p:childTnLst>
-                  <p:par>
-                    <p:cTn id="3" fill="hold">
-                      <p:stCondLst>
-                        <p:cond delay="indefinite"/>
-                      </p:stCondLst>
-                      <p:childTnLst>
-                        <p:par>
-                          <p:cTn id="4" fill="hold">
-                            <p:stCondLst>
-                              <p:cond delay="0"/>
-                            </p:stCondLst>
-                            <p:childTnLst>
-                              <p:par>
-                                <p:cTn id="5" presetID="1" presetClass="entr" presetSubtype="0" fill="hold" nodeType="clickEffect">
-                                  <p:stCondLst>
-                                    <p:cond delay="0"/>
-                                  </p:stCondLst>
-                                  <p:childTnLst>
-                                    <p:set>
-                                      <p:cBhvr>
-                                        <p:cTn id="6" dur="1" fill="hold">
-                                          <p:stCondLst>
-                                            <p:cond delay="0"/>
-                                          </p:stCondLst>
-                                        </p:cTn>
-                                        <p:tgtEl>
-                                          <p:spTgt spid="4">
-                                            <p:txEl>
-                                              <p:pRg st="0" end="0"/>
-                                            </p:txEl>
-                                          </p:spTgt>
-                                        </p:tgtEl>
-                                        <p:attrNameLst>
-                                          <p:attrName>style.visibility</p:attrName>
-                                        </p:attrNameLst>
-                                      </p:cBhvr>
-                                      <p:to>
-                                        <p:strVal val="visible"/>
-                                      </p:to>
-                                    </p:set>
-                                  </p:childTnLst>
-                                </p:cTn>
-                              </p:par>
-                            </p:childTnLst>
-                          </p:cTn>
-                        </p:par>
-                      </p:childTnLst>
-                    </p:cTn>
-                  </p:par>
-                  <p:par>
-                    <p:cTn id="7" fill="hold">
-                      <p:stCondLst>
-                        <p:cond delay="indefinite"/>
-                      </p:stCondLst>
-                      <p:childTnLst>
-                        <p:par>
-                          <p:cTn id="8" fill="hold">
-                            <p:stCondLst>
-                              <p:cond delay="0"/>
-                            </p:stCondLst>
-                            <p:childTnLst>
-                              <p:par>
-                                <p:cTn id="9" presetID="1" presetClass="entr" presetSubtype="0" fill="hold" nodeType="clickEffect">
-                                  <p:stCondLst>
-                                    <p:cond delay="0"/>
-                                  </p:stCondLst>
-                                  <p:childTnLst>
-                                    <p:set>
-                                      <p:cBhvr>
-                                        <p:cTn id="10" dur="1" fill="hold">
-                                          <p:stCondLst>
-                                            <p:cond delay="0"/>
-                                          </p:stCondLst>
-                                        </p:cTn>
-                                        <p:tgtEl>
-                                          <p:spTgt spid="4">
-                                            <p:txEl>
-                                              <p:pRg st="3" end="3"/>
-                                            </p:txEl>
-                                          </p:spTgt>
-                                        </p:tgtEl>
-                                        <p:attrNameLst>
-                                          <p:attrName>style.visibility</p:attrName>
-                                        </p:attrNameLst>
-                                      </p:cBhvr>
-                                      <p:to>
-                                        <p:strVal val="visible"/>
-                                      </p:to>
-                                    </p:set>
-                                  </p:childTnLst>
-                                </p:cTn>
-                              </p:par>
-                              <p:par>
-                                <p:cTn id="11" presetID="1" presetClass="entr" presetSubtype="0" fill="hold" nodeType="withEffect">
-                                  <p:stCondLst>
-                                    <p:cond delay="0"/>
-                                  </p:stCondLst>
-                                  <p:childTnLst>
-                                    <p:set>
-                                      <p:cBhvr>
-                                        <p:cTn id="12" dur="1" fill="hold">
-                                          <p:stCondLst>
-                                            <p:cond delay="0"/>
-                                          </p:stCondLst>
-                                        </p:cTn>
-                                        <p:tgtEl>
-                                          <p:spTgt spid="4">
-                                            <p:txEl>
-                                              <p:pRg st="4" end="4"/>
-                                            </p:txEl>
-                                          </p:spTgt>
-                                        </p:tgtEl>
-                                        <p:attrNameLst>
-                                          <p:attrName>style.visibility</p:attrName>
-                                        </p:attrNameLst>
-                                      </p:cBhvr>
-                                      <p:to>
-                                        <p:strVal val="visible"/>
-                                      </p:to>
-                                    </p:set>
-                                  </p:childTnLst>
-                                </p:cTn>
-                              </p:par>
-                              <p:par>
-                                <p:cTn id="13" presetID="1" presetClass="entr" presetSubtype="0" fill="hold" nodeType="withEffect">
-                                  <p:stCondLst>
-                                    <p:cond delay="0"/>
-                                  </p:stCondLst>
-                                  <p:childTnLst>
-                                    <p:set>
-                                      <p:cBhvr>
-                                        <p:cTn id="14" dur="1" fill="hold">
-                                          <p:stCondLst>
-                                            <p:cond delay="0"/>
-                                          </p:stCondLst>
-                                        </p:cTn>
-                                        <p:tgtEl>
-                                          <p:spTgt spid="4">
-                                            <p:txEl>
-                                              <p:pRg st="5" end="5"/>
-                                            </p:txEl>
-                                          </p:spTgt>
-                                        </p:tgtEl>
-                                        <p:attrNameLst>
-                                          <p:attrName>style.visibility</p:attrName>
-                                        </p:attrNameLst>
-                                      </p:cBhvr>
-                                      <p:to>
-                                        <p:strVal val="visible"/>
-                                      </p:to>
-                                    </p:set>
-                                  </p:childTnLst>
-                                </p:cTn>
-                              </p:par>
-                            </p:childTnLst>
-                          </p:cTn>
-                        </p:par>
-                      </p:childTnLst>
-                    </p:cTn>
-                  </p:par>
-                </p:childTnLst>
-              </p:cTn>
-              <p:prevCondLst>
-                <p:cond evt="onPrev" delay="0">
-                  <p:tgtEl>
-                    <p:sldTgt/>
-                  </p:tgtEl>
-                </p:cond>
-              </p:prevCondLst>
-              <p:nextCondLst>
-                <p:cond evt="onNext" delay="0">
-                  <p:tgtEl>
-                    <p:sldTgt/>
-                  </p:tgtEl>
-                </p:cond>
-              </p:nextCondLst>
-            </p:seq>
-          </p:childTnLst>
-        </p:cTn>
-      </p:par>
-    </p:tnLst>
-  </p:timing>
 </p:sld>
 </file>
 
@@ -21152,134 +20216,6 @@
   <p:clrMapOvr>
     <a:masterClrMapping/>
   </p:clrMapOvr>
-  <p:timing>
-    <p:tnLst>
-      <p:par>
-        <p:cTn id="1" dur="indefinite" restart="never" nodeType="tmRoot">
-          <p:childTnLst>
-            <p:seq concurrent="1" nextAc="seek">
-              <p:cTn id="2" dur="indefinite" nodeType="mainSeq">
-                <p:childTnLst>
-                  <p:par>
-                    <p:cTn id="3" fill="hold">
-                      <p:stCondLst>
-                        <p:cond delay="indefinite"/>
-                      </p:stCondLst>
-                      <p:childTnLst>
-                        <p:par>
-                          <p:cTn id="4" fill="hold">
-                            <p:stCondLst>
-                              <p:cond delay="0"/>
-                            </p:stCondLst>
-                            <p:childTnLst>
-                              <p:par>
-                                <p:cTn id="5" presetID="1" presetClass="entr" presetSubtype="0" fill="hold" nodeType="clickEffect">
-                                  <p:stCondLst>
-                                    <p:cond delay="0"/>
-                                  </p:stCondLst>
-                                  <p:childTnLst>
-                                    <p:set>
-                                      <p:cBhvr>
-                                        <p:cTn id="6" dur="1" fill="hold">
-                                          <p:stCondLst>
-                                            <p:cond delay="0"/>
-                                          </p:stCondLst>
-                                        </p:cTn>
-                                        <p:tgtEl>
-                                          <p:spTgt spid="4">
-                                            <p:txEl>
-                                              <p:pRg st="0" end="0"/>
-                                            </p:txEl>
-                                          </p:spTgt>
-                                        </p:tgtEl>
-                                        <p:attrNameLst>
-                                          <p:attrName>style.visibility</p:attrName>
-                                        </p:attrNameLst>
-                                      </p:cBhvr>
-                                      <p:to>
-                                        <p:strVal val="visible"/>
-                                      </p:to>
-                                    </p:set>
-                                  </p:childTnLst>
-                                </p:cTn>
-                              </p:par>
-                            </p:childTnLst>
-                          </p:cTn>
-                        </p:par>
-                      </p:childTnLst>
-                    </p:cTn>
-                  </p:par>
-                  <p:par>
-                    <p:cTn id="7" fill="hold">
-                      <p:stCondLst>
-                        <p:cond delay="indefinite"/>
-                      </p:stCondLst>
-                      <p:childTnLst>
-                        <p:par>
-                          <p:cTn id="8" fill="hold">
-                            <p:stCondLst>
-                              <p:cond delay="0"/>
-                            </p:stCondLst>
-                            <p:childTnLst>
-                              <p:par>
-                                <p:cTn id="9" presetID="1" presetClass="entr" presetSubtype="0" fill="hold" nodeType="clickEffect">
-                                  <p:stCondLst>
-                                    <p:cond delay="0"/>
-                                  </p:stCondLst>
-                                  <p:childTnLst>
-                                    <p:set>
-                                      <p:cBhvr>
-                                        <p:cTn id="10" dur="1" fill="hold">
-                                          <p:stCondLst>
-                                            <p:cond delay="0"/>
-                                          </p:stCondLst>
-                                        </p:cTn>
-                                        <p:tgtEl>
-                                          <p:spTgt spid="4">
-                                            <p:txEl>
-                                              <p:pRg st="2" end="2"/>
-                                            </p:txEl>
-                                          </p:spTgt>
-                                        </p:tgtEl>
-                                        <p:attrNameLst>
-                                          <p:attrName>style.visibility</p:attrName>
-                                        </p:attrNameLst>
-                                      </p:cBhvr>
-                                      <p:to>
-                                        <p:strVal val="visible"/>
-                                      </p:to>
-                                    </p:set>
-                                  </p:childTnLst>
-                                </p:cTn>
-                              </p:par>
-                            </p:childTnLst>
-                          </p:cTn>
-                        </p:par>
-                      </p:childTnLst>
-                    </p:cTn>
-                  </p:par>
-                </p:childTnLst>
-              </p:cTn>
-              <p:prevCondLst>
-                <p:cond evt="onPrev" delay="0">
-                  <p:tgtEl>
-                    <p:sldTgt/>
-                  </p:tgtEl>
-                </p:cond>
-              </p:prevCondLst>
-              <p:nextCondLst>
-                <p:cond evt="onNext" delay="0">
-                  <p:tgtEl>
-                    <p:sldTgt/>
-                  </p:tgtEl>
-                </p:cond>
-              </p:nextCondLst>
-            </p:seq>
-          </p:childTnLst>
-        </p:cTn>
-      </p:par>
-    </p:tnLst>
-  </p:timing>
 </p:sld>
 </file>
 
@@ -21574,325 +20510,6 @@
   <p:clrMapOvr>
     <a:masterClrMapping/>
   </p:clrMapOvr>
-  <p:timing>
-    <p:tnLst>
-      <p:par>
-        <p:cTn id="1" dur="indefinite" restart="never" nodeType="tmRoot">
-          <p:childTnLst>
-            <p:seq concurrent="1" nextAc="seek">
-              <p:cTn id="2" dur="indefinite" nodeType="mainSeq">
-                <p:childTnLst>
-                  <p:par>
-                    <p:cTn id="3" fill="hold">
-                      <p:stCondLst>
-                        <p:cond delay="indefinite"/>
-                      </p:stCondLst>
-                      <p:childTnLst>
-                        <p:par>
-                          <p:cTn id="4" fill="hold">
-                            <p:stCondLst>
-                              <p:cond delay="0"/>
-                            </p:stCondLst>
-                            <p:childTnLst>
-                              <p:par>
-                                <p:cTn id="5" presetID="1" presetClass="entr" presetSubtype="0" fill="hold" grpId="0" nodeType="clickEffect">
-                                  <p:stCondLst>
-                                    <p:cond delay="0"/>
-                                  </p:stCondLst>
-                                  <p:childTnLst>
-                                    <p:set>
-                                      <p:cBhvr>
-                                        <p:cTn id="6" dur="1" fill="hold">
-                                          <p:stCondLst>
-                                            <p:cond delay="0"/>
-                                          </p:stCondLst>
-                                        </p:cTn>
-                                        <p:tgtEl>
-                                          <p:spTgt spid="2"/>
-                                        </p:tgtEl>
-                                        <p:attrNameLst>
-                                          <p:attrName>style.visibility</p:attrName>
-                                        </p:attrNameLst>
-                                      </p:cBhvr>
-                                      <p:to>
-                                        <p:strVal val="visible"/>
-                                      </p:to>
-                                    </p:set>
-                                  </p:childTnLst>
-                                </p:cTn>
-                              </p:par>
-                            </p:childTnLst>
-                          </p:cTn>
-                        </p:par>
-                      </p:childTnLst>
-                    </p:cTn>
-                  </p:par>
-                  <p:par>
-                    <p:cTn id="7" fill="hold">
-                      <p:stCondLst>
-                        <p:cond delay="indefinite"/>
-                      </p:stCondLst>
-                      <p:childTnLst>
-                        <p:par>
-                          <p:cTn id="8" fill="hold">
-                            <p:stCondLst>
-                              <p:cond delay="0"/>
-                            </p:stCondLst>
-                            <p:childTnLst>
-                              <p:par>
-                                <p:cTn id="9" presetID="1" presetClass="entr" presetSubtype="0" fill="hold" nodeType="clickEffect">
-                                  <p:stCondLst>
-                                    <p:cond delay="0"/>
-                                  </p:stCondLst>
-                                  <p:childTnLst>
-                                    <p:set>
-                                      <p:cBhvr>
-                                        <p:cTn id="10" dur="1" fill="hold">
-                                          <p:stCondLst>
-                                            <p:cond delay="0"/>
-                                          </p:stCondLst>
-                                        </p:cTn>
-                                        <p:tgtEl>
-                                          <p:spTgt spid="1028"/>
-                                        </p:tgtEl>
-                                        <p:attrNameLst>
-                                          <p:attrName>style.visibility</p:attrName>
-                                        </p:attrNameLst>
-                                      </p:cBhvr>
-                                      <p:to>
-                                        <p:strVal val="visible"/>
-                                      </p:to>
-                                    </p:set>
-                                  </p:childTnLst>
-                                </p:cTn>
-                              </p:par>
-                            </p:childTnLst>
-                          </p:cTn>
-                        </p:par>
-                      </p:childTnLst>
-                    </p:cTn>
-                  </p:par>
-                  <p:par>
-                    <p:cTn id="11" fill="hold">
-                      <p:stCondLst>
-                        <p:cond delay="indefinite"/>
-                      </p:stCondLst>
-                      <p:childTnLst>
-                        <p:par>
-                          <p:cTn id="12" fill="hold">
-                            <p:stCondLst>
-                              <p:cond delay="0"/>
-                            </p:stCondLst>
-                            <p:childTnLst>
-                              <p:par>
-                                <p:cTn id="13" presetID="1" presetClass="entr" presetSubtype="0" fill="hold" nodeType="clickEffect">
-                                  <p:stCondLst>
-                                    <p:cond delay="0"/>
-                                  </p:stCondLst>
-                                  <p:childTnLst>
-                                    <p:set>
-                                      <p:cBhvr>
-                                        <p:cTn id="14" dur="1" fill="hold">
-                                          <p:stCondLst>
-                                            <p:cond delay="0"/>
-                                          </p:stCondLst>
-                                        </p:cTn>
-                                        <p:tgtEl>
-                                          <p:spTgt spid="4">
-                                            <p:txEl>
-                                              <p:pRg st="0" end="0"/>
-                                            </p:txEl>
-                                          </p:spTgt>
-                                        </p:tgtEl>
-                                        <p:attrNameLst>
-                                          <p:attrName>style.visibility</p:attrName>
-                                        </p:attrNameLst>
-                                      </p:cBhvr>
-                                      <p:to>
-                                        <p:strVal val="visible"/>
-                                      </p:to>
-                                    </p:set>
-                                  </p:childTnLst>
-                                </p:cTn>
-                              </p:par>
-                            </p:childTnLst>
-                          </p:cTn>
-                        </p:par>
-                      </p:childTnLst>
-                    </p:cTn>
-                  </p:par>
-                  <p:par>
-                    <p:cTn id="15" fill="hold">
-                      <p:stCondLst>
-                        <p:cond delay="indefinite"/>
-                      </p:stCondLst>
-                      <p:childTnLst>
-                        <p:par>
-                          <p:cTn id="16" fill="hold">
-                            <p:stCondLst>
-                              <p:cond delay="0"/>
-                            </p:stCondLst>
-                            <p:childTnLst>
-                              <p:par>
-                                <p:cTn id="17" presetID="1" presetClass="entr" presetSubtype="0" fill="hold" nodeType="clickEffect">
-                                  <p:stCondLst>
-                                    <p:cond delay="0"/>
-                                  </p:stCondLst>
-                                  <p:childTnLst>
-                                    <p:set>
-                                      <p:cBhvr>
-                                        <p:cTn id="18" dur="1" fill="hold">
-                                          <p:stCondLst>
-                                            <p:cond delay="0"/>
-                                          </p:stCondLst>
-                                        </p:cTn>
-                                        <p:tgtEl>
-                                          <p:spTgt spid="4">
-                                            <p:txEl>
-                                              <p:pRg st="2" end="2"/>
-                                            </p:txEl>
-                                          </p:spTgt>
-                                        </p:tgtEl>
-                                        <p:attrNameLst>
-                                          <p:attrName>style.visibility</p:attrName>
-                                        </p:attrNameLst>
-                                      </p:cBhvr>
-                                      <p:to>
-                                        <p:strVal val="visible"/>
-                                      </p:to>
-                                    </p:set>
-                                  </p:childTnLst>
-                                </p:cTn>
-                              </p:par>
-                            </p:childTnLst>
-                          </p:cTn>
-                        </p:par>
-                      </p:childTnLst>
-                    </p:cTn>
-                  </p:par>
-                  <p:par>
-                    <p:cTn id="19" fill="hold">
-                      <p:stCondLst>
-                        <p:cond delay="indefinite"/>
-                      </p:stCondLst>
-                      <p:childTnLst>
-                        <p:par>
-                          <p:cTn id="20" fill="hold">
-                            <p:stCondLst>
-                              <p:cond delay="0"/>
-                            </p:stCondLst>
-                            <p:childTnLst>
-                              <p:par>
-                                <p:cTn id="21" presetID="1" presetClass="entr" presetSubtype="0" fill="hold" nodeType="clickEffect">
-                                  <p:stCondLst>
-                                    <p:cond delay="0"/>
-                                  </p:stCondLst>
-                                  <p:childTnLst>
-                                    <p:set>
-                                      <p:cBhvr>
-                                        <p:cTn id="22" dur="1" fill="hold">
-                                          <p:stCondLst>
-                                            <p:cond delay="0"/>
-                                          </p:stCondLst>
-                                        </p:cTn>
-                                        <p:tgtEl>
-                                          <p:spTgt spid="4">
-                                            <p:txEl>
-                                              <p:pRg st="4" end="4"/>
-                                            </p:txEl>
-                                          </p:spTgt>
-                                        </p:tgtEl>
-                                        <p:attrNameLst>
-                                          <p:attrName>style.visibility</p:attrName>
-                                        </p:attrNameLst>
-                                      </p:cBhvr>
-                                      <p:to>
-                                        <p:strVal val="visible"/>
-                                      </p:to>
-                                    </p:set>
-                                  </p:childTnLst>
-                                </p:cTn>
-                              </p:par>
-                            </p:childTnLst>
-                          </p:cTn>
-                        </p:par>
-                      </p:childTnLst>
-                    </p:cTn>
-                  </p:par>
-                  <p:par>
-                    <p:cTn id="23" fill="hold">
-                      <p:stCondLst>
-                        <p:cond delay="indefinite"/>
-                      </p:stCondLst>
-                      <p:childTnLst>
-                        <p:par>
-                          <p:cTn id="24" fill="hold">
-                            <p:stCondLst>
-                              <p:cond delay="0"/>
-                            </p:stCondLst>
-                            <p:childTnLst>
-                              <p:par>
-                                <p:cTn id="25" presetID="1" presetClass="entr" presetSubtype="0" fill="hold" nodeType="clickEffect">
-                                  <p:stCondLst>
-                                    <p:cond delay="0"/>
-                                  </p:stCondLst>
-                                  <p:childTnLst>
-                                    <p:set>
-                                      <p:cBhvr>
-                                        <p:cTn id="26" dur="1" fill="hold">
-                                          <p:stCondLst>
-                                            <p:cond delay="0"/>
-                                          </p:stCondLst>
-                                        </p:cTn>
-                                        <p:tgtEl>
-                                          <p:spTgt spid="4">
-                                            <p:txEl>
-                                              <p:pRg st="6" end="6"/>
-                                            </p:txEl>
-                                          </p:spTgt>
-                                        </p:tgtEl>
-                                        <p:attrNameLst>
-                                          <p:attrName>style.visibility</p:attrName>
-                                        </p:attrNameLst>
-                                      </p:cBhvr>
-                                      <p:to>
-                                        <p:strVal val="visible"/>
-                                      </p:to>
-                                    </p:set>
-                                  </p:childTnLst>
-                                </p:cTn>
-                              </p:par>
-                            </p:childTnLst>
-                          </p:cTn>
-                        </p:par>
-                      </p:childTnLst>
-                    </p:cTn>
-                  </p:par>
-                </p:childTnLst>
-              </p:cTn>
-              <p:prevCondLst>
-                <p:cond evt="onPrev" delay="0">
-                  <p:tgtEl>
-                    <p:sldTgt/>
-                  </p:tgtEl>
-                </p:cond>
-              </p:prevCondLst>
-              <p:nextCondLst>
-                <p:cond evt="onNext" delay="0">
-                  <p:tgtEl>
-                    <p:sldTgt/>
-                  </p:tgtEl>
-                </p:cond>
-              </p:nextCondLst>
-            </p:seq>
-          </p:childTnLst>
-        </p:cTn>
-      </p:par>
-    </p:tnLst>
-    <p:bldLst>
-      <p:bldP spid="2" grpId="0"/>
-    </p:bldLst>
-  </p:timing>
 </p:sld>
 </file>
 

--- a/Syllabus/Lecture19/Lec19DNN2.pptx
+++ b/Syllabus/Lecture19/Lec19DNN2.pptx
@@ -5,10 +5,10 @@
     <p:sldMasterId id="2147483664" r:id="rId1"/>
   </p:sldMasterIdLst>
   <p:notesMasterIdLst>
-    <p:notesMasterId r:id="rId57"/>
+    <p:notesMasterId r:id="rId58"/>
   </p:notesMasterIdLst>
   <p:handoutMasterIdLst>
-    <p:handoutMasterId r:id="rId58"/>
+    <p:handoutMasterId r:id="rId59"/>
   </p:handoutMasterIdLst>
   <p:sldIdLst>
     <p:sldId id="266" r:id="rId2"/>
@@ -33,39 +33,40 @@
     <p:sldId id="1540" r:id="rId21"/>
     <p:sldId id="1541" r:id="rId22"/>
     <p:sldId id="1539" r:id="rId23"/>
-    <p:sldId id="1589" r:id="rId24"/>
-    <p:sldId id="1535" r:id="rId25"/>
-    <p:sldId id="1590" r:id="rId26"/>
-    <p:sldId id="1537" r:id="rId27"/>
-    <p:sldId id="1538" r:id="rId28"/>
-    <p:sldId id="1591" r:id="rId29"/>
-    <p:sldId id="1536" r:id="rId30"/>
-    <p:sldId id="1542" r:id="rId31"/>
-    <p:sldId id="1592" r:id="rId32"/>
-    <p:sldId id="1543" r:id="rId33"/>
-    <p:sldId id="1578" r:id="rId34"/>
-    <p:sldId id="1544" r:id="rId35"/>
-    <p:sldId id="1546" r:id="rId36"/>
-    <p:sldId id="1547" r:id="rId37"/>
-    <p:sldId id="1548" r:id="rId38"/>
-    <p:sldId id="1549" r:id="rId39"/>
-    <p:sldId id="1595" r:id="rId40"/>
-    <p:sldId id="1593" r:id="rId41"/>
-    <p:sldId id="1550" r:id="rId42"/>
-    <p:sldId id="1596" r:id="rId43"/>
-    <p:sldId id="1551" r:id="rId44"/>
-    <p:sldId id="1594" r:id="rId45"/>
-    <p:sldId id="1580" r:id="rId46"/>
-    <p:sldId id="1552" r:id="rId47"/>
-    <p:sldId id="1579" r:id="rId48"/>
-    <p:sldId id="1597" r:id="rId49"/>
-    <p:sldId id="1555" r:id="rId50"/>
-    <p:sldId id="1582" r:id="rId51"/>
-    <p:sldId id="1581" r:id="rId52"/>
-    <p:sldId id="1556" r:id="rId53"/>
-    <p:sldId id="1557" r:id="rId54"/>
-    <p:sldId id="1444" r:id="rId55"/>
-    <p:sldId id="410" r:id="rId56"/>
+    <p:sldId id="1599" r:id="rId24"/>
+    <p:sldId id="1589" r:id="rId25"/>
+    <p:sldId id="1535" r:id="rId26"/>
+    <p:sldId id="1590" r:id="rId27"/>
+    <p:sldId id="1537" r:id="rId28"/>
+    <p:sldId id="1538" r:id="rId29"/>
+    <p:sldId id="1591" r:id="rId30"/>
+    <p:sldId id="1536" r:id="rId31"/>
+    <p:sldId id="1542" r:id="rId32"/>
+    <p:sldId id="1592" r:id="rId33"/>
+    <p:sldId id="1543" r:id="rId34"/>
+    <p:sldId id="1578" r:id="rId35"/>
+    <p:sldId id="1544" r:id="rId36"/>
+    <p:sldId id="1546" r:id="rId37"/>
+    <p:sldId id="1547" r:id="rId38"/>
+    <p:sldId id="1548" r:id="rId39"/>
+    <p:sldId id="1549" r:id="rId40"/>
+    <p:sldId id="1595" r:id="rId41"/>
+    <p:sldId id="1593" r:id="rId42"/>
+    <p:sldId id="1550" r:id="rId43"/>
+    <p:sldId id="1596" r:id="rId44"/>
+    <p:sldId id="1551" r:id="rId45"/>
+    <p:sldId id="1594" r:id="rId46"/>
+    <p:sldId id="1580" r:id="rId47"/>
+    <p:sldId id="1552" r:id="rId48"/>
+    <p:sldId id="1579" r:id="rId49"/>
+    <p:sldId id="1597" r:id="rId50"/>
+    <p:sldId id="1555" r:id="rId51"/>
+    <p:sldId id="1582" r:id="rId52"/>
+    <p:sldId id="1581" r:id="rId53"/>
+    <p:sldId id="1556" r:id="rId54"/>
+    <p:sldId id="1557" r:id="rId55"/>
+    <p:sldId id="1444" r:id="rId56"/>
+    <p:sldId id="410" r:id="rId57"/>
   </p:sldIdLst>
   <p:sldSz cx="12192000" cy="6858000"/>
   <p:notesSz cx="6858000" cy="9144000"/>
@@ -191,6 +192,7 @@
             <p14:sldId id="1540"/>
             <p14:sldId id="1541"/>
             <p14:sldId id="1539"/>
+            <p14:sldId id="1599"/>
             <p14:sldId id="1589"/>
             <p14:sldId id="1535"/>
             <p14:sldId id="1590"/>
@@ -1526,11 +1528,11 @@
 </file>
 
 <file path=ppt/notesSlides/notesSlide16.xml><?xml version="1.0" encoding="utf-8"?>
-<p:notes xmlns:a="http://schemas.openxmlformats.org/drawingml/2006/main" xmlns:r="http://schemas.openxmlformats.org/officeDocument/2006/relationships" xmlns:p="http://schemas.openxmlformats.org/presentationml/2006/main" showMasterSp="0" showMasterPhAnim="0">
+<p:notes xmlns:a="http://schemas.openxmlformats.org/drawingml/2006/main" xmlns:r="http://schemas.openxmlformats.org/officeDocument/2006/relationships" xmlns:p="http://schemas.openxmlformats.org/presentationml/2006/main">
   <p:cSld>
     <p:spTree>
       <p:nvGrpSpPr>
-        <p:cNvPr id="1" name="Shape 91"/>
+        <p:cNvPr id="1" name=""/>
         <p:cNvGrpSpPr/>
         <p:nvPr/>
       </p:nvGrpSpPr>
@@ -1544,87 +1546,62 @@
       </p:grpSpPr>
       <p:sp>
         <p:nvSpPr>
-          <p:cNvPr id="92" name="Google Shape;92;g921be16503_9_0:notes"/>
+          <p:cNvPr id="2" name="Slide Image Placeholder 1"/>
           <p:cNvSpPr>
             <a:spLocks noGrp="1" noRot="1" noChangeAspect="1"/>
           </p:cNvSpPr>
           <p:nvPr>
-            <p:ph type="sldImg" idx="2"/>
+            <p:ph type="sldImg"/>
           </p:nvPr>
         </p:nvSpPr>
-        <p:spPr>
-          <a:xfrm>
-            <a:off x="381000" y="685800"/>
-            <a:ext cx="6096000" cy="3429000"/>
-          </a:xfrm>
-          <a:custGeom>
-            <a:avLst/>
-            <a:gdLst/>
-            <a:ahLst/>
-            <a:cxnLst/>
-            <a:rect l="l" t="t" r="r" b="b"/>
-            <a:pathLst>
-              <a:path w="120000" h="120000" extrusionOk="0">
-                <a:moveTo>
-                  <a:pt x="0" y="0"/>
-                </a:moveTo>
-                <a:lnTo>
-                  <a:pt x="120000" y="0"/>
-                </a:lnTo>
-                <a:lnTo>
-                  <a:pt x="120000" y="120000"/>
-                </a:lnTo>
-                <a:lnTo>
-                  <a:pt x="0" y="120000"/>
-                </a:lnTo>
-                <a:close/>
-              </a:path>
-            </a:pathLst>
-          </a:custGeom>
-        </p:spPr>
+        <p:spPr/>
       </p:sp>
       <p:sp>
         <p:nvSpPr>
-          <p:cNvPr id="93" name="Google Shape;93;g921be16503_9_0:notes"/>
-          <p:cNvSpPr txBox="1">
+          <p:cNvPr id="3" name="Notes Placeholder 2"/>
+          <p:cNvSpPr>
             <a:spLocks noGrp="1"/>
           </p:cNvSpPr>
           <p:nvPr>
             <p:ph type="body" idx="1"/>
           </p:nvPr>
         </p:nvSpPr>
-        <p:spPr>
-          <a:xfrm>
-            <a:off x="685800" y="4343400"/>
-            <a:ext cx="5486400" cy="4114800"/>
-          </a:xfrm>
-          <a:prstGeom prst="rect">
-            <a:avLst/>
-          </a:prstGeom>
-        </p:spPr>
+        <p:spPr/>
         <p:txBody>
-          <a:bodyPr spcFirstLastPara="1" wrap="square" lIns="91425" tIns="91425" rIns="91425" bIns="91425" anchor="t" anchorCtr="0">
-            <a:noAutofit/>
-          </a:bodyPr>
+          <a:bodyPr/>
           <a:lstStyle/>
           <a:p>
-            <a:pPr marL="0" lvl="0" indent="0" algn="l" rtl="0">
-              <a:spcBef>
-                <a:spcPts val="0"/>
-              </a:spcBef>
-              <a:spcAft>
-                <a:spcPts val="0"/>
-              </a:spcAft>
-              <a:buNone/>
-            </a:pPr>
             <a:endParaRPr lang="en-US" dirty="0"/>
+          </a:p>
+        </p:txBody>
+      </p:sp>
+      <p:sp>
+        <p:nvSpPr>
+          <p:cNvPr id="4" name="Slide Number Placeholder 3"/>
+          <p:cNvSpPr>
+            <a:spLocks noGrp="1"/>
+          </p:cNvSpPr>
+          <p:nvPr>
+            <p:ph type="sldNum" sz="quarter" idx="5"/>
+          </p:nvPr>
+        </p:nvSpPr>
+        <p:spPr/>
+        <p:txBody>
+          <a:bodyPr/>
+          <a:lstStyle/>
+          <a:p>
+            <a:fld id="{8DCF60EF-C37D-4D44-90AD-6140AB570E45}" type="slidenum">
+              <a:rPr lang="en-US" smtClean="0"/>
+              <a:t>22</a:t>
+            </a:fld>
+            <a:endParaRPr lang="en-US"/>
           </a:p>
         </p:txBody>
       </p:sp>
     </p:spTree>
     <p:extLst>
       <p:ext uri="{BB962C8B-B14F-4D97-AF65-F5344CB8AC3E}">
-        <p14:creationId xmlns:p14="http://schemas.microsoft.com/office/powerpoint/2010/main" val="745788210"/>
+        <p14:creationId xmlns:p14="http://schemas.microsoft.com/office/powerpoint/2010/main" val="3819510562"/>
       </p:ext>
     </p:extLst>
   </p:cSld>
@@ -1699,7 +1676,7 @@
           <a:p>
             <a:fld id="{8DCF60EF-C37D-4D44-90AD-6140AB570E45}" type="slidenum">
               <a:rPr lang="en-US" smtClean="0"/>
-              <a:t>34</a:t>
+              <a:t>23</a:t>
             </a:fld>
             <a:endParaRPr lang="en-US"/>
           </a:p>
@@ -1708,7 +1685,7 @@
     </p:spTree>
     <p:extLst>
       <p:ext uri="{BB962C8B-B14F-4D97-AF65-F5344CB8AC3E}">
-        <p14:creationId xmlns:p14="http://schemas.microsoft.com/office/powerpoint/2010/main" val="2432820745"/>
+        <p14:creationId xmlns:p14="http://schemas.microsoft.com/office/powerpoint/2010/main" val="2085036282"/>
       </p:ext>
     </p:extLst>
   </p:cSld>
@@ -1719,11 +1696,11 @@
 </file>
 
 <file path=ppt/notesSlides/notesSlide18.xml><?xml version="1.0" encoding="utf-8"?>
-<p:notes xmlns:a="http://schemas.openxmlformats.org/drawingml/2006/main" xmlns:r="http://schemas.openxmlformats.org/officeDocument/2006/relationships" xmlns:p="http://schemas.openxmlformats.org/presentationml/2006/main">
+<p:notes xmlns:a="http://schemas.openxmlformats.org/drawingml/2006/main" xmlns:r="http://schemas.openxmlformats.org/officeDocument/2006/relationships" xmlns:p="http://schemas.openxmlformats.org/presentationml/2006/main" showMasterSp="0" showMasterPhAnim="0">
   <p:cSld>
     <p:spTree>
       <p:nvGrpSpPr>
-        <p:cNvPr id="1" name=""/>
+        <p:cNvPr id="1" name="Shape 91"/>
         <p:cNvGrpSpPr/>
         <p:nvPr/>
       </p:nvGrpSpPr>
@@ -1737,210 +1714,87 @@
       </p:grpSpPr>
       <p:sp>
         <p:nvSpPr>
-          <p:cNvPr id="2" name="Slide Image Placeholder 1"/>
+          <p:cNvPr id="92" name="Google Shape;92;g921be16503_9_0:notes"/>
           <p:cNvSpPr>
             <a:spLocks noGrp="1" noRot="1" noChangeAspect="1"/>
           </p:cNvSpPr>
           <p:nvPr>
-            <p:ph type="sldImg"/>
+            <p:ph type="sldImg" idx="2"/>
           </p:nvPr>
         </p:nvSpPr>
-        <p:spPr/>
+        <p:spPr>
+          <a:xfrm>
+            <a:off x="381000" y="685800"/>
+            <a:ext cx="6096000" cy="3429000"/>
+          </a:xfrm>
+          <a:custGeom>
+            <a:avLst/>
+            <a:gdLst/>
+            <a:ahLst/>
+            <a:cxnLst/>
+            <a:rect l="l" t="t" r="r" b="b"/>
+            <a:pathLst>
+              <a:path w="120000" h="120000" extrusionOk="0">
+                <a:moveTo>
+                  <a:pt x="0" y="0"/>
+                </a:moveTo>
+                <a:lnTo>
+                  <a:pt x="120000" y="0"/>
+                </a:lnTo>
+                <a:lnTo>
+                  <a:pt x="120000" y="120000"/>
+                </a:lnTo>
+                <a:lnTo>
+                  <a:pt x="0" y="120000"/>
+                </a:lnTo>
+                <a:close/>
+              </a:path>
+            </a:pathLst>
+          </a:custGeom>
+        </p:spPr>
       </p:sp>
       <p:sp>
         <p:nvSpPr>
-          <p:cNvPr id="3" name="Notes Placeholder 2"/>
-          <p:cNvSpPr>
+          <p:cNvPr id="93" name="Google Shape;93;g921be16503_9_0:notes"/>
+          <p:cNvSpPr txBox="1">
             <a:spLocks noGrp="1"/>
           </p:cNvSpPr>
           <p:nvPr>
             <p:ph type="body" idx="1"/>
           </p:nvPr>
         </p:nvSpPr>
-        <p:spPr/>
+        <p:spPr>
+          <a:xfrm>
+            <a:off x="685800" y="4343400"/>
+            <a:ext cx="5486400" cy="4114800"/>
+          </a:xfrm>
+          <a:prstGeom prst="rect">
+            <a:avLst/>
+          </a:prstGeom>
+        </p:spPr>
         <p:txBody>
-          <a:bodyPr/>
+          <a:bodyPr spcFirstLastPara="1" wrap="square" lIns="91425" tIns="91425" rIns="91425" bIns="91425" anchor="t" anchorCtr="0">
+            <a:noAutofit/>
+          </a:bodyPr>
           <a:lstStyle/>
           <a:p>
-            <a:r>
-              <a:rPr lang="en-US" sz="1600" b="1" i="1" kern="1200" dirty="0">
-                <a:solidFill>
-                  <a:schemeClr val="tx1"/>
-                </a:solidFill>
-                <a:effectLst/>
-                <a:latin typeface="+mn-lt"/>
-                <a:ea typeface="+mn-ea"/>
-                <a:cs typeface="+mn-cs"/>
-              </a:rPr>
-              <a:t>1. By noise we mean the data points that don’t really represent the true properties of your data, but random chance</a:t>
-            </a:r>
-            <a:r>
-              <a:rPr lang="en-US" sz="1600" b="0" i="0" kern="1200" dirty="0">
-                <a:solidFill>
-                  <a:schemeClr val="tx1"/>
-                </a:solidFill>
-                <a:effectLst/>
-                <a:latin typeface="+mn-lt"/>
-                <a:ea typeface="+mn-ea"/>
-                <a:cs typeface="+mn-cs"/>
-              </a:rPr>
-              <a:t>. Learning such data points, makes your model more flexible, at the risk of overfitting.</a:t>
-            </a:r>
-          </a:p>
-          <a:p>
-            <a:endParaRPr lang="en-US" sz="1600" b="0" i="0" kern="1200" dirty="0">
-              <a:solidFill>
-                <a:schemeClr val="tx1"/>
-              </a:solidFill>
-              <a:effectLst/>
-              <a:latin typeface="+mn-lt"/>
-              <a:ea typeface="+mn-ea"/>
-              <a:cs typeface="+mn-cs"/>
-            </a:endParaRPr>
-          </a:p>
-          <a:p>
-            <a:r>
-              <a:rPr lang="en-US" sz="1600" b="0" i="0" kern="1200" dirty="0">
-                <a:solidFill>
-                  <a:schemeClr val="tx1"/>
-                </a:solidFill>
-                <a:effectLst/>
-                <a:latin typeface="+mn-lt"/>
-                <a:ea typeface="+mn-ea"/>
-                <a:cs typeface="+mn-cs"/>
-              </a:rPr>
-              <a:t>2. overfit model captures unnecessary details, noise, or too specific relationships within a dataset.</a:t>
-            </a:r>
-          </a:p>
-          <a:p>
-            <a:endParaRPr lang="en-US" sz="1600" b="0" i="0" kern="1200" dirty="0">
-              <a:solidFill>
-                <a:schemeClr val="tx1"/>
-              </a:solidFill>
-              <a:effectLst/>
-              <a:latin typeface="+mn-lt"/>
-              <a:ea typeface="+mn-ea"/>
-              <a:cs typeface="+mn-cs"/>
-            </a:endParaRPr>
-          </a:p>
-          <a:p>
-            <a:r>
-              <a:rPr lang="en-US" sz="1600" b="0" i="0" kern="1200" dirty="0">
-                <a:solidFill>
-                  <a:schemeClr val="tx1"/>
-                </a:solidFill>
-                <a:effectLst/>
-                <a:latin typeface="+mn-lt"/>
-                <a:ea typeface="+mn-ea"/>
-                <a:cs typeface="+mn-cs"/>
-              </a:rPr>
-              <a:t>3. Overfitting occurs when a model fails to generalize well to the data. Thus, an overfit model is not very stable and it usually behaves unexpectedly. In general, overfitting results in poor performance on previously unseen data. Overfitting is a serious problem in machine learning. We can never trust an overfit model and put it into production. It is full of surprises, but not the ones that make you happy. The predictions might change dramatically even if there are very small changes in the feature values.</a:t>
-            </a:r>
-          </a:p>
-          <a:p>
-            <a:r>
-              <a:rPr lang="en-US" sz="1600" b="0" i="0" kern="1200" dirty="0">
-                <a:solidFill>
-                  <a:schemeClr val="tx1"/>
-                </a:solidFill>
-                <a:effectLst/>
-                <a:latin typeface="+mn-lt"/>
-                <a:ea typeface="+mn-ea"/>
-                <a:cs typeface="+mn-cs"/>
-              </a:rPr>
-              <a:t>There are some strong indicators of overfitting. If there is a substantial amount of difference between the accuracies on the training and test set, we are likely to have an overfit model. Another indicator is getting very different results with different test sets.</a:t>
-            </a:r>
-          </a:p>
-          <a:p>
-            <a:endParaRPr lang="en-US" sz="1600" b="0" i="0" kern="1200" dirty="0">
-              <a:solidFill>
-                <a:schemeClr val="tx1"/>
-              </a:solidFill>
-              <a:effectLst/>
-              <a:latin typeface="+mn-lt"/>
-              <a:ea typeface="+mn-ea"/>
-              <a:cs typeface="+mn-cs"/>
-            </a:endParaRPr>
-          </a:p>
-          <a:p>
-            <a:r>
-              <a:rPr lang="en-US" sz="1600" b="0" i="0" kern="1200" dirty="0">
-                <a:solidFill>
-                  <a:schemeClr val="tx1"/>
-                </a:solidFill>
-                <a:effectLst/>
-                <a:latin typeface="+mn-lt"/>
-                <a:ea typeface="+mn-ea"/>
-                <a:cs typeface="+mn-cs"/>
-              </a:rPr>
-              <a:t>4. Cross validation, </a:t>
-            </a:r>
-          </a:p>
-          <a:p>
-            <a:endParaRPr lang="en-US" sz="1600" b="0" i="0" kern="1200" dirty="0">
-              <a:solidFill>
-                <a:schemeClr val="tx1"/>
-              </a:solidFill>
-              <a:effectLst/>
-              <a:latin typeface="+mn-lt"/>
-              <a:ea typeface="+mn-ea"/>
-              <a:cs typeface="+mn-cs"/>
-            </a:endParaRPr>
-          </a:p>
-          <a:p>
-            <a:endParaRPr lang="en-US" sz="1600" b="0" i="0" kern="1200" dirty="0">
-              <a:solidFill>
-                <a:schemeClr val="tx1"/>
-              </a:solidFill>
-              <a:effectLst/>
-              <a:latin typeface="+mn-lt"/>
-              <a:ea typeface="+mn-ea"/>
-              <a:cs typeface="+mn-cs"/>
-            </a:endParaRPr>
-          </a:p>
-          <a:p>
-            <a:endParaRPr lang="en-US" sz="1600" b="0" i="0" kern="1200" dirty="0">
-              <a:solidFill>
-                <a:schemeClr val="tx1"/>
-              </a:solidFill>
-              <a:effectLst/>
-              <a:latin typeface="+mn-lt"/>
-              <a:ea typeface="+mn-ea"/>
-              <a:cs typeface="+mn-cs"/>
-            </a:endParaRPr>
-          </a:p>
-          <a:p>
+            <a:pPr marL="0" lvl="0" indent="0" algn="l" rtl="0">
+              <a:spcBef>
+                <a:spcPts val="0"/>
+              </a:spcBef>
+              <a:spcAft>
+                <a:spcPts val="0"/>
+              </a:spcAft>
+              <a:buNone/>
+            </a:pPr>
             <a:endParaRPr lang="en-US" dirty="0"/>
-          </a:p>
-        </p:txBody>
-      </p:sp>
-      <p:sp>
-        <p:nvSpPr>
-          <p:cNvPr id="4" name="Slide Number Placeholder 3"/>
-          <p:cNvSpPr>
-            <a:spLocks noGrp="1"/>
-          </p:cNvSpPr>
-          <p:nvPr>
-            <p:ph type="sldNum" sz="quarter" idx="5"/>
-          </p:nvPr>
-        </p:nvSpPr>
-        <p:spPr/>
-        <p:txBody>
-          <a:bodyPr/>
-          <a:lstStyle/>
-          <a:p>
-            <a:fld id="{8DCF60EF-C37D-4D44-90AD-6140AB570E45}" type="slidenum">
-              <a:rPr lang="en-US" smtClean="0"/>
-              <a:t>35</a:t>
-            </a:fld>
-            <a:endParaRPr lang="en-US"/>
           </a:p>
         </p:txBody>
       </p:sp>
     </p:spTree>
     <p:extLst>
       <p:ext uri="{BB962C8B-B14F-4D97-AF65-F5344CB8AC3E}">
-        <p14:creationId xmlns:p14="http://schemas.microsoft.com/office/powerpoint/2010/main" val="3153247989"/>
+        <p14:creationId xmlns:p14="http://schemas.microsoft.com/office/powerpoint/2010/main" val="745788210"/>
       </p:ext>
     </p:extLst>
   </p:cSld>
@@ -2015,7 +1869,7 @@
           <a:p>
             <a:fld id="{8DCF60EF-C37D-4D44-90AD-6140AB570E45}" type="slidenum">
               <a:rPr lang="en-US" smtClean="0"/>
-              <a:t>36</a:t>
+              <a:t>35</a:t>
             </a:fld>
             <a:endParaRPr lang="en-US"/>
           </a:p>
@@ -2024,7 +1878,7 @@
     </p:spTree>
     <p:extLst>
       <p:ext uri="{BB962C8B-B14F-4D97-AF65-F5344CB8AC3E}">
-        <p14:creationId xmlns:p14="http://schemas.microsoft.com/office/powerpoint/2010/main" val="3152302391"/>
+        <p14:creationId xmlns:p14="http://schemas.microsoft.com/office/powerpoint/2010/main" val="2432820745"/>
       </p:ext>
     </p:extLst>
   </p:cSld>
@@ -2144,6 +1998,322 @@
 </file>
 
 <file path=ppt/notesSlides/notesSlide20.xml><?xml version="1.0" encoding="utf-8"?>
+<p:notes xmlns:a="http://schemas.openxmlformats.org/drawingml/2006/main" xmlns:r="http://schemas.openxmlformats.org/officeDocument/2006/relationships" xmlns:p="http://schemas.openxmlformats.org/presentationml/2006/main">
+  <p:cSld>
+    <p:spTree>
+      <p:nvGrpSpPr>
+        <p:cNvPr id="1" name=""/>
+        <p:cNvGrpSpPr/>
+        <p:nvPr/>
+      </p:nvGrpSpPr>
+      <p:grpSpPr>
+        <a:xfrm>
+          <a:off x="0" y="0"/>
+          <a:ext cx="0" cy="0"/>
+          <a:chOff x="0" y="0"/>
+          <a:chExt cx="0" cy="0"/>
+        </a:xfrm>
+      </p:grpSpPr>
+      <p:sp>
+        <p:nvSpPr>
+          <p:cNvPr id="2" name="Slide Image Placeholder 1"/>
+          <p:cNvSpPr>
+            <a:spLocks noGrp="1" noRot="1" noChangeAspect="1"/>
+          </p:cNvSpPr>
+          <p:nvPr>
+            <p:ph type="sldImg"/>
+          </p:nvPr>
+        </p:nvSpPr>
+        <p:spPr/>
+      </p:sp>
+      <p:sp>
+        <p:nvSpPr>
+          <p:cNvPr id="3" name="Notes Placeholder 2"/>
+          <p:cNvSpPr>
+            <a:spLocks noGrp="1"/>
+          </p:cNvSpPr>
+          <p:nvPr>
+            <p:ph type="body" idx="1"/>
+          </p:nvPr>
+        </p:nvSpPr>
+        <p:spPr/>
+        <p:txBody>
+          <a:bodyPr/>
+          <a:lstStyle/>
+          <a:p>
+            <a:r>
+              <a:rPr lang="en-US" sz="1600" b="1" i="1" kern="1200" dirty="0">
+                <a:solidFill>
+                  <a:schemeClr val="tx1"/>
+                </a:solidFill>
+                <a:effectLst/>
+                <a:latin typeface="+mn-lt"/>
+                <a:ea typeface="+mn-ea"/>
+                <a:cs typeface="+mn-cs"/>
+              </a:rPr>
+              <a:t>1. By noise we mean the data points that don’t really represent the true properties of your data, but random chance</a:t>
+            </a:r>
+            <a:r>
+              <a:rPr lang="en-US" sz="1600" b="0" i="0" kern="1200" dirty="0">
+                <a:solidFill>
+                  <a:schemeClr val="tx1"/>
+                </a:solidFill>
+                <a:effectLst/>
+                <a:latin typeface="+mn-lt"/>
+                <a:ea typeface="+mn-ea"/>
+                <a:cs typeface="+mn-cs"/>
+              </a:rPr>
+              <a:t>. Learning such data points, makes your model more flexible, at the risk of overfitting.</a:t>
+            </a:r>
+          </a:p>
+          <a:p>
+            <a:endParaRPr lang="en-US" sz="1600" b="0" i="0" kern="1200" dirty="0">
+              <a:solidFill>
+                <a:schemeClr val="tx1"/>
+              </a:solidFill>
+              <a:effectLst/>
+              <a:latin typeface="+mn-lt"/>
+              <a:ea typeface="+mn-ea"/>
+              <a:cs typeface="+mn-cs"/>
+            </a:endParaRPr>
+          </a:p>
+          <a:p>
+            <a:r>
+              <a:rPr lang="en-US" sz="1600" b="0" i="0" kern="1200" dirty="0">
+                <a:solidFill>
+                  <a:schemeClr val="tx1"/>
+                </a:solidFill>
+                <a:effectLst/>
+                <a:latin typeface="+mn-lt"/>
+                <a:ea typeface="+mn-ea"/>
+                <a:cs typeface="+mn-cs"/>
+              </a:rPr>
+              <a:t>2. overfit model captures unnecessary details, noise, or too specific relationships within a dataset.</a:t>
+            </a:r>
+          </a:p>
+          <a:p>
+            <a:endParaRPr lang="en-US" sz="1600" b="0" i="0" kern="1200" dirty="0">
+              <a:solidFill>
+                <a:schemeClr val="tx1"/>
+              </a:solidFill>
+              <a:effectLst/>
+              <a:latin typeface="+mn-lt"/>
+              <a:ea typeface="+mn-ea"/>
+              <a:cs typeface="+mn-cs"/>
+            </a:endParaRPr>
+          </a:p>
+          <a:p>
+            <a:r>
+              <a:rPr lang="en-US" sz="1600" b="0" i="0" kern="1200" dirty="0">
+                <a:solidFill>
+                  <a:schemeClr val="tx1"/>
+                </a:solidFill>
+                <a:effectLst/>
+                <a:latin typeface="+mn-lt"/>
+                <a:ea typeface="+mn-ea"/>
+                <a:cs typeface="+mn-cs"/>
+              </a:rPr>
+              <a:t>3. Overfitting occurs when a model fails to generalize well to the data. Thus, an overfit model is not very stable and it usually behaves unexpectedly. In general, overfitting results in poor performance on previously unseen data. Overfitting is a serious problem in machine learning. We can never trust an overfit model and put it into production. It is full of surprises, but not the ones that make you happy. The predictions might change dramatically even if there are very small changes in the feature values.</a:t>
+            </a:r>
+          </a:p>
+          <a:p>
+            <a:r>
+              <a:rPr lang="en-US" sz="1600" b="0" i="0" kern="1200" dirty="0">
+                <a:solidFill>
+                  <a:schemeClr val="tx1"/>
+                </a:solidFill>
+                <a:effectLst/>
+                <a:latin typeface="+mn-lt"/>
+                <a:ea typeface="+mn-ea"/>
+                <a:cs typeface="+mn-cs"/>
+              </a:rPr>
+              <a:t>There are some strong indicators of overfitting. If there is a substantial amount of difference between the accuracies on the training and test set, we are likely to have an overfit model. Another indicator is getting very different results with different test sets.</a:t>
+            </a:r>
+          </a:p>
+          <a:p>
+            <a:endParaRPr lang="en-US" sz="1600" b="0" i="0" kern="1200" dirty="0">
+              <a:solidFill>
+                <a:schemeClr val="tx1"/>
+              </a:solidFill>
+              <a:effectLst/>
+              <a:latin typeface="+mn-lt"/>
+              <a:ea typeface="+mn-ea"/>
+              <a:cs typeface="+mn-cs"/>
+            </a:endParaRPr>
+          </a:p>
+          <a:p>
+            <a:r>
+              <a:rPr lang="en-US" sz="1600" b="0" i="0" kern="1200" dirty="0">
+                <a:solidFill>
+                  <a:schemeClr val="tx1"/>
+                </a:solidFill>
+                <a:effectLst/>
+                <a:latin typeface="+mn-lt"/>
+                <a:ea typeface="+mn-ea"/>
+                <a:cs typeface="+mn-cs"/>
+              </a:rPr>
+              <a:t>4. Cross validation, </a:t>
+            </a:r>
+          </a:p>
+          <a:p>
+            <a:endParaRPr lang="en-US" sz="1600" b="0" i="0" kern="1200" dirty="0">
+              <a:solidFill>
+                <a:schemeClr val="tx1"/>
+              </a:solidFill>
+              <a:effectLst/>
+              <a:latin typeface="+mn-lt"/>
+              <a:ea typeface="+mn-ea"/>
+              <a:cs typeface="+mn-cs"/>
+            </a:endParaRPr>
+          </a:p>
+          <a:p>
+            <a:endParaRPr lang="en-US" sz="1600" b="0" i="0" kern="1200" dirty="0">
+              <a:solidFill>
+                <a:schemeClr val="tx1"/>
+              </a:solidFill>
+              <a:effectLst/>
+              <a:latin typeface="+mn-lt"/>
+              <a:ea typeface="+mn-ea"/>
+              <a:cs typeface="+mn-cs"/>
+            </a:endParaRPr>
+          </a:p>
+          <a:p>
+            <a:endParaRPr lang="en-US" sz="1600" b="0" i="0" kern="1200" dirty="0">
+              <a:solidFill>
+                <a:schemeClr val="tx1"/>
+              </a:solidFill>
+              <a:effectLst/>
+              <a:latin typeface="+mn-lt"/>
+              <a:ea typeface="+mn-ea"/>
+              <a:cs typeface="+mn-cs"/>
+            </a:endParaRPr>
+          </a:p>
+          <a:p>
+            <a:endParaRPr lang="en-US" dirty="0"/>
+          </a:p>
+        </p:txBody>
+      </p:sp>
+      <p:sp>
+        <p:nvSpPr>
+          <p:cNvPr id="4" name="Slide Number Placeholder 3"/>
+          <p:cNvSpPr>
+            <a:spLocks noGrp="1"/>
+          </p:cNvSpPr>
+          <p:nvPr>
+            <p:ph type="sldNum" sz="quarter" idx="5"/>
+          </p:nvPr>
+        </p:nvSpPr>
+        <p:spPr/>
+        <p:txBody>
+          <a:bodyPr/>
+          <a:lstStyle/>
+          <a:p>
+            <a:fld id="{8DCF60EF-C37D-4D44-90AD-6140AB570E45}" type="slidenum">
+              <a:rPr lang="en-US" smtClean="0"/>
+              <a:t>36</a:t>
+            </a:fld>
+            <a:endParaRPr lang="en-US"/>
+          </a:p>
+        </p:txBody>
+      </p:sp>
+    </p:spTree>
+    <p:extLst>
+      <p:ext uri="{BB962C8B-B14F-4D97-AF65-F5344CB8AC3E}">
+        <p14:creationId xmlns:p14="http://schemas.microsoft.com/office/powerpoint/2010/main" val="3153247989"/>
+      </p:ext>
+    </p:extLst>
+  </p:cSld>
+  <p:clrMapOvr>
+    <a:masterClrMapping/>
+  </p:clrMapOvr>
+</p:notes>
+</file>
+
+<file path=ppt/notesSlides/notesSlide21.xml><?xml version="1.0" encoding="utf-8"?>
+<p:notes xmlns:a="http://schemas.openxmlformats.org/drawingml/2006/main" xmlns:r="http://schemas.openxmlformats.org/officeDocument/2006/relationships" xmlns:p="http://schemas.openxmlformats.org/presentationml/2006/main">
+  <p:cSld>
+    <p:spTree>
+      <p:nvGrpSpPr>
+        <p:cNvPr id="1" name=""/>
+        <p:cNvGrpSpPr/>
+        <p:nvPr/>
+      </p:nvGrpSpPr>
+      <p:grpSpPr>
+        <a:xfrm>
+          <a:off x="0" y="0"/>
+          <a:ext cx="0" cy="0"/>
+          <a:chOff x="0" y="0"/>
+          <a:chExt cx="0" cy="0"/>
+        </a:xfrm>
+      </p:grpSpPr>
+      <p:sp>
+        <p:nvSpPr>
+          <p:cNvPr id="2" name="Slide Image Placeholder 1"/>
+          <p:cNvSpPr>
+            <a:spLocks noGrp="1" noRot="1" noChangeAspect="1"/>
+          </p:cNvSpPr>
+          <p:nvPr>
+            <p:ph type="sldImg"/>
+          </p:nvPr>
+        </p:nvSpPr>
+        <p:spPr/>
+      </p:sp>
+      <p:sp>
+        <p:nvSpPr>
+          <p:cNvPr id="3" name="Notes Placeholder 2"/>
+          <p:cNvSpPr>
+            <a:spLocks noGrp="1"/>
+          </p:cNvSpPr>
+          <p:nvPr>
+            <p:ph type="body" idx="1"/>
+          </p:nvPr>
+        </p:nvSpPr>
+        <p:spPr/>
+        <p:txBody>
+          <a:bodyPr/>
+          <a:lstStyle/>
+          <a:p>
+            <a:endParaRPr lang="en-US" dirty="0"/>
+          </a:p>
+        </p:txBody>
+      </p:sp>
+      <p:sp>
+        <p:nvSpPr>
+          <p:cNvPr id="4" name="Slide Number Placeholder 3"/>
+          <p:cNvSpPr>
+            <a:spLocks noGrp="1"/>
+          </p:cNvSpPr>
+          <p:nvPr>
+            <p:ph type="sldNum" sz="quarter" idx="5"/>
+          </p:nvPr>
+        </p:nvSpPr>
+        <p:spPr/>
+        <p:txBody>
+          <a:bodyPr/>
+          <a:lstStyle/>
+          <a:p>
+            <a:fld id="{8DCF60EF-C37D-4D44-90AD-6140AB570E45}" type="slidenum">
+              <a:rPr lang="en-US" smtClean="0"/>
+              <a:t>37</a:t>
+            </a:fld>
+            <a:endParaRPr lang="en-US"/>
+          </a:p>
+        </p:txBody>
+      </p:sp>
+    </p:spTree>
+    <p:extLst>
+      <p:ext uri="{BB962C8B-B14F-4D97-AF65-F5344CB8AC3E}">
+        <p14:creationId xmlns:p14="http://schemas.microsoft.com/office/powerpoint/2010/main" val="3152302391"/>
+      </p:ext>
+    </p:extLst>
+  </p:cSld>
+  <p:clrMapOvr>
+    <a:masterClrMapping/>
+  </p:clrMapOvr>
+</p:notes>
+</file>
+
+<file path=ppt/notesSlides/notesSlide22.xml><?xml version="1.0" encoding="utf-8"?>
 <p:notes xmlns:a="http://schemas.openxmlformats.org/drawingml/2006/main" xmlns:r="http://schemas.openxmlformats.org/officeDocument/2006/relationships" xmlns:p="http://schemas.openxmlformats.org/presentationml/2006/main" showMasterSp="0" showMasterPhAnim="0">
   <p:cSld>
     <p:spTree>
@@ -2252,7 +2422,7 @@
 </p:notes>
 </file>
 
-<file path=ppt/notesSlides/notesSlide21.xml><?xml version="1.0" encoding="utf-8"?>
+<file path=ppt/notesSlides/notesSlide23.xml><?xml version="1.0" encoding="utf-8"?>
 <p:notes xmlns:a="http://schemas.openxmlformats.org/drawingml/2006/main" xmlns:r="http://schemas.openxmlformats.org/officeDocument/2006/relationships" xmlns:p="http://schemas.openxmlformats.org/presentationml/2006/main" showMasterSp="0" showMasterPhAnim="0">
   <p:cSld>
     <p:spTree>
@@ -8874,13 +9044,8 @@
             </a:pPr>
             <a:r>
               <a:rPr lang="en-US" dirty="0"/>
-              <a:t>Through backpropagation, the loss is transferred from one layer to another and the model’s parameters also known as weights are modified depending on the losses so that the loss can </a:t>
-            </a:r>
-            <a:r>
-              <a:rPr lang="en-US"/>
-              <a:t>be minimized.</a:t>
-            </a:r>
-            <a:endParaRPr lang="en-US" dirty="0"/>
+              <a:t>Through backpropagation, the loss is transferred from one layer to another and the model’s parameters also known as weights are modified depending on the losses so that the loss can be minimized.</a:t>
+            </a:r>
           </a:p>
         </p:txBody>
       </p:sp>
@@ -10853,10 +11018,10 @@
       </p:sp>
       <p:sp>
         <p:nvSpPr>
-          <p:cNvPr id="5" name="Google Shape;96;p14">
+          <p:cNvPr id="15" name="TextBox 14">
             <a:extLst>
               <a:ext uri="{FF2B5EF4-FFF2-40B4-BE49-F238E27FC236}">
-                <a16:creationId xmlns:a16="http://schemas.microsoft.com/office/drawing/2014/main" id="{9AF559A4-0F1F-4BB7-9370-E97582222A3B}"/>
+                <a16:creationId xmlns:a16="http://schemas.microsoft.com/office/drawing/2014/main" id="{890AE672-082B-7329-2C9C-5635180E1D93}"/>
               </a:ext>
             </a:extLst>
           </p:cNvPr>
@@ -10865,178 +11030,13 @@
         </p:nvSpPr>
         <p:spPr>
           <a:xfrm>
-            <a:off x="495301" y="1346200"/>
-            <a:ext cx="11194672" cy="5194299"/>
+            <a:off x="304793" y="1924353"/>
+            <a:ext cx="11385180" cy="2308324"/>
           </a:xfrm>
           <a:prstGeom prst="rect">
             <a:avLst/>
           </a:prstGeom>
           <a:noFill/>
-          <a:ln>
-            <a:noFill/>
-          </a:ln>
-        </p:spPr>
-        <p:txBody>
-          <a:bodyPr spcFirstLastPara="1" wrap="square" lIns="121900" tIns="121900" rIns="121900" bIns="121900" anchor="t" anchorCtr="0">
-            <a:noAutofit/>
-          </a:bodyPr>
-          <a:lstStyle/>
-          <a:p>
-            <a:pPr marL="558798" indent="-457200">
-              <a:buSzPts val="2400"/>
-              <a:buFont typeface="Arial" panose="020B0604020202020204" pitchFamily="34" charset="0"/>
-              <a:buChar char="•"/>
-            </a:pPr>
-            <a:r>
-              <a:rPr lang="en-US" sz="2800" dirty="0"/>
-              <a:t>Invented for reducing high variance in SGD and softening the convergence</a:t>
-            </a:r>
-          </a:p>
-          <a:p>
-            <a:pPr marL="558798" indent="-457200">
-              <a:buSzPts val="2400"/>
-              <a:buFont typeface="Arial" panose="020B0604020202020204" pitchFamily="34" charset="0"/>
-              <a:buChar char="•"/>
-            </a:pPr>
-            <a:r>
-              <a:rPr lang="en-US" sz="2800" dirty="0"/>
-              <a:t>Accelerates convergence towards relevant direction</a:t>
-            </a:r>
-          </a:p>
-          <a:p>
-            <a:pPr marL="558798" indent="-457200">
-              <a:buSzPts val="2400"/>
-              <a:buFont typeface="Arial" panose="020B0604020202020204" pitchFamily="34" charset="0"/>
-              <a:buChar char="•"/>
-            </a:pPr>
-            <a:r>
-              <a:rPr lang="en-US" sz="2800" dirty="0"/>
-              <a:t>Reduces fluctuation to the irrelevant direction. </a:t>
-            </a:r>
-          </a:p>
-          <a:p>
-            <a:pPr marL="558798" indent="-457200">
-              <a:buSzPts val="2400"/>
-              <a:buFont typeface="Arial" panose="020B0604020202020204" pitchFamily="34" charset="0"/>
-              <a:buChar char="•"/>
-            </a:pPr>
-            <a:r>
-              <a:rPr lang="en-US" sz="2800" dirty="0"/>
-              <a:t>One more hyperparameter used - momentum symbolized by ‘</a:t>
-            </a:r>
-            <a:r>
-              <a:rPr lang="el-GR" sz="2800" b="1" dirty="0"/>
-              <a:t>γ</a:t>
-            </a:r>
-            <a:r>
-              <a:rPr lang="el-GR" sz="2800" dirty="0"/>
-              <a:t>’.</a:t>
-            </a:r>
-            <a:endParaRPr lang="en-US" sz="2800" dirty="0"/>
-          </a:p>
-          <a:p>
-            <a:pPr marL="711183" lvl="1">
-              <a:buSzPts val="2400"/>
-            </a:pPr>
-            <a:r>
-              <a:rPr lang="en-US" sz="2800" dirty="0"/>
-              <a:t>				</a:t>
-            </a:r>
-          </a:p>
-          <a:p>
-            <a:pPr marL="711183" lvl="1">
-              <a:buSzPts val="2400"/>
-            </a:pPr>
-            <a:r>
-              <a:rPr lang="en-US" sz="2800" dirty="0"/>
-              <a:t>					</a:t>
-            </a:r>
-          </a:p>
-          <a:p>
-            <a:pPr marL="711183" lvl="1">
-              <a:buSzPts val="2400"/>
-            </a:pPr>
-            <a:endParaRPr lang="en-US" sz="2800" dirty="0"/>
-          </a:p>
-          <a:p>
-            <a:pPr marL="558798" indent="-457200">
-              <a:buSzPts val="2400"/>
-              <a:buFont typeface="Arial" panose="020B0604020202020204" pitchFamily="34" charset="0"/>
-              <a:buChar char="•"/>
-            </a:pPr>
-            <a:endParaRPr lang="en-US" sz="2800" dirty="0"/>
-          </a:p>
-          <a:p>
-            <a:pPr marL="558798" indent="-457200">
-              <a:buSzPts val="2400"/>
-              <a:buFont typeface="Arial" panose="020B0604020202020204" pitchFamily="34" charset="0"/>
-              <a:buChar char="•"/>
-            </a:pPr>
-            <a:r>
-              <a:rPr lang="en-US" sz="2800" dirty="0"/>
-              <a:t>Now, the weights are updated by </a:t>
-            </a:r>
-            <a:r>
-              <a:rPr lang="el-GR" sz="2800" dirty="0"/>
-              <a:t>θ=θ−</a:t>
-            </a:r>
-            <a:r>
-              <a:rPr lang="en-US" sz="2800" dirty="0"/>
-              <a:t>V(t).</a:t>
-            </a:r>
-          </a:p>
-          <a:p>
-            <a:pPr marL="558798" indent="-457200">
-              <a:buSzPts val="2400"/>
-              <a:buFont typeface="Arial" panose="020B0604020202020204" pitchFamily="34" charset="0"/>
-              <a:buChar char="•"/>
-            </a:pPr>
-            <a:r>
-              <a:rPr lang="el-GR" sz="2800" dirty="0"/>
-              <a:t>γ</a:t>
-            </a:r>
-            <a:r>
-              <a:rPr lang="en-US" sz="2800" dirty="0"/>
-              <a:t> usually set to 0.9 or a similar value.</a:t>
-            </a:r>
-            <a:endParaRPr lang="en-US" dirty="0"/>
-          </a:p>
-          <a:p>
-            <a:pPr marL="558798" indent="-457200">
-              <a:buSzPts val="2400"/>
-              <a:buFont typeface="Arial" panose="020B0604020202020204" pitchFamily="34" charset="0"/>
-              <a:buChar char="•"/>
-            </a:pPr>
-            <a:endParaRPr lang="en-US" sz="3600" dirty="0"/>
-          </a:p>
-        </p:txBody>
-      </p:sp>
-      <p:sp>
-        <p:nvSpPr>
-          <p:cNvPr id="6" name="TextBox 5">
-            <a:extLst>
-              <a:ext uri="{FF2B5EF4-FFF2-40B4-BE49-F238E27FC236}">
-                <a16:creationId xmlns:a16="http://schemas.microsoft.com/office/drawing/2014/main" id="{F3744D7F-AC62-1F4C-833D-DA90F9402EF0}"/>
-              </a:ext>
-            </a:extLst>
-          </p:cNvPr>
-          <p:cNvSpPr txBox="1"/>
-          <p:nvPr/>
-        </p:nvSpPr>
-        <p:spPr>
-          <a:xfrm>
-            <a:off x="398484" y="3859946"/>
-            <a:ext cx="5451171" cy="830997"/>
-          </a:xfrm>
-          <a:prstGeom prst="rect">
-            <a:avLst/>
-          </a:prstGeom>
-          <a:noFill/>
-          <a:ln>
-            <a:solidFill>
-              <a:schemeClr val="accent1"/>
-            </a:solidFill>
-          </a:ln>
         </p:spPr>
         <p:txBody>
           <a:bodyPr wrap="square">
@@ -11044,269 +11044,29 @@
           </a:bodyPr>
           <a:lstStyle/>
           <a:p>
-            <a:pPr algn="ctr"/>
-            <a:r>
-              <a:rPr lang="en-US" dirty="0">
-                <a:effectLst/>
-                <a:latin typeface="Calibri" panose="020F0502020204030204" pitchFamily="34" charset="0"/>
-                <a:cs typeface="Calibri" panose="020F0502020204030204" pitchFamily="34" charset="0"/>
-              </a:rPr>
-              <a:t>SGD: </a:t>
-            </a:r>
-            <a:r>
-              <a:rPr lang="el-GR" dirty="0">
-                <a:effectLst/>
-                <a:latin typeface="Calibri" panose="020F0502020204030204" pitchFamily="34" charset="0"/>
-                <a:cs typeface="Calibri" panose="020F0502020204030204" pitchFamily="34" charset="0"/>
-              </a:rPr>
-              <a:t>θ=θ−α⋅∇</a:t>
-            </a:r>
-            <a:r>
-              <a:rPr lang="en-US" dirty="0">
-                <a:effectLst/>
-                <a:latin typeface="Calibri" panose="020F0502020204030204" pitchFamily="34" charset="0"/>
-                <a:cs typeface="Calibri" panose="020F0502020204030204" pitchFamily="34" charset="0"/>
-              </a:rPr>
-              <a:t>J(</a:t>
-            </a:r>
-            <a:r>
-              <a:rPr lang="el-GR" dirty="0">
-                <a:effectLst/>
-                <a:latin typeface="Calibri" panose="020F0502020204030204" pitchFamily="34" charset="0"/>
-                <a:cs typeface="Calibri" panose="020F0502020204030204" pitchFamily="34" charset="0"/>
-              </a:rPr>
-              <a:t>θ;</a:t>
-            </a:r>
-            <a:r>
-              <a:rPr lang="en-US" dirty="0">
-                <a:effectLst/>
-                <a:latin typeface="Calibri" panose="020F0502020204030204" pitchFamily="34" charset="0"/>
-                <a:cs typeface="Calibri" panose="020F0502020204030204" pitchFamily="34" charset="0"/>
-              </a:rPr>
-              <a:t>x(</a:t>
-            </a:r>
-            <a:r>
-              <a:rPr lang="en-US" dirty="0" err="1">
-                <a:effectLst/>
-                <a:latin typeface="Calibri" panose="020F0502020204030204" pitchFamily="34" charset="0"/>
-                <a:cs typeface="Calibri" panose="020F0502020204030204" pitchFamily="34" charset="0"/>
-              </a:rPr>
-              <a:t>i</a:t>
-            </a:r>
-            <a:r>
-              <a:rPr lang="en-US" dirty="0">
-                <a:effectLst/>
-                <a:latin typeface="Calibri" panose="020F0502020204030204" pitchFamily="34" charset="0"/>
-                <a:cs typeface="Calibri" panose="020F0502020204030204" pitchFamily="34" charset="0"/>
-              </a:rPr>
-              <a:t>);y(</a:t>
-            </a:r>
-            <a:r>
-              <a:rPr lang="en-US" dirty="0" err="1">
-                <a:effectLst/>
-                <a:latin typeface="Calibri" panose="020F0502020204030204" pitchFamily="34" charset="0"/>
-                <a:cs typeface="Calibri" panose="020F0502020204030204" pitchFamily="34" charset="0"/>
-              </a:rPr>
-              <a:t>i</a:t>
-            </a:r>
-            <a:r>
-              <a:rPr lang="en-US" dirty="0">
-                <a:effectLst/>
-                <a:latin typeface="Calibri" panose="020F0502020204030204" pitchFamily="34" charset="0"/>
-                <a:cs typeface="Calibri" panose="020F0502020204030204" pitchFamily="34" charset="0"/>
-              </a:rPr>
-              <a:t>)) , </a:t>
-            </a:r>
-          </a:p>
-          <a:p>
-            <a:pPr algn="ctr"/>
-            <a:r>
-              <a:rPr lang="en-US" dirty="0">
-                <a:effectLst/>
-                <a:latin typeface="Calibri" panose="020F0502020204030204" pitchFamily="34" charset="0"/>
-                <a:cs typeface="Calibri" panose="020F0502020204030204" pitchFamily="34" charset="0"/>
-              </a:rPr>
-              <a:t>where {x(</a:t>
-            </a:r>
-            <a:r>
-              <a:rPr lang="en-US" dirty="0" err="1">
-                <a:effectLst/>
-                <a:latin typeface="Calibri" panose="020F0502020204030204" pitchFamily="34" charset="0"/>
-                <a:cs typeface="Calibri" panose="020F0502020204030204" pitchFamily="34" charset="0"/>
-              </a:rPr>
-              <a:t>i</a:t>
-            </a:r>
-            <a:r>
-              <a:rPr lang="en-US" dirty="0">
-                <a:effectLst/>
-                <a:latin typeface="Calibri" panose="020F0502020204030204" pitchFamily="34" charset="0"/>
-                <a:cs typeface="Calibri" panose="020F0502020204030204" pitchFamily="34" charset="0"/>
-              </a:rPr>
-              <a:t>) ,y(</a:t>
-            </a:r>
-            <a:r>
-              <a:rPr lang="en-US" dirty="0" err="1">
-                <a:effectLst/>
-                <a:latin typeface="Calibri" panose="020F0502020204030204" pitchFamily="34" charset="0"/>
-                <a:cs typeface="Calibri" panose="020F0502020204030204" pitchFamily="34" charset="0"/>
-              </a:rPr>
-              <a:t>i</a:t>
-            </a:r>
-            <a:r>
-              <a:rPr lang="en-US" dirty="0">
-                <a:effectLst/>
-                <a:latin typeface="Calibri" panose="020F0502020204030204" pitchFamily="34" charset="0"/>
-                <a:cs typeface="Calibri" panose="020F0502020204030204" pitchFamily="34" charset="0"/>
-              </a:rPr>
-              <a:t>)} are the training examples.</a:t>
-            </a:r>
-            <a:endParaRPr lang="en-US" dirty="0">
-              <a:latin typeface="Calibri" panose="020F0502020204030204" pitchFamily="34" charset="0"/>
-              <a:cs typeface="Calibri" panose="020F0502020204030204" pitchFamily="34" charset="0"/>
-            </a:endParaRPr>
+            <a:pPr algn="just"/>
+            <a:r>
+              <a:rPr lang="en-US" b="1" dirty="0"/>
+              <a:t>Intuition</a:t>
+            </a:r>
+            <a:r>
+              <a:rPr lang="en-US" dirty="0"/>
+              <a:t>: Imagine a bowling ball rolling down a gentle slope on a smooth surface: it will start out slowly, but it will quickly pick up momentum until it eventually reaches terminal velocity. </a:t>
+            </a:r>
+          </a:p>
+          <a:p>
+            <a:pPr algn="just"/>
+            <a:endParaRPr lang="en-US" dirty="0"/>
+          </a:p>
+          <a:p>
+            <a:pPr algn="just"/>
+            <a:r>
+              <a:rPr lang="en-US" dirty="0"/>
+              <a:t>In contrast, regular Gradient Descent will simply take small regular steps down the slope, so it will take much more time to reach the bottom. </a:t>
+            </a:r>
           </a:p>
         </p:txBody>
       </p:sp>
-      <p:sp>
-        <p:nvSpPr>
-          <p:cNvPr id="2" name="Rectangle 1">
-            <a:extLst>
-              <a:ext uri="{FF2B5EF4-FFF2-40B4-BE49-F238E27FC236}">
-                <a16:creationId xmlns:a16="http://schemas.microsoft.com/office/drawing/2014/main" id="{B3F07F96-0D16-D74E-A217-B2CDBD19AD44}"/>
-              </a:ext>
-            </a:extLst>
-          </p:cNvPr>
-          <p:cNvSpPr/>
-          <p:nvPr/>
-        </p:nvSpPr>
-        <p:spPr>
-          <a:xfrm>
-            <a:off x="6408658" y="3859946"/>
-            <a:ext cx="4722312" cy="830997"/>
-          </a:xfrm>
-          <a:prstGeom prst="rect">
-            <a:avLst/>
-          </a:prstGeom>
-          <a:noFill/>
-          <a:ln w="9525" cap="flat" cmpd="sng" algn="ctr">
-            <a:solidFill>
-              <a:schemeClr val="accent1"/>
-            </a:solidFill>
-            <a:prstDash val="solid"/>
-            <a:round/>
-            <a:headEnd type="none" w="med" len="med"/>
-            <a:tailEnd type="none" w="med" len="med"/>
-          </a:ln>
-        </p:spPr>
-        <p:style>
-          <a:lnRef idx="0">
-            <a:scrgbClr r="0" g="0" b="0"/>
-          </a:lnRef>
-          <a:fillRef idx="0">
-            <a:scrgbClr r="0" g="0" b="0"/>
-          </a:fillRef>
-          <a:effectRef idx="0">
-            <a:scrgbClr r="0" g="0" b="0"/>
-          </a:effectRef>
-          <a:fontRef idx="minor">
-            <a:schemeClr val="accent1"/>
-          </a:fontRef>
-        </p:style>
-        <p:txBody>
-          <a:bodyPr rtlCol="0" anchor="ctr"/>
-          <a:lstStyle/>
-          <a:p>
-            <a:pPr algn="ctr"/>
-            <a:r>
-              <a:rPr lang="en-US" dirty="0">
-                <a:solidFill>
-                  <a:srgbClr val="E46102"/>
-                </a:solidFill>
-              </a:rPr>
-              <a:t>MO: V(t)=</a:t>
-            </a:r>
-            <a:r>
-              <a:rPr lang="el-GR" dirty="0">
-                <a:solidFill>
-                  <a:srgbClr val="E46102"/>
-                </a:solidFill>
-              </a:rPr>
-              <a:t>γ</a:t>
-            </a:r>
-            <a:r>
-              <a:rPr lang="en-US" dirty="0">
-                <a:solidFill>
-                  <a:srgbClr val="E46102"/>
-                </a:solidFill>
-              </a:rPr>
-              <a:t>V(t−1)+</a:t>
-            </a:r>
-            <a:r>
-              <a:rPr lang="el-GR" dirty="0">
-                <a:solidFill>
-                  <a:srgbClr val="E46102"/>
-                </a:solidFill>
-              </a:rPr>
-              <a:t>α.∇</a:t>
-            </a:r>
-            <a:r>
-              <a:rPr lang="en-US" dirty="0">
-                <a:solidFill>
-                  <a:srgbClr val="E46102"/>
-                </a:solidFill>
-              </a:rPr>
-              <a:t>J(</a:t>
-            </a:r>
-            <a:r>
-              <a:rPr lang="el-GR" dirty="0">
-                <a:solidFill>
-                  <a:srgbClr val="E46102"/>
-                </a:solidFill>
-              </a:rPr>
-              <a:t>θ)</a:t>
-            </a:r>
-          </a:p>
-        </p:txBody>
-      </p:sp>
-      <p:cxnSp>
-        <p:nvCxnSpPr>
-          <p:cNvPr id="7" name="Straight Arrow Connector 6">
-            <a:extLst>
-              <a:ext uri="{FF2B5EF4-FFF2-40B4-BE49-F238E27FC236}">
-                <a16:creationId xmlns:a16="http://schemas.microsoft.com/office/drawing/2014/main" id="{31C2CE99-5F20-5048-8F93-22DB4A6DF948}"/>
-              </a:ext>
-            </a:extLst>
-          </p:cNvPr>
-          <p:cNvCxnSpPr/>
-          <p:nvPr/>
-        </p:nvCxnSpPr>
-        <p:spPr>
-          <a:xfrm>
-            <a:off x="5849655" y="4258849"/>
-            <a:ext cx="492692" cy="0"/>
-          </a:xfrm>
-          <a:prstGeom prst="straightConnector1">
-            <a:avLst/>
-          </a:prstGeom>
-          <a:ln>
-            <a:tailEnd type="triangle"/>
-          </a:ln>
-        </p:spPr>
-        <p:style>
-          <a:lnRef idx="3">
-            <a:schemeClr val="accent1"/>
-          </a:lnRef>
-          <a:fillRef idx="0">
-            <a:schemeClr val="accent1"/>
-          </a:fillRef>
-          <a:effectRef idx="2">
-            <a:schemeClr val="accent1"/>
-          </a:effectRef>
-          <a:fontRef idx="minor">
-            <a:schemeClr val="tx1"/>
-          </a:fontRef>
-        </p:style>
-      </p:cxnSp>
     </p:spTree>
     <p:extLst>
       <p:ext uri="{BB962C8B-B14F-4D97-AF65-F5344CB8AC3E}">
@@ -11426,84 +11186,599 @@
           </a:bodyPr>
           <a:lstStyle/>
           <a:p>
-            <a:pPr marL="101598">
-              <a:buSzPts val="2400"/>
-            </a:pPr>
-            <a:r>
-              <a:rPr lang="en-US" sz="2800" dirty="0"/>
-              <a:t>Advantages</a:t>
-            </a:r>
-          </a:p>
-          <a:p>
-            <a:pPr marL="101598">
-              <a:buSzPts val="2400"/>
-            </a:pPr>
-            <a:endParaRPr lang="en-US" dirty="0"/>
-          </a:p>
-          <a:p>
-            <a:pPr marL="1054083" lvl="1" indent="-342900">
-              <a:buSzPts val="2400"/>
-              <a:buFont typeface="Arial" panose="020B0604020202020204" pitchFamily="34" charset="0"/>
-              <a:buChar char="•"/>
-            </a:pPr>
-            <a:r>
-              <a:rPr lang="en-US" dirty="0"/>
-              <a:t>Reduces the oscillations and high variance of the parameters.</a:t>
-            </a:r>
-          </a:p>
-          <a:p>
-            <a:pPr marL="1054083" lvl="1" indent="-342900">
-              <a:buSzPts val="2400"/>
-              <a:buFont typeface="Arial" panose="020B0604020202020204" pitchFamily="34" charset="0"/>
-              <a:buChar char="•"/>
-            </a:pPr>
-            <a:r>
-              <a:rPr lang="en-US" dirty="0"/>
-              <a:t>Converges faster than gradient descent.</a:t>
-            </a:r>
-          </a:p>
-          <a:p>
-            <a:pPr marL="444498" indent="-342900">
-              <a:buSzPts val="2400"/>
-              <a:buFont typeface="Arial" panose="020B0604020202020204" pitchFamily="34" charset="0"/>
-              <a:buChar char="•"/>
-            </a:pPr>
-            <a:endParaRPr lang="en-US" dirty="0"/>
-          </a:p>
-          <a:p>
-            <a:pPr marL="101598">
-              <a:buSzPts val="2400"/>
-            </a:pPr>
-            <a:r>
-              <a:rPr lang="en-US" sz="2800" dirty="0"/>
-              <a:t>Disadvantages:</a:t>
-            </a:r>
-          </a:p>
-          <a:p>
-            <a:pPr marL="1054083" lvl="1" indent="-342900">
-              <a:buSzPts val="2400"/>
-              <a:buFont typeface="Arial" panose="020B0604020202020204" pitchFamily="34" charset="0"/>
-              <a:buChar char="•"/>
-            </a:pPr>
-            <a:r>
-              <a:rPr lang="en-US" sz="2800" dirty="0"/>
-              <a:t>One more hyper-parameter is added which needs to be selected manually and accurately.</a:t>
-            </a:r>
-          </a:p>
-          <a:p>
             <a:pPr marL="558798" indent="-457200">
               <a:buSzPts val="2400"/>
               <a:buFont typeface="Arial" panose="020B0604020202020204" pitchFamily="34" charset="0"/>
               <a:buChar char="•"/>
             </a:pPr>
-            <a:endParaRPr lang="en-US" sz="3200" dirty="0"/>
+            <a:r>
+              <a:rPr lang="en-US" sz="2800" dirty="0"/>
+              <a:t>Invented for reducing high variance in SGD and softening the convergence.</a:t>
+            </a:r>
+          </a:p>
+          <a:p>
+            <a:pPr marL="558798" indent="-457200">
+              <a:buSzPts val="2400"/>
+              <a:buFont typeface="Arial" panose="020B0604020202020204" pitchFamily="34" charset="0"/>
+              <a:buChar char="•"/>
+            </a:pPr>
+            <a:r>
+              <a:rPr lang="en-US" sz="2800" dirty="0"/>
+              <a:t>Accelerates convergence towards relevant direction.</a:t>
+            </a:r>
+          </a:p>
+          <a:p>
+            <a:pPr marL="558798" indent="-457200">
+              <a:buSzPts val="2400"/>
+              <a:buFont typeface="Arial" panose="020B0604020202020204" pitchFamily="34" charset="0"/>
+              <a:buChar char="•"/>
+            </a:pPr>
+            <a:r>
+              <a:rPr lang="en-US" sz="2800" dirty="0"/>
+              <a:t>Reduces fluctuation to the irrelevant direction. </a:t>
+            </a:r>
+          </a:p>
+          <a:p>
+            <a:pPr marL="558798" indent="-457200">
+              <a:buSzPts val="2400"/>
+              <a:buFont typeface="Arial" panose="020B0604020202020204" pitchFamily="34" charset="0"/>
+              <a:buChar char="•"/>
+            </a:pPr>
+            <a:r>
+              <a:rPr lang="en-US" sz="2800" dirty="0"/>
+              <a:t>One more hyperparameter used - momentum symbolized by ‘</a:t>
+            </a:r>
+            <a:r>
+              <a:rPr lang="el-GR" sz="2800" b="1" dirty="0"/>
+              <a:t>γ</a:t>
+            </a:r>
+            <a:r>
+              <a:rPr lang="el-GR" sz="2800" dirty="0"/>
+              <a:t>’.</a:t>
+            </a:r>
+            <a:endParaRPr lang="en-US" sz="2800" dirty="0"/>
+          </a:p>
+          <a:p>
+            <a:pPr marL="711183" lvl="1">
+              <a:buSzPts val="2400"/>
+            </a:pPr>
+            <a:r>
+              <a:rPr lang="en-US" sz="2800" dirty="0"/>
+              <a:t>				</a:t>
+            </a:r>
+          </a:p>
+          <a:p>
+            <a:pPr marL="711183" lvl="1">
+              <a:buSzPts val="2400"/>
+            </a:pPr>
+            <a:r>
+              <a:rPr lang="en-US" sz="2800" dirty="0"/>
+              <a:t>					</a:t>
+            </a:r>
+          </a:p>
+          <a:p>
+            <a:pPr marL="711183" lvl="1">
+              <a:buSzPts val="2400"/>
+            </a:pPr>
+            <a:endParaRPr lang="en-US" sz="2800" dirty="0"/>
+          </a:p>
+          <a:p>
+            <a:pPr marL="558798" indent="-457200">
+              <a:buSzPts val="2400"/>
+              <a:buFont typeface="Arial" panose="020B0604020202020204" pitchFamily="34" charset="0"/>
+              <a:buChar char="•"/>
+            </a:pPr>
+            <a:endParaRPr lang="en-US" sz="2800" dirty="0"/>
+          </a:p>
+          <a:p>
+            <a:pPr marL="558798" indent="-457200">
+              <a:buSzPts val="2400"/>
+              <a:buFont typeface="Arial" panose="020B0604020202020204" pitchFamily="34" charset="0"/>
+              <a:buChar char="•"/>
+            </a:pPr>
+            <a:r>
+              <a:rPr lang="en-US" sz="2800" dirty="0"/>
+              <a:t>Now, the weights are updated by </a:t>
+            </a:r>
+            <a:r>
+              <a:rPr lang="el-GR" sz="2800" dirty="0"/>
+              <a:t>θ=θ−</a:t>
+            </a:r>
+            <a:r>
+              <a:rPr lang="en-US" sz="2800" dirty="0"/>
+              <a:t>V(t).</a:t>
+            </a:r>
+          </a:p>
+          <a:p>
+            <a:pPr marL="558798" indent="-457200">
+              <a:buSzPts val="2400"/>
+              <a:buFont typeface="Arial" panose="020B0604020202020204" pitchFamily="34" charset="0"/>
+              <a:buChar char="•"/>
+            </a:pPr>
+            <a:r>
+              <a:rPr lang="el-GR" sz="2800" dirty="0"/>
+              <a:t>γ</a:t>
+            </a:r>
+            <a:r>
+              <a:rPr lang="en-US" sz="2800" dirty="0"/>
+              <a:t> usually set to 0.9 or a similar value.</a:t>
+            </a:r>
+            <a:endParaRPr lang="en-US" dirty="0"/>
+          </a:p>
+          <a:p>
+            <a:pPr marL="558798" indent="-457200">
+              <a:buSzPts val="2400"/>
+              <a:buFont typeface="Arial" panose="020B0604020202020204" pitchFamily="34" charset="0"/>
+              <a:buChar char="•"/>
+            </a:pPr>
+            <a:endParaRPr lang="en-US" sz="3600" dirty="0"/>
           </a:p>
         </p:txBody>
       </p:sp>
+      <p:sp>
+        <p:nvSpPr>
+          <p:cNvPr id="6" name="TextBox 5">
+            <a:extLst>
+              <a:ext uri="{FF2B5EF4-FFF2-40B4-BE49-F238E27FC236}">
+                <a16:creationId xmlns:a16="http://schemas.microsoft.com/office/drawing/2014/main" id="{F3744D7F-AC62-1F4C-833D-DA90F9402EF0}"/>
+              </a:ext>
+            </a:extLst>
+          </p:cNvPr>
+          <p:cNvSpPr txBox="1"/>
+          <p:nvPr/>
+        </p:nvSpPr>
+        <p:spPr>
+          <a:xfrm>
+            <a:off x="398484" y="3859946"/>
+            <a:ext cx="5451171" cy="830997"/>
+          </a:xfrm>
+          <a:prstGeom prst="rect">
+            <a:avLst/>
+          </a:prstGeom>
+          <a:noFill/>
+          <a:ln>
+            <a:solidFill>
+              <a:schemeClr val="accent1"/>
+            </a:solidFill>
+          </a:ln>
+        </p:spPr>
+        <p:txBody>
+          <a:bodyPr wrap="square">
+            <a:spAutoFit/>
+          </a:bodyPr>
+          <a:lstStyle/>
+          <a:p>
+            <a:pPr algn="ctr"/>
+            <a:r>
+              <a:rPr lang="en-US" dirty="0">
+                <a:effectLst/>
+                <a:latin typeface="Calibri" panose="020F0502020204030204" pitchFamily="34" charset="0"/>
+                <a:cs typeface="Calibri" panose="020F0502020204030204" pitchFamily="34" charset="0"/>
+              </a:rPr>
+              <a:t>SGD: </a:t>
+            </a:r>
+            <a:r>
+              <a:rPr lang="el-GR" dirty="0">
+                <a:effectLst/>
+                <a:latin typeface="Calibri" panose="020F0502020204030204" pitchFamily="34" charset="0"/>
+                <a:cs typeface="Calibri" panose="020F0502020204030204" pitchFamily="34" charset="0"/>
+              </a:rPr>
+              <a:t>θ=θ−α⋅∇</a:t>
+            </a:r>
+            <a:r>
+              <a:rPr lang="en-US" dirty="0">
+                <a:effectLst/>
+                <a:latin typeface="Calibri" panose="020F0502020204030204" pitchFamily="34" charset="0"/>
+                <a:cs typeface="Calibri" panose="020F0502020204030204" pitchFamily="34" charset="0"/>
+              </a:rPr>
+              <a:t>J(</a:t>
+            </a:r>
+            <a:r>
+              <a:rPr lang="el-GR" dirty="0">
+                <a:effectLst/>
+                <a:latin typeface="Calibri" panose="020F0502020204030204" pitchFamily="34" charset="0"/>
+                <a:cs typeface="Calibri" panose="020F0502020204030204" pitchFamily="34" charset="0"/>
+              </a:rPr>
+              <a:t>θ;</a:t>
+            </a:r>
+            <a:r>
+              <a:rPr lang="en-US" dirty="0">
+                <a:effectLst/>
+                <a:latin typeface="Calibri" panose="020F0502020204030204" pitchFamily="34" charset="0"/>
+                <a:cs typeface="Calibri" panose="020F0502020204030204" pitchFamily="34" charset="0"/>
+              </a:rPr>
+              <a:t>x(</a:t>
+            </a:r>
+            <a:r>
+              <a:rPr lang="en-US" dirty="0" err="1">
+                <a:effectLst/>
+                <a:latin typeface="Calibri" panose="020F0502020204030204" pitchFamily="34" charset="0"/>
+                <a:cs typeface="Calibri" panose="020F0502020204030204" pitchFamily="34" charset="0"/>
+              </a:rPr>
+              <a:t>i</a:t>
+            </a:r>
+            <a:r>
+              <a:rPr lang="en-US" dirty="0">
+                <a:effectLst/>
+                <a:latin typeface="Calibri" panose="020F0502020204030204" pitchFamily="34" charset="0"/>
+                <a:cs typeface="Calibri" panose="020F0502020204030204" pitchFamily="34" charset="0"/>
+              </a:rPr>
+              <a:t>);y(</a:t>
+            </a:r>
+            <a:r>
+              <a:rPr lang="en-US" dirty="0" err="1">
+                <a:effectLst/>
+                <a:latin typeface="Calibri" panose="020F0502020204030204" pitchFamily="34" charset="0"/>
+                <a:cs typeface="Calibri" panose="020F0502020204030204" pitchFamily="34" charset="0"/>
+              </a:rPr>
+              <a:t>i</a:t>
+            </a:r>
+            <a:r>
+              <a:rPr lang="en-US" dirty="0">
+                <a:effectLst/>
+                <a:latin typeface="Calibri" panose="020F0502020204030204" pitchFamily="34" charset="0"/>
+                <a:cs typeface="Calibri" panose="020F0502020204030204" pitchFamily="34" charset="0"/>
+              </a:rPr>
+              <a:t>)) , </a:t>
+            </a:r>
+          </a:p>
+          <a:p>
+            <a:pPr algn="ctr"/>
+            <a:r>
+              <a:rPr lang="en-US" dirty="0">
+                <a:effectLst/>
+                <a:latin typeface="Calibri" panose="020F0502020204030204" pitchFamily="34" charset="0"/>
+                <a:cs typeface="Calibri" panose="020F0502020204030204" pitchFamily="34" charset="0"/>
+              </a:rPr>
+              <a:t>where {x(</a:t>
+            </a:r>
+            <a:r>
+              <a:rPr lang="en-US" dirty="0" err="1">
+                <a:effectLst/>
+                <a:latin typeface="Calibri" panose="020F0502020204030204" pitchFamily="34" charset="0"/>
+                <a:cs typeface="Calibri" panose="020F0502020204030204" pitchFamily="34" charset="0"/>
+              </a:rPr>
+              <a:t>i</a:t>
+            </a:r>
+            <a:r>
+              <a:rPr lang="en-US" dirty="0">
+                <a:effectLst/>
+                <a:latin typeface="Calibri" panose="020F0502020204030204" pitchFamily="34" charset="0"/>
+                <a:cs typeface="Calibri" panose="020F0502020204030204" pitchFamily="34" charset="0"/>
+              </a:rPr>
+              <a:t>) ,y(</a:t>
+            </a:r>
+            <a:r>
+              <a:rPr lang="en-US" dirty="0" err="1">
+                <a:effectLst/>
+                <a:latin typeface="Calibri" panose="020F0502020204030204" pitchFamily="34" charset="0"/>
+                <a:cs typeface="Calibri" panose="020F0502020204030204" pitchFamily="34" charset="0"/>
+              </a:rPr>
+              <a:t>i</a:t>
+            </a:r>
+            <a:r>
+              <a:rPr lang="en-US" dirty="0">
+                <a:effectLst/>
+                <a:latin typeface="Calibri" panose="020F0502020204030204" pitchFamily="34" charset="0"/>
+                <a:cs typeface="Calibri" panose="020F0502020204030204" pitchFamily="34" charset="0"/>
+              </a:rPr>
+              <a:t>)} are the training examples.</a:t>
+            </a:r>
+            <a:endParaRPr lang="en-US" dirty="0">
+              <a:latin typeface="Calibri" panose="020F0502020204030204" pitchFamily="34" charset="0"/>
+              <a:cs typeface="Calibri" panose="020F0502020204030204" pitchFamily="34" charset="0"/>
+            </a:endParaRPr>
+          </a:p>
+        </p:txBody>
+      </p:sp>
+      <p:sp>
+        <p:nvSpPr>
+          <p:cNvPr id="2" name="Rectangle 1">
+            <a:extLst>
+              <a:ext uri="{FF2B5EF4-FFF2-40B4-BE49-F238E27FC236}">
+                <a16:creationId xmlns:a16="http://schemas.microsoft.com/office/drawing/2014/main" id="{B3F07F96-0D16-D74E-A217-B2CDBD19AD44}"/>
+              </a:ext>
+            </a:extLst>
+          </p:cNvPr>
+          <p:cNvSpPr/>
+          <p:nvPr/>
+        </p:nvSpPr>
+        <p:spPr>
+          <a:xfrm>
+            <a:off x="6408658" y="3859946"/>
+            <a:ext cx="4722312" cy="830997"/>
+          </a:xfrm>
+          <a:prstGeom prst="rect">
+            <a:avLst/>
+          </a:prstGeom>
+          <a:noFill/>
+          <a:ln w="9525" cap="flat" cmpd="sng" algn="ctr">
+            <a:solidFill>
+              <a:schemeClr val="accent1"/>
+            </a:solidFill>
+            <a:prstDash val="solid"/>
+            <a:round/>
+            <a:headEnd type="none" w="med" len="med"/>
+            <a:tailEnd type="none" w="med" len="med"/>
+          </a:ln>
+        </p:spPr>
+        <p:style>
+          <a:lnRef idx="0">
+            <a:scrgbClr r="0" g="0" b="0"/>
+          </a:lnRef>
+          <a:fillRef idx="0">
+            <a:scrgbClr r="0" g="0" b="0"/>
+          </a:fillRef>
+          <a:effectRef idx="0">
+            <a:scrgbClr r="0" g="0" b="0"/>
+          </a:effectRef>
+          <a:fontRef idx="minor">
+            <a:schemeClr val="accent1"/>
+          </a:fontRef>
+        </p:style>
+        <p:txBody>
+          <a:bodyPr rtlCol="0" anchor="ctr"/>
+          <a:lstStyle/>
+          <a:p>
+            <a:pPr algn="ctr"/>
+            <a:r>
+              <a:rPr lang="en-US" dirty="0">
+                <a:solidFill>
+                  <a:srgbClr val="E46102"/>
+                </a:solidFill>
+              </a:rPr>
+              <a:t>MO: V(t)=</a:t>
+            </a:r>
+            <a:r>
+              <a:rPr lang="el-GR" dirty="0">
+                <a:solidFill>
+                  <a:srgbClr val="E46102"/>
+                </a:solidFill>
+              </a:rPr>
+              <a:t>γ</a:t>
+            </a:r>
+            <a:r>
+              <a:rPr lang="en-US" dirty="0">
+                <a:solidFill>
+                  <a:srgbClr val="E46102"/>
+                </a:solidFill>
+              </a:rPr>
+              <a:t>V(t−1)+</a:t>
+            </a:r>
+            <a:r>
+              <a:rPr lang="el-GR" dirty="0">
+                <a:solidFill>
+                  <a:srgbClr val="E46102"/>
+                </a:solidFill>
+              </a:rPr>
+              <a:t>α.∇</a:t>
+            </a:r>
+            <a:r>
+              <a:rPr lang="en-US" dirty="0">
+                <a:solidFill>
+                  <a:srgbClr val="E46102"/>
+                </a:solidFill>
+              </a:rPr>
+              <a:t>J(</a:t>
+            </a:r>
+            <a:r>
+              <a:rPr lang="el-GR" dirty="0">
+                <a:solidFill>
+                  <a:srgbClr val="E46102"/>
+                </a:solidFill>
+              </a:rPr>
+              <a:t>θ)</a:t>
+            </a:r>
+          </a:p>
+        </p:txBody>
+      </p:sp>
+      <p:cxnSp>
+        <p:nvCxnSpPr>
+          <p:cNvPr id="7" name="Straight Arrow Connector 6">
+            <a:extLst>
+              <a:ext uri="{FF2B5EF4-FFF2-40B4-BE49-F238E27FC236}">
+                <a16:creationId xmlns:a16="http://schemas.microsoft.com/office/drawing/2014/main" id="{31C2CE99-5F20-5048-8F93-22DB4A6DF948}"/>
+              </a:ext>
+            </a:extLst>
+          </p:cNvPr>
+          <p:cNvCxnSpPr/>
+          <p:nvPr/>
+        </p:nvCxnSpPr>
+        <p:spPr>
+          <a:xfrm>
+            <a:off x="5849655" y="4258849"/>
+            <a:ext cx="492692" cy="0"/>
+          </a:xfrm>
+          <a:prstGeom prst="straightConnector1">
+            <a:avLst/>
+          </a:prstGeom>
+          <a:ln>
+            <a:tailEnd type="triangle"/>
+          </a:ln>
+        </p:spPr>
+        <p:style>
+          <a:lnRef idx="3">
+            <a:schemeClr val="accent1"/>
+          </a:lnRef>
+          <a:fillRef idx="0">
+            <a:schemeClr val="accent1"/>
+          </a:fillRef>
+          <a:effectRef idx="2">
+            <a:schemeClr val="accent1"/>
+          </a:effectRef>
+          <a:fontRef idx="minor">
+            <a:schemeClr val="tx1"/>
+          </a:fontRef>
+        </p:style>
+      </p:cxnSp>
+      <p:pic>
+        <p:nvPicPr>
+          <p:cNvPr id="1026" name="Picture 2">
+            <a:extLst>
+              <a:ext uri="{FF2B5EF4-FFF2-40B4-BE49-F238E27FC236}">
+                <a16:creationId xmlns:a16="http://schemas.microsoft.com/office/drawing/2014/main" id="{BCB966E3-9277-1245-559B-63C33F04D89A}"/>
+              </a:ext>
+            </a:extLst>
+          </p:cNvPr>
+          <p:cNvPicPr>
+            <a:picLocks noChangeAspect="1" noChangeArrowheads="1"/>
+          </p:cNvPicPr>
+          <p:nvPr/>
+        </p:nvPicPr>
+        <p:blipFill>
+          <a:blip r:embed="rId3">
+            <a:extLst>
+              <a:ext uri="{28A0092B-C50C-407E-A947-70E740481C1C}">
+                <a14:useLocalDpi xmlns:a14="http://schemas.microsoft.com/office/drawing/2010/main" val="0"/>
+              </a:ext>
+            </a:extLst>
+          </a:blip>
+          <a:srcRect/>
+          <a:stretch>
+            <a:fillRect/>
+          </a:stretch>
+        </p:blipFill>
+        <p:spPr bwMode="auto">
+          <a:xfrm>
+            <a:off x="8064594" y="5096301"/>
+            <a:ext cx="1958096" cy="830997"/>
+          </a:xfrm>
+          <a:prstGeom prst="rect">
+            <a:avLst/>
+          </a:prstGeom>
+          <a:noFill/>
+          <a:extLst>
+            <a:ext uri="{909E8E84-426E-40DD-AFC4-6F175D3DCCD1}">
+              <a14:hiddenFill xmlns:a14="http://schemas.microsoft.com/office/drawing/2010/main">
+                <a:solidFill>
+                  <a:srgbClr val="FFFFFF"/>
+                </a:solidFill>
+              </a14:hiddenFill>
+            </a:ext>
+          </a:extLst>
+        </p:spPr>
+      </p:pic>
+      <p:sp>
+        <p:nvSpPr>
+          <p:cNvPr id="11" name="TextBox 10">
+            <a:extLst>
+              <a:ext uri="{FF2B5EF4-FFF2-40B4-BE49-F238E27FC236}">
+                <a16:creationId xmlns:a16="http://schemas.microsoft.com/office/drawing/2014/main" id="{AF411F42-38EB-B889-C8BB-C152AA3F5755}"/>
+              </a:ext>
+            </a:extLst>
+          </p:cNvPr>
+          <p:cNvSpPr txBox="1"/>
+          <p:nvPr/>
+        </p:nvSpPr>
+        <p:spPr>
+          <a:xfrm>
+            <a:off x="8374228" y="5878759"/>
+            <a:ext cx="1338828" cy="276999"/>
+          </a:xfrm>
+          <a:prstGeom prst="rect">
+            <a:avLst/>
+          </a:prstGeom>
+          <a:noFill/>
+        </p:spPr>
+        <p:txBody>
+          <a:bodyPr wrap="none" rtlCol="0">
+            <a:spAutoFit/>
+          </a:bodyPr>
+          <a:lstStyle/>
+          <a:p>
+            <a:r>
+              <a:rPr lang="en-US" sz="1200" dirty="0"/>
+              <a:t>SGD without MO</a:t>
+            </a:r>
+          </a:p>
+        </p:txBody>
+      </p:sp>
+      <p:sp>
+        <p:nvSpPr>
+          <p:cNvPr id="13" name="TextBox 12">
+            <a:extLst>
+              <a:ext uri="{FF2B5EF4-FFF2-40B4-BE49-F238E27FC236}">
+                <a16:creationId xmlns:a16="http://schemas.microsoft.com/office/drawing/2014/main" id="{9C9D56C2-8150-C58F-0E63-C3E75465ED16}"/>
+              </a:ext>
+            </a:extLst>
+          </p:cNvPr>
+          <p:cNvSpPr txBox="1"/>
+          <p:nvPr/>
+        </p:nvSpPr>
+        <p:spPr>
+          <a:xfrm>
+            <a:off x="10506082" y="5927298"/>
+            <a:ext cx="1190617" cy="276999"/>
+          </a:xfrm>
+          <a:prstGeom prst="rect">
+            <a:avLst/>
+          </a:prstGeom>
+          <a:noFill/>
+        </p:spPr>
+        <p:txBody>
+          <a:bodyPr wrap="square">
+            <a:spAutoFit/>
+          </a:bodyPr>
+          <a:lstStyle/>
+          <a:p>
+            <a:r>
+              <a:rPr lang="en-US" sz="1200" dirty="0"/>
+              <a:t>SGD with MO</a:t>
+            </a:r>
+          </a:p>
+        </p:txBody>
+      </p:sp>
+      <p:pic>
+        <p:nvPicPr>
+          <p:cNvPr id="1029" name="Picture 5">
+            <a:extLst>
+              <a:ext uri="{FF2B5EF4-FFF2-40B4-BE49-F238E27FC236}">
+                <a16:creationId xmlns:a16="http://schemas.microsoft.com/office/drawing/2014/main" id="{F27CDF8D-5E29-DBFC-469C-0A8F52DE94A8}"/>
+              </a:ext>
+            </a:extLst>
+          </p:cNvPr>
+          <p:cNvPicPr>
+            <a:picLocks noChangeAspect="1" noChangeArrowheads="1"/>
+          </p:cNvPicPr>
+          <p:nvPr/>
+        </p:nvPicPr>
+        <p:blipFill>
+          <a:blip r:embed="rId4">
+            <a:extLst>
+              <a:ext uri="{28A0092B-C50C-407E-A947-70E740481C1C}">
+                <a14:useLocalDpi xmlns:a14="http://schemas.microsoft.com/office/drawing/2010/main" val="0"/>
+              </a:ext>
+            </a:extLst>
+          </a:blip>
+          <a:srcRect/>
+          <a:stretch>
+            <a:fillRect/>
+          </a:stretch>
+        </p:blipFill>
+        <p:spPr bwMode="auto">
+          <a:xfrm>
+            <a:off x="10230709" y="5096300"/>
+            <a:ext cx="1958096" cy="830997"/>
+          </a:xfrm>
+          <a:prstGeom prst="rect">
+            <a:avLst/>
+          </a:prstGeom>
+          <a:noFill/>
+          <a:extLst>
+            <a:ext uri="{909E8E84-426E-40DD-AFC4-6F175D3DCCD1}">
+              <a14:hiddenFill xmlns:a14="http://schemas.microsoft.com/office/drawing/2010/main">
+                <a:solidFill>
+                  <a:srgbClr val="FFFFFF"/>
+                </a:solidFill>
+              </a14:hiddenFill>
+            </a:ext>
+          </a:extLst>
+        </p:spPr>
+      </p:pic>
     </p:spTree>
     <p:extLst>
       <p:ext uri="{BB962C8B-B14F-4D97-AF65-F5344CB8AC3E}">
-        <p14:creationId xmlns:p14="http://schemas.microsoft.com/office/powerpoint/2010/main" val="2725762663"/>
+        <p14:creationId xmlns:p14="http://schemas.microsoft.com/office/powerpoint/2010/main" val="2572645922"/>
       </p:ext>
     </p:extLst>
   </p:cSld>
@@ -11578,20 +11853,12 @@
           </a:lstStyle>
           <a:p>
             <a:r>
-              <a:rPr lang="en-US" sz="4400" dirty="0" err="1">
+              <a:rPr lang="en-US" sz="4400" dirty="0">
                 <a:solidFill>
                   <a:srgbClr val="E46102"/>
                 </a:solidFill>
               </a:rPr>
-              <a:t>Nesterov</a:t>
-            </a:r>
-            <a:r>
-              <a:rPr lang="en-US" sz="4400" dirty="0">
-                <a:solidFill>
-                  <a:srgbClr val="E46102"/>
-                </a:solidFill>
-              </a:rPr>
-              <a:t> Accelerated Gradient</a:t>
+              <a:t>Momentum optimization</a:t>
             </a:r>
           </a:p>
         </p:txBody>
@@ -11627,218 +11894,78 @@
           </a:bodyPr>
           <a:lstStyle/>
           <a:p>
+            <a:pPr marL="101598">
+              <a:buSzPts val="2400"/>
+            </a:pPr>
+            <a:r>
+              <a:rPr lang="en-US" sz="2800" dirty="0"/>
+              <a:t>Advantages:</a:t>
+            </a:r>
+          </a:p>
+          <a:p>
+            <a:pPr marL="1054083" lvl="1" indent="-342900">
+              <a:buSzPts val="2400"/>
+              <a:buFont typeface="Arial" panose="020B0604020202020204" pitchFamily="34" charset="0"/>
+              <a:buChar char="•"/>
+            </a:pPr>
+            <a:r>
+              <a:rPr lang="en-US" sz="2800" dirty="0"/>
+              <a:t>Reduces the oscillations and high variance of the parameters.</a:t>
+            </a:r>
+          </a:p>
+          <a:p>
+            <a:pPr marL="1054083" lvl="1" indent="-342900">
+              <a:buSzPts val="2400"/>
+              <a:buFont typeface="Arial" panose="020B0604020202020204" pitchFamily="34" charset="0"/>
+              <a:buChar char="•"/>
+            </a:pPr>
+            <a:r>
+              <a:rPr lang="en-US" sz="2800" dirty="0"/>
+              <a:t>Converges faster than gradient descent.</a:t>
+            </a:r>
+          </a:p>
+          <a:p>
+            <a:pPr marL="444498" indent="-342900">
+              <a:buSzPts val="2400"/>
+              <a:buFont typeface="Arial" panose="020B0604020202020204" pitchFamily="34" charset="0"/>
+              <a:buChar char="•"/>
+            </a:pPr>
+            <a:endParaRPr lang="en-US" dirty="0"/>
+          </a:p>
+          <a:p>
+            <a:pPr marL="101598">
+              <a:buSzPts val="2400"/>
+            </a:pPr>
+            <a:r>
+              <a:rPr lang="en-US" sz="2800" dirty="0"/>
+              <a:t>Disadvantages:</a:t>
+            </a:r>
+          </a:p>
+          <a:p>
+            <a:pPr marL="1054083" lvl="1" indent="-342900">
+              <a:buSzPts val="2400"/>
+              <a:buFont typeface="Arial" panose="020B0604020202020204" pitchFamily="34" charset="0"/>
+              <a:buChar char="•"/>
+            </a:pPr>
+            <a:r>
+              <a:rPr lang="en-US" sz="2800" dirty="0"/>
+              <a:t>One more hyper-parameter is added which needs to be selected manually and accurately.</a:t>
+            </a:r>
+          </a:p>
+          <a:p>
             <a:pPr marL="558798" indent="-457200">
               <a:buSzPts val="2400"/>
               <a:buFont typeface="Arial" panose="020B0604020202020204" pitchFamily="34" charset="0"/>
               <a:buChar char="•"/>
             </a:pPr>
-            <a:r>
-              <a:rPr lang="en-US" dirty="0"/>
-              <a:t>if momentum too high algorithm may miss local minima</a:t>
-            </a:r>
-          </a:p>
-          <a:p>
-            <a:pPr marL="558798" indent="-457200">
-              <a:buSzPts val="2400"/>
-              <a:buFont typeface="Arial" panose="020B0604020202020204" pitchFamily="34" charset="0"/>
-              <a:buChar char="•"/>
-            </a:pPr>
-            <a:r>
-              <a:rPr lang="en-US" dirty="0"/>
-              <a:t>may continue to rise up</a:t>
-            </a:r>
-          </a:p>
-          <a:p>
-            <a:pPr marL="558798" indent="-457200">
-              <a:buSzPts val="2400"/>
-              <a:buFont typeface="Arial" panose="020B0604020202020204" pitchFamily="34" charset="0"/>
-              <a:buChar char="•"/>
-            </a:pPr>
-            <a:endParaRPr lang="en-US" dirty="0"/>
-          </a:p>
-          <a:p>
-            <a:pPr marL="558798" indent="-457200">
-              <a:buSzPts val="2400"/>
-              <a:buFont typeface="Arial" panose="020B0604020202020204" pitchFamily="34" charset="0"/>
-              <a:buChar char="•"/>
-            </a:pPr>
-            <a:r>
-              <a:rPr lang="en-US" dirty="0"/>
-              <a:t>NAG introduced </a:t>
-            </a:r>
-          </a:p>
-          <a:p>
-            <a:pPr marL="1168383" lvl="1" indent="-457200">
-              <a:buSzPts val="2400"/>
-              <a:buFont typeface="Arial" panose="020B0604020202020204" pitchFamily="34" charset="0"/>
-              <a:buChar char="•"/>
-            </a:pPr>
-            <a:r>
-              <a:rPr lang="en-US" dirty="0"/>
-              <a:t>is a </a:t>
-            </a:r>
-            <a:r>
-              <a:rPr lang="en-US" b="1" dirty="0"/>
-              <a:t>look ahead method</a:t>
-            </a:r>
-            <a:endParaRPr lang="en-US" dirty="0"/>
-          </a:p>
-          <a:p>
-            <a:pPr marL="1168383" lvl="1" indent="-457200">
-              <a:buSzPts val="2400"/>
-              <a:buFont typeface="Arial" panose="020B0604020202020204" pitchFamily="34" charset="0"/>
-              <a:buChar char="•"/>
-            </a:pPr>
-            <a:r>
-              <a:rPr lang="en-US" dirty="0"/>
-              <a:t>since using </a:t>
-            </a:r>
-            <a:r>
-              <a:rPr lang="el-GR" dirty="0"/>
-              <a:t>γ</a:t>
-            </a:r>
-            <a:r>
-              <a:rPr lang="en-US" dirty="0"/>
-              <a:t>V(t−1) for modifying weights so, </a:t>
-            </a:r>
-            <a:r>
-              <a:rPr lang="el-GR" dirty="0"/>
-              <a:t>θ−γ</a:t>
-            </a:r>
-            <a:r>
-              <a:rPr lang="en-US" dirty="0"/>
-              <a:t>V(t−1) approximately tells future location</a:t>
-            </a:r>
-          </a:p>
-          <a:p>
-            <a:pPr marL="1168383" lvl="1" indent="-457200">
-              <a:buSzPts val="2400"/>
-              <a:buFont typeface="Arial" panose="020B0604020202020204" pitchFamily="34" charset="0"/>
-              <a:buChar char="•"/>
-            </a:pPr>
-            <a:r>
-              <a:rPr lang="en-US" dirty="0"/>
-              <a:t>Instead, calculate cost based on future parameter.</a:t>
-            </a:r>
-          </a:p>
-          <a:p>
-            <a:pPr marL="101598">
-              <a:buSzPts val="2400"/>
-            </a:pPr>
-            <a:endParaRPr lang="en-US" dirty="0"/>
-          </a:p>
-          <a:p>
-            <a:pPr marL="101598">
-              <a:buSzPts val="2400"/>
-            </a:pPr>
-            <a:r>
-              <a:rPr lang="en-US" dirty="0"/>
-              <a:t>		V(t)=</a:t>
-            </a:r>
-            <a:r>
-              <a:rPr lang="el-GR" dirty="0"/>
-              <a:t>γ</a:t>
-            </a:r>
-            <a:r>
-              <a:rPr lang="en-US" dirty="0"/>
-              <a:t>V(t−1)+</a:t>
-            </a:r>
-            <a:r>
-              <a:rPr lang="el-GR" dirty="0"/>
-              <a:t>α. ∇</a:t>
-            </a:r>
-            <a:r>
-              <a:rPr lang="en-US" dirty="0"/>
-              <a:t>J( </a:t>
-            </a:r>
-            <a:r>
-              <a:rPr lang="el-GR" dirty="0"/>
-              <a:t>θ−γ</a:t>
-            </a:r>
-            <a:r>
-              <a:rPr lang="en-US" dirty="0"/>
-              <a:t>V(t−1) ) </a:t>
-            </a:r>
-          </a:p>
-          <a:p>
-            <a:pPr marL="711183" lvl="1">
-              <a:buSzPts val="2400"/>
-            </a:pPr>
-            <a:endParaRPr lang="en-US" dirty="0"/>
-          </a:p>
-          <a:p>
-            <a:pPr marL="711183" lvl="1">
-              <a:buSzPts val="2400"/>
-            </a:pPr>
-            <a:r>
-              <a:rPr lang="en-US" dirty="0"/>
-              <a:t>and then update the parameters using </a:t>
-            </a:r>
-            <a:r>
-              <a:rPr lang="el-GR" dirty="0"/>
-              <a:t>θ=θ−</a:t>
-            </a:r>
-            <a:r>
-              <a:rPr lang="en-US" dirty="0"/>
-              <a:t>V(t).</a:t>
-            </a:r>
+            <a:endParaRPr lang="en-US" sz="3200" dirty="0"/>
           </a:p>
         </p:txBody>
       </p:sp>
-      <p:pic>
-        <p:nvPicPr>
-          <p:cNvPr id="3077" name="Picture 5">
-            <a:extLst>
-              <a:ext uri="{FF2B5EF4-FFF2-40B4-BE49-F238E27FC236}">
-                <a16:creationId xmlns:a16="http://schemas.microsoft.com/office/drawing/2014/main" id="{1A4283F0-0821-B64B-ADD0-795A5910EB18}"/>
-              </a:ext>
-            </a:extLst>
-          </p:cNvPr>
-          <p:cNvPicPr>
-            <a:picLocks noChangeAspect="1" noChangeArrowheads="1"/>
-          </p:cNvPicPr>
-          <p:nvPr/>
-        </p:nvPicPr>
-        <p:blipFill rotWithShape="1">
-          <a:blip r:embed="rId2">
-            <a:extLst>
-              <a:ext uri="{28A0092B-C50C-407E-A947-70E740481C1C}">
-                <a14:useLocalDpi xmlns:a14="http://schemas.microsoft.com/office/drawing/2010/main" val="0"/>
-              </a:ext>
-            </a:extLst>
-          </a:blip>
-          <a:srcRect l="3282" t="20876" r="16796" b="6443"/>
-          <a:stretch/>
-        </p:blipFill>
-        <p:spPr bwMode="auto">
-          <a:xfrm>
-            <a:off x="8773960" y="4494495"/>
-            <a:ext cx="2628900" cy="1790701"/>
-          </a:xfrm>
-          <a:prstGeom prst="rect">
-            <a:avLst/>
-          </a:prstGeom>
-          <a:noFill/>
-          <a:ln>
-            <a:solidFill>
-              <a:schemeClr val="accent1"/>
-            </a:solidFill>
-          </a:ln>
-          <a:extLst>
-            <a:ext uri="{909E8E84-426E-40DD-AFC4-6F175D3DCCD1}">
-              <a14:hiddenFill xmlns:a14="http://schemas.microsoft.com/office/drawing/2010/main">
-                <a:solidFill>
-                  <a:srgbClr val="FFFFFF"/>
-                </a:solidFill>
-              </a14:hiddenFill>
-            </a:ext>
-          </a:extLst>
-        </p:spPr>
-      </p:pic>
     </p:spTree>
     <p:extLst>
       <p:ext uri="{BB962C8B-B14F-4D97-AF65-F5344CB8AC3E}">
-        <p14:creationId xmlns:p14="http://schemas.microsoft.com/office/powerpoint/2010/main" val="3434000827"/>
+        <p14:creationId xmlns:p14="http://schemas.microsoft.com/office/powerpoint/2010/main" val="2725762663"/>
       </p:ext>
     </p:extLst>
   </p:cSld>
@@ -11962,64 +12089,218 @@
           </a:bodyPr>
           <a:lstStyle/>
           <a:p>
+            <a:pPr marL="558798" indent="-457200">
+              <a:buSzPts val="2400"/>
+              <a:buFont typeface="Arial" panose="020B0604020202020204" pitchFamily="34" charset="0"/>
+              <a:buChar char="•"/>
+            </a:pPr>
+            <a:r>
+              <a:rPr lang="en-US" dirty="0"/>
+              <a:t>if momentum too high algorithm may miss local minima</a:t>
+            </a:r>
+          </a:p>
+          <a:p>
+            <a:pPr marL="558798" indent="-457200">
+              <a:buSzPts val="2400"/>
+              <a:buFont typeface="Arial" panose="020B0604020202020204" pitchFamily="34" charset="0"/>
+              <a:buChar char="•"/>
+            </a:pPr>
+            <a:r>
+              <a:rPr lang="en-US" dirty="0"/>
+              <a:t>may continue to rise up</a:t>
+            </a:r>
+          </a:p>
+          <a:p>
+            <a:pPr marL="558798" indent="-457200">
+              <a:buSzPts val="2400"/>
+              <a:buFont typeface="Arial" panose="020B0604020202020204" pitchFamily="34" charset="0"/>
+              <a:buChar char="•"/>
+            </a:pPr>
+            <a:endParaRPr lang="en-US" dirty="0"/>
+          </a:p>
+          <a:p>
+            <a:pPr marL="558798" indent="-457200">
+              <a:buSzPts val="2400"/>
+              <a:buFont typeface="Arial" panose="020B0604020202020204" pitchFamily="34" charset="0"/>
+              <a:buChar char="•"/>
+            </a:pPr>
+            <a:r>
+              <a:rPr lang="en-US" dirty="0"/>
+              <a:t>NAG introduced </a:t>
+            </a:r>
+          </a:p>
+          <a:p>
+            <a:pPr marL="1168383" lvl="1" indent="-457200">
+              <a:buSzPts val="2400"/>
+              <a:buFont typeface="Arial" panose="020B0604020202020204" pitchFamily="34" charset="0"/>
+              <a:buChar char="•"/>
+            </a:pPr>
+            <a:r>
+              <a:rPr lang="en-US" dirty="0"/>
+              <a:t>is a </a:t>
+            </a:r>
             <a:r>
               <a:rPr lang="en-US" b="1" dirty="0"/>
-              <a:t>Advantages</a:t>
-            </a:r>
+              <a:t>look ahead method</a:t>
+            </a:r>
+            <a:endParaRPr lang="en-US" dirty="0"/>
+          </a:p>
+          <a:p>
+            <a:pPr marL="1168383" lvl="1" indent="-457200">
+              <a:buSzPts val="2400"/>
+              <a:buFont typeface="Arial" panose="020B0604020202020204" pitchFamily="34" charset="0"/>
+              <a:buChar char="•"/>
+            </a:pPr>
             <a:r>
               <a:rPr lang="en-US" dirty="0"/>
-              <a:t>:</a:t>
-            </a:r>
-          </a:p>
-          <a:p>
-            <a:pPr marL="342900" indent="-342900">
-              <a:buFont typeface="Arial" panose="020B0604020202020204" pitchFamily="34" charset="0"/>
-              <a:buChar char="•"/>
-            </a:pPr>
+              <a:t>since using </a:t>
+            </a:r>
+            <a:r>
+              <a:rPr lang="el-GR" dirty="0"/>
+              <a:t>γ</a:t>
+            </a:r>
             <a:r>
               <a:rPr lang="en-US" dirty="0"/>
-              <a:t>Does not miss the local minima.</a:t>
-            </a:r>
-          </a:p>
-          <a:p>
-            <a:pPr marL="342900" indent="-342900">
-              <a:buFont typeface="Arial" panose="020B0604020202020204" pitchFamily="34" charset="0"/>
-              <a:buChar char="•"/>
-            </a:pPr>
+              <a:t>V(t−1) for modifying weights so, </a:t>
+            </a:r>
+            <a:r>
+              <a:rPr lang="el-GR" dirty="0"/>
+              <a:t>θ−γ</a:t>
+            </a:r>
             <a:r>
               <a:rPr lang="en-US" dirty="0"/>
-              <a:t>Slows if minima are occurring.</a:t>
-            </a:r>
-          </a:p>
-          <a:p>
-            <a:pPr marL="342900" indent="-342900">
-              <a:buFont typeface="Arial" panose="020B0604020202020204" pitchFamily="34" charset="0"/>
-              <a:buChar char="•"/>
+              <a:t>V(t−1) approximately tells future location</a:t>
+            </a:r>
+          </a:p>
+          <a:p>
+            <a:pPr marL="1168383" lvl="1" indent="-457200">
+              <a:buSzPts val="2400"/>
+              <a:buFont typeface="Arial" panose="020B0604020202020204" pitchFamily="34" charset="0"/>
+              <a:buChar char="•"/>
+            </a:pPr>
+            <a:r>
+              <a:rPr lang="en-US" dirty="0"/>
+              <a:t>Instead, calculate cost based on future parameter.</a:t>
+            </a:r>
+          </a:p>
+          <a:p>
+            <a:pPr marL="101598">
+              <a:buSzPts val="2400"/>
             </a:pPr>
             <a:endParaRPr lang="en-US" dirty="0"/>
           </a:p>
           <a:p>
-            <a:r>
-              <a:rPr lang="en-US" b="1" dirty="0"/>
-              <a:t>Disadvantages</a:t>
-            </a:r>
+            <a:pPr marL="101598">
+              <a:buSzPts val="2400"/>
+            </a:pPr>
             <a:r>
               <a:rPr lang="en-US" dirty="0"/>
-              <a:t>:</a:t>
-            </a:r>
-          </a:p>
-          <a:p>
+              <a:t>		V(t)=</a:t>
+            </a:r>
+            <a:r>
+              <a:rPr lang="el-GR" dirty="0"/>
+              <a:t>γ</a:t>
+            </a:r>
             <a:r>
               <a:rPr lang="en-US" dirty="0"/>
-              <a:t>	Still, the hyperparameter needs to be selected manually.</a:t>
+              <a:t>V(t−1)+</a:t>
+            </a:r>
+            <a:r>
+              <a:rPr lang="el-GR" dirty="0"/>
+              <a:t>α. ∇</a:t>
+            </a:r>
+            <a:r>
+              <a:rPr lang="en-US" dirty="0"/>
+              <a:t>J( </a:t>
+            </a:r>
+            <a:r>
+              <a:rPr lang="el-GR" dirty="0"/>
+              <a:t>θ−γ</a:t>
+            </a:r>
+            <a:r>
+              <a:rPr lang="en-US" dirty="0"/>
+              <a:t>V(t−1) ) </a:t>
+            </a:r>
+          </a:p>
+          <a:p>
+            <a:pPr marL="711183" lvl="1">
+              <a:buSzPts val="2400"/>
+            </a:pPr>
+            <a:endParaRPr lang="en-US" dirty="0"/>
+          </a:p>
+          <a:p>
+            <a:pPr marL="711183" lvl="1">
+              <a:buSzPts val="2400"/>
+            </a:pPr>
+            <a:r>
+              <a:rPr lang="en-US" dirty="0"/>
+              <a:t>and then update the parameters using </a:t>
+            </a:r>
+            <a:r>
+              <a:rPr lang="el-GR" dirty="0"/>
+              <a:t>θ=θ−</a:t>
+            </a:r>
+            <a:r>
+              <a:rPr lang="en-US" dirty="0"/>
+              <a:t>V(t).</a:t>
             </a:r>
           </a:p>
         </p:txBody>
       </p:sp>
+      <p:pic>
+        <p:nvPicPr>
+          <p:cNvPr id="3077" name="Picture 5">
+            <a:extLst>
+              <a:ext uri="{FF2B5EF4-FFF2-40B4-BE49-F238E27FC236}">
+                <a16:creationId xmlns:a16="http://schemas.microsoft.com/office/drawing/2014/main" id="{1A4283F0-0821-B64B-ADD0-795A5910EB18}"/>
+              </a:ext>
+            </a:extLst>
+          </p:cNvPr>
+          <p:cNvPicPr>
+            <a:picLocks noChangeAspect="1" noChangeArrowheads="1"/>
+          </p:cNvPicPr>
+          <p:nvPr/>
+        </p:nvPicPr>
+        <p:blipFill rotWithShape="1">
+          <a:blip r:embed="rId2">
+            <a:extLst>
+              <a:ext uri="{28A0092B-C50C-407E-A947-70E740481C1C}">
+                <a14:useLocalDpi xmlns:a14="http://schemas.microsoft.com/office/drawing/2010/main" val="0"/>
+              </a:ext>
+            </a:extLst>
+          </a:blip>
+          <a:srcRect l="3282" t="20876" r="16796" b="6443"/>
+          <a:stretch/>
+        </p:blipFill>
+        <p:spPr bwMode="auto">
+          <a:xfrm>
+            <a:off x="8773960" y="4494495"/>
+            <a:ext cx="2628900" cy="1790701"/>
+          </a:xfrm>
+          <a:prstGeom prst="rect">
+            <a:avLst/>
+          </a:prstGeom>
+          <a:noFill/>
+          <a:ln>
+            <a:solidFill>
+              <a:schemeClr val="accent1"/>
+            </a:solidFill>
+          </a:ln>
+          <a:extLst>
+            <a:ext uri="{909E8E84-426E-40DD-AFC4-6F175D3DCCD1}">
+              <a14:hiddenFill xmlns:a14="http://schemas.microsoft.com/office/drawing/2010/main">
+                <a:solidFill>
+                  <a:srgbClr val="FFFFFF"/>
+                </a:solidFill>
+              </a14:hiddenFill>
+            </a:ext>
+          </a:extLst>
+        </p:spPr>
+      </p:pic>
     </p:spTree>
     <p:extLst>
       <p:ext uri="{BB962C8B-B14F-4D97-AF65-F5344CB8AC3E}">
-        <p14:creationId xmlns:p14="http://schemas.microsoft.com/office/powerpoint/2010/main" val="2253283836"/>
+        <p14:creationId xmlns:p14="http://schemas.microsoft.com/office/powerpoint/2010/main" val="3434000827"/>
       </p:ext>
     </p:extLst>
   </p:cSld>
@@ -12099,13 +12380,16 @@
                   <a:srgbClr val="E46102"/>
                 </a:solidFill>
               </a:rPr>
-              <a:t>Adagrad</a:t>
-            </a:r>
-            <a:endParaRPr lang="en-US" sz="4400" dirty="0">
-              <a:solidFill>
-                <a:srgbClr val="E46102"/>
-              </a:solidFill>
-            </a:endParaRPr>
+              <a:t>Nesterov</a:t>
+            </a:r>
+            <a:r>
+              <a:rPr lang="en-US" sz="4400" dirty="0">
+                <a:solidFill>
+                  <a:srgbClr val="E46102"/>
+                </a:solidFill>
+              </a:rPr>
+              <a:t> Accelerated Gradient</a:t>
+            </a:r>
           </a:p>
         </p:txBody>
       </p:sp>
@@ -12140,68 +12424,64 @@
           </a:bodyPr>
           <a:lstStyle/>
           <a:p>
-            <a:pPr marL="558798" indent="-457200">
-              <a:buSzPts val="2400"/>
-              <a:buFont typeface="Arial" panose="020B0604020202020204" pitchFamily="34" charset="0"/>
-              <a:buChar char="•"/>
-            </a:pPr>
             <a:r>
               <a:rPr lang="en-US" b="1" dirty="0"/>
-              <a:t>Disadvantages of all optimizers</a:t>
+              <a:t>Advantages</a:t>
             </a:r>
             <a:r>
               <a:rPr lang="en-US" dirty="0"/>
-              <a:t> - learning rate constant for all parameters and for each cycle</a:t>
-            </a:r>
-          </a:p>
-          <a:p>
-            <a:pPr marL="101598">
-              <a:buSzPts val="2400"/>
+              <a:t>:</a:t>
+            </a:r>
+          </a:p>
+          <a:p>
+            <a:pPr marL="342900" indent="-342900">
+              <a:buFont typeface="Arial" panose="020B0604020202020204" pitchFamily="34" charset="0"/>
+              <a:buChar char="•"/>
+            </a:pPr>
+            <a:r>
+              <a:rPr lang="en-US" dirty="0"/>
+              <a:t>Does not miss the local minima.</a:t>
+            </a:r>
+          </a:p>
+          <a:p>
+            <a:pPr marL="342900" indent="-342900">
+              <a:buFont typeface="Arial" panose="020B0604020202020204" pitchFamily="34" charset="0"/>
+              <a:buChar char="•"/>
+            </a:pPr>
+            <a:r>
+              <a:rPr lang="en-US" dirty="0"/>
+              <a:t>Slows if minima are occurring.</a:t>
+            </a:r>
+          </a:p>
+          <a:p>
+            <a:pPr marL="342900" indent="-342900">
+              <a:buFont typeface="Arial" panose="020B0604020202020204" pitchFamily="34" charset="0"/>
+              <a:buChar char="•"/>
             </a:pPr>
             <a:endParaRPr lang="en-US" dirty="0"/>
           </a:p>
           <a:p>
-            <a:pPr marL="558798" indent="-457200">
-              <a:buSzPts val="2400"/>
-              <a:buFont typeface="Arial" panose="020B0604020202020204" pitchFamily="34" charset="0"/>
-              <a:buChar char="•"/>
-            </a:pPr>
-            <a:r>
-              <a:rPr lang="en-US" dirty="0" err="1"/>
-              <a:t>Adagrad</a:t>
+            <a:r>
+              <a:rPr lang="en-US" b="1" dirty="0"/>
+              <a:t>Disadvantages</a:t>
             </a:r>
             <a:r>
               <a:rPr lang="en-US" dirty="0"/>
-              <a:t> changes learning rate - </a:t>
-            </a:r>
-            <a:r>
-              <a:rPr lang="en-US" b="1" dirty="0"/>
-              <a:t>‘</a:t>
-            </a:r>
-            <a:r>
-              <a:rPr lang="el-GR" b="1" dirty="0"/>
-              <a:t>η’ </a:t>
-            </a:r>
+              <a:t>:</a:t>
+            </a:r>
+          </a:p>
+          <a:p>
             <a:r>
               <a:rPr lang="en-US" dirty="0"/>
-              <a:t>for each parameter and at every time step </a:t>
-            </a:r>
-            <a:r>
-              <a:rPr lang="en-US" b="1" dirty="0"/>
-              <a:t>‘t’. </a:t>
-            </a:r>
-            <a:r>
-              <a:rPr lang="en-US" dirty="0"/>
-              <a:t>It’s a type second order optimization algorithm. It works on derivative of an error function.</a:t>
-            </a:r>
-            <a:endParaRPr lang="en-US" sz="3200" dirty="0"/>
+              <a:t>	Still, the hyperparameter needs to be selected manually.</a:t>
+            </a:r>
           </a:p>
         </p:txBody>
       </p:sp>
     </p:spTree>
     <p:extLst>
       <p:ext uri="{BB962C8B-B14F-4D97-AF65-F5344CB8AC3E}">
-        <p14:creationId xmlns:p14="http://schemas.microsoft.com/office/powerpoint/2010/main" val="2315936145"/>
+        <p14:creationId xmlns:p14="http://schemas.microsoft.com/office/powerpoint/2010/main" val="2253283836"/>
       </p:ext>
     </p:extLst>
   </p:cSld>
@@ -12305,8 +12585,8 @@
         </p:nvSpPr>
         <p:spPr>
           <a:xfrm>
-            <a:off x="302628" y="1687796"/>
-            <a:ext cx="6683244" cy="3150644"/>
+            <a:off x="495301" y="1346200"/>
+            <a:ext cx="11194672" cy="5194299"/>
           </a:xfrm>
           <a:prstGeom prst="rect">
             <a:avLst/>
@@ -12328,37 +12608,19 @@
               <a:buChar char="•"/>
             </a:pPr>
             <a:r>
-              <a:rPr lang="el-GR" sz="2000" b="1" dirty="0"/>
-              <a:t>η </a:t>
-            </a:r>
-            <a:r>
-              <a:rPr lang="en-US" sz="2000" dirty="0"/>
-              <a:t>modified for given parameter </a:t>
-            </a:r>
-            <a:r>
-              <a:rPr lang="el-GR" sz="2000" dirty="0"/>
-              <a:t>θ(</a:t>
-            </a:r>
-            <a:r>
-              <a:rPr lang="en-US" sz="2000" dirty="0" err="1"/>
-              <a:t>i</a:t>
-            </a:r>
-            <a:r>
-              <a:rPr lang="en-US" sz="2000" dirty="0"/>
-              <a:t>) at a given time based on previous gradients calculated for given parameter </a:t>
-            </a:r>
-            <a:r>
-              <a:rPr lang="el-GR" sz="2000" dirty="0"/>
-              <a:t>θ(</a:t>
-            </a:r>
-            <a:r>
-              <a:rPr lang="en-US" sz="2000" dirty="0" err="1"/>
-              <a:t>i</a:t>
-            </a:r>
-            <a:r>
-              <a:rPr lang="en-US" sz="2000" dirty="0"/>
-              <a:t>).</a:t>
-            </a:r>
+              <a:rPr lang="en-US" b="1" dirty="0"/>
+              <a:t>Disadvantages of all optimizers</a:t>
+            </a:r>
+            <a:r>
+              <a:rPr lang="en-US" dirty="0"/>
+              <a:t> - learning rate constant for all parameters and for each cycle</a:t>
+            </a:r>
+          </a:p>
+          <a:p>
+            <a:pPr marL="101598">
+              <a:buSzPts val="2400"/>
+            </a:pPr>
+            <a:endParaRPr lang="en-US" dirty="0"/>
           </a:p>
           <a:p>
             <a:pPr marL="558798" indent="-457200">
@@ -12366,299 +12628,42 @@
               <a:buFont typeface="Arial" panose="020B0604020202020204" pitchFamily="34" charset="0"/>
               <a:buChar char="•"/>
             </a:pPr>
-            <a:endParaRPr lang="en-US" sz="2000" dirty="0"/>
-          </a:p>
-          <a:p>
-            <a:pPr marL="558798" indent="-457200">
-              <a:buSzPts val="2400"/>
-              <a:buFont typeface="Arial" panose="020B0604020202020204" pitchFamily="34" charset="0"/>
-              <a:buChar char="•"/>
-            </a:pPr>
-            <a:r>
-              <a:rPr lang="en-US" sz="2000" dirty="0"/>
-              <a:t>G: Sum of squares of the gradients w.r.t. </a:t>
-            </a:r>
-            <a:r>
-              <a:rPr lang="el-GR" sz="2000" dirty="0"/>
-              <a:t>θ(</a:t>
-            </a:r>
-            <a:r>
-              <a:rPr lang="en-US" sz="2000" dirty="0" err="1"/>
-              <a:t>i</a:t>
-            </a:r>
-            <a:r>
-              <a:rPr lang="en-US" sz="2000" dirty="0"/>
-              <a:t>) up to time step t are stored</a:t>
-            </a:r>
-          </a:p>
-          <a:p>
-            <a:pPr marL="1168383" lvl="1" indent="-457200">
-              <a:buSzPts val="2400"/>
-              <a:buFont typeface="Arial" panose="020B0604020202020204" pitchFamily="34" charset="0"/>
-              <a:buChar char="•"/>
-            </a:pPr>
-            <a:r>
-              <a:rPr lang="el-GR" sz="2000" dirty="0"/>
-              <a:t>ϵ </a:t>
-            </a:r>
-            <a:r>
-              <a:rPr lang="en-US" sz="2000" dirty="0"/>
-              <a:t>is a smoothing term that avoids division by zero (usually on the order of 1e−8)</a:t>
-            </a:r>
-          </a:p>
-          <a:p>
-            <a:pPr marL="1168383" lvl="1" indent="-457200">
-              <a:buSzPts val="2400"/>
-              <a:buFont typeface="Arial" panose="020B0604020202020204" pitchFamily="34" charset="0"/>
-              <a:buChar char="•"/>
-            </a:pPr>
-            <a:r>
-              <a:rPr lang="en-US" sz="2000" dirty="0"/>
-              <a:t>without square root operation, algorithm performs much worse.</a:t>
-            </a:r>
-          </a:p>
-          <a:p>
-            <a:pPr marL="558798" indent="-457200">
-              <a:buSzPts val="2400"/>
-              <a:buFont typeface="Arial" panose="020B0604020202020204" pitchFamily="34" charset="0"/>
-              <a:buChar char="•"/>
-            </a:pPr>
-            <a:endParaRPr lang="en-US" sz="2000" dirty="0"/>
-          </a:p>
-          <a:p>
-            <a:pPr marL="558798" indent="-457200">
-              <a:buSzPts val="2400"/>
-              <a:buFont typeface="Arial" panose="020B0604020202020204" pitchFamily="34" charset="0"/>
-              <a:buChar char="•"/>
-            </a:pPr>
-            <a:endParaRPr lang="en-US" sz="2000" dirty="0"/>
-          </a:p>
-          <a:p>
-            <a:pPr marL="558798" indent="-457200">
-              <a:buSzPts val="2400"/>
-              <a:buFont typeface="Arial" panose="020B0604020202020204" pitchFamily="34" charset="0"/>
-              <a:buChar char="•"/>
-            </a:pPr>
-            <a:r>
-              <a:rPr lang="en-US" sz="2000" dirty="0"/>
-              <a:t>It makes big updates for less frequent parameters and a small step for frequent parameters.</a:t>
-            </a:r>
-          </a:p>
-        </p:txBody>
-      </p:sp>
-      <p:pic>
-        <p:nvPicPr>
-          <p:cNvPr id="6" name="Picture 2">
-            <a:extLst>
-              <a:ext uri="{FF2B5EF4-FFF2-40B4-BE49-F238E27FC236}">
-                <a16:creationId xmlns:a16="http://schemas.microsoft.com/office/drawing/2014/main" id="{F293BB44-7955-A94F-838E-8FD38AD769D6}"/>
-              </a:ext>
-            </a:extLst>
-          </p:cNvPr>
-          <p:cNvPicPr>
-            <a:picLocks noChangeAspect="1" noChangeArrowheads="1"/>
-          </p:cNvPicPr>
-          <p:nvPr/>
-        </p:nvPicPr>
-        <p:blipFill>
-          <a:blip r:embed="rId2">
-            <a:extLst>
-              <a:ext uri="{28A0092B-C50C-407E-A947-70E740481C1C}">
-                <a14:useLocalDpi xmlns:a14="http://schemas.microsoft.com/office/drawing/2010/main" val="0"/>
-              </a:ext>
-            </a:extLst>
-          </a:blip>
-          <a:srcRect/>
-          <a:stretch>
-            <a:fillRect/>
-          </a:stretch>
-        </p:blipFill>
-        <p:spPr bwMode="auto">
-          <a:xfrm>
-            <a:off x="7803803" y="2013572"/>
-            <a:ext cx="2705100" cy="635000"/>
-          </a:xfrm>
-          <a:prstGeom prst="rect">
-            <a:avLst/>
-          </a:prstGeom>
-          <a:noFill/>
-          <a:ln>
-            <a:solidFill>
-              <a:schemeClr val="accent1"/>
-            </a:solidFill>
-          </a:ln>
-          <a:extLst>
-            <a:ext uri="{909E8E84-426E-40DD-AFC4-6F175D3DCCD1}">
-              <a14:hiddenFill xmlns:a14="http://schemas.microsoft.com/office/drawing/2010/main">
-                <a:solidFill>
-                  <a:srgbClr val="FFFFFF"/>
-                </a:solidFill>
-              </a14:hiddenFill>
-            </a:ext>
-          </a:extLst>
-        </p:spPr>
-      </p:pic>
-      <p:sp>
-        <p:nvSpPr>
-          <p:cNvPr id="7" name="TextBox 6">
-            <a:extLst>
-              <a:ext uri="{FF2B5EF4-FFF2-40B4-BE49-F238E27FC236}">
-                <a16:creationId xmlns:a16="http://schemas.microsoft.com/office/drawing/2014/main" id="{7E638483-0800-4047-B251-DC771E6AF00E}"/>
-              </a:ext>
-            </a:extLst>
-          </p:cNvPr>
-          <p:cNvSpPr txBox="1"/>
-          <p:nvPr/>
-        </p:nvSpPr>
-        <p:spPr>
-          <a:xfrm>
-            <a:off x="7189939" y="2640326"/>
-            <a:ext cx="4136895" cy="646331"/>
-          </a:xfrm>
-          <a:prstGeom prst="rect">
-            <a:avLst/>
-          </a:prstGeom>
-          <a:noFill/>
-        </p:spPr>
-        <p:txBody>
-          <a:bodyPr wrap="square">
-            <a:spAutoFit/>
-          </a:bodyPr>
-          <a:lstStyle/>
-          <a:p>
-            <a:pPr algn="ctr"/>
-            <a:r>
-              <a:rPr lang="en-US" sz="1800" b="0" i="0" dirty="0">
-                <a:effectLst/>
-                <a:latin typeface="sohne"/>
-              </a:rPr>
-              <a:t>A derivative of loss function for </a:t>
-            </a:r>
-          </a:p>
-          <a:p>
-            <a:pPr algn="ctr"/>
-            <a:r>
-              <a:rPr lang="en-US" sz="1800" b="0" i="0" dirty="0">
-                <a:effectLst/>
-                <a:latin typeface="sohne"/>
-              </a:rPr>
-              <a:t>given parameters at a given time t.</a:t>
-            </a:r>
-            <a:endParaRPr lang="en-US" sz="1800" dirty="0"/>
-          </a:p>
-        </p:txBody>
-      </p:sp>
-      <p:pic>
-        <p:nvPicPr>
-          <p:cNvPr id="8" name="Picture 6">
-            <a:extLst>
-              <a:ext uri="{FF2B5EF4-FFF2-40B4-BE49-F238E27FC236}">
-                <a16:creationId xmlns:a16="http://schemas.microsoft.com/office/drawing/2014/main" id="{818D1EE7-D6B7-294C-B4BE-26FF88006497}"/>
-              </a:ext>
-            </a:extLst>
-          </p:cNvPr>
-          <p:cNvPicPr>
-            <a:picLocks noChangeAspect="1" noChangeArrowheads="1"/>
-          </p:cNvPicPr>
-          <p:nvPr/>
-        </p:nvPicPr>
-        <p:blipFill>
-          <a:blip r:embed="rId3">
-            <a:extLst>
-              <a:ext uri="{28A0092B-C50C-407E-A947-70E740481C1C}">
-                <a14:useLocalDpi xmlns:a14="http://schemas.microsoft.com/office/drawing/2010/main" val="0"/>
-              </a:ext>
-            </a:extLst>
-          </a:blip>
-          <a:srcRect/>
-          <a:stretch>
-            <a:fillRect/>
-          </a:stretch>
-        </p:blipFill>
-        <p:spPr bwMode="auto">
-          <a:xfrm>
-            <a:off x="7351735" y="4387590"/>
-            <a:ext cx="3975100" cy="901700"/>
-          </a:xfrm>
-          <a:prstGeom prst="rect">
-            <a:avLst/>
-          </a:prstGeom>
-          <a:noFill/>
-          <a:ln>
-            <a:solidFill>
-              <a:schemeClr val="accent1"/>
-            </a:solidFill>
-          </a:ln>
-          <a:extLst>
-            <a:ext uri="{909E8E84-426E-40DD-AFC4-6F175D3DCCD1}">
-              <a14:hiddenFill xmlns:a14="http://schemas.microsoft.com/office/drawing/2010/main">
-                <a:solidFill>
-                  <a:srgbClr val="FFFFFF"/>
-                </a:solidFill>
-              </a14:hiddenFill>
-            </a:ext>
-          </a:extLst>
-        </p:spPr>
-      </p:pic>
-      <p:sp>
-        <p:nvSpPr>
-          <p:cNvPr id="9" name="TextBox 8">
-            <a:extLst>
-              <a:ext uri="{FF2B5EF4-FFF2-40B4-BE49-F238E27FC236}">
-                <a16:creationId xmlns:a16="http://schemas.microsoft.com/office/drawing/2014/main" id="{40AD7A56-A299-6945-BE93-165CB0BE2857}"/>
-              </a:ext>
-            </a:extLst>
-          </p:cNvPr>
-          <p:cNvSpPr txBox="1"/>
-          <p:nvPr/>
-        </p:nvSpPr>
-        <p:spPr>
-          <a:xfrm>
-            <a:off x="7694330" y="5439389"/>
-            <a:ext cx="3289909" cy="830997"/>
-          </a:xfrm>
-          <a:prstGeom prst="rect">
-            <a:avLst/>
-          </a:prstGeom>
-          <a:noFill/>
-        </p:spPr>
-        <p:txBody>
-          <a:bodyPr wrap="square">
-            <a:spAutoFit/>
-          </a:bodyPr>
-          <a:lstStyle/>
-          <a:p>
-            <a:pPr algn="ctr"/>
-            <a:r>
-              <a:rPr lang="en-US" sz="1600" dirty="0"/>
-              <a:t>Update parameters for given</a:t>
-            </a:r>
-          </a:p>
-          <a:p>
-            <a:pPr algn="ctr"/>
-            <a:r>
-              <a:rPr lang="en-US" sz="1600" dirty="0"/>
-              <a:t> input </a:t>
-            </a:r>
-            <a:r>
-              <a:rPr lang="en-US" sz="1600" dirty="0" err="1"/>
-              <a:t>i</a:t>
-            </a:r>
-            <a:r>
-              <a:rPr lang="en-US" sz="1600" dirty="0"/>
-              <a:t> and at time/iteration t</a:t>
-            </a:r>
-            <a:br>
-              <a:rPr lang="en-US" sz="1600" dirty="0"/>
-            </a:br>
-            <a:endParaRPr lang="en-US" sz="1600" dirty="0"/>
+            <a:r>
+              <a:rPr lang="en-US" dirty="0" err="1"/>
+              <a:t>Adagrad</a:t>
+            </a:r>
+            <a:r>
+              <a:rPr lang="en-US" dirty="0"/>
+              <a:t> changes learning rate - </a:t>
+            </a:r>
+            <a:r>
+              <a:rPr lang="en-US" b="1" dirty="0"/>
+              <a:t>‘</a:t>
+            </a:r>
+            <a:r>
+              <a:rPr lang="el-GR" b="1" dirty="0"/>
+              <a:t>η’ </a:t>
+            </a:r>
+            <a:r>
+              <a:rPr lang="en-US" dirty="0"/>
+              <a:t>for each parameter and at every time step </a:t>
+            </a:r>
+            <a:r>
+              <a:rPr lang="en-US" b="1" dirty="0"/>
+              <a:t>‘t’. </a:t>
+            </a:r>
+            <a:r>
+              <a:rPr lang="en-US" dirty="0"/>
+              <a:t>It’s a type second order optimization algorithm. It works on derivative of an error function.</a:t>
+            </a:r>
+            <a:endParaRPr lang="en-US" sz="3200" dirty="0"/>
           </a:p>
         </p:txBody>
       </p:sp>
     </p:spTree>
     <p:extLst>
       <p:ext uri="{BB962C8B-B14F-4D97-AF65-F5344CB8AC3E}">
-        <p14:creationId xmlns:p14="http://schemas.microsoft.com/office/powerpoint/2010/main" val="2006421106"/>
+        <p14:creationId xmlns:p14="http://schemas.microsoft.com/office/powerpoint/2010/main" val="2315936145"/>
       </p:ext>
     </p:extLst>
   </p:cSld>
@@ -12762,8 +12767,8 @@
         </p:nvSpPr>
         <p:spPr>
           <a:xfrm>
-            <a:off x="495301" y="1346200"/>
-            <a:ext cx="11194672" cy="5194299"/>
+            <a:off x="302628" y="1687796"/>
+            <a:ext cx="6683244" cy="3150644"/>
           </a:xfrm>
           <a:prstGeom prst="rect">
             <a:avLst/>
@@ -12785,8 +12790,67 @@
               <a:buChar char="•"/>
             </a:pPr>
             <a:r>
-              <a:rPr lang="en-US" dirty="0"/>
-              <a:t>Advantages:</a:t>
+              <a:rPr lang="el-GR" sz="2000" b="1" dirty="0"/>
+              <a:t>η </a:t>
+            </a:r>
+            <a:r>
+              <a:rPr lang="en-US" sz="2000" dirty="0"/>
+              <a:t>modified for given parameter </a:t>
+            </a:r>
+            <a:r>
+              <a:rPr lang="el-GR" sz="2000" dirty="0"/>
+              <a:t>θ(</a:t>
+            </a:r>
+            <a:r>
+              <a:rPr lang="en-US" sz="2000" dirty="0" err="1"/>
+              <a:t>i</a:t>
+            </a:r>
+            <a:r>
+              <a:rPr lang="en-US" sz="2000" dirty="0"/>
+              <a:t>) at a given time based on previous gradients calculated for given parameter </a:t>
+            </a:r>
+            <a:r>
+              <a:rPr lang="el-GR" sz="2000" dirty="0"/>
+              <a:t>θ(</a:t>
+            </a:r>
+            <a:r>
+              <a:rPr lang="en-US" sz="2000" dirty="0" err="1"/>
+              <a:t>i</a:t>
+            </a:r>
+            <a:r>
+              <a:rPr lang="en-US" sz="2000" dirty="0"/>
+              <a:t>).</a:t>
+            </a:r>
+          </a:p>
+          <a:p>
+            <a:pPr marL="558798" indent="-457200">
+              <a:buSzPts val="2400"/>
+              <a:buFont typeface="Arial" panose="020B0604020202020204" pitchFamily="34" charset="0"/>
+              <a:buChar char="•"/>
+            </a:pPr>
+            <a:endParaRPr lang="en-US" sz="2000" dirty="0"/>
+          </a:p>
+          <a:p>
+            <a:pPr marL="558798" indent="-457200">
+              <a:buSzPts val="2400"/>
+              <a:buFont typeface="Arial" panose="020B0604020202020204" pitchFamily="34" charset="0"/>
+              <a:buChar char="•"/>
+            </a:pPr>
+            <a:r>
+              <a:rPr lang="en-US" sz="2000" dirty="0"/>
+              <a:t>G: Sum of squares of the gradients w.r.t. </a:t>
+            </a:r>
+            <a:r>
+              <a:rPr lang="el-GR" sz="2000" dirty="0"/>
+              <a:t>θ(</a:t>
+            </a:r>
+            <a:r>
+              <a:rPr lang="en-US" sz="2000" dirty="0" err="1"/>
+              <a:t>i</a:t>
+            </a:r>
+            <a:r>
+              <a:rPr lang="en-US" sz="2000" dirty="0"/>
+              <a:t>) up to time step t are stored</a:t>
             </a:r>
           </a:p>
           <a:p>
@@ -12796,8 +12860,12 @@
               <a:buChar char="•"/>
             </a:pPr>
             <a:r>
-              <a:rPr lang="en-US" dirty="0"/>
-              <a:t>Learning rate changes for each training parameter.</a:t>
+              <a:rPr lang="el-GR" sz="2000" dirty="0"/>
+              <a:t>ϵ </a:t>
+            </a:r>
+            <a:r>
+              <a:rPr lang="en-US" sz="2000" dirty="0"/>
+              <a:t>is a smoothing term that avoids division by zero (usually on the order of 1e−8)</a:t>
             </a:r>
           </a:p>
           <a:p>
@@ -12807,26 +12875,9 @@
               <a:buChar char="•"/>
             </a:pPr>
             <a:r>
-              <a:rPr lang="en-US" dirty="0"/>
-              <a:t>Don’t need to manually tune the learning rate.</a:t>
-            </a:r>
-          </a:p>
-          <a:p>
-            <a:pPr marL="1168383" lvl="1" indent="-457200">
-              <a:buSzPts val="2400"/>
-              <a:buFont typeface="Arial" panose="020B0604020202020204" pitchFamily="34" charset="0"/>
-              <a:buChar char="•"/>
-            </a:pPr>
-            <a:r>
-              <a:rPr lang="en-US" dirty="0"/>
-              <a:t>Able to train on sparse data.</a:t>
-            </a:r>
-          </a:p>
-          <a:p>
-            <a:pPr marL="711183" lvl="1">
-              <a:buSzPts val="2400"/>
-            </a:pPr>
-            <a:endParaRPr lang="en-US" dirty="0"/>
+              <a:rPr lang="en-US" sz="2000" dirty="0"/>
+              <a:t>without square root operation, algorithm performs much worse.</a:t>
+            </a:r>
           </a:p>
           <a:p>
             <a:pPr marL="558798" indent="-457200">
@@ -12834,39 +12885,242 @@
               <a:buFont typeface="Arial" panose="020B0604020202020204" pitchFamily="34" charset="0"/>
               <a:buChar char="•"/>
             </a:pPr>
-            <a:r>
-              <a:rPr lang="en-US" dirty="0"/>
-              <a:t>Disadvantages:</a:t>
-            </a:r>
-          </a:p>
-          <a:p>
-            <a:pPr marL="1168383" lvl="1" indent="-457200">
+            <a:endParaRPr lang="en-US" sz="2000" dirty="0"/>
+          </a:p>
+          <a:p>
+            <a:pPr marL="558798" indent="-457200">
               <a:buSzPts val="2400"/>
               <a:buFont typeface="Arial" panose="020B0604020202020204" pitchFamily="34" charset="0"/>
               <a:buChar char="•"/>
             </a:pPr>
-            <a:r>
-              <a:rPr lang="en-US" dirty="0"/>
-              <a:t>Computationally expensive as a need to calculate the second order derivative.</a:t>
-            </a:r>
-          </a:p>
-          <a:p>
-            <a:pPr marL="1168383" lvl="1" indent="-457200">
+            <a:endParaRPr lang="en-US" sz="2000" dirty="0"/>
+          </a:p>
+          <a:p>
+            <a:pPr marL="558798" indent="-457200">
               <a:buSzPts val="2400"/>
               <a:buFont typeface="Arial" panose="020B0604020202020204" pitchFamily="34" charset="0"/>
               <a:buChar char="•"/>
             </a:pPr>
             <a:r>
-              <a:rPr lang="en-US" dirty="0"/>
-              <a:t>The learning rate is always decreasing results in slow training.</a:t>
-            </a:r>
+              <a:rPr lang="en-US" sz="2000" dirty="0"/>
+              <a:t>It makes big updates for less frequent parameters and a small step for frequent parameters.</a:t>
+            </a:r>
+          </a:p>
+        </p:txBody>
+      </p:sp>
+      <p:pic>
+        <p:nvPicPr>
+          <p:cNvPr id="6" name="Picture 2">
+            <a:extLst>
+              <a:ext uri="{FF2B5EF4-FFF2-40B4-BE49-F238E27FC236}">
+                <a16:creationId xmlns:a16="http://schemas.microsoft.com/office/drawing/2014/main" id="{F293BB44-7955-A94F-838E-8FD38AD769D6}"/>
+              </a:ext>
+            </a:extLst>
+          </p:cNvPr>
+          <p:cNvPicPr>
+            <a:picLocks noChangeAspect="1" noChangeArrowheads="1"/>
+          </p:cNvPicPr>
+          <p:nvPr/>
+        </p:nvPicPr>
+        <p:blipFill>
+          <a:blip r:embed="rId2">
+            <a:extLst>
+              <a:ext uri="{28A0092B-C50C-407E-A947-70E740481C1C}">
+                <a14:useLocalDpi xmlns:a14="http://schemas.microsoft.com/office/drawing/2010/main" val="0"/>
+              </a:ext>
+            </a:extLst>
+          </a:blip>
+          <a:srcRect/>
+          <a:stretch>
+            <a:fillRect/>
+          </a:stretch>
+        </p:blipFill>
+        <p:spPr bwMode="auto">
+          <a:xfrm>
+            <a:off x="7803803" y="2013572"/>
+            <a:ext cx="2705100" cy="635000"/>
+          </a:xfrm>
+          <a:prstGeom prst="rect">
+            <a:avLst/>
+          </a:prstGeom>
+          <a:noFill/>
+          <a:ln>
+            <a:solidFill>
+              <a:schemeClr val="accent1"/>
+            </a:solidFill>
+          </a:ln>
+          <a:extLst>
+            <a:ext uri="{909E8E84-426E-40DD-AFC4-6F175D3DCCD1}">
+              <a14:hiddenFill xmlns:a14="http://schemas.microsoft.com/office/drawing/2010/main">
+                <a:solidFill>
+                  <a:srgbClr val="FFFFFF"/>
+                </a:solidFill>
+              </a14:hiddenFill>
+            </a:ext>
+          </a:extLst>
+        </p:spPr>
+      </p:pic>
+      <p:sp>
+        <p:nvSpPr>
+          <p:cNvPr id="7" name="TextBox 6">
+            <a:extLst>
+              <a:ext uri="{FF2B5EF4-FFF2-40B4-BE49-F238E27FC236}">
+                <a16:creationId xmlns:a16="http://schemas.microsoft.com/office/drawing/2014/main" id="{7E638483-0800-4047-B251-DC771E6AF00E}"/>
+              </a:ext>
+            </a:extLst>
+          </p:cNvPr>
+          <p:cNvSpPr txBox="1"/>
+          <p:nvPr/>
+        </p:nvSpPr>
+        <p:spPr>
+          <a:xfrm>
+            <a:off x="7189939" y="2640326"/>
+            <a:ext cx="4136895" cy="646331"/>
+          </a:xfrm>
+          <a:prstGeom prst="rect">
+            <a:avLst/>
+          </a:prstGeom>
+          <a:noFill/>
+        </p:spPr>
+        <p:txBody>
+          <a:bodyPr wrap="square">
+            <a:spAutoFit/>
+          </a:bodyPr>
+          <a:lstStyle/>
+          <a:p>
+            <a:pPr algn="ctr"/>
+            <a:r>
+              <a:rPr lang="en-US" sz="1800" b="0" i="0" dirty="0">
+                <a:effectLst/>
+                <a:latin typeface="sohne"/>
+              </a:rPr>
+              <a:t>A derivative of loss function for </a:t>
+            </a:r>
+          </a:p>
+          <a:p>
+            <a:pPr algn="ctr"/>
+            <a:r>
+              <a:rPr lang="en-US" sz="1800" b="0" i="0" dirty="0">
+                <a:effectLst/>
+                <a:latin typeface="sohne"/>
+              </a:rPr>
+              <a:t>given parameters at a given time t.</a:t>
+            </a:r>
+            <a:endParaRPr lang="en-US" sz="1800" dirty="0"/>
+          </a:p>
+        </p:txBody>
+      </p:sp>
+      <p:pic>
+        <p:nvPicPr>
+          <p:cNvPr id="8" name="Picture 6">
+            <a:extLst>
+              <a:ext uri="{FF2B5EF4-FFF2-40B4-BE49-F238E27FC236}">
+                <a16:creationId xmlns:a16="http://schemas.microsoft.com/office/drawing/2014/main" id="{818D1EE7-D6B7-294C-B4BE-26FF88006497}"/>
+              </a:ext>
+            </a:extLst>
+          </p:cNvPr>
+          <p:cNvPicPr>
+            <a:picLocks noChangeAspect="1" noChangeArrowheads="1"/>
+          </p:cNvPicPr>
+          <p:nvPr/>
+        </p:nvPicPr>
+        <p:blipFill>
+          <a:blip r:embed="rId3">
+            <a:extLst>
+              <a:ext uri="{28A0092B-C50C-407E-A947-70E740481C1C}">
+                <a14:useLocalDpi xmlns:a14="http://schemas.microsoft.com/office/drawing/2010/main" val="0"/>
+              </a:ext>
+            </a:extLst>
+          </a:blip>
+          <a:srcRect/>
+          <a:stretch>
+            <a:fillRect/>
+          </a:stretch>
+        </p:blipFill>
+        <p:spPr bwMode="auto">
+          <a:xfrm>
+            <a:off x="7351735" y="4387590"/>
+            <a:ext cx="3975100" cy="901700"/>
+          </a:xfrm>
+          <a:prstGeom prst="rect">
+            <a:avLst/>
+          </a:prstGeom>
+          <a:noFill/>
+          <a:ln>
+            <a:solidFill>
+              <a:schemeClr val="accent1"/>
+            </a:solidFill>
+          </a:ln>
+          <a:extLst>
+            <a:ext uri="{909E8E84-426E-40DD-AFC4-6F175D3DCCD1}">
+              <a14:hiddenFill xmlns:a14="http://schemas.microsoft.com/office/drawing/2010/main">
+                <a:solidFill>
+                  <a:srgbClr val="FFFFFF"/>
+                </a:solidFill>
+              </a14:hiddenFill>
+            </a:ext>
+          </a:extLst>
+        </p:spPr>
+      </p:pic>
+      <p:sp>
+        <p:nvSpPr>
+          <p:cNvPr id="9" name="TextBox 8">
+            <a:extLst>
+              <a:ext uri="{FF2B5EF4-FFF2-40B4-BE49-F238E27FC236}">
+                <a16:creationId xmlns:a16="http://schemas.microsoft.com/office/drawing/2014/main" id="{40AD7A56-A299-6945-BE93-165CB0BE2857}"/>
+              </a:ext>
+            </a:extLst>
+          </p:cNvPr>
+          <p:cNvSpPr txBox="1"/>
+          <p:nvPr/>
+        </p:nvSpPr>
+        <p:spPr>
+          <a:xfrm>
+            <a:off x="7694330" y="5439389"/>
+            <a:ext cx="3289909" cy="830997"/>
+          </a:xfrm>
+          <a:prstGeom prst="rect">
+            <a:avLst/>
+          </a:prstGeom>
+          <a:noFill/>
+        </p:spPr>
+        <p:txBody>
+          <a:bodyPr wrap="square">
+            <a:spAutoFit/>
+          </a:bodyPr>
+          <a:lstStyle/>
+          <a:p>
+            <a:pPr algn="ctr"/>
+            <a:r>
+              <a:rPr lang="en-US" sz="1600" dirty="0"/>
+              <a:t>Update parameters for given</a:t>
+            </a:r>
+          </a:p>
+          <a:p>
+            <a:pPr algn="ctr"/>
+            <a:r>
+              <a:rPr lang="en-US" sz="1600" dirty="0"/>
+              <a:t> input </a:t>
+            </a:r>
+            <a:r>
+              <a:rPr lang="en-US" sz="1600" dirty="0" err="1"/>
+              <a:t>i</a:t>
+            </a:r>
+            <a:r>
+              <a:rPr lang="en-US" sz="1600" dirty="0"/>
+              <a:t> and at time/iteration t</a:t>
+            </a:r>
+            <a:br>
+              <a:rPr lang="en-US" sz="1600" dirty="0"/>
+            </a:br>
+            <a:endParaRPr lang="en-US" sz="1600" dirty="0"/>
           </a:p>
         </p:txBody>
       </p:sp>
     </p:spTree>
     <p:extLst>
       <p:ext uri="{BB962C8B-B14F-4D97-AF65-F5344CB8AC3E}">
-        <p14:creationId xmlns:p14="http://schemas.microsoft.com/office/powerpoint/2010/main" val="1864774176"/>
+        <p14:creationId xmlns:p14="http://schemas.microsoft.com/office/powerpoint/2010/main" val="2006421106"/>
       </p:ext>
     </p:extLst>
   </p:cSld>
@@ -12946,7 +13200,7 @@
                   <a:srgbClr val="E46102"/>
                 </a:solidFill>
               </a:rPr>
-              <a:t>RMSProp</a:t>
+              <a:t>Adagrad</a:t>
             </a:r>
             <a:endParaRPr lang="en-US" sz="4400" dirty="0">
               <a:solidFill>
@@ -12987,308 +13241,94 @@
           </a:bodyPr>
           <a:lstStyle/>
           <a:p>
-            <a:pPr marL="101598">
+            <a:pPr marL="558798" indent="-457200">
               <a:buSzPts val="2400"/>
-            </a:pPr>
-            <a:r>
-              <a:rPr lang="en-US" sz="2000" dirty="0" err="1"/>
-              <a:t>AdaGrad</a:t>
-            </a:r>
-            <a:r>
-              <a:rPr lang="en-US" sz="2000" dirty="0"/>
-              <a:t> slows down a bit too fast </a:t>
-            </a:r>
-          </a:p>
-          <a:p>
-            <a:pPr marL="101598">
+              <a:buFont typeface="Arial" panose="020B0604020202020204" pitchFamily="34" charset="0"/>
+              <a:buChar char="•"/>
+            </a:pPr>
+            <a:r>
+              <a:rPr lang="en-US" dirty="0"/>
+              <a:t>Advantages:</a:t>
+            </a:r>
+          </a:p>
+          <a:p>
+            <a:pPr marL="1168383" lvl="1" indent="-457200">
               <a:buSzPts val="2400"/>
-            </a:pPr>
-            <a:r>
-              <a:rPr lang="en-US" sz="2000" dirty="0"/>
-              <a:t>	ends up never converging to global optimum</a:t>
-            </a:r>
-          </a:p>
-          <a:p>
-            <a:pPr marL="101598">
+              <a:buFont typeface="Arial" panose="020B0604020202020204" pitchFamily="34" charset="0"/>
+              <a:buChar char="•"/>
+            </a:pPr>
+            <a:r>
+              <a:rPr lang="en-US" dirty="0"/>
+              <a:t>Learning rate changes for each training parameter.</a:t>
+            </a:r>
+          </a:p>
+          <a:p>
+            <a:pPr marL="1168383" lvl="1" indent="-457200">
               <a:buSzPts val="2400"/>
-            </a:pPr>
-            <a:endParaRPr lang="en-US" sz="2000" dirty="0"/>
-          </a:p>
-          <a:p>
-            <a:pPr marL="101598">
+              <a:buFont typeface="Arial" panose="020B0604020202020204" pitchFamily="34" charset="0"/>
+              <a:buChar char="•"/>
+            </a:pPr>
+            <a:r>
+              <a:rPr lang="en-US" dirty="0"/>
+              <a:t>Don’t need to manually tune the learning rate.</a:t>
+            </a:r>
+          </a:p>
+          <a:p>
+            <a:pPr marL="1168383" lvl="1" indent="-457200">
               <a:buSzPts val="2400"/>
-            </a:pPr>
-            <a:r>
-              <a:rPr lang="en-US" sz="2000" i="1" dirty="0" err="1"/>
-              <a:t>RMSProp</a:t>
-            </a:r>
-            <a:r>
-              <a:rPr lang="en-US" sz="2000" i="1" dirty="0"/>
-              <a:t> </a:t>
-            </a:r>
-            <a:r>
-              <a:rPr lang="en-US" sz="2000" dirty="0"/>
-              <a:t>algorithm fixes this</a:t>
-            </a:r>
-          </a:p>
-          <a:p>
-            <a:pPr marL="101598">
+              <a:buFont typeface="Arial" panose="020B0604020202020204" pitchFamily="34" charset="0"/>
+              <a:buChar char="•"/>
+            </a:pPr>
+            <a:r>
+              <a:rPr lang="en-US" dirty="0"/>
+              <a:t>Able to train on sparse data.</a:t>
+            </a:r>
+          </a:p>
+          <a:p>
+            <a:pPr marL="711183" lvl="1">
               <a:buSzPts val="2400"/>
             </a:pPr>
-            <a:r>
-              <a:rPr lang="en-US" sz="2000" dirty="0"/>
-              <a:t>	- by accumulating gradients only from most recent iterations </a:t>
-            </a:r>
-          </a:p>
-          <a:p>
-            <a:pPr marL="101598">
+            <a:endParaRPr lang="en-US" dirty="0"/>
+          </a:p>
+          <a:p>
+            <a:pPr marL="558798" indent="-457200">
               <a:buSzPts val="2400"/>
-            </a:pPr>
-            <a:r>
-              <a:rPr lang="en-US" sz="2000" dirty="0"/>
-              <a:t>		(as opposed to all the gradients since the beginning of training)</a:t>
-            </a:r>
-          </a:p>
-          <a:p>
-            <a:pPr marL="101598">
+              <a:buFont typeface="Arial" panose="020B0604020202020204" pitchFamily="34" charset="0"/>
+              <a:buChar char="•"/>
+            </a:pPr>
+            <a:r>
+              <a:rPr lang="en-US" dirty="0"/>
+              <a:t>Disadvantages:</a:t>
+            </a:r>
+          </a:p>
+          <a:p>
+            <a:pPr marL="1168383" lvl="1" indent="-457200">
               <a:buSzPts val="2400"/>
-            </a:pPr>
-            <a:r>
-              <a:rPr lang="en-US" sz="2000" dirty="0"/>
-              <a:t>	- does so by using exponential decay in the first step. </a:t>
-            </a:r>
-          </a:p>
-          <a:p>
-            <a:pPr marL="101598">
+              <a:buFont typeface="Arial" panose="020B0604020202020204" pitchFamily="34" charset="0"/>
+              <a:buChar char="•"/>
+            </a:pPr>
+            <a:r>
+              <a:rPr lang="en-US" dirty="0"/>
+              <a:t>Computationally expensive as a need to calculate the second order derivative.</a:t>
+            </a:r>
+          </a:p>
+          <a:p>
+            <a:pPr marL="1168383" lvl="1" indent="-457200">
               <a:buSzPts val="2400"/>
-            </a:pPr>
-            <a:endParaRPr lang="en-US" sz="2800" dirty="0"/>
-          </a:p>
-          <a:p>
-            <a:r>
-              <a:rPr lang="en-US" sz="2000" dirty="0"/>
-              <a:t>	- decay rate </a:t>
-            </a:r>
-            <a:r>
-              <a:rPr lang="el-GR" sz="2000" i="1" dirty="0"/>
-              <a:t>β</a:t>
-            </a:r>
-            <a:r>
-              <a:rPr lang="en-US" sz="2000" dirty="0"/>
-              <a:t> typically set to 0.9. </a:t>
-            </a:r>
-          </a:p>
-          <a:p>
-            <a:r>
-              <a:rPr lang="en-US" sz="2000" dirty="0"/>
-              <a:t>	- Yes, it is once again a new hyperparameter, but this default value often works well, so you 	    may not need to tune it at all. </a:t>
-            </a:r>
-            <a:endParaRPr lang="en-US" sz="2800" dirty="0"/>
-          </a:p>
-          <a:p>
-            <a:r>
-              <a:rPr lang="en-US" sz="2000" dirty="0"/>
-              <a:t>	</a:t>
-            </a:r>
-          </a:p>
-          <a:p>
-            <a:r>
-              <a:rPr lang="en-US" sz="2000" dirty="0">
-                <a:solidFill>
-                  <a:srgbClr val="000087"/>
-                </a:solidFill>
-                <a:latin typeface="UbuntuMono"/>
-              </a:rPr>
-              <a:t>				optimizer </a:t>
-            </a:r>
-            <a:r>
-              <a:rPr lang="en-US" sz="2000" dirty="0">
-                <a:solidFill>
-                  <a:srgbClr val="545454"/>
-                </a:solidFill>
-                <a:latin typeface="UbuntuMono"/>
-              </a:rPr>
-              <a:t>= </a:t>
-            </a:r>
-            <a:r>
-              <a:rPr lang="en-US" sz="2000" dirty="0" err="1">
-                <a:solidFill>
-                  <a:srgbClr val="000087"/>
-                </a:solidFill>
-                <a:latin typeface="UbuntuMono"/>
-              </a:rPr>
-              <a:t>keras</a:t>
-            </a:r>
-            <a:r>
-              <a:rPr lang="en-US" sz="2000" dirty="0" err="1">
-                <a:solidFill>
-                  <a:srgbClr val="545454"/>
-                </a:solidFill>
-                <a:latin typeface="UbuntuMono"/>
-              </a:rPr>
-              <a:t>.</a:t>
-            </a:r>
-            <a:r>
-              <a:rPr lang="en-US" sz="2000" dirty="0" err="1">
-                <a:solidFill>
-                  <a:srgbClr val="000087"/>
-                </a:solidFill>
-                <a:latin typeface="UbuntuMono"/>
-              </a:rPr>
-              <a:t>optimizers</a:t>
-            </a:r>
-            <a:r>
-              <a:rPr lang="en-US" sz="2000" dirty="0" err="1">
-                <a:solidFill>
-                  <a:srgbClr val="545454"/>
-                </a:solidFill>
-                <a:latin typeface="UbuntuMono"/>
-              </a:rPr>
-              <a:t>.</a:t>
-            </a:r>
-            <a:r>
-              <a:rPr lang="en-US" sz="2000" dirty="0" err="1">
-                <a:solidFill>
-                  <a:srgbClr val="000087"/>
-                </a:solidFill>
-                <a:latin typeface="UbuntuMono"/>
-              </a:rPr>
-              <a:t>RMSprop</a:t>
-            </a:r>
-            <a:r>
-              <a:rPr lang="en-US" sz="2000" dirty="0">
-                <a:latin typeface="UbuntuMono"/>
-              </a:rPr>
-              <a:t>(</a:t>
-            </a:r>
-            <a:r>
-              <a:rPr lang="en-US" sz="2000" dirty="0" err="1">
-                <a:solidFill>
-                  <a:srgbClr val="000087"/>
-                </a:solidFill>
-                <a:latin typeface="UbuntuMono"/>
-              </a:rPr>
-              <a:t>lr</a:t>
-            </a:r>
-            <a:r>
-              <a:rPr lang="en-US" sz="2000" dirty="0">
-                <a:solidFill>
-                  <a:srgbClr val="545454"/>
-                </a:solidFill>
-                <a:latin typeface="UbuntuMono"/>
-              </a:rPr>
-              <a:t>=</a:t>
-            </a:r>
-            <a:r>
-              <a:rPr lang="en-US" sz="2000" dirty="0">
-                <a:solidFill>
-                  <a:srgbClr val="FF6600"/>
-                </a:solidFill>
-                <a:latin typeface="UbuntuMono"/>
-              </a:rPr>
-              <a:t>0.001</a:t>
-            </a:r>
-            <a:r>
-              <a:rPr lang="en-US" sz="2000" dirty="0">
-                <a:latin typeface="UbuntuMono"/>
-              </a:rPr>
-              <a:t>, </a:t>
-            </a:r>
-            <a:r>
-              <a:rPr lang="en-US" sz="2000" dirty="0">
-                <a:solidFill>
-                  <a:srgbClr val="000087"/>
-                </a:solidFill>
-                <a:latin typeface="UbuntuMono"/>
-              </a:rPr>
-              <a:t>rho</a:t>
-            </a:r>
-            <a:r>
-              <a:rPr lang="en-US" sz="2000" dirty="0">
-                <a:solidFill>
-                  <a:srgbClr val="545454"/>
-                </a:solidFill>
-                <a:latin typeface="UbuntuMono"/>
-              </a:rPr>
-              <a:t>=</a:t>
-            </a:r>
-            <a:r>
-              <a:rPr lang="en-US" sz="2000" dirty="0">
-                <a:solidFill>
-                  <a:srgbClr val="FF6600"/>
-                </a:solidFill>
-                <a:latin typeface="UbuntuMono"/>
-              </a:rPr>
-              <a:t>0.9</a:t>
-            </a:r>
-            <a:r>
-              <a:rPr lang="en-US" sz="2000" dirty="0">
-                <a:latin typeface="UbuntuMono"/>
-              </a:rPr>
-              <a:t>) </a:t>
-            </a:r>
-            <a:endParaRPr lang="en-US" sz="2000" dirty="0"/>
-          </a:p>
-          <a:p>
-            <a:endParaRPr lang="en-US" sz="2000" dirty="0"/>
-          </a:p>
-          <a:p>
-            <a:r>
-              <a:rPr lang="en-US" sz="2000" dirty="0"/>
-              <a:t>NOTE: Except on very simple problems, this optimizer almost always performs much better than </a:t>
-            </a:r>
-            <a:r>
-              <a:rPr lang="en-US" sz="2000" dirty="0" err="1"/>
-              <a:t>AdaGrad</a:t>
-            </a:r>
-            <a:r>
-              <a:rPr lang="en-US" sz="2000" dirty="0"/>
-              <a:t>. Preferred optimization algorithm until Adam optimization came around. </a:t>
-            </a:r>
-            <a:endParaRPr lang="en-US" sz="2800" dirty="0"/>
-          </a:p>
-          <a:p>
-            <a:pPr marL="101598">
-              <a:buSzPts val="2400"/>
-            </a:pPr>
-            <a:endParaRPr lang="en-US" sz="2800" dirty="0"/>
+              <a:buFont typeface="Arial" panose="020B0604020202020204" pitchFamily="34" charset="0"/>
+              <a:buChar char="•"/>
+            </a:pPr>
+            <a:r>
+              <a:rPr lang="en-US" dirty="0"/>
+              <a:t>The learning rate is always decreasing results in slow training.</a:t>
+            </a:r>
           </a:p>
         </p:txBody>
       </p:sp>
-      <p:pic>
-        <p:nvPicPr>
-          <p:cNvPr id="3" name="Picture 2">
-            <a:extLst>
-              <a:ext uri="{FF2B5EF4-FFF2-40B4-BE49-F238E27FC236}">
-                <a16:creationId xmlns:a16="http://schemas.microsoft.com/office/drawing/2014/main" id="{A349CE09-D000-104B-B8CC-686A5EC67A00}"/>
-              </a:ext>
-            </a:extLst>
-          </p:cNvPr>
-          <p:cNvPicPr>
-            <a:picLocks noChangeAspect="1"/>
-          </p:cNvPicPr>
-          <p:nvPr/>
-        </p:nvPicPr>
-        <p:blipFill>
-          <a:blip r:embed="rId2"/>
-          <a:stretch>
-            <a:fillRect/>
-          </a:stretch>
-        </p:blipFill>
-        <p:spPr>
-          <a:xfrm>
-            <a:off x="8066762" y="1467730"/>
-            <a:ext cx="2921783" cy="1055513"/>
-          </a:xfrm>
-          <a:prstGeom prst="rect">
-            <a:avLst/>
-          </a:prstGeom>
-        </p:spPr>
-      </p:pic>
     </p:spTree>
     <p:extLst>
       <p:ext uri="{BB962C8B-B14F-4D97-AF65-F5344CB8AC3E}">
-        <p14:creationId xmlns:p14="http://schemas.microsoft.com/office/powerpoint/2010/main" val="3634103433"/>
+        <p14:creationId xmlns:p14="http://schemas.microsoft.com/office/powerpoint/2010/main" val="1864774176"/>
       </p:ext>
     </p:extLst>
   </p:cSld>
@@ -13740,13 +13780,18 @@
           </a:lstStyle>
           <a:p>
             <a:r>
-              <a:rPr lang="en-US" sz="4400" dirty="0">
+              <a:rPr lang="en-US" sz="4400" dirty="0" err="1">
                 <a:solidFill>
                   <a:srgbClr val="E46102"/>
                 </a:solidFill>
               </a:rPr>
-              <a:t>Adam Optimization </a:t>
-            </a:r>
+              <a:t>RMSProp</a:t>
+            </a:r>
+            <a:endParaRPr lang="en-US" sz="4400" dirty="0">
+              <a:solidFill>
+                <a:srgbClr val="E46102"/>
+              </a:solidFill>
+            </a:endParaRPr>
           </a:p>
         </p:txBody>
       </p:sp>
@@ -13781,61 +13826,308 @@
           </a:bodyPr>
           <a:lstStyle/>
           <a:p>
-            <a:pPr marL="558798" indent="-457200">
+            <a:pPr marL="101598">
               <a:buSzPts val="2400"/>
-              <a:buFont typeface="Arial" panose="020B0604020202020204" pitchFamily="34" charset="0"/>
-              <a:buChar char="•"/>
-            </a:pPr>
-            <a:r>
-              <a:rPr lang="en-US" sz="2800" i="1" dirty="0"/>
-              <a:t>Adam - </a:t>
-            </a:r>
-            <a:r>
-              <a:rPr lang="en-US" sz="2800" dirty="0"/>
-              <a:t>combines the ideas of Momentum optimization and </a:t>
-            </a:r>
-            <a:r>
-              <a:rPr lang="en-US" sz="2800" dirty="0" err="1"/>
+            </a:pPr>
+            <a:r>
+              <a:rPr lang="en-US" sz="2000" dirty="0" err="1"/>
+              <a:t>AdaGrad</a:t>
+            </a:r>
+            <a:r>
+              <a:rPr lang="en-US" sz="2000" dirty="0"/>
+              <a:t> slows down a bit too fast </a:t>
+            </a:r>
+          </a:p>
+          <a:p>
+            <a:pPr marL="101598">
+              <a:buSzPts val="2400"/>
+            </a:pPr>
+            <a:r>
+              <a:rPr lang="en-US" sz="2000" dirty="0"/>
+              <a:t>	ends up never converging to global optimum</a:t>
+            </a:r>
+          </a:p>
+          <a:p>
+            <a:pPr marL="101598">
+              <a:buSzPts val="2400"/>
+            </a:pPr>
+            <a:endParaRPr lang="en-US" sz="2000" dirty="0"/>
+          </a:p>
+          <a:p>
+            <a:pPr marL="101598">
+              <a:buSzPts val="2400"/>
+            </a:pPr>
+            <a:r>
+              <a:rPr lang="en-US" sz="2000" i="1" dirty="0" err="1"/>
               <a:t>RMSProp</a:t>
             </a:r>
+            <a:r>
+              <a:rPr lang="en-US" sz="2000" i="1" dirty="0"/>
+              <a:t> </a:t>
+            </a:r>
+            <a:r>
+              <a:rPr lang="en-US" sz="2000" dirty="0"/>
+              <a:t>algorithm fixes this</a:t>
+            </a:r>
+          </a:p>
+          <a:p>
+            <a:pPr marL="101598">
+              <a:buSzPts val="2400"/>
+            </a:pPr>
+            <a:r>
+              <a:rPr lang="en-US" sz="2000" dirty="0"/>
+              <a:t>	- by accumulating gradients only from most recent iterations </a:t>
+            </a:r>
+          </a:p>
+          <a:p>
+            <a:pPr marL="101598">
+              <a:buSzPts val="2400"/>
+            </a:pPr>
+            <a:r>
+              <a:rPr lang="en-US" sz="2000" dirty="0"/>
+              <a:t>		(as opposed to all the gradients since the beginning of training)</a:t>
+            </a:r>
+          </a:p>
+          <a:p>
+            <a:pPr marL="101598">
+              <a:buSzPts val="2400"/>
+            </a:pPr>
+            <a:r>
+              <a:rPr lang="en-US" sz="2000" dirty="0"/>
+              <a:t>	- does so by using exponential decay in the first step. </a:t>
+            </a:r>
+          </a:p>
+          <a:p>
+            <a:pPr marL="101598">
+              <a:buSzPts val="2400"/>
+            </a:pPr>
             <a:endParaRPr lang="en-US" sz="2800" dirty="0"/>
           </a:p>
           <a:p>
-            <a:pPr marL="1168383" lvl="1" indent="-457200">
+            <a:r>
+              <a:rPr lang="en-US" sz="2000" dirty="0"/>
+              <a:t>	- decay rate </a:t>
+            </a:r>
+            <a:r>
+              <a:rPr lang="el-GR" sz="2000" i="1" dirty="0"/>
+              <a:t>β</a:t>
+            </a:r>
+            <a:r>
+              <a:rPr lang="en-US" sz="2000" dirty="0"/>
+              <a:t> typically set to 0.9. </a:t>
+            </a:r>
+          </a:p>
+          <a:p>
+            <a:r>
+              <a:rPr lang="en-US" sz="2000" dirty="0"/>
+              <a:t>	- Yes, it is once again a new hyperparameter, but this default value often works well, so you 	    may not need to tune it at all. </a:t>
+            </a:r>
+            <a:endParaRPr lang="en-US" sz="2800" dirty="0"/>
+          </a:p>
+          <a:p>
+            <a:r>
+              <a:rPr lang="en-US" sz="2000" dirty="0"/>
+              <a:t>	</a:t>
+            </a:r>
+          </a:p>
+          <a:p>
+            <a:r>
+              <a:rPr lang="en-US" sz="2000" dirty="0">
+                <a:solidFill>
+                  <a:srgbClr val="000087"/>
+                </a:solidFill>
+                <a:latin typeface="UbuntuMono"/>
+              </a:rPr>
+              <a:t>				optimizer </a:t>
+            </a:r>
+            <a:r>
+              <a:rPr lang="en-US" sz="2000" dirty="0">
+                <a:solidFill>
+                  <a:srgbClr val="545454"/>
+                </a:solidFill>
+                <a:latin typeface="UbuntuMono"/>
+              </a:rPr>
+              <a:t>= </a:t>
+            </a:r>
+            <a:r>
+              <a:rPr lang="en-US" sz="2000" dirty="0" err="1">
+                <a:solidFill>
+                  <a:srgbClr val="000087"/>
+                </a:solidFill>
+                <a:latin typeface="UbuntuMono"/>
+              </a:rPr>
+              <a:t>keras</a:t>
+            </a:r>
+            <a:r>
+              <a:rPr lang="en-US" sz="2000" dirty="0" err="1">
+                <a:solidFill>
+                  <a:srgbClr val="545454"/>
+                </a:solidFill>
+                <a:latin typeface="UbuntuMono"/>
+              </a:rPr>
+              <a:t>.</a:t>
+            </a:r>
+            <a:r>
+              <a:rPr lang="en-US" sz="2000" dirty="0" err="1">
+                <a:solidFill>
+                  <a:srgbClr val="000087"/>
+                </a:solidFill>
+                <a:latin typeface="UbuntuMono"/>
+              </a:rPr>
+              <a:t>optimizers</a:t>
+            </a:r>
+            <a:r>
+              <a:rPr lang="en-US" sz="2000" dirty="0" err="1">
+                <a:solidFill>
+                  <a:srgbClr val="545454"/>
+                </a:solidFill>
+                <a:latin typeface="UbuntuMono"/>
+              </a:rPr>
+              <a:t>.</a:t>
+            </a:r>
+            <a:r>
+              <a:rPr lang="en-US" sz="2000" dirty="0" err="1">
+                <a:solidFill>
+                  <a:srgbClr val="000087"/>
+                </a:solidFill>
+                <a:latin typeface="UbuntuMono"/>
+              </a:rPr>
+              <a:t>RMSprop</a:t>
+            </a:r>
+            <a:r>
+              <a:rPr lang="en-US" sz="2000" dirty="0">
+                <a:latin typeface="UbuntuMono"/>
+              </a:rPr>
+              <a:t>(</a:t>
+            </a:r>
+            <a:r>
+              <a:rPr lang="en-US" sz="2000" dirty="0" err="1">
+                <a:solidFill>
+                  <a:srgbClr val="000087"/>
+                </a:solidFill>
+                <a:latin typeface="UbuntuMono"/>
+              </a:rPr>
+              <a:t>lr</a:t>
+            </a:r>
+            <a:r>
+              <a:rPr lang="en-US" sz="2000" dirty="0">
+                <a:solidFill>
+                  <a:srgbClr val="545454"/>
+                </a:solidFill>
+                <a:latin typeface="UbuntuMono"/>
+              </a:rPr>
+              <a:t>=</a:t>
+            </a:r>
+            <a:r>
+              <a:rPr lang="en-US" sz="2000" dirty="0">
+                <a:solidFill>
+                  <a:srgbClr val="FF6600"/>
+                </a:solidFill>
+                <a:latin typeface="UbuntuMono"/>
+              </a:rPr>
+              <a:t>0.001</a:t>
+            </a:r>
+            <a:r>
+              <a:rPr lang="en-US" sz="2000" dirty="0">
+                <a:latin typeface="UbuntuMono"/>
+              </a:rPr>
+              <a:t>, </a:t>
+            </a:r>
+            <a:r>
+              <a:rPr lang="en-US" sz="2000" dirty="0">
+                <a:solidFill>
+                  <a:srgbClr val="000087"/>
+                </a:solidFill>
+                <a:latin typeface="UbuntuMono"/>
+              </a:rPr>
+              <a:t>rho</a:t>
+            </a:r>
+            <a:r>
+              <a:rPr lang="en-US" sz="2000" dirty="0">
+                <a:solidFill>
+                  <a:srgbClr val="545454"/>
+                </a:solidFill>
+                <a:latin typeface="UbuntuMono"/>
+              </a:rPr>
+              <a:t>=</a:t>
+            </a:r>
+            <a:r>
+              <a:rPr lang="en-US" sz="2000" dirty="0">
+                <a:solidFill>
+                  <a:srgbClr val="FF6600"/>
+                </a:solidFill>
+                <a:latin typeface="UbuntuMono"/>
+              </a:rPr>
+              <a:t>0.9</a:t>
+            </a:r>
+            <a:r>
+              <a:rPr lang="en-US" sz="2000" dirty="0">
+                <a:latin typeface="UbuntuMono"/>
+              </a:rPr>
+              <a:t>) </a:t>
+            </a:r>
+            <a:endParaRPr lang="en-US" sz="2000" dirty="0"/>
+          </a:p>
+          <a:p>
+            <a:endParaRPr lang="en-US" sz="2000" dirty="0"/>
+          </a:p>
+          <a:p>
+            <a:r>
+              <a:rPr lang="en-US" sz="2000" dirty="0"/>
+              <a:t>NOTE: Except on very simple problems, this optimizer almost always performs much better than </a:t>
+            </a:r>
+            <a:r>
+              <a:rPr lang="en-US" sz="2000" dirty="0" err="1"/>
+              <a:t>AdaGrad</a:t>
+            </a:r>
+            <a:r>
+              <a:rPr lang="en-US" sz="2000" dirty="0"/>
+              <a:t>. Preferred optimization algorithm until Adam optimization came around. </a:t>
+            </a:r>
+            <a:endParaRPr lang="en-US" sz="2800" dirty="0"/>
+          </a:p>
+          <a:p>
+            <a:pPr marL="101598">
               <a:buSzPts val="2400"/>
-              <a:buFont typeface="Arial" panose="020B0604020202020204" pitchFamily="34" charset="0"/>
-              <a:buChar char="•"/>
-            </a:pPr>
-            <a:r>
-              <a:rPr lang="en-US" sz="2800" dirty="0"/>
-              <a:t>keeps track of an exponentially decaying average of past gradients (Momentum)</a:t>
-            </a:r>
-          </a:p>
-          <a:p>
-            <a:pPr marL="1168383" lvl="1" indent="-457200">
-              <a:buSzPts val="2400"/>
-              <a:buFont typeface="Arial" panose="020B0604020202020204" pitchFamily="34" charset="0"/>
-              <a:buChar char="•"/>
-            </a:pPr>
-            <a:r>
-              <a:rPr lang="en-US" sz="2800" dirty="0"/>
-              <a:t>keeps track of an exponentially decaying average of past squared gradients (</a:t>
-            </a:r>
-            <a:r>
-              <a:rPr lang="en-US" sz="2800" dirty="0" err="1"/>
-              <a:t>RMSProp</a:t>
-            </a:r>
-            <a:r>
-              <a:rPr lang="en-US" sz="2800" dirty="0"/>
-              <a:t>)</a:t>
-            </a:r>
+            </a:pPr>
+            <a:endParaRPr lang="en-US" sz="2800" dirty="0"/>
           </a:p>
         </p:txBody>
       </p:sp>
+      <p:pic>
+        <p:nvPicPr>
+          <p:cNvPr id="3" name="Picture 2">
+            <a:extLst>
+              <a:ext uri="{FF2B5EF4-FFF2-40B4-BE49-F238E27FC236}">
+                <a16:creationId xmlns:a16="http://schemas.microsoft.com/office/drawing/2014/main" id="{A349CE09-D000-104B-B8CC-686A5EC67A00}"/>
+              </a:ext>
+            </a:extLst>
+          </p:cNvPr>
+          <p:cNvPicPr>
+            <a:picLocks noChangeAspect="1"/>
+          </p:cNvPicPr>
+          <p:nvPr/>
+        </p:nvPicPr>
+        <p:blipFill>
+          <a:blip r:embed="rId2"/>
+          <a:stretch>
+            <a:fillRect/>
+          </a:stretch>
+        </p:blipFill>
+        <p:spPr>
+          <a:xfrm>
+            <a:off x="8066762" y="1467730"/>
+            <a:ext cx="2921783" cy="1055513"/>
+          </a:xfrm>
+          <a:prstGeom prst="rect">
+            <a:avLst/>
+          </a:prstGeom>
+        </p:spPr>
+      </p:pic>
     </p:spTree>
     <p:extLst>
       <p:ext uri="{BB962C8B-B14F-4D97-AF65-F5344CB8AC3E}">
-        <p14:creationId xmlns:p14="http://schemas.microsoft.com/office/powerpoint/2010/main" val="3664248154"/>
+        <p14:creationId xmlns:p14="http://schemas.microsoft.com/office/powerpoint/2010/main" val="3634103433"/>
       </p:ext>
     </p:extLst>
   </p:cSld>
@@ -13915,7 +14207,7 @@
                   <a:srgbClr val="E46102"/>
                 </a:solidFill>
               </a:rPr>
-              <a:t>Useful rules</a:t>
+              <a:t>Adam Optimization </a:t>
             </a:r>
           </a:p>
         </p:txBody>
@@ -13951,47 +14243,53 @@
           </a:bodyPr>
           <a:lstStyle/>
           <a:p>
-            <a:pPr marL="342900" indent="-342900">
-              <a:buFont typeface="Arial" panose="020B0604020202020204" pitchFamily="34" charset="0"/>
-              <a:buChar char="•"/>
-            </a:pPr>
-            <a:r>
-              <a:rPr lang="en-US" dirty="0"/>
-              <a:t>Adam is the arguably the best optimizers. If one wants to train the neural network in less time and more efficiently than Adam is the optimizer.</a:t>
-            </a:r>
-          </a:p>
-          <a:p>
-            <a:pPr marL="342900" indent="-342900">
-              <a:buFont typeface="Arial" panose="020B0604020202020204" pitchFamily="34" charset="0"/>
-              <a:buChar char="•"/>
-            </a:pPr>
-            <a:endParaRPr lang="en-US" dirty="0"/>
-          </a:p>
-          <a:p>
-            <a:pPr marL="342900" indent="-342900">
-              <a:buFont typeface="Arial" panose="020B0604020202020204" pitchFamily="34" charset="0"/>
-              <a:buChar char="•"/>
-            </a:pPr>
-            <a:r>
-              <a:rPr lang="en-US" dirty="0"/>
-              <a:t>For sparse data use the optimizers with dynamic learning rate.</a:t>
-            </a:r>
-          </a:p>
-          <a:p>
-            <a:pPr marL="342900" indent="-342900">
-              <a:buFont typeface="Arial" panose="020B0604020202020204" pitchFamily="34" charset="0"/>
-              <a:buChar char="•"/>
-            </a:pPr>
-            <a:endParaRPr lang="en-US" dirty="0"/>
-          </a:p>
-          <a:p>
-            <a:pPr marL="342900" indent="-342900">
-              <a:buFont typeface="Arial" panose="020B0604020202020204" pitchFamily="34" charset="0"/>
-              <a:buChar char="•"/>
-            </a:pPr>
-            <a:r>
-              <a:rPr lang="en-US" dirty="0"/>
-              <a:t>If, want to use gradient descent algorithm than min-batch gradient descent is the best option.</a:t>
+            <a:pPr marL="558798" indent="-457200">
+              <a:buSzPts val="2400"/>
+              <a:buFont typeface="Arial" panose="020B0604020202020204" pitchFamily="34" charset="0"/>
+              <a:buChar char="•"/>
+            </a:pPr>
+            <a:r>
+              <a:rPr lang="en-US" sz="2800" i="1" dirty="0"/>
+              <a:t>Adam - </a:t>
+            </a:r>
+            <a:r>
+              <a:rPr lang="en-US" sz="2800" dirty="0"/>
+              <a:t>combines the ideas of Momentum optimization and </a:t>
+            </a:r>
+            <a:r>
+              <a:rPr lang="en-US" sz="2800" dirty="0" err="1"/>
+              <a:t>RMSProp</a:t>
+            </a:r>
+            <a:endParaRPr lang="en-US" sz="2800" dirty="0"/>
+          </a:p>
+          <a:p>
+            <a:pPr marL="1168383" lvl="1" indent="-457200">
+              <a:buSzPts val="2400"/>
+              <a:buFont typeface="Arial" panose="020B0604020202020204" pitchFamily="34" charset="0"/>
+              <a:buChar char="•"/>
+            </a:pPr>
+            <a:r>
+              <a:rPr lang="en-US" sz="2800" dirty="0"/>
+              <a:t>keeps track of an exponentially decaying average of past gradients (Momentum)</a:t>
+            </a:r>
+          </a:p>
+          <a:p>
+            <a:pPr marL="1168383" lvl="1" indent="-457200">
+              <a:buSzPts val="2400"/>
+              <a:buFont typeface="Arial" panose="020B0604020202020204" pitchFamily="34" charset="0"/>
+              <a:buChar char="•"/>
+            </a:pPr>
+            <a:r>
+              <a:rPr lang="en-US" sz="2800" dirty="0"/>
+              <a:t>keeps track of an exponentially decaying average of past squared gradients (</a:t>
+            </a:r>
+            <a:r>
+              <a:rPr lang="en-US" sz="2800" dirty="0" err="1"/>
+              <a:t>RMSProp</a:t>
+            </a:r>
+            <a:r>
+              <a:rPr lang="en-US" sz="2800" dirty="0"/>
+              <a:t>)</a:t>
             </a:r>
           </a:p>
         </p:txBody>
@@ -13999,7 +14297,7 @@
     </p:spTree>
     <p:extLst>
       <p:ext uri="{BB962C8B-B14F-4D97-AF65-F5344CB8AC3E}">
-        <p14:creationId xmlns:p14="http://schemas.microsoft.com/office/powerpoint/2010/main" val="1384282934"/>
+        <p14:creationId xmlns:p14="http://schemas.microsoft.com/office/powerpoint/2010/main" val="3664248154"/>
       </p:ext>
     </p:extLst>
   </p:cSld>
@@ -14079,7 +14377,7 @@
                   <a:srgbClr val="E46102"/>
                 </a:solidFill>
               </a:rPr>
-              <a:t>Learning Rate Scheduling </a:t>
+              <a:t>Useful rules</a:t>
             </a:r>
           </a:p>
         </p:txBody>
@@ -14115,14 +14413,51 @@
           </a:bodyPr>
           <a:lstStyle/>
           <a:p>
-            <a:pPr marL="558798" indent="-457200">
-              <a:buSzPts val="2400"/>
-              <a:buFont typeface="Arial" panose="020B0604020202020204" pitchFamily="34" charset="0"/>
-              <a:buChar char="•"/>
-            </a:pPr>
-            <a:r>
-              <a:rPr lang="en-US" sz="3200" dirty="0"/>
-              <a:t>Self read from text book – Hands on..</a:t>
+            <a:pPr marL="342900" indent="-342900">
+              <a:buFont typeface="Arial" panose="020B0604020202020204" pitchFamily="34" charset="0"/>
+              <a:buChar char="•"/>
+            </a:pPr>
+            <a:r>
+              <a:rPr lang="en-US" dirty="0"/>
+              <a:t>Adam is the arguably the best optimizers. If one wants to train the neural network in less time and more efficiently than Adam is the optimizer.</a:t>
+            </a:r>
+          </a:p>
+          <a:p>
+            <a:pPr marL="342900" indent="-342900">
+              <a:buFont typeface="Arial" panose="020B0604020202020204" pitchFamily="34" charset="0"/>
+              <a:buChar char="•"/>
+            </a:pPr>
+            <a:endParaRPr lang="en-US" dirty="0"/>
+          </a:p>
+          <a:p>
+            <a:pPr marL="342900" indent="-342900">
+              <a:buFont typeface="Arial" panose="020B0604020202020204" pitchFamily="34" charset="0"/>
+              <a:buChar char="•"/>
+            </a:pPr>
+            <a:r>
+              <a:rPr lang="en-US" dirty="0"/>
+              <a:t>For sparse data use the optimizers with dynamic learning rate.</a:t>
+            </a:r>
+          </a:p>
+          <a:p>
+            <a:pPr marL="342900" indent="-342900">
+              <a:buFont typeface="Arial" panose="020B0604020202020204" pitchFamily="34" charset="0"/>
+              <a:buChar char="•"/>
+            </a:pPr>
+            <a:endParaRPr lang="en-US" dirty="0"/>
+          </a:p>
+          <a:p>
+            <a:pPr marL="342900" indent="-342900">
+              <a:buFont typeface="Arial" panose="020B0604020202020204" pitchFamily="34" charset="0"/>
+              <a:buChar char="•"/>
+            </a:pPr>
+            <a:r>
+              <a:rPr lang="en-US"/>
+              <a:t>If you want </a:t>
+            </a:r>
+            <a:r>
+              <a:rPr lang="en-US" dirty="0"/>
+              <a:t>to use gradient descent algorithm than mini-batch gradient descent is the best option.</a:t>
             </a:r>
           </a:p>
         </p:txBody>
@@ -14130,7 +14465,7 @@
     </p:spTree>
     <p:extLst>
       <p:ext uri="{BB962C8B-B14F-4D97-AF65-F5344CB8AC3E}">
-        <p14:creationId xmlns:p14="http://schemas.microsoft.com/office/powerpoint/2010/main" val="146614016"/>
+        <p14:creationId xmlns:p14="http://schemas.microsoft.com/office/powerpoint/2010/main" val="1384282934"/>
       </p:ext>
     </p:extLst>
   </p:cSld>
@@ -14141,423 +14476,6 @@
 </file>
 
 <file path=ppt/slides/slide33.xml><?xml version="1.0" encoding="utf-8"?>
-<p:sld xmlns:a="http://schemas.openxmlformats.org/drawingml/2006/main" xmlns:r="http://schemas.openxmlformats.org/officeDocument/2006/relationships" xmlns:p="http://schemas.openxmlformats.org/presentationml/2006/main">
-  <p:cSld>
-    <p:spTree>
-      <p:nvGrpSpPr>
-        <p:cNvPr id="1" name="Shape 94"/>
-        <p:cNvGrpSpPr/>
-        <p:nvPr/>
-      </p:nvGrpSpPr>
-      <p:grpSpPr>
-        <a:xfrm>
-          <a:off x="0" y="0"/>
-          <a:ext cx="0" cy="0"/>
-          <a:chOff x="0" y="0"/>
-          <a:chExt cx="0" cy="0"/>
-        </a:xfrm>
-      </p:grpSpPr>
-      <p:sp>
-        <p:nvSpPr>
-          <p:cNvPr id="95" name="Google Shape;95;p14"/>
-          <p:cNvSpPr txBox="1">
-            <a:spLocks noGrp="1"/>
-          </p:cNvSpPr>
-          <p:nvPr>
-            <p:ph type="title" idx="4294967295"/>
-          </p:nvPr>
-        </p:nvSpPr>
-        <p:spPr>
-          <a:xfrm>
-            <a:off x="561263" y="696913"/>
-            <a:ext cx="10972800" cy="506789"/>
-          </a:xfrm>
-          <a:prstGeom prst="rect">
-            <a:avLst/>
-          </a:prstGeom>
-        </p:spPr>
-        <p:txBody>
-          <a:bodyPr spcFirstLastPara="1" wrap="square" lIns="121900" tIns="121900" rIns="121900" bIns="121900" anchor="ctr" anchorCtr="0">
-            <a:noAutofit/>
-          </a:bodyPr>
-          <a:lstStyle/>
-          <a:p>
-            <a:r>
-              <a:rPr lang="en-US" sz="4000" dirty="0">
-                <a:solidFill>
-                  <a:srgbClr val="E46102"/>
-                </a:solidFill>
-              </a:rPr>
-              <a:t>Topics Covered today</a:t>
-            </a:r>
-            <a:endParaRPr sz="4000" dirty="0">
-              <a:solidFill>
-                <a:srgbClr val="E46102"/>
-              </a:solidFill>
-            </a:endParaRPr>
-          </a:p>
-        </p:txBody>
-      </p:sp>
-      <p:sp>
-        <p:nvSpPr>
-          <p:cNvPr id="96" name="Google Shape;96;p14"/>
-          <p:cNvSpPr txBox="1"/>
-          <p:nvPr/>
-        </p:nvSpPr>
-        <p:spPr>
-          <a:xfrm>
-            <a:off x="610144" y="1306277"/>
-            <a:ext cx="5437519" cy="5309227"/>
-          </a:xfrm>
-          <a:prstGeom prst="rect">
-            <a:avLst/>
-          </a:prstGeom>
-          <a:noFill/>
-          <a:ln>
-            <a:noFill/>
-          </a:ln>
-        </p:spPr>
-        <p:txBody>
-          <a:bodyPr spcFirstLastPara="1" wrap="square" lIns="121900" tIns="121900" rIns="121900" bIns="121900" anchor="t" anchorCtr="0">
-            <a:noAutofit/>
-          </a:bodyPr>
-          <a:lstStyle/>
-          <a:p>
-            <a:pPr marL="342900" indent="-342900">
-              <a:lnSpc>
-                <a:spcPct val="150000"/>
-              </a:lnSpc>
-              <a:buFont typeface="Arial" panose="020B0604020202020204" pitchFamily="34" charset="0"/>
-              <a:buChar char="•"/>
-            </a:pPr>
-            <a:r>
-              <a:rPr lang="en-US" dirty="0">
-                <a:solidFill>
-                  <a:schemeClr val="bg1">
-                    <a:lumMod val="85000"/>
-                  </a:schemeClr>
-                </a:solidFill>
-                <a:latin typeface="Calibri" panose="020F0502020204030204" pitchFamily="34" charset="0"/>
-                <a:cs typeface="Calibri" panose="020F0502020204030204" pitchFamily="34" charset="0"/>
-              </a:rPr>
-              <a:t>Vanishing/Exploding Gradients</a:t>
-            </a:r>
-          </a:p>
-          <a:p>
-            <a:pPr marL="952485" lvl="1" indent="-342900">
-              <a:lnSpc>
-                <a:spcPct val="150000"/>
-              </a:lnSpc>
-              <a:buFont typeface="Arial" panose="020B0604020202020204" pitchFamily="34" charset="0"/>
-              <a:buChar char="•"/>
-            </a:pPr>
-            <a:r>
-              <a:rPr lang="en-US" dirty="0">
-                <a:solidFill>
-                  <a:schemeClr val="bg1">
-                    <a:lumMod val="85000"/>
-                  </a:schemeClr>
-                </a:solidFill>
-                <a:latin typeface="Calibri" panose="020F0502020204030204" pitchFamily="34" charset="0"/>
-                <a:cs typeface="Calibri" panose="020F0502020204030204" pitchFamily="34" charset="0"/>
-              </a:rPr>
-              <a:t>Glorot and He Initialization</a:t>
-            </a:r>
-          </a:p>
-          <a:p>
-            <a:pPr marL="952485" lvl="1" indent="-342900">
-              <a:lnSpc>
-                <a:spcPct val="150000"/>
-              </a:lnSpc>
-              <a:buFont typeface="Arial" panose="020B0604020202020204" pitchFamily="34" charset="0"/>
-              <a:buChar char="•"/>
-            </a:pPr>
-            <a:r>
-              <a:rPr lang="en-US" dirty="0">
-                <a:solidFill>
-                  <a:schemeClr val="bg1">
-                    <a:lumMod val="85000"/>
-                  </a:schemeClr>
-                </a:solidFill>
-                <a:latin typeface="Calibri" panose="020F0502020204030204" pitchFamily="34" charset="0"/>
-                <a:cs typeface="Calibri" panose="020F0502020204030204" pitchFamily="34" charset="0"/>
-              </a:rPr>
-              <a:t>Nonsaturating Activation Functions</a:t>
-            </a:r>
-          </a:p>
-          <a:p>
-            <a:pPr marL="952485" lvl="1" indent="-342900">
-              <a:lnSpc>
-                <a:spcPct val="150000"/>
-              </a:lnSpc>
-              <a:buFont typeface="Arial" panose="020B0604020202020204" pitchFamily="34" charset="0"/>
-              <a:buChar char="•"/>
-            </a:pPr>
-            <a:r>
-              <a:rPr lang="en-US" dirty="0">
-                <a:solidFill>
-                  <a:schemeClr val="bg1">
-                    <a:lumMod val="85000"/>
-                  </a:schemeClr>
-                </a:solidFill>
-                <a:latin typeface="Calibri" panose="020F0502020204030204" pitchFamily="34" charset="0"/>
-                <a:cs typeface="Calibri" panose="020F0502020204030204" pitchFamily="34" charset="0"/>
-              </a:rPr>
-              <a:t>Batch Normalization</a:t>
-            </a:r>
-          </a:p>
-          <a:p>
-            <a:pPr marL="342900" indent="-342900">
-              <a:lnSpc>
-                <a:spcPct val="150000"/>
-              </a:lnSpc>
-              <a:buFont typeface="Arial" panose="020B0604020202020204" pitchFamily="34" charset="0"/>
-              <a:buChar char="•"/>
-            </a:pPr>
-            <a:r>
-              <a:rPr lang="en-US" dirty="0">
-                <a:solidFill>
-                  <a:schemeClr val="bg1">
-                    <a:lumMod val="85000"/>
-                  </a:schemeClr>
-                </a:solidFill>
-                <a:latin typeface="Calibri" panose="020F0502020204030204" pitchFamily="34" charset="0"/>
-                <a:cs typeface="Calibri" panose="020F0502020204030204" pitchFamily="34" charset="0"/>
-              </a:rPr>
-              <a:t>Reusing Pretrained Layers</a:t>
-            </a:r>
-          </a:p>
-          <a:p>
-            <a:pPr marL="952485" lvl="1" indent="-342900">
-              <a:lnSpc>
-                <a:spcPct val="150000"/>
-              </a:lnSpc>
-              <a:buFont typeface="Arial" panose="020B0604020202020204" pitchFamily="34" charset="0"/>
-              <a:buChar char="•"/>
-            </a:pPr>
-            <a:r>
-              <a:rPr lang="en-US" dirty="0">
-                <a:solidFill>
-                  <a:schemeClr val="bg1">
-                    <a:lumMod val="85000"/>
-                  </a:schemeClr>
-                </a:solidFill>
-                <a:latin typeface="Calibri" panose="020F0502020204030204" pitchFamily="34" charset="0"/>
-                <a:cs typeface="Calibri" panose="020F0502020204030204" pitchFamily="34" charset="0"/>
-              </a:rPr>
-              <a:t>Transfer Learning w. </a:t>
-            </a:r>
-            <a:r>
-              <a:rPr lang="en-US" dirty="0" err="1">
-                <a:solidFill>
-                  <a:schemeClr val="bg1">
-                    <a:lumMod val="85000"/>
-                  </a:schemeClr>
-                </a:solidFill>
-                <a:latin typeface="Calibri" panose="020F0502020204030204" pitchFamily="34" charset="0"/>
-                <a:cs typeface="Calibri" panose="020F0502020204030204" pitchFamily="34" charset="0"/>
-              </a:rPr>
-              <a:t>Keras</a:t>
-            </a:r>
-            <a:endParaRPr lang="en-US" dirty="0">
-              <a:solidFill>
-                <a:schemeClr val="bg1">
-                  <a:lumMod val="85000"/>
-                </a:schemeClr>
-              </a:solidFill>
-              <a:latin typeface="Calibri" panose="020F0502020204030204" pitchFamily="34" charset="0"/>
-              <a:cs typeface="Calibri" panose="020F0502020204030204" pitchFamily="34" charset="0"/>
-            </a:endParaRPr>
-          </a:p>
-          <a:p>
-            <a:pPr marL="952485" lvl="1" indent="-342900">
-              <a:lnSpc>
-                <a:spcPct val="150000"/>
-              </a:lnSpc>
-              <a:buFont typeface="Arial" panose="020B0604020202020204" pitchFamily="34" charset="0"/>
-              <a:buChar char="•"/>
-            </a:pPr>
-            <a:r>
-              <a:rPr lang="en-US" dirty="0">
-                <a:latin typeface="Calibri" panose="020F0502020204030204" pitchFamily="34" charset="0"/>
-                <a:cs typeface="Calibri" panose="020F0502020204030204" pitchFamily="34" charset="0"/>
-              </a:rPr>
-              <a:t>Unsupervised Pretraining</a:t>
-            </a:r>
-          </a:p>
-          <a:p>
-            <a:pPr marL="952485" lvl="1" indent="-342900">
-              <a:lnSpc>
-                <a:spcPct val="150000"/>
-              </a:lnSpc>
-              <a:buFont typeface="Arial" panose="020B0604020202020204" pitchFamily="34" charset="0"/>
-              <a:buChar char="•"/>
-            </a:pPr>
-            <a:r>
-              <a:rPr lang="en-US" dirty="0">
-                <a:latin typeface="Calibri" panose="020F0502020204030204" pitchFamily="34" charset="0"/>
-                <a:cs typeface="Calibri" panose="020F0502020204030204" pitchFamily="34" charset="0"/>
-              </a:rPr>
-              <a:t>Pretraining on an auxiliary Task</a:t>
-            </a:r>
-          </a:p>
-        </p:txBody>
-      </p:sp>
-      <p:sp>
-        <p:nvSpPr>
-          <p:cNvPr id="5" name="Google Shape;96;p14">
-            <a:extLst>
-              <a:ext uri="{FF2B5EF4-FFF2-40B4-BE49-F238E27FC236}">
-                <a16:creationId xmlns:a16="http://schemas.microsoft.com/office/drawing/2014/main" id="{031AFD2C-1F21-DD48-8899-4A96A1D0A6D4}"/>
-              </a:ext>
-            </a:extLst>
-          </p:cNvPr>
-          <p:cNvSpPr txBox="1"/>
-          <p:nvPr/>
-        </p:nvSpPr>
-        <p:spPr>
-          <a:xfrm>
-            <a:off x="6180189" y="1306277"/>
-            <a:ext cx="5437518" cy="4957385"/>
-          </a:xfrm>
-          <a:prstGeom prst="rect">
-            <a:avLst/>
-          </a:prstGeom>
-          <a:noFill/>
-          <a:ln>
-            <a:noFill/>
-          </a:ln>
-        </p:spPr>
-        <p:txBody>
-          <a:bodyPr spcFirstLastPara="1" wrap="square" lIns="121900" tIns="121900" rIns="121900" bIns="121900" anchor="t" anchorCtr="0">
-            <a:noAutofit/>
-          </a:bodyPr>
-          <a:lstStyle/>
-          <a:p>
-            <a:pPr marL="342900" indent="-342900">
-              <a:lnSpc>
-                <a:spcPct val="150000"/>
-              </a:lnSpc>
-              <a:buFont typeface="Arial" panose="020B0604020202020204" pitchFamily="34" charset="0"/>
-              <a:buChar char="•"/>
-            </a:pPr>
-            <a:r>
-              <a:rPr lang="en-US" sz="2800" dirty="0">
-                <a:latin typeface="Calibri" panose="020F0502020204030204" pitchFamily="34" charset="0"/>
-                <a:cs typeface="Calibri" panose="020F0502020204030204" pitchFamily="34" charset="0"/>
-              </a:rPr>
-              <a:t>Faster Optimization</a:t>
-            </a:r>
-          </a:p>
-          <a:p>
-            <a:pPr marL="342900" indent="-342900">
-              <a:lnSpc>
-                <a:spcPct val="150000"/>
-              </a:lnSpc>
-              <a:buFont typeface="Arial" panose="020B0604020202020204" pitchFamily="34" charset="0"/>
-              <a:buChar char="•"/>
-            </a:pPr>
-            <a:r>
-              <a:rPr lang="en-US" sz="2800" b="1" dirty="0">
-                <a:latin typeface="Calibri" panose="020F0502020204030204" pitchFamily="34" charset="0"/>
-                <a:cs typeface="Calibri" panose="020F0502020204030204" pitchFamily="34" charset="0"/>
-              </a:rPr>
-              <a:t>Avoiding Overfitting Through Regularization</a:t>
-            </a:r>
-          </a:p>
-          <a:p>
-            <a:pPr marL="952485" lvl="1" indent="-342900">
-              <a:lnSpc>
-                <a:spcPct val="150000"/>
-              </a:lnSpc>
-              <a:buFont typeface="Arial" panose="020B0604020202020204" pitchFamily="34" charset="0"/>
-              <a:buChar char="•"/>
-            </a:pPr>
-            <a:r>
-              <a:rPr lang="en-US" sz="2800" dirty="0">
-                <a:latin typeface="Calibri" panose="020F0502020204030204" pitchFamily="34" charset="0"/>
-                <a:cs typeface="Calibri" panose="020F0502020204030204" pitchFamily="34" charset="0"/>
-              </a:rPr>
-              <a:t>l1 and l2 Regularization</a:t>
-            </a:r>
-          </a:p>
-          <a:p>
-            <a:pPr marL="952485" lvl="1" indent="-342900">
-              <a:lnSpc>
-                <a:spcPct val="150000"/>
-              </a:lnSpc>
-              <a:buFont typeface="Arial" panose="020B0604020202020204" pitchFamily="34" charset="0"/>
-              <a:buChar char="•"/>
-            </a:pPr>
-            <a:r>
-              <a:rPr lang="en-US" sz="2800" dirty="0">
-                <a:latin typeface="Calibri" panose="020F0502020204030204" pitchFamily="34" charset="0"/>
-                <a:cs typeface="Calibri" panose="020F0502020204030204" pitchFamily="34" charset="0"/>
-              </a:rPr>
-              <a:t>Dropout</a:t>
-            </a:r>
-          </a:p>
-          <a:p>
-            <a:pPr marL="952485" lvl="1" indent="-342900">
-              <a:lnSpc>
-                <a:spcPct val="150000"/>
-              </a:lnSpc>
-              <a:buFont typeface="Arial" panose="020B0604020202020204" pitchFamily="34" charset="0"/>
-              <a:buChar char="•"/>
-            </a:pPr>
-            <a:r>
-              <a:rPr lang="en-US" sz="2800" dirty="0">
-                <a:latin typeface="Calibri" panose="020F0502020204030204" pitchFamily="34" charset="0"/>
-                <a:cs typeface="Calibri" panose="020F0502020204030204" pitchFamily="34" charset="0"/>
-              </a:rPr>
-              <a:t>Monte-Carlo (MC) Dropout</a:t>
-            </a:r>
-          </a:p>
-          <a:p>
-            <a:pPr marL="952485" lvl="1" indent="-342900">
-              <a:lnSpc>
-                <a:spcPct val="150000"/>
-              </a:lnSpc>
-              <a:buFont typeface="Arial" panose="020B0604020202020204" pitchFamily="34" charset="0"/>
-              <a:buChar char="•"/>
-            </a:pPr>
-            <a:r>
-              <a:rPr lang="en-US" sz="2800" dirty="0">
-                <a:latin typeface="Calibri" panose="020F0502020204030204" pitchFamily="34" charset="0"/>
-                <a:cs typeface="Calibri" panose="020F0502020204030204" pitchFamily="34" charset="0"/>
-              </a:rPr>
-              <a:t>Max-Norm Regularization</a:t>
-            </a:r>
-          </a:p>
-          <a:p>
-            <a:pPr marL="952485" lvl="1" indent="-342900">
-              <a:lnSpc>
-                <a:spcPct val="150000"/>
-              </a:lnSpc>
-              <a:buFont typeface="Arial" panose="020B0604020202020204" pitchFamily="34" charset="0"/>
-              <a:buChar char="•"/>
-            </a:pPr>
-            <a:endParaRPr lang="en-US" sz="2800" dirty="0">
-              <a:latin typeface="Calibri" panose="020F0502020204030204" pitchFamily="34" charset="0"/>
-              <a:cs typeface="Calibri" panose="020F0502020204030204" pitchFamily="34" charset="0"/>
-            </a:endParaRPr>
-          </a:p>
-        </p:txBody>
-      </p:sp>
-    </p:spTree>
-    <p:extLst>
-      <p:ext uri="{BB962C8B-B14F-4D97-AF65-F5344CB8AC3E}">
-        <p14:creationId xmlns:p14="http://schemas.microsoft.com/office/powerpoint/2010/main" val="4194918565"/>
-      </p:ext>
-    </p:extLst>
-  </p:cSld>
-  <p:clrMapOvr>
-    <a:masterClrMapping/>
-  </p:clrMapOvr>
-</p:sld>
-</file>
-
-<file path=ppt/slides/slide34.xml><?xml version="1.0" encoding="utf-8"?>
 <p:sld xmlns:a="http://schemas.openxmlformats.org/drawingml/2006/main" xmlns:r="http://schemas.openxmlformats.org/officeDocument/2006/relationships" xmlns:p="http://schemas.openxmlformats.org/presentationml/2006/main">
   <p:cSld>
     <p:spTree>
@@ -14627,7 +14545,7 @@
                   <a:srgbClr val="E46102"/>
                 </a:solidFill>
               </a:rPr>
-              <a:t>Avoiding overfitting through regularization</a:t>
+              <a:t>Learning Rate Scheduling </a:t>
             </a:r>
           </a:p>
         </p:txBody>
@@ -14647,7 +14565,7 @@
         <p:spPr>
           <a:xfrm>
             <a:off x="495301" y="1346200"/>
-            <a:ext cx="6464995" cy="5194299"/>
+            <a:ext cx="11194672" cy="5194299"/>
           </a:xfrm>
           <a:prstGeom prst="rect">
             <a:avLst/>
@@ -14663,108 +14581,439 @@
           </a:bodyPr>
           <a:lstStyle/>
           <a:p>
-            <a:pPr marL="342900" indent="-342900">
-              <a:buFont typeface="Arial" panose="020B0604020202020204" pitchFamily="34" charset="0"/>
-              <a:buChar char="•"/>
-            </a:pPr>
-            <a:r>
-              <a:rPr lang="en-US" dirty="0"/>
-              <a:t>DNNs typically have tens of thousands of parameters, sometimes even millions.</a:t>
-            </a:r>
-          </a:p>
-          <a:p>
-            <a:pPr marL="342900" indent="-342900">
-              <a:buFont typeface="Arial" panose="020B0604020202020204" pitchFamily="34" charset="0"/>
-              <a:buChar char="•"/>
-            </a:pPr>
-            <a:endParaRPr lang="en-US" dirty="0"/>
-          </a:p>
-          <a:p>
-            <a:pPr marL="342900" indent="-342900">
-              <a:buFont typeface="Arial" panose="020B0604020202020204" pitchFamily="34" charset="0"/>
-              <a:buChar char="•"/>
-            </a:pPr>
-            <a:r>
-              <a:rPr lang="en-US" dirty="0"/>
-              <a:t>Network has an incredible amount of freedom and can fit a huge variety of complex datasets. </a:t>
-            </a:r>
-          </a:p>
-          <a:p>
-            <a:pPr marL="342900" indent="-342900">
-              <a:buFont typeface="Arial" panose="020B0604020202020204" pitchFamily="34" charset="0"/>
-              <a:buChar char="•"/>
-            </a:pPr>
-            <a:endParaRPr lang="en-US" dirty="0"/>
-          </a:p>
-          <a:p>
-            <a:pPr marL="342900" indent="-342900">
-              <a:buFont typeface="Arial" panose="020B0604020202020204" pitchFamily="34" charset="0"/>
-              <a:buChar char="•"/>
-            </a:pPr>
-            <a:r>
-              <a:rPr lang="en-US" dirty="0"/>
-              <a:t>But this great flexibility also means that it is prone to overfitting the training set. </a:t>
-            </a:r>
-            <a:endParaRPr lang="en-US" sz="3200" dirty="0"/>
+            <a:pPr marL="558798" indent="-457200">
+              <a:buSzPts val="2400"/>
+              <a:buFont typeface="Arial" panose="020B0604020202020204" pitchFamily="34" charset="0"/>
+              <a:buChar char="•"/>
+            </a:pPr>
+            <a:r>
+              <a:rPr lang="en-US" sz="3200" dirty="0"/>
+              <a:t>Self read from text book – Hands on..</a:t>
+            </a:r>
           </a:p>
         </p:txBody>
       </p:sp>
-      <p:pic>
-        <p:nvPicPr>
-          <p:cNvPr id="13314" name="Picture 2">
+    </p:spTree>
+    <p:extLst>
+      <p:ext uri="{BB962C8B-B14F-4D97-AF65-F5344CB8AC3E}">
+        <p14:creationId xmlns:p14="http://schemas.microsoft.com/office/powerpoint/2010/main" val="146614016"/>
+      </p:ext>
+    </p:extLst>
+  </p:cSld>
+  <p:clrMapOvr>
+    <a:masterClrMapping/>
+  </p:clrMapOvr>
+</p:sld>
+</file>
+
+<file path=ppt/slides/slide34.xml><?xml version="1.0" encoding="utf-8"?>
+<p:sld xmlns:a="http://schemas.openxmlformats.org/drawingml/2006/main" xmlns:r="http://schemas.openxmlformats.org/officeDocument/2006/relationships" xmlns:p="http://schemas.openxmlformats.org/presentationml/2006/main">
+  <p:cSld>
+    <p:spTree>
+      <p:nvGrpSpPr>
+        <p:cNvPr id="1" name="Shape 94"/>
+        <p:cNvGrpSpPr/>
+        <p:nvPr/>
+      </p:nvGrpSpPr>
+      <p:grpSpPr>
+        <a:xfrm>
+          <a:off x="0" y="0"/>
+          <a:ext cx="0" cy="0"/>
+          <a:chOff x="0" y="0"/>
+          <a:chExt cx="0" cy="0"/>
+        </a:xfrm>
+      </p:grpSpPr>
+      <p:sp>
+        <p:nvSpPr>
+          <p:cNvPr id="95" name="Google Shape;95;p14"/>
+          <p:cNvSpPr txBox="1">
+            <a:spLocks noGrp="1"/>
+          </p:cNvSpPr>
+          <p:nvPr>
+            <p:ph type="title" idx="4294967295"/>
+          </p:nvPr>
+        </p:nvSpPr>
+        <p:spPr>
+          <a:xfrm>
+            <a:off x="561263" y="696913"/>
+            <a:ext cx="10972800" cy="506789"/>
+          </a:xfrm>
+          <a:prstGeom prst="rect">
+            <a:avLst/>
+          </a:prstGeom>
+        </p:spPr>
+        <p:txBody>
+          <a:bodyPr spcFirstLastPara="1" wrap="square" lIns="121900" tIns="121900" rIns="121900" bIns="121900" anchor="ctr" anchorCtr="0">
+            <a:noAutofit/>
+          </a:bodyPr>
+          <a:lstStyle/>
+          <a:p>
+            <a:r>
+              <a:rPr lang="en-US" sz="4000" dirty="0">
+                <a:solidFill>
+                  <a:srgbClr val="E46102"/>
+                </a:solidFill>
+              </a:rPr>
+              <a:t>Topics Covered today</a:t>
+            </a:r>
+            <a:endParaRPr sz="4000" dirty="0">
+              <a:solidFill>
+                <a:srgbClr val="E46102"/>
+              </a:solidFill>
+            </a:endParaRPr>
+          </a:p>
+        </p:txBody>
+      </p:sp>
+      <p:sp>
+        <p:nvSpPr>
+          <p:cNvPr id="96" name="Google Shape;96;p14"/>
+          <p:cNvSpPr txBox="1"/>
+          <p:nvPr/>
+        </p:nvSpPr>
+        <p:spPr>
+          <a:xfrm>
+            <a:off x="610144" y="1306277"/>
+            <a:ext cx="5437519" cy="5309227"/>
+          </a:xfrm>
+          <a:prstGeom prst="rect">
+            <a:avLst/>
+          </a:prstGeom>
+          <a:noFill/>
+          <a:ln>
+            <a:noFill/>
+          </a:ln>
+        </p:spPr>
+        <p:txBody>
+          <a:bodyPr spcFirstLastPara="1" wrap="square" lIns="121900" tIns="121900" rIns="121900" bIns="121900" anchor="t" anchorCtr="0">
+            <a:noAutofit/>
+          </a:bodyPr>
+          <a:lstStyle/>
+          <a:p>
+            <a:pPr marL="342900" indent="-342900">
+              <a:lnSpc>
+                <a:spcPct val="150000"/>
+              </a:lnSpc>
+              <a:buFont typeface="Arial" panose="020B0604020202020204" pitchFamily="34" charset="0"/>
+              <a:buChar char="•"/>
+            </a:pPr>
+            <a:r>
+              <a:rPr lang="en-US" dirty="0">
+                <a:solidFill>
+                  <a:schemeClr val="bg1">
+                    <a:lumMod val="85000"/>
+                  </a:schemeClr>
+                </a:solidFill>
+                <a:latin typeface="Calibri" panose="020F0502020204030204" pitchFamily="34" charset="0"/>
+                <a:cs typeface="Calibri" panose="020F0502020204030204" pitchFamily="34" charset="0"/>
+              </a:rPr>
+              <a:t>Vanishing/Exploding Gradients</a:t>
+            </a:r>
+          </a:p>
+          <a:p>
+            <a:pPr marL="952485" lvl="1" indent="-342900">
+              <a:lnSpc>
+                <a:spcPct val="150000"/>
+              </a:lnSpc>
+              <a:buFont typeface="Arial" panose="020B0604020202020204" pitchFamily="34" charset="0"/>
+              <a:buChar char="•"/>
+            </a:pPr>
+            <a:r>
+              <a:rPr lang="en-US" dirty="0">
+                <a:solidFill>
+                  <a:schemeClr val="bg1">
+                    <a:lumMod val="85000"/>
+                  </a:schemeClr>
+                </a:solidFill>
+                <a:latin typeface="Calibri" panose="020F0502020204030204" pitchFamily="34" charset="0"/>
+                <a:cs typeface="Calibri" panose="020F0502020204030204" pitchFamily="34" charset="0"/>
+              </a:rPr>
+              <a:t>Glorot and He Initialization</a:t>
+            </a:r>
+          </a:p>
+          <a:p>
+            <a:pPr marL="952485" lvl="1" indent="-342900">
+              <a:lnSpc>
+                <a:spcPct val="150000"/>
+              </a:lnSpc>
+              <a:buFont typeface="Arial" panose="020B0604020202020204" pitchFamily="34" charset="0"/>
+              <a:buChar char="•"/>
+            </a:pPr>
+            <a:r>
+              <a:rPr lang="en-US" dirty="0">
+                <a:solidFill>
+                  <a:schemeClr val="bg1">
+                    <a:lumMod val="85000"/>
+                  </a:schemeClr>
+                </a:solidFill>
+                <a:latin typeface="Calibri" panose="020F0502020204030204" pitchFamily="34" charset="0"/>
+                <a:cs typeface="Calibri" panose="020F0502020204030204" pitchFamily="34" charset="0"/>
+              </a:rPr>
+              <a:t>Nonsaturating Activation Functions</a:t>
+            </a:r>
+          </a:p>
+          <a:p>
+            <a:pPr marL="952485" lvl="1" indent="-342900">
+              <a:lnSpc>
+                <a:spcPct val="150000"/>
+              </a:lnSpc>
+              <a:buFont typeface="Arial" panose="020B0604020202020204" pitchFamily="34" charset="0"/>
+              <a:buChar char="•"/>
+            </a:pPr>
+            <a:r>
+              <a:rPr lang="en-US" dirty="0">
+                <a:solidFill>
+                  <a:schemeClr val="bg1">
+                    <a:lumMod val="85000"/>
+                  </a:schemeClr>
+                </a:solidFill>
+                <a:latin typeface="Calibri" panose="020F0502020204030204" pitchFamily="34" charset="0"/>
+                <a:cs typeface="Calibri" panose="020F0502020204030204" pitchFamily="34" charset="0"/>
+              </a:rPr>
+              <a:t>Batch Normalization</a:t>
+            </a:r>
+          </a:p>
+          <a:p>
+            <a:pPr marL="342900" indent="-342900">
+              <a:lnSpc>
+                <a:spcPct val="150000"/>
+              </a:lnSpc>
+              <a:buFont typeface="Arial" panose="020B0604020202020204" pitchFamily="34" charset="0"/>
+              <a:buChar char="•"/>
+            </a:pPr>
+            <a:r>
+              <a:rPr lang="en-US" dirty="0">
+                <a:solidFill>
+                  <a:schemeClr val="bg1">
+                    <a:lumMod val="85000"/>
+                  </a:schemeClr>
+                </a:solidFill>
+                <a:latin typeface="Calibri" panose="020F0502020204030204" pitchFamily="34" charset="0"/>
+                <a:cs typeface="Calibri" panose="020F0502020204030204" pitchFamily="34" charset="0"/>
+              </a:rPr>
+              <a:t>Reusing Pretrained Layers</a:t>
+            </a:r>
+          </a:p>
+          <a:p>
+            <a:pPr marL="952485" lvl="1" indent="-342900">
+              <a:lnSpc>
+                <a:spcPct val="150000"/>
+              </a:lnSpc>
+              <a:buFont typeface="Arial" panose="020B0604020202020204" pitchFamily="34" charset="0"/>
+              <a:buChar char="•"/>
+            </a:pPr>
+            <a:r>
+              <a:rPr lang="en-US" dirty="0">
+                <a:solidFill>
+                  <a:schemeClr val="bg1">
+                    <a:lumMod val="85000"/>
+                  </a:schemeClr>
+                </a:solidFill>
+                <a:latin typeface="Calibri" panose="020F0502020204030204" pitchFamily="34" charset="0"/>
+                <a:cs typeface="Calibri" panose="020F0502020204030204" pitchFamily="34" charset="0"/>
+              </a:rPr>
+              <a:t>Transfer Learning w. </a:t>
+            </a:r>
+            <a:r>
+              <a:rPr lang="en-US" dirty="0" err="1">
+                <a:solidFill>
+                  <a:schemeClr val="bg1">
+                    <a:lumMod val="85000"/>
+                  </a:schemeClr>
+                </a:solidFill>
+                <a:latin typeface="Calibri" panose="020F0502020204030204" pitchFamily="34" charset="0"/>
+                <a:cs typeface="Calibri" panose="020F0502020204030204" pitchFamily="34" charset="0"/>
+              </a:rPr>
+              <a:t>Keras</a:t>
+            </a:r>
+            <a:endParaRPr lang="en-US" dirty="0">
+              <a:solidFill>
+                <a:schemeClr val="bg1">
+                  <a:lumMod val="85000"/>
+                </a:schemeClr>
+              </a:solidFill>
+              <a:latin typeface="Calibri" panose="020F0502020204030204" pitchFamily="34" charset="0"/>
+              <a:cs typeface="Calibri" panose="020F0502020204030204" pitchFamily="34" charset="0"/>
+            </a:endParaRPr>
+          </a:p>
+          <a:p>
+            <a:pPr marL="952485" lvl="1" indent="-342900">
+              <a:lnSpc>
+                <a:spcPct val="150000"/>
+              </a:lnSpc>
+              <a:buFont typeface="Arial" panose="020B0604020202020204" pitchFamily="34" charset="0"/>
+              <a:buChar char="•"/>
+            </a:pPr>
+            <a:r>
+              <a:rPr lang="en-US" dirty="0">
+                <a:latin typeface="Calibri" panose="020F0502020204030204" pitchFamily="34" charset="0"/>
+                <a:cs typeface="Calibri" panose="020F0502020204030204" pitchFamily="34" charset="0"/>
+              </a:rPr>
+              <a:t>Unsupervised Pretraining</a:t>
+            </a:r>
+          </a:p>
+          <a:p>
+            <a:pPr marL="952485" lvl="1" indent="-342900">
+              <a:lnSpc>
+                <a:spcPct val="150000"/>
+              </a:lnSpc>
+              <a:buFont typeface="Arial" panose="020B0604020202020204" pitchFamily="34" charset="0"/>
+              <a:buChar char="•"/>
+            </a:pPr>
+            <a:r>
+              <a:rPr lang="en-US" dirty="0">
+                <a:latin typeface="Calibri" panose="020F0502020204030204" pitchFamily="34" charset="0"/>
+                <a:cs typeface="Calibri" panose="020F0502020204030204" pitchFamily="34" charset="0"/>
+              </a:rPr>
+              <a:t>Pretraining on an auxiliary Task</a:t>
+            </a:r>
+          </a:p>
+        </p:txBody>
+      </p:sp>
+      <p:sp>
+        <p:nvSpPr>
+          <p:cNvPr id="5" name="Google Shape;96;p14">
             <a:extLst>
               <a:ext uri="{FF2B5EF4-FFF2-40B4-BE49-F238E27FC236}">
-                <a16:creationId xmlns:a16="http://schemas.microsoft.com/office/drawing/2014/main" id="{BB54A4B5-7558-0046-AC17-A674D1682CE3}"/>
+                <a16:creationId xmlns:a16="http://schemas.microsoft.com/office/drawing/2014/main" id="{031AFD2C-1F21-DD48-8899-4A96A1D0A6D4}"/>
               </a:ext>
             </a:extLst>
           </p:cNvPr>
-          <p:cNvPicPr>
-            <a:picLocks noChangeAspect="1" noChangeArrowheads="1"/>
-          </p:cNvPicPr>
+          <p:cNvSpPr txBox="1"/>
           <p:nvPr/>
-        </p:nvPicPr>
-        <p:blipFill>
-          <a:blip r:embed="rId3">
-            <a:extLst>
-              <a:ext uri="{28A0092B-C50C-407E-A947-70E740481C1C}">
-                <a14:useLocalDpi xmlns:a14="http://schemas.microsoft.com/office/drawing/2010/main" val="0"/>
-              </a:ext>
-            </a:extLst>
-          </a:blip>
-          <a:srcRect/>
-          <a:stretch>
-            <a:fillRect/>
-          </a:stretch>
-        </p:blipFill>
-        <p:spPr bwMode="auto">
-          <a:xfrm>
-            <a:off x="7521765" y="2375248"/>
-            <a:ext cx="3665223" cy="2107503"/>
+        </p:nvSpPr>
+        <p:spPr>
+          <a:xfrm>
+            <a:off x="6180189" y="1306277"/>
+            <a:ext cx="5437518" cy="4957385"/>
           </a:xfrm>
           <a:prstGeom prst="rect">
             <a:avLst/>
           </a:prstGeom>
           <a:noFill/>
           <a:ln>
-            <a:solidFill>
-              <a:schemeClr val="accent1"/>
-            </a:solidFill>
+            <a:noFill/>
           </a:ln>
-          <a:extLst>
-            <a:ext uri="{909E8E84-426E-40DD-AFC4-6F175D3DCCD1}">
-              <a14:hiddenFill xmlns:a14="http://schemas.microsoft.com/office/drawing/2010/main">
-                <a:solidFill>
-                  <a:srgbClr val="FFFFFF"/>
-                </a:solidFill>
-              </a14:hiddenFill>
-            </a:ext>
-          </a:extLst>
-        </p:spPr>
-      </p:pic>
+        </p:spPr>
+        <p:txBody>
+          <a:bodyPr spcFirstLastPara="1" wrap="square" lIns="121900" tIns="121900" rIns="121900" bIns="121900" anchor="t" anchorCtr="0">
+            <a:noAutofit/>
+          </a:bodyPr>
+          <a:lstStyle/>
+          <a:p>
+            <a:pPr marL="342900" indent="-342900">
+              <a:lnSpc>
+                <a:spcPct val="150000"/>
+              </a:lnSpc>
+              <a:buFont typeface="Arial" panose="020B0604020202020204" pitchFamily="34" charset="0"/>
+              <a:buChar char="•"/>
+            </a:pPr>
+            <a:r>
+              <a:rPr lang="en-US" sz="2800" dirty="0">
+                <a:latin typeface="Calibri" panose="020F0502020204030204" pitchFamily="34" charset="0"/>
+                <a:cs typeface="Calibri" panose="020F0502020204030204" pitchFamily="34" charset="0"/>
+              </a:rPr>
+              <a:t>Faster Optimization</a:t>
+            </a:r>
+          </a:p>
+          <a:p>
+            <a:pPr marL="342900" indent="-342900">
+              <a:lnSpc>
+                <a:spcPct val="150000"/>
+              </a:lnSpc>
+              <a:buFont typeface="Arial" panose="020B0604020202020204" pitchFamily="34" charset="0"/>
+              <a:buChar char="•"/>
+            </a:pPr>
+            <a:r>
+              <a:rPr lang="en-US" sz="2800" b="1" dirty="0">
+                <a:latin typeface="Calibri" panose="020F0502020204030204" pitchFamily="34" charset="0"/>
+                <a:cs typeface="Calibri" panose="020F0502020204030204" pitchFamily="34" charset="0"/>
+              </a:rPr>
+              <a:t>Avoiding Overfitting Through Regularization</a:t>
+            </a:r>
+          </a:p>
+          <a:p>
+            <a:pPr marL="952485" lvl="1" indent="-342900">
+              <a:lnSpc>
+                <a:spcPct val="150000"/>
+              </a:lnSpc>
+              <a:buFont typeface="Arial" panose="020B0604020202020204" pitchFamily="34" charset="0"/>
+              <a:buChar char="•"/>
+            </a:pPr>
+            <a:r>
+              <a:rPr lang="en-US" sz="2800" dirty="0">
+                <a:latin typeface="Calibri" panose="020F0502020204030204" pitchFamily="34" charset="0"/>
+                <a:cs typeface="Calibri" panose="020F0502020204030204" pitchFamily="34" charset="0"/>
+              </a:rPr>
+              <a:t>l1 and l2 Regularization</a:t>
+            </a:r>
+          </a:p>
+          <a:p>
+            <a:pPr marL="952485" lvl="1" indent="-342900">
+              <a:lnSpc>
+                <a:spcPct val="150000"/>
+              </a:lnSpc>
+              <a:buFont typeface="Arial" panose="020B0604020202020204" pitchFamily="34" charset="0"/>
+              <a:buChar char="•"/>
+            </a:pPr>
+            <a:r>
+              <a:rPr lang="en-US" sz="2800" dirty="0">
+                <a:latin typeface="Calibri" panose="020F0502020204030204" pitchFamily="34" charset="0"/>
+                <a:cs typeface="Calibri" panose="020F0502020204030204" pitchFamily="34" charset="0"/>
+              </a:rPr>
+              <a:t>Dropout</a:t>
+            </a:r>
+          </a:p>
+          <a:p>
+            <a:pPr marL="952485" lvl="1" indent="-342900">
+              <a:lnSpc>
+                <a:spcPct val="150000"/>
+              </a:lnSpc>
+              <a:buFont typeface="Arial" panose="020B0604020202020204" pitchFamily="34" charset="0"/>
+              <a:buChar char="•"/>
+            </a:pPr>
+            <a:r>
+              <a:rPr lang="en-US" sz="2800" dirty="0">
+                <a:latin typeface="Calibri" panose="020F0502020204030204" pitchFamily="34" charset="0"/>
+                <a:cs typeface="Calibri" panose="020F0502020204030204" pitchFamily="34" charset="0"/>
+              </a:rPr>
+              <a:t>Monte-Carlo (MC) Dropout</a:t>
+            </a:r>
+          </a:p>
+          <a:p>
+            <a:pPr marL="952485" lvl="1" indent="-342900">
+              <a:lnSpc>
+                <a:spcPct val="150000"/>
+              </a:lnSpc>
+              <a:buFont typeface="Arial" panose="020B0604020202020204" pitchFamily="34" charset="0"/>
+              <a:buChar char="•"/>
+            </a:pPr>
+            <a:r>
+              <a:rPr lang="en-US" sz="2800" dirty="0">
+                <a:latin typeface="Calibri" panose="020F0502020204030204" pitchFamily="34" charset="0"/>
+                <a:cs typeface="Calibri" panose="020F0502020204030204" pitchFamily="34" charset="0"/>
+              </a:rPr>
+              <a:t>Max-Norm Regularization</a:t>
+            </a:r>
+          </a:p>
+          <a:p>
+            <a:pPr marL="952485" lvl="1" indent="-342900">
+              <a:lnSpc>
+                <a:spcPct val="150000"/>
+              </a:lnSpc>
+              <a:buFont typeface="Arial" panose="020B0604020202020204" pitchFamily="34" charset="0"/>
+              <a:buChar char="•"/>
+            </a:pPr>
+            <a:endParaRPr lang="en-US" sz="2800" dirty="0">
+              <a:latin typeface="Calibri" panose="020F0502020204030204" pitchFamily="34" charset="0"/>
+              <a:cs typeface="Calibri" panose="020F0502020204030204" pitchFamily="34" charset="0"/>
+            </a:endParaRPr>
+          </a:p>
+        </p:txBody>
+      </p:sp>
     </p:spTree>
     <p:extLst>
       <p:ext uri="{BB962C8B-B14F-4D97-AF65-F5344CB8AC3E}">
-        <p14:creationId xmlns:p14="http://schemas.microsoft.com/office/powerpoint/2010/main" val="1204380052"/>
+        <p14:creationId xmlns:p14="http://schemas.microsoft.com/office/powerpoint/2010/main" val="4194918565"/>
       </p:ext>
     </p:extLst>
   </p:cSld>
@@ -14844,7 +15093,7 @@
                   <a:srgbClr val="E46102"/>
                 </a:solidFill>
               </a:rPr>
-              <a:t>Addressing overfitting</a:t>
+              <a:t>Avoiding overfitting through regularization</a:t>
             </a:r>
           </a:p>
         </p:txBody>
@@ -14864,7 +15113,7 @@
         <p:spPr>
           <a:xfrm>
             <a:off x="495301" y="1346200"/>
-            <a:ext cx="11194672" cy="5194299"/>
+            <a:ext cx="6464995" cy="5194299"/>
           </a:xfrm>
           <a:prstGeom prst="rect">
             <a:avLst/>
@@ -14880,55 +15129,108 @@
           </a:bodyPr>
           <a:lstStyle/>
           <a:p>
-            <a:pPr marL="558798" indent="-457200">
-              <a:buSzPts val="2400"/>
-              <a:buFont typeface="Arial" panose="020B0604020202020204" pitchFamily="34" charset="0"/>
-              <a:buChar char="•"/>
-            </a:pPr>
-            <a:r>
-              <a:rPr lang="en-US" sz="3200" dirty="0"/>
-              <a:t>What is noise, how is it captured in the training data?</a:t>
-            </a:r>
-          </a:p>
-          <a:p>
-            <a:pPr marL="558798" indent="-457200">
-              <a:buSzPts val="2400"/>
-              <a:buFont typeface="Arial" panose="020B0604020202020204" pitchFamily="34" charset="0"/>
-              <a:buChar char="•"/>
-            </a:pPr>
-            <a:r>
-              <a:rPr lang="en-US" sz="3200" dirty="0"/>
-              <a:t>What is overfitting?</a:t>
-            </a:r>
-          </a:p>
-          <a:p>
-            <a:pPr marL="558798" indent="-457200">
-              <a:buSzPts val="2400"/>
-              <a:buFont typeface="Arial" panose="020B0604020202020204" pitchFamily="34" charset="0"/>
-              <a:buChar char="•"/>
-            </a:pPr>
-            <a:r>
-              <a:rPr lang="en-US" sz="3200" dirty="0"/>
-              <a:t>How do you detect overfitting?</a:t>
-            </a:r>
-          </a:p>
-          <a:p>
-            <a:pPr marL="558798" indent="-457200">
-              <a:buSzPts val="2400"/>
-              <a:buFont typeface="Arial" panose="020B0604020202020204" pitchFamily="34" charset="0"/>
-              <a:buChar char="•"/>
-            </a:pPr>
-            <a:r>
-              <a:rPr lang="en-US" sz="3200" dirty="0"/>
-              <a:t>How to alleviate overfitting?</a:t>
-            </a:r>
+            <a:pPr marL="342900" indent="-342900">
+              <a:buFont typeface="Arial" panose="020B0604020202020204" pitchFamily="34" charset="0"/>
+              <a:buChar char="•"/>
+            </a:pPr>
+            <a:r>
+              <a:rPr lang="en-US" dirty="0"/>
+              <a:t>DNNs typically have tens of thousands of parameters, sometimes even millions.</a:t>
+            </a:r>
+          </a:p>
+          <a:p>
+            <a:pPr marL="342900" indent="-342900">
+              <a:buFont typeface="Arial" panose="020B0604020202020204" pitchFamily="34" charset="0"/>
+              <a:buChar char="•"/>
+            </a:pPr>
+            <a:endParaRPr lang="en-US" dirty="0"/>
+          </a:p>
+          <a:p>
+            <a:pPr marL="342900" indent="-342900">
+              <a:buFont typeface="Arial" panose="020B0604020202020204" pitchFamily="34" charset="0"/>
+              <a:buChar char="•"/>
+            </a:pPr>
+            <a:r>
+              <a:rPr lang="en-US" dirty="0"/>
+              <a:t>Network has an incredible amount of freedom and can fit a huge variety of complex datasets. </a:t>
+            </a:r>
+          </a:p>
+          <a:p>
+            <a:pPr marL="342900" indent="-342900">
+              <a:buFont typeface="Arial" panose="020B0604020202020204" pitchFamily="34" charset="0"/>
+              <a:buChar char="•"/>
+            </a:pPr>
+            <a:endParaRPr lang="en-US" dirty="0"/>
+          </a:p>
+          <a:p>
+            <a:pPr marL="342900" indent="-342900">
+              <a:buFont typeface="Arial" panose="020B0604020202020204" pitchFamily="34" charset="0"/>
+              <a:buChar char="•"/>
+            </a:pPr>
+            <a:r>
+              <a:rPr lang="en-US" dirty="0"/>
+              <a:t>But this great flexibility also means that it is prone to overfitting the training set. </a:t>
+            </a:r>
+            <a:endParaRPr lang="en-US" sz="3200" dirty="0"/>
           </a:p>
         </p:txBody>
       </p:sp>
+      <p:pic>
+        <p:nvPicPr>
+          <p:cNvPr id="13314" name="Picture 2">
+            <a:extLst>
+              <a:ext uri="{FF2B5EF4-FFF2-40B4-BE49-F238E27FC236}">
+                <a16:creationId xmlns:a16="http://schemas.microsoft.com/office/drawing/2014/main" id="{BB54A4B5-7558-0046-AC17-A674D1682CE3}"/>
+              </a:ext>
+            </a:extLst>
+          </p:cNvPr>
+          <p:cNvPicPr>
+            <a:picLocks noChangeAspect="1" noChangeArrowheads="1"/>
+          </p:cNvPicPr>
+          <p:nvPr/>
+        </p:nvPicPr>
+        <p:blipFill>
+          <a:blip r:embed="rId3">
+            <a:extLst>
+              <a:ext uri="{28A0092B-C50C-407E-A947-70E740481C1C}">
+                <a14:useLocalDpi xmlns:a14="http://schemas.microsoft.com/office/drawing/2010/main" val="0"/>
+              </a:ext>
+            </a:extLst>
+          </a:blip>
+          <a:srcRect/>
+          <a:stretch>
+            <a:fillRect/>
+          </a:stretch>
+        </p:blipFill>
+        <p:spPr bwMode="auto">
+          <a:xfrm>
+            <a:off x="7521765" y="2375248"/>
+            <a:ext cx="3665223" cy="2107503"/>
+          </a:xfrm>
+          <a:prstGeom prst="rect">
+            <a:avLst/>
+          </a:prstGeom>
+          <a:noFill/>
+          <a:ln>
+            <a:solidFill>
+              <a:schemeClr val="accent1"/>
+            </a:solidFill>
+          </a:ln>
+          <a:extLst>
+            <a:ext uri="{909E8E84-426E-40DD-AFC4-6F175D3DCCD1}">
+              <a14:hiddenFill xmlns:a14="http://schemas.microsoft.com/office/drawing/2010/main">
+                <a:solidFill>
+                  <a:srgbClr val="FFFFFF"/>
+                </a:solidFill>
+              </a14:hiddenFill>
+            </a:ext>
+          </a:extLst>
+        </p:spPr>
+      </p:pic>
     </p:spTree>
     <p:extLst>
       <p:ext uri="{BB962C8B-B14F-4D97-AF65-F5344CB8AC3E}">
-        <p14:creationId xmlns:p14="http://schemas.microsoft.com/office/powerpoint/2010/main" val="2664447486"/>
+        <p14:creationId xmlns:p14="http://schemas.microsoft.com/office/powerpoint/2010/main" val="1204380052"/>
       </p:ext>
     </p:extLst>
   </p:cSld>
@@ -14971,7 +15273,7 @@
         </p:nvSpPr>
         <p:spPr>
           <a:xfrm>
-            <a:off x="609600" y="2779713"/>
+            <a:off x="717173" y="696913"/>
             <a:ext cx="10972800" cy="649287"/>
           </a:xfrm>
           <a:prstGeom prst="rect">
@@ -15008,7 +15310,83 @@
                   <a:srgbClr val="E46102"/>
                 </a:solidFill>
               </a:rPr>
-              <a:t>We need Regularization!</a:t>
+              <a:t>Addressing overfitting</a:t>
+            </a:r>
+          </a:p>
+        </p:txBody>
+      </p:sp>
+      <p:sp>
+        <p:nvSpPr>
+          <p:cNvPr id="5" name="Google Shape;96;p14">
+            <a:extLst>
+              <a:ext uri="{FF2B5EF4-FFF2-40B4-BE49-F238E27FC236}">
+                <a16:creationId xmlns:a16="http://schemas.microsoft.com/office/drawing/2014/main" id="{9AF559A4-0F1F-4BB7-9370-E97582222A3B}"/>
+              </a:ext>
+            </a:extLst>
+          </p:cNvPr>
+          <p:cNvSpPr txBox="1"/>
+          <p:nvPr/>
+        </p:nvSpPr>
+        <p:spPr>
+          <a:xfrm>
+            <a:off x="495301" y="1346200"/>
+            <a:ext cx="11194672" cy="5194299"/>
+          </a:xfrm>
+          <a:prstGeom prst="rect">
+            <a:avLst/>
+          </a:prstGeom>
+          <a:noFill/>
+          <a:ln>
+            <a:noFill/>
+          </a:ln>
+        </p:spPr>
+        <p:txBody>
+          <a:bodyPr spcFirstLastPara="1" wrap="square" lIns="121900" tIns="121900" rIns="121900" bIns="121900" anchor="t" anchorCtr="0">
+            <a:noAutofit/>
+          </a:bodyPr>
+          <a:lstStyle/>
+          <a:p>
+            <a:pPr marL="558798" indent="-457200">
+              <a:buSzPts val="2400"/>
+              <a:buFont typeface="Arial" panose="020B0604020202020204" pitchFamily="34" charset="0"/>
+              <a:buChar char="•"/>
+            </a:pPr>
+            <a:r>
+              <a:rPr lang="en-US" sz="3200" dirty="0"/>
+              <a:t>What is noise, how is it captured in the training data?</a:t>
+            </a:r>
+          </a:p>
+          <a:p>
+            <a:pPr marL="558798" indent="-457200">
+              <a:buSzPts val="2400"/>
+              <a:buFont typeface="Arial" panose="020B0604020202020204" pitchFamily="34" charset="0"/>
+              <a:buChar char="•"/>
+            </a:pPr>
+            <a:r>
+              <a:rPr lang="en-US" sz="3200" dirty="0"/>
+              <a:t>What is overfitting?</a:t>
+            </a:r>
+          </a:p>
+          <a:p>
+            <a:pPr marL="558798" indent="-457200">
+              <a:buSzPts val="2400"/>
+              <a:buFont typeface="Arial" panose="020B0604020202020204" pitchFamily="34" charset="0"/>
+              <a:buChar char="•"/>
+            </a:pPr>
+            <a:r>
+              <a:rPr lang="en-US" sz="3200" dirty="0"/>
+              <a:t>How do you detect overfitting?</a:t>
+            </a:r>
+          </a:p>
+          <a:p>
+            <a:pPr marL="558798" indent="-457200">
+              <a:buSzPts val="2400"/>
+              <a:buFont typeface="Arial" panose="020B0604020202020204" pitchFamily="34" charset="0"/>
+              <a:buChar char="•"/>
+            </a:pPr>
+            <a:r>
+              <a:rPr lang="en-US" sz="3200" dirty="0"/>
+              <a:t>How to alleviate overfitting?</a:t>
             </a:r>
           </a:p>
         </p:txBody>
@@ -15016,7 +15394,7 @@
     </p:spTree>
     <p:extLst>
       <p:ext uri="{BB962C8B-B14F-4D97-AF65-F5344CB8AC3E}">
-        <p14:creationId xmlns:p14="http://schemas.microsoft.com/office/powerpoint/2010/main" val="3101711585"/>
+        <p14:creationId xmlns:p14="http://schemas.microsoft.com/office/powerpoint/2010/main" val="2664447486"/>
       </p:ext>
     </p:extLst>
   </p:cSld>
@@ -15059,7 +15437,7 @@
         </p:nvSpPr>
         <p:spPr>
           <a:xfrm>
-            <a:off x="717173" y="696913"/>
+            <a:off x="609600" y="2779713"/>
             <a:ext cx="10972800" cy="649287"/>
           </a:xfrm>
           <a:prstGeom prst="rect">
@@ -15096,189 +15474,15 @@
                   <a:srgbClr val="E46102"/>
                 </a:solidFill>
               </a:rPr>
-              <a:t>Regularization</a:t>
+              <a:t>We need Regularization!</a:t>
             </a:r>
           </a:p>
         </p:txBody>
       </p:sp>
-      <p:sp>
-        <p:nvSpPr>
-          <p:cNvPr id="5" name="Google Shape;96;p14">
-            <a:extLst>
-              <a:ext uri="{FF2B5EF4-FFF2-40B4-BE49-F238E27FC236}">
-                <a16:creationId xmlns:a16="http://schemas.microsoft.com/office/drawing/2014/main" id="{9AF559A4-0F1F-4BB7-9370-E97582222A3B}"/>
-              </a:ext>
-            </a:extLst>
-          </p:cNvPr>
-          <p:cNvSpPr txBox="1"/>
-          <p:nvPr/>
-        </p:nvSpPr>
-        <p:spPr>
-          <a:xfrm>
-            <a:off x="495301" y="1346200"/>
-            <a:ext cx="10979526" cy="5194299"/>
-          </a:xfrm>
-          <a:prstGeom prst="rect">
-            <a:avLst/>
-          </a:prstGeom>
-          <a:noFill/>
-          <a:ln>
-            <a:noFill/>
-          </a:ln>
-        </p:spPr>
-        <p:txBody>
-          <a:bodyPr spcFirstLastPara="1" wrap="square" lIns="121900" tIns="121900" rIns="121900" bIns="121900" anchor="t" anchorCtr="0">
-            <a:noAutofit/>
-          </a:bodyPr>
-          <a:lstStyle/>
-          <a:p>
-            <a:pPr marL="101598">
-              <a:buSzPts val="2400"/>
-            </a:pPr>
-            <a:r>
-              <a:rPr lang="en-US" dirty="0"/>
-              <a:t>If… </a:t>
-            </a:r>
-          </a:p>
-          <a:p>
-            <a:pPr marL="558798" indent="-457200">
-              <a:buSzPts val="2400"/>
-              <a:buFont typeface="Arial" panose="020B0604020202020204" pitchFamily="34" charset="0"/>
-              <a:buChar char="•"/>
-            </a:pPr>
-            <a:r>
-              <a:rPr lang="en-US" dirty="0"/>
-              <a:t>a model is too complex w.r.t. data, it likely result in overfitting.</a:t>
-            </a:r>
-          </a:p>
-          <a:p>
-            <a:pPr marL="558798" indent="-457200">
-              <a:buSzPts val="2400"/>
-              <a:buFont typeface="Arial" panose="020B0604020202020204" pitchFamily="34" charset="0"/>
-              <a:buChar char="•"/>
-            </a:pPr>
-            <a:r>
-              <a:rPr lang="en-US" dirty="0"/>
-              <a:t>a model tries to capture each and every detail about all data points</a:t>
-            </a:r>
-          </a:p>
-          <a:p>
-            <a:pPr marL="1168383" lvl="1" indent="-457200">
-              <a:buSzPts val="2400"/>
-              <a:buFont typeface="Arial" panose="020B0604020202020204" pitchFamily="34" charset="0"/>
-              <a:buChar char="•"/>
-            </a:pPr>
-            <a:r>
-              <a:rPr lang="en-US" dirty="0"/>
-              <a:t>it fails to generalize well to the trend in the dataset.</a:t>
-            </a:r>
-          </a:p>
-          <a:p>
-            <a:pPr marL="558798" indent="-457200">
-              <a:buSzPts val="2400"/>
-              <a:buFont typeface="Arial" panose="020B0604020202020204" pitchFamily="34" charset="0"/>
-              <a:buChar char="•"/>
-            </a:pPr>
-            <a:endParaRPr lang="en-US" dirty="0"/>
-          </a:p>
-          <a:p>
-            <a:pPr marL="558798" indent="-457200">
-              <a:buSzPts val="2400"/>
-              <a:buFont typeface="Arial" panose="020B0604020202020204" pitchFamily="34" charset="0"/>
-              <a:buChar char="•"/>
-            </a:pPr>
-            <a:r>
-              <a:rPr lang="en-US" dirty="0"/>
-              <a:t>This model is too complex with respect to the data (blue dots). Hence, we have an overfitting problem. We can solve this problem by reducing the complexity of model.</a:t>
-            </a:r>
-          </a:p>
-          <a:p>
-            <a:pPr marL="558798" indent="-457200">
-              <a:buSzPts val="2400"/>
-              <a:buFont typeface="Arial" panose="020B0604020202020204" pitchFamily="34" charset="0"/>
-              <a:buChar char="•"/>
-            </a:pPr>
-            <a:endParaRPr lang="en-US" dirty="0"/>
-          </a:p>
-          <a:p>
-            <a:pPr marL="558798" indent="-457200">
-              <a:buSzPts val="2400"/>
-              <a:buFont typeface="Arial" panose="020B0604020202020204" pitchFamily="34" charset="0"/>
-              <a:buChar char="•"/>
-            </a:pPr>
-            <a:r>
-              <a:rPr lang="en-US" u="sng" dirty="0"/>
-              <a:t>Regularization reduces this model complexity</a:t>
-            </a:r>
-            <a:endParaRPr lang="en-US" dirty="0"/>
-          </a:p>
-          <a:p>
-            <a:pPr marL="711183" lvl="1">
-              <a:buSzPts val="2400"/>
-            </a:pPr>
-            <a:endParaRPr lang="en-US" dirty="0"/>
-          </a:p>
-          <a:p>
-            <a:pPr marL="558798" indent="-457200">
-              <a:buSzPts val="2400"/>
-              <a:buFont typeface="Arial" panose="020B0604020202020204" pitchFamily="34" charset="0"/>
-              <a:buChar char="•"/>
-            </a:pPr>
-            <a:endParaRPr lang="en-US" sz="3200" dirty="0"/>
-          </a:p>
-        </p:txBody>
-      </p:sp>
-      <p:pic>
-        <p:nvPicPr>
-          <p:cNvPr id="5122" name="Picture 2">
-            <a:extLst>
-              <a:ext uri="{FF2B5EF4-FFF2-40B4-BE49-F238E27FC236}">
-                <a16:creationId xmlns:a16="http://schemas.microsoft.com/office/drawing/2014/main" id="{F865826A-DF4A-0849-97D5-3187C0E18B73}"/>
-              </a:ext>
-            </a:extLst>
-          </p:cNvPr>
-          <p:cNvPicPr>
-            <a:picLocks noChangeAspect="1" noChangeArrowheads="1"/>
-          </p:cNvPicPr>
-          <p:nvPr/>
-        </p:nvPicPr>
-        <p:blipFill>
-          <a:blip r:embed="rId2">
-            <a:extLst>
-              <a:ext uri="{28A0092B-C50C-407E-A947-70E740481C1C}">
-                <a14:useLocalDpi xmlns:a14="http://schemas.microsoft.com/office/drawing/2010/main" val="0"/>
-              </a:ext>
-            </a:extLst>
-          </a:blip>
-          <a:srcRect/>
-          <a:stretch>
-            <a:fillRect/>
-          </a:stretch>
-        </p:blipFill>
-        <p:spPr bwMode="auto">
-          <a:xfrm>
-            <a:off x="8220477" y="4172718"/>
-            <a:ext cx="3469496" cy="2170163"/>
-          </a:xfrm>
-          <a:prstGeom prst="rect">
-            <a:avLst/>
-          </a:prstGeom>
-          <a:noFill/>
-          <a:extLst>
-            <a:ext uri="{909E8E84-426E-40DD-AFC4-6F175D3DCCD1}">
-              <a14:hiddenFill xmlns:a14="http://schemas.microsoft.com/office/drawing/2010/main">
-                <a:solidFill>
-                  <a:srgbClr val="FFFFFF"/>
-                </a:solidFill>
-              </a14:hiddenFill>
-            </a:ext>
-          </a:extLst>
-        </p:spPr>
-      </p:pic>
     </p:spTree>
     <p:extLst>
       <p:ext uri="{BB962C8B-B14F-4D97-AF65-F5344CB8AC3E}">
-        <p14:creationId xmlns:p14="http://schemas.microsoft.com/office/powerpoint/2010/main" val="3264186645"/>
+        <p14:creationId xmlns:p14="http://schemas.microsoft.com/office/powerpoint/2010/main" val="3101711585"/>
       </p:ext>
     </p:extLst>
   </p:cSld>
@@ -15378,7 +15582,7 @@
         <p:spPr>
           <a:xfrm>
             <a:off x="495301" y="1346200"/>
-            <a:ext cx="11194672" cy="5194299"/>
+            <a:ext cx="10979526" cy="5194299"/>
           </a:xfrm>
           <a:prstGeom prst="rect">
             <a:avLst/>
@@ -15394,14 +15598,34 @@
           </a:bodyPr>
           <a:lstStyle/>
           <a:p>
+            <a:pPr marL="101598">
+              <a:buSzPts val="2400"/>
+            </a:pPr>
+            <a:r>
+              <a:rPr lang="en-US" dirty="0"/>
+              <a:t>If… </a:t>
+            </a:r>
+          </a:p>
+          <a:p>
             <a:pPr marL="558798" indent="-457200">
               <a:buSzPts val="2400"/>
               <a:buFont typeface="Arial" panose="020B0604020202020204" pitchFamily="34" charset="0"/>
               <a:buChar char="•"/>
             </a:pPr>
             <a:r>
-              <a:rPr lang="en-US" sz="3200" dirty="0"/>
-              <a:t>Controls model complexity </a:t>
+              <a:rPr lang="en-US" dirty="0"/>
+              <a:t>a model is too complex w.r.t. data, it likely result in overfitting.</a:t>
+            </a:r>
+          </a:p>
+          <a:p>
+            <a:pPr marL="558798" indent="-457200">
+              <a:buSzPts val="2400"/>
+              <a:buFont typeface="Arial" panose="020B0604020202020204" pitchFamily="34" charset="0"/>
+              <a:buChar char="•"/>
+            </a:pPr>
+            <a:r>
+              <a:rPr lang="en-US" dirty="0"/>
+              <a:t>a model tries to capture each and every detail about all data points</a:t>
             </a:r>
           </a:p>
           <a:p>
@@ -15411,17 +15635,9 @@
               <a:buChar char="•"/>
             </a:pPr>
             <a:r>
-              <a:rPr lang="en-US" sz="3200" dirty="0"/>
-              <a:t>by adding a penalty for higher terms. </a:t>
-            </a:r>
-          </a:p>
-          <a:p>
-            <a:pPr marL="1168383" lvl="1" indent="-457200">
-              <a:buSzPts val="2400"/>
-              <a:buFont typeface="Arial" panose="020B0604020202020204" pitchFamily="34" charset="0"/>
-              <a:buChar char="•"/>
-            </a:pPr>
-            <a:endParaRPr lang="en-US" sz="3200" dirty="0"/>
+              <a:rPr lang="en-US" dirty="0"/>
+              <a:t>it fails to generalize well to the trend in the dataset.</a:t>
+            </a:r>
           </a:p>
           <a:p>
             <a:pPr marL="558798" indent="-457200">
@@ -15429,20 +15645,7 @@
               <a:buFont typeface="Arial" panose="020B0604020202020204" pitchFamily="34" charset="0"/>
               <a:buChar char="•"/>
             </a:pPr>
-            <a:r>
-              <a:rPr lang="en-US" sz="3200" i="1" dirty="0"/>
-              <a:t>Normally</a:t>
-            </a:r>
-            <a:r>
-              <a:rPr lang="en-US" sz="3200" dirty="0"/>
-              <a:t>, model aims to minimize loss according to loss function. </a:t>
-            </a:r>
-          </a:p>
-          <a:p>
-            <a:pPr marL="101598">
-              <a:buSzPts val="2400"/>
-            </a:pPr>
-            <a:endParaRPr lang="en-US" sz="3200" dirty="0"/>
+            <a:endParaRPr lang="en-US" dirty="0"/>
           </a:p>
           <a:p>
             <a:pPr marL="558798" indent="-457200">
@@ -15451,16 +15654,97 @@
               <a:buChar char="•"/>
             </a:pPr>
             <a:r>
-              <a:rPr lang="en-US" sz="3200" u="sng" dirty="0"/>
-              <a:t>Regularization adds a term so that model minimizes both complexity and loss.</a:t>
-            </a:r>
+              <a:rPr lang="en-US" dirty="0"/>
+              <a:t>This model is too complex with respect to the data (blue dots). Hence, we have an overfitting problem. We can solve this problem by reducing the complexity of model.</a:t>
+            </a:r>
+          </a:p>
+          <a:p>
+            <a:pPr marL="558798" indent="-457200">
+              <a:buSzPts val="2400"/>
+              <a:buFont typeface="Arial" panose="020B0604020202020204" pitchFamily="34" charset="0"/>
+              <a:buChar char="•"/>
+            </a:pPr>
+            <a:endParaRPr lang="en-US" dirty="0"/>
+          </a:p>
+          <a:p>
+            <a:pPr marL="558798" indent="-457200">
+              <a:buSzPts val="2400"/>
+              <a:buFont typeface="Arial" panose="020B0604020202020204" pitchFamily="34" charset="0"/>
+              <a:buChar char="•"/>
+            </a:pPr>
+            <a:r>
+              <a:rPr lang="en-US" u="sng" dirty="0"/>
+              <a:t>Regularization reduces this model complexity</a:t>
+            </a:r>
+            <a:endParaRPr lang="en-US" dirty="0"/>
+          </a:p>
+          <a:p>
+            <a:pPr marL="711183" lvl="1">
+              <a:buSzPts val="2400"/>
+            </a:pPr>
+            <a:endParaRPr lang="en-US" dirty="0"/>
+          </a:p>
+          <a:p>
+            <a:pPr marL="558798" indent="-457200">
+              <a:buSzPts val="2400"/>
+              <a:buFont typeface="Arial" panose="020B0604020202020204" pitchFamily="34" charset="0"/>
+              <a:buChar char="•"/>
+            </a:pPr>
+            <a:endParaRPr lang="en-US" sz="3200" dirty="0"/>
           </a:p>
         </p:txBody>
       </p:sp>
+      <p:pic>
+        <p:nvPicPr>
+          <p:cNvPr id="5122" name="Picture 2">
+            <a:extLst>
+              <a:ext uri="{FF2B5EF4-FFF2-40B4-BE49-F238E27FC236}">
+                <a16:creationId xmlns:a16="http://schemas.microsoft.com/office/drawing/2014/main" id="{F865826A-DF4A-0849-97D5-3187C0E18B73}"/>
+              </a:ext>
+            </a:extLst>
+          </p:cNvPr>
+          <p:cNvPicPr>
+            <a:picLocks noChangeAspect="1" noChangeArrowheads="1"/>
+          </p:cNvPicPr>
+          <p:nvPr/>
+        </p:nvPicPr>
+        <p:blipFill>
+          <a:blip r:embed="rId2">
+            <a:extLst>
+              <a:ext uri="{28A0092B-C50C-407E-A947-70E740481C1C}">
+                <a14:useLocalDpi xmlns:a14="http://schemas.microsoft.com/office/drawing/2010/main" val="0"/>
+              </a:ext>
+            </a:extLst>
+          </a:blip>
+          <a:srcRect/>
+          <a:stretch>
+            <a:fillRect/>
+          </a:stretch>
+        </p:blipFill>
+        <p:spPr bwMode="auto">
+          <a:xfrm>
+            <a:off x="8220477" y="4172718"/>
+            <a:ext cx="3469496" cy="2170163"/>
+          </a:xfrm>
+          <a:prstGeom prst="rect">
+            <a:avLst/>
+          </a:prstGeom>
+          <a:noFill/>
+          <a:extLst>
+            <a:ext uri="{909E8E84-426E-40DD-AFC4-6F175D3DCCD1}">
+              <a14:hiddenFill xmlns:a14="http://schemas.microsoft.com/office/drawing/2010/main">
+                <a:solidFill>
+                  <a:srgbClr val="FFFFFF"/>
+                </a:solidFill>
+              </a14:hiddenFill>
+            </a:ext>
+          </a:extLst>
+        </p:spPr>
+      </p:pic>
     </p:spTree>
     <p:extLst>
       <p:ext uri="{BB962C8B-B14F-4D97-AF65-F5344CB8AC3E}">
-        <p14:creationId xmlns:p14="http://schemas.microsoft.com/office/powerpoint/2010/main" val="3771266609"/>
+        <p14:creationId xmlns:p14="http://schemas.microsoft.com/office/powerpoint/2010/main" val="3264186645"/>
       </p:ext>
     </p:extLst>
   </p:cSld>
@@ -15576,67 +15860,73 @@
           </a:bodyPr>
           <a:lstStyle/>
           <a:p>
+            <a:pPr marL="558798" indent="-457200">
+              <a:buSzPts val="2400"/>
+              <a:buFont typeface="Arial" panose="020B0604020202020204" pitchFamily="34" charset="0"/>
+              <a:buChar char="•"/>
+            </a:pPr>
+            <a:r>
+              <a:rPr lang="en-US" sz="3200" dirty="0"/>
+              <a:t>Controls model complexity </a:t>
+            </a:r>
+          </a:p>
+          <a:p>
+            <a:pPr marL="1168383" lvl="1" indent="-457200">
+              <a:buSzPts val="2400"/>
+              <a:buFont typeface="Arial" panose="020B0604020202020204" pitchFamily="34" charset="0"/>
+              <a:buChar char="•"/>
+            </a:pPr>
+            <a:r>
+              <a:rPr lang="en-US" sz="3200" dirty="0"/>
+              <a:t>by adding a penalty for higher terms. </a:t>
+            </a:r>
+          </a:p>
+          <a:p>
+            <a:pPr marL="1168383" lvl="1" indent="-457200">
+              <a:buSzPts val="2400"/>
+              <a:buFont typeface="Arial" panose="020B0604020202020204" pitchFamily="34" charset="0"/>
+              <a:buChar char="•"/>
+            </a:pPr>
+            <a:endParaRPr lang="en-US" sz="3200" dirty="0"/>
+          </a:p>
+          <a:p>
+            <a:pPr marL="558798" indent="-457200">
+              <a:buSzPts val="2400"/>
+              <a:buFont typeface="Arial" panose="020B0604020202020204" pitchFamily="34" charset="0"/>
+              <a:buChar char="•"/>
+            </a:pPr>
+            <a:r>
+              <a:rPr lang="en-US" sz="3200" i="1" dirty="0"/>
+              <a:t>Normally</a:t>
+            </a:r>
+            <a:r>
+              <a:rPr lang="en-US" sz="3200" dirty="0"/>
+              <a:t>, model aims to minimize loss according to loss function. </a:t>
+            </a:r>
+          </a:p>
+          <a:p>
             <a:pPr marL="101598">
               <a:buSzPts val="2400"/>
             </a:pPr>
-            <a:r>
-              <a:rPr lang="en-US" sz="3200" dirty="0"/>
-              <a:t>Term added </a:t>
+            <a:endParaRPr lang="en-US" sz="3200" dirty="0"/>
+          </a:p>
+          <a:p>
+            <a:pPr marL="558798" indent="-457200">
+              <a:buSzPts val="2400"/>
+              <a:buFont typeface="Arial" panose="020B0604020202020204" pitchFamily="34" charset="0"/>
+              <a:buChar char="•"/>
+            </a:pPr>
+            <a:r>
+              <a:rPr lang="en-US" sz="3200" u="sng" dirty="0"/>
+              <a:t>Regularization adds a term so that model minimizes both complexity and loss.</a:t>
             </a:r>
           </a:p>
         </p:txBody>
       </p:sp>
-      <p:pic>
-        <p:nvPicPr>
-          <p:cNvPr id="14338" name="Picture 2">
-            <a:extLst>
-              <a:ext uri="{FF2B5EF4-FFF2-40B4-BE49-F238E27FC236}">
-                <a16:creationId xmlns:a16="http://schemas.microsoft.com/office/drawing/2014/main" id="{60AFD524-6DB3-C14B-9D7F-C75D3EECF142}"/>
-              </a:ext>
-            </a:extLst>
-          </p:cNvPr>
-          <p:cNvPicPr>
-            <a:picLocks noChangeAspect="1" noChangeArrowheads="1"/>
-          </p:cNvPicPr>
-          <p:nvPr/>
-        </p:nvPicPr>
-        <p:blipFill>
-          <a:blip r:embed="rId2">
-            <a:extLst>
-              <a:ext uri="{28A0092B-C50C-407E-A947-70E740481C1C}">
-                <a14:useLocalDpi xmlns:a14="http://schemas.microsoft.com/office/drawing/2010/main" val="0"/>
-              </a:ext>
-            </a:extLst>
-          </a:blip>
-          <a:srcRect/>
-          <a:stretch>
-            <a:fillRect/>
-          </a:stretch>
-        </p:blipFill>
-        <p:spPr bwMode="auto">
-          <a:xfrm>
-            <a:off x="2781300" y="2559050"/>
-            <a:ext cx="6629400" cy="1739900"/>
-          </a:xfrm>
-          <a:prstGeom prst="rect">
-            <a:avLst/>
-          </a:prstGeom>
-          <a:noFill/>
-          <a:extLst>
-            <a:ext uri="{909E8E84-426E-40DD-AFC4-6F175D3DCCD1}">
-              <a14:hiddenFill xmlns:a14="http://schemas.microsoft.com/office/drawing/2010/main">
-                <a:solidFill>
-                  <a:srgbClr val="FFFFFF"/>
-                </a:solidFill>
-              </a14:hiddenFill>
-            </a:ext>
-          </a:extLst>
-        </p:spPr>
-      </p:pic>
     </p:spTree>
     <p:extLst>
       <p:ext uri="{BB962C8B-B14F-4D97-AF65-F5344CB8AC3E}">
-        <p14:creationId xmlns:p14="http://schemas.microsoft.com/office/powerpoint/2010/main" val="4265816363"/>
+        <p14:creationId xmlns:p14="http://schemas.microsoft.com/office/powerpoint/2010/main" val="3771266609"/>
       </p:ext>
     </p:extLst>
   </p:cSld>
@@ -16143,7 +16433,7 @@
                   <a:srgbClr val="E46102"/>
                 </a:solidFill>
               </a:rPr>
-              <a:t>Regularization Techniques </a:t>
+              <a:t>Regularization</a:t>
             </a:r>
           </a:p>
         </p:txBody>
@@ -16179,114 +16469,67 @@
           </a:bodyPr>
           <a:lstStyle/>
           <a:p>
-            <a:pPr marL="558798" indent="-457200">
+            <a:pPr marL="101598">
               <a:buSzPts val="2400"/>
-              <a:buFont typeface="Arial" panose="020B0604020202020204" pitchFamily="34" charset="0"/>
-              <a:buChar char="•"/>
             </a:pPr>
             <a:r>
               <a:rPr lang="en-US" sz="3200" dirty="0"/>
-              <a:t>Regularization reduces complexity by using</a:t>
-            </a:r>
-            <a:r>
-              <a:rPr lang="en-US" sz="4000" dirty="0"/>
-              <a:t> </a:t>
-            </a:r>
-          </a:p>
-          <a:p>
-            <a:pPr marL="1168383" lvl="1" indent="-457200">
-              <a:buSzPts val="2400"/>
-              <a:buFont typeface="Arial" panose="020B0604020202020204" pitchFamily="34" charset="0"/>
-              <a:buChar char="•"/>
-            </a:pPr>
-            <a:r>
-              <a:rPr lang="en-US" sz="4000" dirty="0">
-                <a:latin typeface="Brush Script MT" panose="03060802040406070304" pitchFamily="66" charset="-122"/>
-                <a:ea typeface="Brush Script MT" panose="03060802040406070304" pitchFamily="66" charset="-122"/>
-                <a:cs typeface="Brush Script MT" panose="03060802040406070304" pitchFamily="66" charset="-122"/>
-              </a:rPr>
-              <a:t>l</a:t>
-            </a:r>
-            <a:r>
-              <a:rPr lang="en-US" sz="3200" dirty="0"/>
-              <a:t>1 and </a:t>
-            </a:r>
-            <a:r>
-              <a:rPr lang="en-US" sz="4000" dirty="0">
-                <a:latin typeface="Brush Script MT" panose="03060802040406070304" pitchFamily="66" charset="-122"/>
-                <a:ea typeface="Brush Script MT" panose="03060802040406070304" pitchFamily="66" charset="-122"/>
-                <a:cs typeface="Brush Script MT" panose="03060802040406070304" pitchFamily="66" charset="-122"/>
-              </a:rPr>
-              <a:t>l</a:t>
-            </a:r>
-            <a:r>
-              <a:rPr lang="en-US" sz="3200" dirty="0"/>
-              <a:t>2 technique</a:t>
-            </a:r>
-          </a:p>
-          <a:p>
-            <a:pPr marL="1168383" lvl="1" indent="-457200">
-              <a:buSzPts val="2400"/>
-              <a:buFont typeface="Arial" panose="020B0604020202020204" pitchFamily="34" charset="0"/>
-              <a:buChar char="•"/>
-            </a:pPr>
-            <a:endParaRPr lang="en-US" sz="3200" dirty="0"/>
-          </a:p>
-          <a:p>
-            <a:pPr marL="1168383" lvl="1" indent="-457200">
-              <a:buSzPts val="2400"/>
-              <a:buFont typeface="Arial" panose="020B0604020202020204" pitchFamily="34" charset="0"/>
-              <a:buChar char="•"/>
-            </a:pPr>
-            <a:r>
-              <a:rPr lang="en-US" sz="3200" dirty="0"/>
-              <a:t>Dropout</a:t>
-            </a:r>
-          </a:p>
-          <a:p>
-            <a:pPr marL="1168383" lvl="1" indent="-457200">
-              <a:buSzPts val="2400"/>
-              <a:buFont typeface="Arial" panose="020B0604020202020204" pitchFamily="34" charset="0"/>
-              <a:buChar char="•"/>
-            </a:pPr>
-            <a:endParaRPr lang="en-US" sz="3200" dirty="0"/>
-          </a:p>
-          <a:p>
-            <a:pPr marL="1168383" lvl="1" indent="-457200">
-              <a:buSzPts val="2400"/>
-              <a:buFont typeface="Arial" panose="020B0604020202020204" pitchFamily="34" charset="0"/>
-              <a:buChar char="•"/>
-            </a:pPr>
-            <a:r>
-              <a:rPr lang="en-US" sz="3200" dirty="0"/>
-              <a:t>Max-norm regularization (self study)</a:t>
-            </a:r>
-          </a:p>
-          <a:p>
-            <a:pPr marL="558798" indent="-457200">
-              <a:buSzPts val="2400"/>
-              <a:buFont typeface="Arial" panose="020B0604020202020204" pitchFamily="34" charset="0"/>
-              <a:buChar char="•"/>
-            </a:pPr>
-            <a:endParaRPr lang="en-US" sz="3200" dirty="0"/>
-          </a:p>
-          <a:p>
-            <a:pPr marL="558798" indent="-457200">
-              <a:buSzPts val="2400"/>
-              <a:buFont typeface="Arial" panose="020B0604020202020204" pitchFamily="34" charset="0"/>
-              <a:buChar char="•"/>
-            </a:pPr>
-            <a:r>
-              <a:rPr lang="en-US" sz="3200" dirty="0"/>
-              <a:t>But first, how is complexity added?</a:t>
+              <a:t>Term added </a:t>
             </a:r>
           </a:p>
         </p:txBody>
       </p:sp>
+      <p:pic>
+        <p:nvPicPr>
+          <p:cNvPr id="14338" name="Picture 2">
+            <a:extLst>
+              <a:ext uri="{FF2B5EF4-FFF2-40B4-BE49-F238E27FC236}">
+                <a16:creationId xmlns:a16="http://schemas.microsoft.com/office/drawing/2014/main" id="{60AFD524-6DB3-C14B-9D7F-C75D3EECF142}"/>
+              </a:ext>
+            </a:extLst>
+          </p:cNvPr>
+          <p:cNvPicPr>
+            <a:picLocks noChangeAspect="1" noChangeArrowheads="1"/>
+          </p:cNvPicPr>
+          <p:nvPr/>
+        </p:nvPicPr>
+        <p:blipFill>
+          <a:blip r:embed="rId2">
+            <a:extLst>
+              <a:ext uri="{28A0092B-C50C-407E-A947-70E740481C1C}">
+                <a14:useLocalDpi xmlns:a14="http://schemas.microsoft.com/office/drawing/2010/main" val="0"/>
+              </a:ext>
+            </a:extLst>
+          </a:blip>
+          <a:srcRect/>
+          <a:stretch>
+            <a:fillRect/>
+          </a:stretch>
+        </p:blipFill>
+        <p:spPr bwMode="auto">
+          <a:xfrm>
+            <a:off x="2781300" y="2559050"/>
+            <a:ext cx="6629400" cy="1739900"/>
+          </a:xfrm>
+          <a:prstGeom prst="rect">
+            <a:avLst/>
+          </a:prstGeom>
+          <a:noFill/>
+          <a:extLst>
+            <a:ext uri="{909E8E84-426E-40DD-AFC4-6F175D3DCCD1}">
+              <a14:hiddenFill xmlns:a14="http://schemas.microsoft.com/office/drawing/2010/main">
+                <a:solidFill>
+                  <a:srgbClr val="FFFFFF"/>
+                </a:solidFill>
+              </a14:hiddenFill>
+            </a:ext>
+          </a:extLst>
+        </p:spPr>
+      </p:pic>
     </p:spTree>
     <p:extLst>
       <p:ext uri="{BB962C8B-B14F-4D97-AF65-F5344CB8AC3E}">
-        <p14:creationId xmlns:p14="http://schemas.microsoft.com/office/powerpoint/2010/main" val="4029306355"/>
+        <p14:creationId xmlns:p14="http://schemas.microsoft.com/office/powerpoint/2010/main" val="4265816363"/>
       </p:ext>
     </p:extLst>
   </p:cSld>
@@ -16366,7 +16609,7 @@
                   <a:srgbClr val="E46102"/>
                 </a:solidFill>
               </a:rPr>
-              <a:t>Complexity in a model</a:t>
+              <a:t>Regularization Techniques </a:t>
             </a:r>
           </a:p>
         </p:txBody>
@@ -16402,57 +16645,114 @@
           </a:bodyPr>
           <a:lstStyle/>
           <a:p>
-            <a:pPr marL="615948" indent="-514350">
+            <a:pPr marL="558798" indent="-457200">
               <a:buSzPts val="2400"/>
-              <a:buFont typeface="+mj-lt"/>
-              <a:buAutoNum type="arabicPeriod"/>
+              <a:buFont typeface="Arial" panose="020B0604020202020204" pitchFamily="34" charset="0"/>
+              <a:buChar char="•"/>
+            </a:pPr>
+            <a:r>
+              <a:rPr lang="en-US" sz="3200" dirty="0"/>
+              <a:t>Regularization reduces complexity by using</a:t>
+            </a:r>
+            <a:r>
+              <a:rPr lang="en-US" sz="4000" dirty="0"/>
+              <a:t> </a:t>
+            </a:r>
+          </a:p>
+          <a:p>
+            <a:pPr marL="1168383" lvl="1" indent="-457200">
+              <a:buSzPts val="2400"/>
+              <a:buFont typeface="Arial" panose="020B0604020202020204" pitchFamily="34" charset="0"/>
+              <a:buChar char="•"/>
+            </a:pPr>
+            <a:r>
+              <a:rPr lang="en-US" sz="4000" dirty="0">
+                <a:latin typeface="Brush Script MT" panose="03060802040406070304" pitchFamily="66" charset="-122"/>
+                <a:ea typeface="Brush Script MT" panose="03060802040406070304" pitchFamily="66" charset="-122"/>
+                <a:cs typeface="Brush Script MT" panose="03060802040406070304" pitchFamily="66" charset="-122"/>
+              </a:rPr>
+              <a:t>l</a:t>
+            </a:r>
+            <a:r>
+              <a:rPr lang="en-US" sz="3200" dirty="0"/>
+              <a:t>1 and </a:t>
+            </a:r>
+            <a:r>
+              <a:rPr lang="en-US" sz="4000" dirty="0">
+                <a:latin typeface="Brush Script MT" panose="03060802040406070304" pitchFamily="66" charset="-122"/>
+                <a:ea typeface="Brush Script MT" panose="03060802040406070304" pitchFamily="66" charset="-122"/>
+                <a:cs typeface="Brush Script MT" panose="03060802040406070304" pitchFamily="66" charset="-122"/>
+              </a:rPr>
+              <a:t>l</a:t>
+            </a:r>
+            <a:r>
+              <a:rPr lang="en-US" sz="3200" dirty="0"/>
+              <a:t>2 technique</a:t>
+            </a:r>
+          </a:p>
+          <a:p>
+            <a:pPr marL="1168383" lvl="1" indent="-457200">
+              <a:buSzPts val="2400"/>
+              <a:buFont typeface="Arial" panose="020B0604020202020204" pitchFamily="34" charset="0"/>
+              <a:buChar char="•"/>
             </a:pPr>
             <a:endParaRPr lang="en-US" sz="3200" dirty="0"/>
           </a:p>
           <a:p>
-            <a:pPr marL="615948" indent="-514350">
+            <a:pPr marL="1168383" lvl="1" indent="-457200">
               <a:buSzPts val="2400"/>
-              <a:buFont typeface="+mj-lt"/>
-              <a:buAutoNum type="arabicPeriod"/>
+              <a:buFont typeface="Arial" panose="020B0604020202020204" pitchFamily="34" charset="0"/>
+              <a:buChar char="•"/>
             </a:pPr>
             <a:r>
               <a:rPr lang="en-US" sz="3200" dirty="0"/>
-              <a:t>Total number of features</a:t>
-            </a:r>
-          </a:p>
-          <a:p>
-            <a:pPr marL="615948" indent="-514350">
+              <a:t>Dropout</a:t>
+            </a:r>
+          </a:p>
+          <a:p>
+            <a:pPr marL="1168383" lvl="1" indent="-457200">
               <a:buSzPts val="2400"/>
-              <a:buFont typeface="+mj-lt"/>
-              <a:buAutoNum type="arabicPeriod"/>
+              <a:buFont typeface="Arial" panose="020B0604020202020204" pitchFamily="34" charset="0"/>
+              <a:buChar char="•"/>
             </a:pPr>
             <a:endParaRPr lang="en-US" sz="3200" dirty="0"/>
           </a:p>
           <a:p>
-            <a:pPr marL="615948" indent="-514350">
+            <a:pPr marL="1168383" lvl="1" indent="-457200">
               <a:buSzPts val="2400"/>
-              <a:buFont typeface="+mj-lt"/>
-              <a:buAutoNum type="arabicPeriod"/>
+              <a:buFont typeface="Arial" panose="020B0604020202020204" pitchFamily="34" charset="0"/>
+              <a:buChar char="•"/>
             </a:pPr>
             <a:r>
               <a:rPr lang="en-US" sz="3200" dirty="0"/>
-              <a:t>The weights of features</a:t>
-            </a:r>
-          </a:p>
-          <a:p>
-            <a:pPr marL="615948" indent="-514350">
+              <a:t>Max-norm regularization (self study)</a:t>
+            </a:r>
+          </a:p>
+          <a:p>
+            <a:pPr marL="558798" indent="-457200">
               <a:buSzPts val="2400"/>
-              <a:buFont typeface="+mj-lt"/>
-              <a:buAutoNum type="arabicPeriod"/>
+              <a:buFont typeface="Arial" panose="020B0604020202020204" pitchFamily="34" charset="0"/>
+              <a:buChar char="•"/>
             </a:pPr>
             <a:endParaRPr lang="en-US" sz="3200" dirty="0"/>
+          </a:p>
+          <a:p>
+            <a:pPr marL="558798" indent="-457200">
+              <a:buSzPts val="2400"/>
+              <a:buFont typeface="Arial" panose="020B0604020202020204" pitchFamily="34" charset="0"/>
+              <a:buChar char="•"/>
+            </a:pPr>
+            <a:r>
+              <a:rPr lang="en-US" sz="3200" dirty="0"/>
+              <a:t>But first, how is complexity added?</a:t>
+            </a:r>
           </a:p>
         </p:txBody>
       </p:sp>
     </p:spTree>
     <p:extLst>
       <p:ext uri="{BB962C8B-B14F-4D97-AF65-F5344CB8AC3E}">
-        <p14:creationId xmlns:p14="http://schemas.microsoft.com/office/powerpoint/2010/main" val="2738336108"/>
+        <p14:creationId xmlns:p14="http://schemas.microsoft.com/office/powerpoint/2010/main" val="4029306355"/>
       </p:ext>
     </p:extLst>
   </p:cSld>
@@ -16532,7 +16832,7 @@
                   <a:srgbClr val="E46102"/>
                 </a:solidFill>
               </a:rPr>
-              <a:t>Regularization</a:t>
+              <a:t>Complexity in a model</a:t>
             </a:r>
           </a:p>
         </p:txBody>
@@ -16568,114 +16868,57 @@
           </a:bodyPr>
           <a:lstStyle/>
           <a:p>
-            <a:pPr marL="558798" indent="-457200">
+            <a:pPr marL="615948" indent="-514350">
               <a:buSzPts val="2400"/>
-              <a:buFont typeface="Arial" panose="020B0604020202020204" pitchFamily="34" charset="0"/>
-              <a:buChar char="•"/>
+              <a:buFont typeface="+mj-lt"/>
+              <a:buAutoNum type="arabicPeriod"/>
+            </a:pPr>
+            <a:endParaRPr lang="en-US" sz="3200" dirty="0"/>
+          </a:p>
+          <a:p>
+            <a:pPr marL="615948" indent="-514350">
+              <a:buSzPts val="2400"/>
+              <a:buFont typeface="+mj-lt"/>
+              <a:buAutoNum type="arabicPeriod"/>
             </a:pPr>
             <a:r>
               <a:rPr lang="en-US" sz="3200" dirty="0"/>
-              <a:t>Regularization reduces complexity by using</a:t>
-            </a:r>
-            <a:r>
-              <a:rPr lang="en-US" sz="4000" dirty="0"/>
-              <a:t> </a:t>
-            </a:r>
-          </a:p>
-          <a:p>
-            <a:pPr marL="1168383" lvl="1" indent="-457200">
+              <a:t>Total number of features</a:t>
+            </a:r>
+          </a:p>
+          <a:p>
+            <a:pPr marL="615948" indent="-514350">
               <a:buSzPts val="2400"/>
-              <a:buFont typeface="Arial" panose="020B0604020202020204" pitchFamily="34" charset="0"/>
-              <a:buChar char="•"/>
-            </a:pPr>
-            <a:r>
-              <a:rPr lang="en-US" sz="3200" b="1" dirty="0">
-                <a:latin typeface="Brush Script MT" panose="03060802040406070304" pitchFamily="66" charset="-122"/>
-                <a:ea typeface="Brush Script MT" panose="03060802040406070304" pitchFamily="66" charset="-122"/>
-                <a:cs typeface="Brush Script MT" panose="03060802040406070304" pitchFamily="66" charset="-122"/>
-              </a:rPr>
-              <a:t>l</a:t>
-            </a:r>
-            <a:r>
-              <a:rPr lang="en-US" sz="3200" b="1" dirty="0"/>
-              <a:t>1 and </a:t>
-            </a:r>
-            <a:r>
-              <a:rPr lang="en-US" sz="3200" b="1" dirty="0">
-                <a:latin typeface="Brush Script MT" panose="03060802040406070304" pitchFamily="66" charset="-122"/>
-                <a:ea typeface="Brush Script MT" panose="03060802040406070304" pitchFamily="66" charset="-122"/>
-                <a:cs typeface="Brush Script MT" panose="03060802040406070304" pitchFamily="66" charset="-122"/>
-              </a:rPr>
-              <a:t>l</a:t>
-            </a:r>
-            <a:r>
-              <a:rPr lang="en-US" sz="3200" b="1" dirty="0"/>
-              <a:t>2 technique</a:t>
-            </a:r>
-          </a:p>
-          <a:p>
-            <a:pPr marL="1168383" lvl="1" indent="-457200">
+              <a:buFont typeface="+mj-lt"/>
+              <a:buAutoNum type="arabicPeriod"/>
+            </a:pPr>
+            <a:endParaRPr lang="en-US" sz="3200" dirty="0"/>
+          </a:p>
+          <a:p>
+            <a:pPr marL="615948" indent="-514350">
               <a:buSzPts val="2400"/>
-              <a:buFont typeface="Arial" panose="020B0604020202020204" pitchFamily="34" charset="0"/>
-              <a:buChar char="•"/>
+              <a:buFont typeface="+mj-lt"/>
+              <a:buAutoNum type="arabicPeriod"/>
+            </a:pPr>
+            <a:r>
+              <a:rPr lang="en-US" sz="3200" dirty="0"/>
+              <a:t>The weights of features</a:t>
+            </a:r>
+          </a:p>
+          <a:p>
+            <a:pPr marL="615948" indent="-514350">
+              <a:buSzPts val="2400"/>
+              <a:buFont typeface="+mj-lt"/>
+              <a:buAutoNum type="arabicPeriod"/>
             </a:pPr>
             <a:endParaRPr lang="en-US" sz="3200" dirty="0"/>
-          </a:p>
-          <a:p>
-            <a:pPr marL="1168383" lvl="1" indent="-457200">
-              <a:buSzPts val="2400"/>
-              <a:buFont typeface="Arial" panose="020B0604020202020204" pitchFamily="34" charset="0"/>
-              <a:buChar char="•"/>
-            </a:pPr>
-            <a:r>
-              <a:rPr lang="en-US" sz="3200" dirty="0"/>
-              <a:t>Dropout</a:t>
-            </a:r>
-          </a:p>
-          <a:p>
-            <a:pPr marL="1168383" lvl="1" indent="-457200">
-              <a:buSzPts val="2400"/>
-              <a:buFont typeface="Arial" panose="020B0604020202020204" pitchFamily="34" charset="0"/>
-              <a:buChar char="•"/>
-            </a:pPr>
-            <a:endParaRPr lang="en-US" sz="3200" dirty="0"/>
-          </a:p>
-          <a:p>
-            <a:pPr marL="1168383" lvl="1" indent="-457200">
-              <a:buSzPts val="2400"/>
-              <a:buFont typeface="Arial" panose="020B0604020202020204" pitchFamily="34" charset="0"/>
-              <a:buChar char="•"/>
-            </a:pPr>
-            <a:r>
-              <a:rPr lang="en-US" sz="3200" dirty="0"/>
-              <a:t>Max-norm regularization (self study)</a:t>
-            </a:r>
-          </a:p>
-          <a:p>
-            <a:pPr marL="558798" indent="-457200">
-              <a:buSzPts val="2400"/>
-              <a:buFont typeface="Arial" panose="020B0604020202020204" pitchFamily="34" charset="0"/>
-              <a:buChar char="•"/>
-            </a:pPr>
-            <a:endParaRPr lang="en-US" sz="3200" dirty="0"/>
-          </a:p>
-          <a:p>
-            <a:pPr marL="558798" indent="-457200">
-              <a:buSzPts val="2400"/>
-              <a:buFont typeface="Arial" panose="020B0604020202020204" pitchFamily="34" charset="0"/>
-              <a:buChar char="•"/>
-            </a:pPr>
-            <a:r>
-              <a:rPr lang="en-US" sz="3200" dirty="0"/>
-              <a:t>But first, how is complexity added?</a:t>
-            </a:r>
           </a:p>
         </p:txBody>
       </p:sp>
     </p:spTree>
     <p:extLst>
       <p:ext uri="{BB962C8B-B14F-4D97-AF65-F5344CB8AC3E}">
-        <p14:creationId xmlns:p14="http://schemas.microsoft.com/office/powerpoint/2010/main" val="2896941594"/>
+        <p14:creationId xmlns:p14="http://schemas.microsoft.com/office/powerpoint/2010/main" val="2738336108"/>
       </p:ext>
     </p:extLst>
   </p:cSld>
@@ -16718,7 +16961,7 @@
         </p:nvSpPr>
         <p:spPr>
           <a:xfrm>
-            <a:off x="717173" y="571652"/>
+            <a:off x="717173" y="696913"/>
             <a:ext cx="10972800" cy="649287"/>
           </a:xfrm>
           <a:prstGeom prst="rect">
@@ -16750,39 +16993,12 @@
           </a:lstStyle>
           <a:p>
             <a:r>
-              <a:rPr lang="en-US" sz="5400" dirty="0">
+              <a:rPr lang="en-US" sz="4400" dirty="0">
                 <a:solidFill>
                   <a:srgbClr val="E46102"/>
                 </a:solidFill>
-                <a:latin typeface="Brush Script MT" panose="03060802040406070304" pitchFamily="66" charset="-122"/>
-                <a:ea typeface="Brush Script MT" panose="03060802040406070304" pitchFamily="66" charset="-122"/>
-                <a:cs typeface="Brush Script MT" panose="03060802040406070304" pitchFamily="66" charset="-122"/>
-              </a:rPr>
-              <a:t>L</a:t>
-            </a:r>
-            <a:r>
-              <a:rPr lang="en-US" sz="4400" dirty="0">
-                <a:solidFill>
-                  <a:srgbClr val="E46102"/>
-                </a:solidFill>
-              </a:rPr>
-              <a:t>1</a:t>
-            </a:r>
-            <a:r>
-              <a:rPr lang="en-US" sz="5400" dirty="0">
-                <a:solidFill>
-                  <a:srgbClr val="E46102"/>
-                </a:solidFill>
-              </a:rPr>
-              <a:t> </a:t>
-            </a:r>
-            <a:r>
-              <a:rPr lang="en-US" sz="4400" dirty="0">
-                <a:solidFill>
-                  <a:srgbClr val="E46102"/>
-                </a:solidFill>
-              </a:rPr>
-              <a:t>regularization</a:t>
+              </a:rPr>
+              <a:t>Regularization</a:t>
             </a:r>
           </a:p>
         </p:txBody>
@@ -16818,28 +17034,87 @@
           </a:bodyPr>
           <a:lstStyle/>
           <a:p>
-            <a:pPr marL="101598">
+            <a:pPr marL="558798" indent="-457200">
               <a:buSzPts val="2400"/>
-            </a:pPr>
-            <a:r>
-              <a:rPr lang="en-US" sz="3600" dirty="0">
+              <a:buFont typeface="Arial" panose="020B0604020202020204" pitchFamily="34" charset="0"/>
+              <a:buChar char="•"/>
+            </a:pPr>
+            <a:r>
+              <a:rPr lang="en-US" sz="3200" dirty="0"/>
+              <a:t>Regularization reduces complexity by using</a:t>
+            </a:r>
+            <a:r>
+              <a:rPr lang="en-US" sz="4000" dirty="0"/>
+              <a:t> </a:t>
+            </a:r>
+          </a:p>
+          <a:p>
+            <a:pPr marL="1168383" lvl="1" indent="-457200">
+              <a:buSzPts val="2400"/>
+              <a:buFont typeface="Arial" panose="020B0604020202020204" pitchFamily="34" charset="0"/>
+              <a:buChar char="•"/>
+            </a:pPr>
+            <a:r>
+              <a:rPr lang="en-US" sz="3200" b="1" dirty="0">
                 <a:latin typeface="Brush Script MT" panose="03060802040406070304" pitchFamily="66" charset="-122"/>
                 <a:ea typeface="Brush Script MT" panose="03060802040406070304" pitchFamily="66" charset="-122"/>
                 <a:cs typeface="Brush Script MT" panose="03060802040406070304" pitchFamily="66" charset="-122"/>
               </a:rPr>
-              <a:t>L</a:t>
-            </a:r>
-            <a:r>
-              <a:rPr lang="en-US" dirty="0"/>
-              <a:t>1</a:t>
-            </a:r>
-            <a:r>
-              <a:rPr lang="en-US" sz="3600" dirty="0"/>
-              <a:t> </a:t>
-            </a:r>
-            <a:r>
-              <a:rPr lang="en-US" sz="2800" dirty="0"/>
-              <a:t>regularization  - handles complexity due to total number of features. </a:t>
+              <a:t>l</a:t>
+            </a:r>
+            <a:r>
+              <a:rPr lang="en-US" sz="3200" b="1" dirty="0"/>
+              <a:t>1 and </a:t>
+            </a:r>
+            <a:r>
+              <a:rPr lang="en-US" sz="3200" b="1" dirty="0">
+                <a:latin typeface="Brush Script MT" panose="03060802040406070304" pitchFamily="66" charset="-122"/>
+                <a:ea typeface="Brush Script MT" panose="03060802040406070304" pitchFamily="66" charset="-122"/>
+                <a:cs typeface="Brush Script MT" panose="03060802040406070304" pitchFamily="66" charset="-122"/>
+              </a:rPr>
+              <a:t>l</a:t>
+            </a:r>
+            <a:r>
+              <a:rPr lang="en-US" sz="3200" b="1" dirty="0"/>
+              <a:t>2 technique</a:t>
+            </a:r>
+          </a:p>
+          <a:p>
+            <a:pPr marL="1168383" lvl="1" indent="-457200">
+              <a:buSzPts val="2400"/>
+              <a:buFont typeface="Arial" panose="020B0604020202020204" pitchFamily="34" charset="0"/>
+              <a:buChar char="•"/>
+            </a:pPr>
+            <a:endParaRPr lang="en-US" sz="3200" dirty="0"/>
+          </a:p>
+          <a:p>
+            <a:pPr marL="1168383" lvl="1" indent="-457200">
+              <a:buSzPts val="2400"/>
+              <a:buFont typeface="Arial" panose="020B0604020202020204" pitchFamily="34" charset="0"/>
+              <a:buChar char="•"/>
+            </a:pPr>
+            <a:r>
+              <a:rPr lang="en-US" sz="3200" dirty="0"/>
+              <a:t>Dropout</a:t>
+            </a:r>
+          </a:p>
+          <a:p>
+            <a:pPr marL="1168383" lvl="1" indent="-457200">
+              <a:buSzPts val="2400"/>
+              <a:buFont typeface="Arial" panose="020B0604020202020204" pitchFamily="34" charset="0"/>
+              <a:buChar char="•"/>
+            </a:pPr>
+            <a:endParaRPr lang="en-US" sz="3200" dirty="0"/>
+          </a:p>
+          <a:p>
+            <a:pPr marL="1168383" lvl="1" indent="-457200">
+              <a:buSzPts val="2400"/>
+              <a:buFont typeface="Arial" panose="020B0604020202020204" pitchFamily="34" charset="0"/>
+              <a:buChar char="•"/>
+            </a:pPr>
+            <a:r>
+              <a:rPr lang="en-US" sz="3200" dirty="0"/>
+              <a:t>Max-norm regularization (self study)</a:t>
             </a:r>
           </a:p>
           <a:p>
@@ -16848,18 +17123,7 @@
               <a:buFont typeface="Arial" panose="020B0604020202020204" pitchFamily="34" charset="0"/>
               <a:buChar char="•"/>
             </a:pPr>
-            <a:r>
-              <a:rPr lang="en-US" dirty="0"/>
-              <a:t>acts like a force that subtracts a </a:t>
-            </a:r>
-            <a:r>
-              <a:rPr lang="en-US" u="sng" dirty="0"/>
-              <a:t>small amount from weights </a:t>
-            </a:r>
-            <a:r>
-              <a:rPr lang="en-US" dirty="0"/>
-              <a:t>at each iteration. </a:t>
-            </a:r>
+            <a:endParaRPr lang="en-US" sz="3200" dirty="0"/>
           </a:p>
           <a:p>
             <a:pPr marL="558798" indent="-457200">
@@ -16868,75 +17132,16 @@
               <a:buChar char="•"/>
             </a:pPr>
             <a:r>
-              <a:rPr lang="en-US" dirty="0"/>
-              <a:t>some weights eventually become zero.</a:t>
-            </a:r>
-          </a:p>
-          <a:p>
-            <a:pPr marL="558798" indent="-457200">
-              <a:buSzPts val="2400"/>
-              <a:buFont typeface="Arial" panose="020B0604020202020204" pitchFamily="34" charset="0"/>
-              <a:buChar char="•"/>
-            </a:pPr>
-            <a:r>
-              <a:rPr lang="en-US" dirty="0"/>
-              <a:t>also called lasso regularization</a:t>
-            </a:r>
-            <a:endParaRPr lang="en-US" sz="2800" dirty="0"/>
+              <a:rPr lang="en-US" sz="3200" dirty="0"/>
+              <a:t>But first, how is complexity added?</a:t>
+            </a:r>
           </a:p>
         </p:txBody>
       </p:sp>
-      <p:pic>
-        <p:nvPicPr>
-          <p:cNvPr id="15364" name="Picture 4">
-            <a:extLst>
-              <a:ext uri="{FF2B5EF4-FFF2-40B4-BE49-F238E27FC236}">
-                <a16:creationId xmlns:a16="http://schemas.microsoft.com/office/drawing/2014/main" id="{551BD0EC-4183-B447-B618-3908811E014B}"/>
-              </a:ext>
-            </a:extLst>
-          </p:cNvPr>
-          <p:cNvPicPr>
-            <a:picLocks noChangeAspect="1" noChangeArrowheads="1"/>
-          </p:cNvPicPr>
-          <p:nvPr/>
-        </p:nvPicPr>
-        <p:blipFill>
-          <a:blip r:embed="rId2">
-            <a:extLst>
-              <a:ext uri="{28A0092B-C50C-407E-A947-70E740481C1C}">
-                <a14:useLocalDpi xmlns:a14="http://schemas.microsoft.com/office/drawing/2010/main" val="0"/>
-              </a:ext>
-            </a:extLst>
-          </a:blip>
-          <a:srcRect/>
-          <a:stretch>
-            <a:fillRect/>
-          </a:stretch>
-        </p:blipFill>
-        <p:spPr bwMode="auto">
-          <a:xfrm>
-            <a:off x="3837580" y="4098794"/>
-            <a:ext cx="4145675" cy="1312797"/>
-          </a:xfrm>
-          <a:prstGeom prst="rect">
-            <a:avLst/>
-          </a:prstGeom>
-          <a:noFill/>
-          <a:extLst>
-            <a:ext uri="{909E8E84-426E-40DD-AFC4-6F175D3DCCD1}">
-              <a14:hiddenFill xmlns:a14="http://schemas.microsoft.com/office/drawing/2010/main">
-                <a:solidFill>
-                  <a:srgbClr val="FFFFFF"/>
-                </a:solidFill>
-              </a14:hiddenFill>
-            </a:ext>
-          </a:extLst>
-        </p:spPr>
-      </p:pic>
     </p:spTree>
     <p:extLst>
       <p:ext uri="{BB962C8B-B14F-4D97-AF65-F5344CB8AC3E}">
-        <p14:creationId xmlns:p14="http://schemas.microsoft.com/office/powerpoint/2010/main" val="3374737066"/>
+        <p14:creationId xmlns:p14="http://schemas.microsoft.com/office/powerpoint/2010/main" val="2896941594"/>
       </p:ext>
     </p:extLst>
   </p:cSld>
@@ -17027,7 +17232,7 @@
                   <a:srgbClr val="E46102"/>
                 </a:solidFill>
               </a:rPr>
-              <a:t>2</a:t>
+              <a:t>1</a:t>
             </a:r>
             <a:r>
               <a:rPr lang="en-US" sz="5400" dirty="0">
@@ -17092,11 +17297,15 @@
             </a:r>
             <a:r>
               <a:rPr lang="en-US" dirty="0"/>
-              <a:t>2 </a:t>
+              <a:t>1</a:t>
+            </a:r>
+            <a:r>
+              <a:rPr lang="en-US" sz="3600" dirty="0"/>
+              <a:t> </a:t>
             </a:r>
             <a:r>
               <a:rPr lang="en-US" sz="2800" dirty="0"/>
-              <a:t>regularization - handles complexity due to magnitude of feature weights. </a:t>
+              <a:t>regularization  - handles complexity due to total number of features. </a:t>
             </a:r>
           </a:p>
           <a:p>
@@ -17107,15 +17316,15 @@
             </a:pPr>
             <a:r>
               <a:rPr lang="en-US" dirty="0"/>
-              <a:t>acts like a force that removes a </a:t>
+              <a:t>acts like a force that subtracts a </a:t>
             </a:r>
             <a:r>
               <a:rPr lang="en-US" u="sng" dirty="0"/>
-              <a:t>small percentage from weight</a:t>
+              <a:t>small amount from weights </a:t>
             </a:r>
             <a:r>
               <a:rPr lang="en-US" dirty="0"/>
-              <a:t> at each iteration. </a:t>
+              <a:t>at each iteration. </a:t>
             </a:r>
           </a:p>
           <a:p>
@@ -17126,7 +17335,7 @@
             </a:pPr>
             <a:r>
               <a:rPr lang="en-US" dirty="0"/>
-              <a:t>weights decrease but never become zero</a:t>
+              <a:t>some weights eventually become zero.</a:t>
             </a:r>
           </a:p>
           <a:p>
@@ -17137,17 +17346,18 @@
             </a:pPr>
             <a:r>
               <a:rPr lang="en-US" dirty="0"/>
-              <a:t>Also called ridge regularization</a:t>
-            </a:r>
+              <a:t>also called lasso regularization</a:t>
+            </a:r>
+            <a:endParaRPr lang="en-US" sz="2800" dirty="0"/>
           </a:p>
         </p:txBody>
       </p:sp>
       <p:pic>
         <p:nvPicPr>
-          <p:cNvPr id="6" name="Picture 2">
+          <p:cNvPr id="15364" name="Picture 4">
             <a:extLst>
               <a:ext uri="{FF2B5EF4-FFF2-40B4-BE49-F238E27FC236}">
-                <a16:creationId xmlns:a16="http://schemas.microsoft.com/office/drawing/2014/main" id="{4DC7A695-55D0-FA41-9971-6559C1979219}"/>
+                <a16:creationId xmlns:a16="http://schemas.microsoft.com/office/drawing/2014/main" id="{551BD0EC-4183-B447-B618-3908811E014B}"/>
               </a:ext>
             </a:extLst>
           </p:cNvPr>
@@ -17171,8 +17381,8 @@
         </p:blipFill>
         <p:spPr bwMode="auto">
           <a:xfrm>
-            <a:off x="3400554" y="4208745"/>
-            <a:ext cx="5047733" cy="1474852"/>
+            <a:off x="3837580" y="4098794"/>
+            <a:ext cx="4145675" cy="1312797"/>
           </a:xfrm>
           <a:prstGeom prst="rect">
             <a:avLst/>
@@ -17192,7 +17402,7 @@
     </p:spTree>
     <p:extLst>
       <p:ext uri="{BB962C8B-B14F-4D97-AF65-F5344CB8AC3E}">
-        <p14:creationId xmlns:p14="http://schemas.microsoft.com/office/powerpoint/2010/main" val="740105415"/>
+        <p14:creationId xmlns:p14="http://schemas.microsoft.com/office/powerpoint/2010/main" val="3374737066"/>
       </p:ext>
     </p:extLst>
   </p:cSld>
@@ -17235,7 +17445,7 @@
         </p:nvSpPr>
         <p:spPr>
           <a:xfrm>
-            <a:off x="717173" y="696913"/>
+            <a:off x="717173" y="571652"/>
             <a:ext cx="10972800" cy="649287"/>
           </a:xfrm>
           <a:prstGeom prst="rect">
@@ -17275,15 +17485,15 @@
                 <a:ea typeface="Brush Script MT" panose="03060802040406070304" pitchFamily="66" charset="-122"/>
                 <a:cs typeface="Brush Script MT" panose="03060802040406070304" pitchFamily="66" charset="-122"/>
               </a:rPr>
-              <a:t>l</a:t>
-            </a:r>
-            <a:r>
-              <a:rPr lang="en-US" sz="4000" dirty="0">
+              <a:t>L</a:t>
+            </a:r>
+            <a:r>
+              <a:rPr lang="en-US" sz="4400" dirty="0">
                 <a:solidFill>
                   <a:srgbClr val="E46102"/>
                 </a:solidFill>
               </a:rPr>
-              <a:t>1</a:t>
+              <a:t>2</a:t>
             </a:r>
             <a:r>
               <a:rPr lang="en-US" sz="5400" dirty="0">
@@ -17299,34 +17509,7 @@
                   <a:srgbClr val="E46102"/>
                 </a:solidFill>
               </a:rPr>
-              <a:t>and </a:t>
-            </a:r>
-            <a:r>
-              <a:rPr lang="en-US" sz="5400" dirty="0">
-                <a:solidFill>
-                  <a:srgbClr val="E46102"/>
-                </a:solidFill>
-                <a:latin typeface="Brush Script MT" panose="03060802040406070304" pitchFamily="66" charset="-122"/>
-                <a:ea typeface="Brush Script MT" panose="03060802040406070304" pitchFamily="66" charset="-122"/>
-                <a:cs typeface="Brush Script MT" panose="03060802040406070304" pitchFamily="66" charset="-122"/>
-              </a:rPr>
-              <a:t>l</a:t>
-            </a:r>
-            <a:r>
-              <a:rPr lang="en-US" sz="4000" dirty="0">
-                <a:solidFill>
-                  <a:srgbClr val="E46102"/>
-                </a:solidFill>
-              </a:rPr>
-              <a:t>2</a:t>
-            </a:r>
-            <a:r>
-              <a:rPr lang="en-US" sz="4400" dirty="0">
-                <a:solidFill>
-                  <a:srgbClr val="E46102"/>
-                </a:solidFill>
-              </a:rPr>
-              <a:t> Regularization </a:t>
+              <a:t>regularization</a:t>
             </a:r>
           </a:p>
         </p:txBody>
@@ -17362,56 +17545,120 @@
           </a:bodyPr>
           <a:lstStyle/>
           <a:p>
+            <a:pPr marL="101598">
+              <a:buSzPts val="2400"/>
+            </a:pPr>
+            <a:r>
+              <a:rPr lang="en-US" sz="3600" dirty="0">
+                <a:latin typeface="Brush Script MT" panose="03060802040406070304" pitchFamily="66" charset="-122"/>
+                <a:ea typeface="Brush Script MT" panose="03060802040406070304" pitchFamily="66" charset="-122"/>
+                <a:cs typeface="Brush Script MT" panose="03060802040406070304" pitchFamily="66" charset="-122"/>
+              </a:rPr>
+              <a:t>L</a:t>
+            </a:r>
             <a:r>
               <a:rPr lang="en-US" dirty="0"/>
-              <a:t>Apply l2 regularization to a </a:t>
-            </a:r>
-            <a:r>
-              <a:rPr lang="en-US" dirty="0" err="1"/>
-              <a:t>Keras</a:t>
-            </a:r>
+              <a:t>2 </a:t>
+            </a:r>
+            <a:r>
+              <a:rPr lang="en-US" sz="2800" dirty="0"/>
+              <a:t>regularization - handles complexity due to magnitude of feature weights. </a:t>
+            </a:r>
+          </a:p>
+          <a:p>
+            <a:pPr marL="558798" indent="-457200">
+              <a:buSzPts val="2400"/>
+              <a:buFont typeface="Arial" panose="020B0604020202020204" pitchFamily="34" charset="0"/>
+              <a:buChar char="•"/>
+            </a:pPr>
             <a:r>
               <a:rPr lang="en-US" dirty="0"/>
-              <a:t> layer’s connection weights, using a regularization factor of 0.01 </a:t>
-            </a:r>
-            <a:endParaRPr lang="en-US" sz="3200" dirty="0"/>
+              <a:t>acts like a force that removes a </a:t>
+            </a:r>
+            <a:r>
+              <a:rPr lang="en-US" u="sng" dirty="0"/>
+              <a:t>small percentage from weight</a:t>
+            </a:r>
+            <a:r>
+              <a:rPr lang="en-US" dirty="0"/>
+              <a:t> at each iteration. </a:t>
+            </a:r>
+          </a:p>
+          <a:p>
+            <a:pPr marL="558798" indent="-457200">
+              <a:buSzPts val="2400"/>
+              <a:buFont typeface="Arial" panose="020B0604020202020204" pitchFamily="34" charset="0"/>
+              <a:buChar char="•"/>
+            </a:pPr>
+            <a:r>
+              <a:rPr lang="en-US" dirty="0"/>
+              <a:t>weights decrease but never become zero</a:t>
+            </a:r>
+          </a:p>
+          <a:p>
+            <a:pPr marL="558798" indent="-457200">
+              <a:buSzPts val="2400"/>
+              <a:buFont typeface="Arial" panose="020B0604020202020204" pitchFamily="34" charset="0"/>
+              <a:buChar char="•"/>
+            </a:pPr>
+            <a:r>
+              <a:rPr lang="en-US" dirty="0"/>
+              <a:t>Also called ridge regularization</a:t>
+            </a:r>
           </a:p>
         </p:txBody>
       </p:sp>
       <p:pic>
         <p:nvPicPr>
-          <p:cNvPr id="3" name="Picture 2">
+          <p:cNvPr id="6" name="Picture 2">
             <a:extLst>
               <a:ext uri="{FF2B5EF4-FFF2-40B4-BE49-F238E27FC236}">
-                <a16:creationId xmlns:a16="http://schemas.microsoft.com/office/drawing/2014/main" id="{A195746B-7B94-264F-BCBB-A92E8A76FE90}"/>
+                <a16:creationId xmlns:a16="http://schemas.microsoft.com/office/drawing/2014/main" id="{4DC7A695-55D0-FA41-9971-6559C1979219}"/>
               </a:ext>
             </a:extLst>
           </p:cNvPr>
           <p:cNvPicPr>
-            <a:picLocks noChangeAspect="1"/>
+            <a:picLocks noChangeAspect="1" noChangeArrowheads="1"/>
           </p:cNvPicPr>
           <p:nvPr/>
         </p:nvPicPr>
         <p:blipFill>
-          <a:blip r:embed="rId2"/>
+          <a:blip r:embed="rId2">
+            <a:extLst>
+              <a:ext uri="{28A0092B-C50C-407E-A947-70E740481C1C}">
+                <a14:useLocalDpi xmlns:a14="http://schemas.microsoft.com/office/drawing/2010/main" val="0"/>
+              </a:ext>
+            </a:extLst>
+          </a:blip>
+          <a:srcRect/>
           <a:stretch>
             <a:fillRect/>
           </a:stretch>
         </p:blipFill>
-        <p:spPr>
-          <a:xfrm>
-            <a:off x="2001328" y="2363555"/>
-            <a:ext cx="7643003" cy="817316"/>
+        <p:spPr bwMode="auto">
+          <a:xfrm>
+            <a:off x="3400554" y="4208745"/>
+            <a:ext cx="5047733" cy="1474852"/>
           </a:xfrm>
           <a:prstGeom prst="rect">
             <a:avLst/>
           </a:prstGeom>
+          <a:noFill/>
+          <a:extLst>
+            <a:ext uri="{909E8E84-426E-40DD-AFC4-6F175D3DCCD1}">
+              <a14:hiddenFill xmlns:a14="http://schemas.microsoft.com/office/drawing/2010/main">
+                <a:solidFill>
+                  <a:srgbClr val="FFFFFF"/>
+                </a:solidFill>
+              </a14:hiddenFill>
+            </a:ext>
+          </a:extLst>
         </p:spPr>
       </p:pic>
     </p:spTree>
     <p:extLst>
       <p:ext uri="{BB962C8B-B14F-4D97-AF65-F5344CB8AC3E}">
-        <p14:creationId xmlns:p14="http://schemas.microsoft.com/office/powerpoint/2010/main" val="1721311989"/>
+        <p14:creationId xmlns:p14="http://schemas.microsoft.com/office/powerpoint/2010/main" val="740105415"/>
       </p:ext>
     </p:extLst>
   </p:cSld>
@@ -17422,7 +17669,7 @@
 </file>
 
 <file path=ppt/slides/slide46.xml><?xml version="1.0" encoding="utf-8"?>
-<p:sld xmlns:a="http://schemas.openxmlformats.org/drawingml/2006/main" xmlns:r="http://schemas.openxmlformats.org/officeDocument/2006/relationships" xmlns:p="http://schemas.openxmlformats.org/presentationml/2006/main" show="0">
+<p:sld xmlns:a="http://schemas.openxmlformats.org/drawingml/2006/main" xmlns:r="http://schemas.openxmlformats.org/officeDocument/2006/relationships" xmlns:p="http://schemas.openxmlformats.org/presentationml/2006/main">
   <p:cSld>
     <p:spTree>
       <p:nvGrpSpPr>
@@ -17486,12 +17733,66 @@
           </a:lstStyle>
           <a:p>
             <a:r>
+              <a:rPr lang="en-US" sz="5400" dirty="0">
+                <a:solidFill>
+                  <a:srgbClr val="E46102"/>
+                </a:solidFill>
+                <a:latin typeface="Brush Script MT" panose="03060802040406070304" pitchFamily="66" charset="-122"/>
+                <a:ea typeface="Brush Script MT" panose="03060802040406070304" pitchFamily="66" charset="-122"/>
+                <a:cs typeface="Brush Script MT" panose="03060802040406070304" pitchFamily="66" charset="-122"/>
+              </a:rPr>
+              <a:t>l</a:t>
+            </a:r>
+            <a:r>
               <a:rPr lang="en-US" sz="4000" dirty="0">
                 <a:solidFill>
                   <a:srgbClr val="E46102"/>
                 </a:solidFill>
               </a:rPr>
-              <a:t>Other methods to minimize model complexity</a:t>
+              <a:t>1</a:t>
+            </a:r>
+            <a:r>
+              <a:rPr lang="en-US" sz="5400" dirty="0">
+                <a:solidFill>
+                  <a:srgbClr val="E46102"/>
+                </a:solidFill>
+              </a:rPr>
+              <a:t> </a:t>
+            </a:r>
+            <a:r>
+              <a:rPr lang="en-US" sz="4400" dirty="0">
+                <a:solidFill>
+                  <a:srgbClr val="E46102"/>
+                </a:solidFill>
+              </a:rPr>
+              <a:t>and </a:t>
+            </a:r>
+            <a:r>
+              <a:rPr lang="en-US" sz="5400" dirty="0">
+                <a:solidFill>
+                  <a:srgbClr val="E46102"/>
+                </a:solidFill>
+                <a:latin typeface="Brush Script MT" panose="03060802040406070304" pitchFamily="66" charset="-122"/>
+                <a:ea typeface="Brush Script MT" panose="03060802040406070304" pitchFamily="66" charset="-122"/>
+                <a:cs typeface="Brush Script MT" panose="03060802040406070304" pitchFamily="66" charset="-122"/>
+              </a:rPr>
+              <a:t>l</a:t>
+            </a:r>
+            <a:r>
+              <a:rPr lang="en-US" sz="4000" dirty="0">
+                <a:solidFill>
+                  <a:srgbClr val="E46102"/>
+                </a:solidFill>
+              </a:rPr>
+              <a:t>2</a:t>
+            </a:r>
+            <a:r>
+              <a:rPr lang="en-US" sz="4400" dirty="0">
+                <a:solidFill>
+                  <a:srgbClr val="E46102"/>
+                </a:solidFill>
+              </a:rPr>
+              <a:t> Regularization </a:t>
             </a:r>
           </a:p>
         </p:txBody>
@@ -17510,8 +17811,8 @@
         </p:nvSpPr>
         <p:spPr>
           <a:xfrm>
-            <a:off x="495301" y="1346201"/>
-            <a:ext cx="6923416" cy="2725468"/>
+            <a:off x="495301" y="1346200"/>
+            <a:ext cx="11194672" cy="5194299"/>
           </a:xfrm>
           <a:prstGeom prst="rect">
             <a:avLst/>
@@ -17527,254 +17828,56 @@
           </a:bodyPr>
           <a:lstStyle/>
           <a:p>
-            <a:pPr marL="558798" indent="-457200">
-              <a:buSzPts val="2400"/>
-              <a:buFont typeface="Arial" panose="020B0604020202020204" pitchFamily="34" charset="0"/>
-              <a:buChar char="•"/>
-            </a:pPr>
             <a:r>
               <a:rPr lang="en-US" dirty="0"/>
-              <a:t>We can also reduce the model complexity by tuning the hyperparameters. Each algorithm has its own hyperparameters. In case of a random forest model, tree depth has a large impact on the model complexity.</a:t>
-            </a:r>
-          </a:p>
-          <a:p>
-            <a:pPr marL="558798" indent="-457200">
-              <a:buSzPts val="2400"/>
-              <a:buFont typeface="Arial" panose="020B0604020202020204" pitchFamily="34" charset="0"/>
-              <a:buChar char="•"/>
-            </a:pPr>
-            <a:endParaRPr lang="en-US" dirty="0"/>
-          </a:p>
-          <a:p>
-            <a:pPr marL="558798" indent="-457200">
-              <a:buSzPts val="2400"/>
-              <a:buFont typeface="Arial" panose="020B0604020202020204" pitchFamily="34" charset="0"/>
-              <a:buChar char="•"/>
-            </a:pPr>
+              <a:t>Apply l2 regularization to a </a:t>
+            </a:r>
+            <a:r>
+              <a:rPr lang="en-US" dirty="0" err="1"/>
+              <a:t>Keras</a:t>
+            </a:r>
             <a:r>
               <a:rPr lang="en-US" dirty="0"/>
-              <a:t>one of the best regularization techniques in Chapter 10: early stopping. </a:t>
-            </a:r>
-          </a:p>
-          <a:p>
-            <a:pPr marL="1168383" lvl="1" indent="-457200">
-              <a:buSzPts val="2400"/>
-              <a:buFont typeface="Arial" panose="020B0604020202020204" pitchFamily="34" charset="0"/>
-              <a:buChar char="•"/>
-            </a:pPr>
-            <a:r>
-              <a:rPr lang="en-US" dirty="0"/>
-              <a:t>Stop training as soon as validation error reaches a minimum </a:t>
-            </a:r>
-          </a:p>
-          <a:p>
-            <a:pPr marL="1168383" lvl="1" indent="-457200">
-              <a:buSzPts val="2400"/>
-              <a:buFont typeface="Arial" panose="020B0604020202020204" pitchFamily="34" charset="0"/>
-              <a:buChar char="•"/>
-            </a:pPr>
-            <a:endParaRPr lang="en-US" dirty="0"/>
+              <a:t> layer’s connection weights, using a regularization factor of 0.01 </a:t>
+            </a:r>
+            <a:endParaRPr lang="en-US" sz="3200" dirty="0"/>
           </a:p>
         </p:txBody>
       </p:sp>
       <p:pic>
         <p:nvPicPr>
-          <p:cNvPr id="6145" name="Picture 1" descr="page169image1287458944">
+          <p:cNvPr id="3" name="Picture 2">
             <a:extLst>
               <a:ext uri="{FF2B5EF4-FFF2-40B4-BE49-F238E27FC236}">
-                <a16:creationId xmlns:a16="http://schemas.microsoft.com/office/drawing/2014/main" id="{47C7CFFB-0EB0-1649-97F8-822DE8C893CA}"/>
+                <a16:creationId xmlns:a16="http://schemas.microsoft.com/office/drawing/2014/main" id="{A195746B-7B94-264F-BCBB-A92E8A76FE90}"/>
               </a:ext>
             </a:extLst>
           </p:cNvPr>
           <p:cNvPicPr>
-            <a:picLocks noChangeAspect="1" noChangeArrowheads="1"/>
+            <a:picLocks noChangeAspect="1"/>
           </p:cNvPicPr>
           <p:nvPr/>
         </p:nvPicPr>
         <p:blipFill>
-          <a:blip r:embed="rId2">
-            <a:extLst>
-              <a:ext uri="{28A0092B-C50C-407E-A947-70E740481C1C}">
-                <a14:useLocalDpi xmlns:a14="http://schemas.microsoft.com/office/drawing/2010/main" val="0"/>
-              </a:ext>
-            </a:extLst>
-          </a:blip>
-          <a:srcRect/>
+          <a:blip r:embed="rId2"/>
           <a:stretch>
             <a:fillRect/>
           </a:stretch>
         </p:blipFill>
-        <p:spPr bwMode="auto">
-          <a:xfrm>
-            <a:off x="0" y="0"/>
-            <a:ext cx="0" cy="2501900"/>
+        <p:spPr>
+          <a:xfrm>
+            <a:off x="2001328" y="2363555"/>
+            <a:ext cx="7643003" cy="817316"/>
           </a:xfrm>
           <a:prstGeom prst="rect">
             <a:avLst/>
           </a:prstGeom>
-          <a:noFill/>
-          <a:extLst>
-            <a:ext uri="{909E8E84-426E-40DD-AFC4-6F175D3DCCD1}">
-              <a14:hiddenFill xmlns:a14="http://schemas.microsoft.com/office/drawing/2010/main">
-                <a:solidFill>
-                  <a:srgbClr val="FFFFFF"/>
-                </a:solidFill>
-              </a14:hiddenFill>
-            </a:ext>
-          </a:extLst>
         </p:spPr>
       </p:pic>
-      <p:pic>
-        <p:nvPicPr>
-          <p:cNvPr id="6146" name="Picture 2" descr="page169image1287458560">
-            <a:extLst>
-              <a:ext uri="{FF2B5EF4-FFF2-40B4-BE49-F238E27FC236}">
-                <a16:creationId xmlns:a16="http://schemas.microsoft.com/office/drawing/2014/main" id="{57AC0AF4-C9AB-064E-8233-A143B23CFD36}"/>
-              </a:ext>
-            </a:extLst>
-          </p:cNvPr>
-          <p:cNvPicPr>
-            <a:picLocks noChangeAspect="1" noChangeArrowheads="1"/>
-          </p:cNvPicPr>
-          <p:nvPr/>
-        </p:nvPicPr>
-        <p:blipFill>
-          <a:blip r:embed="rId3">
-            <a:extLst>
-              <a:ext uri="{28A0092B-C50C-407E-A947-70E740481C1C}">
-                <a14:useLocalDpi xmlns:a14="http://schemas.microsoft.com/office/drawing/2010/main" val="0"/>
-              </a:ext>
-            </a:extLst>
-          </a:blip>
-          <a:srcRect/>
-          <a:stretch>
-            <a:fillRect/>
-          </a:stretch>
-        </p:blipFill>
-        <p:spPr bwMode="auto">
-          <a:xfrm>
-            <a:off x="0" y="0"/>
-            <a:ext cx="0" cy="2501900"/>
-          </a:xfrm>
-          <a:prstGeom prst="rect">
-            <a:avLst/>
-          </a:prstGeom>
-          <a:noFill/>
-          <a:extLst>
-            <a:ext uri="{909E8E84-426E-40DD-AFC4-6F175D3DCCD1}">
-              <a14:hiddenFill xmlns:a14="http://schemas.microsoft.com/office/drawing/2010/main">
-                <a:solidFill>
-                  <a:srgbClr val="FFFFFF"/>
-                </a:solidFill>
-              </a14:hiddenFill>
-            </a:ext>
-          </a:extLst>
-        </p:spPr>
-      </p:pic>
-      <p:pic>
-        <p:nvPicPr>
-          <p:cNvPr id="6148" name="Picture 4" descr="page169image11260592">
-            <a:extLst>
-              <a:ext uri="{FF2B5EF4-FFF2-40B4-BE49-F238E27FC236}">
-                <a16:creationId xmlns:a16="http://schemas.microsoft.com/office/drawing/2014/main" id="{FC9F8D82-9091-6F44-8D6B-311164753DF9}"/>
-              </a:ext>
-            </a:extLst>
-          </p:cNvPr>
-          <p:cNvPicPr>
-            <a:picLocks noChangeAspect="1" noChangeArrowheads="1"/>
-          </p:cNvPicPr>
-          <p:nvPr/>
-        </p:nvPicPr>
-        <p:blipFill>
-          <a:blip r:embed="rId4">
-            <a:extLst>
-              <a:ext uri="{28A0092B-C50C-407E-A947-70E740481C1C}">
-                <a14:useLocalDpi xmlns:a14="http://schemas.microsoft.com/office/drawing/2010/main" val="0"/>
-              </a:ext>
-            </a:extLst>
-          </a:blip>
-          <a:srcRect/>
-          <a:stretch>
-            <a:fillRect/>
-          </a:stretch>
-        </p:blipFill>
-        <p:spPr bwMode="auto">
-          <a:xfrm>
-            <a:off x="7914017" y="3798887"/>
-            <a:ext cx="3657600" cy="2362200"/>
-          </a:xfrm>
-          <a:prstGeom prst="rect">
-            <a:avLst/>
-          </a:prstGeom>
-          <a:noFill/>
-          <a:extLst>
-            <a:ext uri="{909E8E84-426E-40DD-AFC4-6F175D3DCCD1}">
-              <a14:hiddenFill xmlns:a14="http://schemas.microsoft.com/office/drawing/2010/main">
-                <a:solidFill>
-                  <a:srgbClr val="FFFFFF"/>
-                </a:solidFill>
-              </a14:hiddenFill>
-            </a:ext>
-          </a:extLst>
-        </p:spPr>
-      </p:pic>
-      <p:sp>
-        <p:nvSpPr>
-          <p:cNvPr id="12" name="TextBox 11">
-            <a:extLst>
-              <a:ext uri="{FF2B5EF4-FFF2-40B4-BE49-F238E27FC236}">
-                <a16:creationId xmlns:a16="http://schemas.microsoft.com/office/drawing/2014/main" id="{EFD2E80B-2A26-C94D-8F6B-2A5711A62F22}"/>
-              </a:ext>
-            </a:extLst>
-          </p:cNvPr>
-          <p:cNvSpPr txBox="1"/>
-          <p:nvPr/>
-        </p:nvSpPr>
-        <p:spPr>
-          <a:xfrm>
-            <a:off x="8087264" y="6161087"/>
-            <a:ext cx="3657600" cy="400110"/>
-          </a:xfrm>
-          <a:prstGeom prst="rect">
-            <a:avLst/>
-          </a:prstGeom>
-          <a:noFill/>
-        </p:spPr>
-        <p:txBody>
-          <a:bodyPr wrap="square">
-            <a:spAutoFit/>
-          </a:bodyPr>
-          <a:lstStyle/>
-          <a:p>
-            <a:pPr algn="ctr"/>
-            <a:r>
-              <a:rPr lang="en-US" sz="2000" i="1" dirty="0">
-                <a:solidFill>
-                  <a:schemeClr val="tx1">
-                    <a:lumMod val="65000"/>
-                    <a:lumOff val="35000"/>
-                  </a:schemeClr>
-                </a:solidFill>
-                <a:effectLst/>
-                <a:latin typeface="MinionPro"/>
-              </a:rPr>
-              <a:t>Early stopping regularization </a:t>
-            </a:r>
-            <a:endParaRPr lang="en-US" sz="2000" dirty="0">
-              <a:solidFill>
-                <a:schemeClr val="tx1">
-                  <a:lumMod val="65000"/>
-                  <a:lumOff val="35000"/>
-                </a:schemeClr>
-              </a:solidFill>
-            </a:endParaRPr>
-          </a:p>
-        </p:txBody>
-      </p:sp>
     </p:spTree>
     <p:extLst>
       <p:ext uri="{BB962C8B-B14F-4D97-AF65-F5344CB8AC3E}">
-        <p14:creationId xmlns:p14="http://schemas.microsoft.com/office/powerpoint/2010/main" val="197990983"/>
+        <p14:creationId xmlns:p14="http://schemas.microsoft.com/office/powerpoint/2010/main" val="1721311989"/>
       </p:ext>
     </p:extLst>
   </p:cSld>
@@ -17890,13 +17993,53 @@
           </a:bodyPr>
           <a:lstStyle/>
           <a:p>
-            <a:pPr marL="101598">
+            <a:pPr marL="558798" indent="-457200">
               <a:buSzPts val="2400"/>
+              <a:buFont typeface="Arial" panose="020B0604020202020204" pitchFamily="34" charset="0"/>
+              <a:buChar char="•"/>
             </a:pPr>
             <a:r>
               <a:rPr lang="en-US" dirty="0"/>
-              <a:t>Note: With SGD and Mini-batch Gradient Descent, the curves are not so smooth, and it may be hard to know whether you have reached the minimum or not. One solution is to stop only after the validation error has been above the minimum for some time (when you are confident that the model will not do any better), then roll back the model parameters to the point where the validation error was at a minimum. </a:t>
-            </a:r>
+              <a:t>We can also reduce the model complexity by tuning the hyperparameters. Each algorithm has its own hyperparameters. In case of a random forest model, tree depth has a large impact on the model complexity.</a:t>
+            </a:r>
+          </a:p>
+          <a:p>
+            <a:pPr marL="558798" indent="-457200">
+              <a:buSzPts val="2400"/>
+              <a:buFont typeface="Arial" panose="020B0604020202020204" pitchFamily="34" charset="0"/>
+              <a:buChar char="•"/>
+            </a:pPr>
+            <a:endParaRPr lang="en-US" dirty="0"/>
+          </a:p>
+          <a:p>
+            <a:pPr marL="558798" indent="-457200">
+              <a:buSzPts val="2400"/>
+              <a:buFont typeface="Arial" panose="020B0604020202020204" pitchFamily="34" charset="0"/>
+              <a:buChar char="•"/>
+            </a:pPr>
+            <a:r>
+              <a:rPr lang="en-US" dirty="0"/>
+              <a:t>one of the best regularization techniques in Chapter 10: early stopping. </a:t>
+            </a:r>
+          </a:p>
+          <a:p>
+            <a:pPr marL="1168383" lvl="1" indent="-457200">
+              <a:buSzPts val="2400"/>
+              <a:buFont typeface="Arial" panose="020B0604020202020204" pitchFamily="34" charset="0"/>
+              <a:buChar char="•"/>
+            </a:pPr>
+            <a:r>
+              <a:rPr lang="en-US" dirty="0"/>
+              <a:t>Stop training as soon as validation error reaches a minimum </a:t>
+            </a:r>
+          </a:p>
+          <a:p>
+            <a:pPr marL="1168383" lvl="1" indent="-457200">
+              <a:buSzPts val="2400"/>
+              <a:buFont typeface="Arial" panose="020B0604020202020204" pitchFamily="34" charset="0"/>
+              <a:buChar char="•"/>
+            </a:pPr>
+            <a:endParaRPr lang="en-US" dirty="0"/>
           </a:p>
         </p:txBody>
       </p:sp>
@@ -18023,8 +18166,8 @@
         </p:blipFill>
         <p:spPr bwMode="auto">
           <a:xfrm>
-            <a:off x="7351538" y="3435619"/>
-            <a:ext cx="4220079" cy="2725468"/>
+            <a:off x="7914017" y="3798887"/>
+            <a:ext cx="3657600" cy="2362200"/>
           </a:xfrm>
           <a:prstGeom prst="rect">
             <a:avLst/>
@@ -18097,7 +18240,7 @@
     </p:spTree>
     <p:extLst>
       <p:ext uri="{BB962C8B-B14F-4D97-AF65-F5344CB8AC3E}">
-        <p14:creationId xmlns:p14="http://schemas.microsoft.com/office/powerpoint/2010/main" val="2608755573"/>
+        <p14:creationId xmlns:p14="http://schemas.microsoft.com/office/powerpoint/2010/main" val="197990983"/>
       </p:ext>
     </p:extLst>
   </p:cSld>
@@ -18108,7 +18251,7 @@
 </file>
 
 <file path=ppt/slides/slide48.xml><?xml version="1.0" encoding="utf-8"?>
-<p:sld xmlns:a="http://schemas.openxmlformats.org/drawingml/2006/main" xmlns:r="http://schemas.openxmlformats.org/officeDocument/2006/relationships" xmlns:p="http://schemas.openxmlformats.org/presentationml/2006/main">
+<p:sld xmlns:a="http://schemas.openxmlformats.org/drawingml/2006/main" xmlns:r="http://schemas.openxmlformats.org/officeDocument/2006/relationships" xmlns:p="http://schemas.openxmlformats.org/presentationml/2006/main" show="0">
   <p:cSld>
     <p:spTree>
       <p:nvGrpSpPr>
@@ -18172,12 +18315,12 @@
           </a:lstStyle>
           <a:p>
             <a:r>
-              <a:rPr lang="en-US" sz="4400" dirty="0">
+              <a:rPr lang="en-US" sz="4000" dirty="0">
                 <a:solidFill>
                   <a:srgbClr val="E46102"/>
                 </a:solidFill>
               </a:rPr>
-              <a:t>Regularization</a:t>
+              <a:t>Other methods to minimize model complexity</a:t>
             </a:r>
           </a:p>
         </p:txBody>
@@ -18196,8 +18339,8 @@
         </p:nvSpPr>
         <p:spPr>
           <a:xfrm>
-            <a:off x="495301" y="1346200"/>
-            <a:ext cx="11194672" cy="5194299"/>
+            <a:off x="495301" y="1346201"/>
+            <a:ext cx="6923416" cy="2725468"/>
           </a:xfrm>
           <a:prstGeom prst="rect">
             <a:avLst/>
@@ -18213,114 +18356,214 @@
           </a:bodyPr>
           <a:lstStyle/>
           <a:p>
-            <a:pPr marL="558798" indent="-457200">
+            <a:pPr marL="101598">
               <a:buSzPts val="2400"/>
-              <a:buFont typeface="Arial" panose="020B0604020202020204" pitchFamily="34" charset="0"/>
-              <a:buChar char="•"/>
-            </a:pPr>
-            <a:r>
-              <a:rPr lang="en-US" sz="3200" dirty="0"/>
-              <a:t>Regularization reduces complexity by using</a:t>
-            </a:r>
-            <a:r>
-              <a:rPr lang="en-US" sz="4000" dirty="0"/>
-              <a:t> </a:t>
-            </a:r>
-          </a:p>
-          <a:p>
-            <a:pPr marL="1168383" lvl="1" indent="-457200">
-              <a:buSzPts val="2400"/>
-              <a:buFont typeface="Arial" panose="020B0604020202020204" pitchFamily="34" charset="0"/>
-              <a:buChar char="•"/>
-            </a:pPr>
-            <a:r>
-              <a:rPr lang="en-US" sz="3200" dirty="0">
-                <a:latin typeface="Brush Script MT" panose="03060802040406070304" pitchFamily="66" charset="-122"/>
-                <a:ea typeface="Brush Script MT" panose="03060802040406070304" pitchFamily="66" charset="-122"/>
-                <a:cs typeface="Brush Script MT" panose="03060802040406070304" pitchFamily="66" charset="-122"/>
-              </a:rPr>
-              <a:t>l</a:t>
-            </a:r>
-            <a:r>
-              <a:rPr lang="en-US" sz="3200" dirty="0"/>
-              <a:t>1 and </a:t>
-            </a:r>
-            <a:r>
-              <a:rPr lang="en-US" sz="3200" dirty="0">
-                <a:latin typeface="Brush Script MT" panose="03060802040406070304" pitchFamily="66" charset="-122"/>
-                <a:ea typeface="Brush Script MT" panose="03060802040406070304" pitchFamily="66" charset="-122"/>
-                <a:cs typeface="Brush Script MT" panose="03060802040406070304" pitchFamily="66" charset="-122"/>
-              </a:rPr>
-              <a:t>l</a:t>
-            </a:r>
-            <a:r>
-              <a:rPr lang="en-US" sz="3200" dirty="0"/>
-              <a:t>2 technique</a:t>
-            </a:r>
-          </a:p>
-          <a:p>
-            <a:pPr marL="1168383" lvl="1" indent="-457200">
-              <a:buSzPts val="2400"/>
-              <a:buFont typeface="Arial" panose="020B0604020202020204" pitchFamily="34" charset="0"/>
-              <a:buChar char="•"/>
-            </a:pPr>
-            <a:endParaRPr lang="en-US" sz="3200" dirty="0"/>
-          </a:p>
-          <a:p>
-            <a:pPr marL="1168383" lvl="1" indent="-457200">
-              <a:buSzPts val="2400"/>
-              <a:buFont typeface="Arial" panose="020B0604020202020204" pitchFamily="34" charset="0"/>
-              <a:buChar char="•"/>
-            </a:pPr>
-            <a:r>
-              <a:rPr lang="en-US" sz="3200" b="1" dirty="0"/>
-              <a:t>Dropout</a:t>
-            </a:r>
-          </a:p>
-          <a:p>
-            <a:pPr marL="1168383" lvl="1" indent="-457200">
-              <a:buSzPts val="2400"/>
-              <a:buFont typeface="Arial" panose="020B0604020202020204" pitchFamily="34" charset="0"/>
-              <a:buChar char="•"/>
-            </a:pPr>
-            <a:endParaRPr lang="en-US" sz="3200" dirty="0"/>
-          </a:p>
-          <a:p>
-            <a:pPr marL="1168383" lvl="1" indent="-457200">
-              <a:buSzPts val="2400"/>
-              <a:buFont typeface="Arial" panose="020B0604020202020204" pitchFamily="34" charset="0"/>
-              <a:buChar char="•"/>
-            </a:pPr>
-            <a:r>
-              <a:rPr lang="en-US" sz="3200" dirty="0"/>
-              <a:t>Max-norm regularization (self study)</a:t>
-            </a:r>
-          </a:p>
-          <a:p>
-            <a:pPr marL="558798" indent="-457200">
-              <a:buSzPts val="2400"/>
-              <a:buFont typeface="Arial" panose="020B0604020202020204" pitchFamily="34" charset="0"/>
-              <a:buChar char="•"/>
-            </a:pPr>
-            <a:endParaRPr lang="en-US" sz="3200" dirty="0"/>
-          </a:p>
-          <a:p>
-            <a:pPr marL="558798" indent="-457200">
-              <a:buSzPts val="2400"/>
-              <a:buFont typeface="Arial" panose="020B0604020202020204" pitchFamily="34" charset="0"/>
-              <a:buChar char="•"/>
-            </a:pPr>
-            <a:r>
-              <a:rPr lang="en-US" sz="3200" dirty="0"/>
-              <a:t>But first, how is complexity added?</a:t>
-            </a:r>
+            </a:pPr>
+            <a:r>
+              <a:rPr lang="en-US" dirty="0"/>
+              <a:t>Note: With SGD and Mini-batch Gradient Descent, the curves are not so smooth, and it may be hard to know whether you have reached the minimum or not. One solution is to stop only after the validation error has been above the minimum for some time (when you are confident that the model will not do any better), then roll back the model parameters to the point where the validation error was at a minimum. </a:t>
+            </a:r>
+          </a:p>
+        </p:txBody>
+      </p:sp>
+      <p:pic>
+        <p:nvPicPr>
+          <p:cNvPr id="6145" name="Picture 1" descr="page169image1287458944">
+            <a:extLst>
+              <a:ext uri="{FF2B5EF4-FFF2-40B4-BE49-F238E27FC236}">
+                <a16:creationId xmlns:a16="http://schemas.microsoft.com/office/drawing/2014/main" id="{47C7CFFB-0EB0-1649-97F8-822DE8C893CA}"/>
+              </a:ext>
+            </a:extLst>
+          </p:cNvPr>
+          <p:cNvPicPr>
+            <a:picLocks noChangeAspect="1" noChangeArrowheads="1"/>
+          </p:cNvPicPr>
+          <p:nvPr/>
+        </p:nvPicPr>
+        <p:blipFill>
+          <a:blip r:embed="rId2">
+            <a:extLst>
+              <a:ext uri="{28A0092B-C50C-407E-A947-70E740481C1C}">
+                <a14:useLocalDpi xmlns:a14="http://schemas.microsoft.com/office/drawing/2010/main" val="0"/>
+              </a:ext>
+            </a:extLst>
+          </a:blip>
+          <a:srcRect/>
+          <a:stretch>
+            <a:fillRect/>
+          </a:stretch>
+        </p:blipFill>
+        <p:spPr bwMode="auto">
+          <a:xfrm>
+            <a:off x="0" y="0"/>
+            <a:ext cx="0" cy="2501900"/>
+          </a:xfrm>
+          <a:prstGeom prst="rect">
+            <a:avLst/>
+          </a:prstGeom>
+          <a:noFill/>
+          <a:extLst>
+            <a:ext uri="{909E8E84-426E-40DD-AFC4-6F175D3DCCD1}">
+              <a14:hiddenFill xmlns:a14="http://schemas.microsoft.com/office/drawing/2010/main">
+                <a:solidFill>
+                  <a:srgbClr val="FFFFFF"/>
+                </a:solidFill>
+              </a14:hiddenFill>
+            </a:ext>
+          </a:extLst>
+        </p:spPr>
+      </p:pic>
+      <p:pic>
+        <p:nvPicPr>
+          <p:cNvPr id="6146" name="Picture 2" descr="page169image1287458560">
+            <a:extLst>
+              <a:ext uri="{FF2B5EF4-FFF2-40B4-BE49-F238E27FC236}">
+                <a16:creationId xmlns:a16="http://schemas.microsoft.com/office/drawing/2014/main" id="{57AC0AF4-C9AB-064E-8233-A143B23CFD36}"/>
+              </a:ext>
+            </a:extLst>
+          </p:cNvPr>
+          <p:cNvPicPr>
+            <a:picLocks noChangeAspect="1" noChangeArrowheads="1"/>
+          </p:cNvPicPr>
+          <p:nvPr/>
+        </p:nvPicPr>
+        <p:blipFill>
+          <a:blip r:embed="rId3">
+            <a:extLst>
+              <a:ext uri="{28A0092B-C50C-407E-A947-70E740481C1C}">
+                <a14:useLocalDpi xmlns:a14="http://schemas.microsoft.com/office/drawing/2010/main" val="0"/>
+              </a:ext>
+            </a:extLst>
+          </a:blip>
+          <a:srcRect/>
+          <a:stretch>
+            <a:fillRect/>
+          </a:stretch>
+        </p:blipFill>
+        <p:spPr bwMode="auto">
+          <a:xfrm>
+            <a:off x="0" y="0"/>
+            <a:ext cx="0" cy="2501900"/>
+          </a:xfrm>
+          <a:prstGeom prst="rect">
+            <a:avLst/>
+          </a:prstGeom>
+          <a:noFill/>
+          <a:extLst>
+            <a:ext uri="{909E8E84-426E-40DD-AFC4-6F175D3DCCD1}">
+              <a14:hiddenFill xmlns:a14="http://schemas.microsoft.com/office/drawing/2010/main">
+                <a:solidFill>
+                  <a:srgbClr val="FFFFFF"/>
+                </a:solidFill>
+              </a14:hiddenFill>
+            </a:ext>
+          </a:extLst>
+        </p:spPr>
+      </p:pic>
+      <p:pic>
+        <p:nvPicPr>
+          <p:cNvPr id="6148" name="Picture 4" descr="page169image11260592">
+            <a:extLst>
+              <a:ext uri="{FF2B5EF4-FFF2-40B4-BE49-F238E27FC236}">
+                <a16:creationId xmlns:a16="http://schemas.microsoft.com/office/drawing/2014/main" id="{FC9F8D82-9091-6F44-8D6B-311164753DF9}"/>
+              </a:ext>
+            </a:extLst>
+          </p:cNvPr>
+          <p:cNvPicPr>
+            <a:picLocks noChangeAspect="1" noChangeArrowheads="1"/>
+          </p:cNvPicPr>
+          <p:nvPr/>
+        </p:nvPicPr>
+        <p:blipFill>
+          <a:blip r:embed="rId4">
+            <a:extLst>
+              <a:ext uri="{28A0092B-C50C-407E-A947-70E740481C1C}">
+                <a14:useLocalDpi xmlns:a14="http://schemas.microsoft.com/office/drawing/2010/main" val="0"/>
+              </a:ext>
+            </a:extLst>
+          </a:blip>
+          <a:srcRect/>
+          <a:stretch>
+            <a:fillRect/>
+          </a:stretch>
+        </p:blipFill>
+        <p:spPr bwMode="auto">
+          <a:xfrm>
+            <a:off x="7351538" y="3435619"/>
+            <a:ext cx="4220079" cy="2725468"/>
+          </a:xfrm>
+          <a:prstGeom prst="rect">
+            <a:avLst/>
+          </a:prstGeom>
+          <a:noFill/>
+          <a:extLst>
+            <a:ext uri="{909E8E84-426E-40DD-AFC4-6F175D3DCCD1}">
+              <a14:hiddenFill xmlns:a14="http://schemas.microsoft.com/office/drawing/2010/main">
+                <a:solidFill>
+                  <a:srgbClr val="FFFFFF"/>
+                </a:solidFill>
+              </a14:hiddenFill>
+            </a:ext>
+          </a:extLst>
+        </p:spPr>
+      </p:pic>
+      <p:sp>
+        <p:nvSpPr>
+          <p:cNvPr id="12" name="TextBox 11">
+            <a:extLst>
+              <a:ext uri="{FF2B5EF4-FFF2-40B4-BE49-F238E27FC236}">
+                <a16:creationId xmlns:a16="http://schemas.microsoft.com/office/drawing/2014/main" id="{EFD2E80B-2A26-C94D-8F6B-2A5711A62F22}"/>
+              </a:ext>
+            </a:extLst>
+          </p:cNvPr>
+          <p:cNvSpPr txBox="1"/>
+          <p:nvPr/>
+        </p:nvSpPr>
+        <p:spPr>
+          <a:xfrm>
+            <a:off x="8087264" y="6161087"/>
+            <a:ext cx="3657600" cy="400110"/>
+          </a:xfrm>
+          <a:prstGeom prst="rect">
+            <a:avLst/>
+          </a:prstGeom>
+          <a:noFill/>
+        </p:spPr>
+        <p:txBody>
+          <a:bodyPr wrap="square">
+            <a:spAutoFit/>
+          </a:bodyPr>
+          <a:lstStyle/>
+          <a:p>
+            <a:pPr algn="ctr"/>
+            <a:r>
+              <a:rPr lang="en-US" sz="2000" i="1" dirty="0">
+                <a:solidFill>
+                  <a:schemeClr val="tx1">
+                    <a:lumMod val="65000"/>
+                    <a:lumOff val="35000"/>
+                  </a:schemeClr>
+                </a:solidFill>
+                <a:effectLst/>
+                <a:latin typeface="MinionPro"/>
+              </a:rPr>
+              <a:t>Early stopping regularization </a:t>
+            </a:r>
+            <a:endParaRPr lang="en-US" sz="2000" dirty="0">
+              <a:solidFill>
+                <a:schemeClr val="tx1">
+                  <a:lumMod val="65000"/>
+                  <a:lumOff val="35000"/>
+                </a:schemeClr>
+              </a:solidFill>
+            </a:endParaRPr>
           </a:p>
         </p:txBody>
       </p:sp>
     </p:spTree>
     <p:extLst>
       <p:ext uri="{BB962C8B-B14F-4D97-AF65-F5344CB8AC3E}">
-        <p14:creationId xmlns:p14="http://schemas.microsoft.com/office/powerpoint/2010/main" val="2661756504"/>
+        <p14:creationId xmlns:p14="http://schemas.microsoft.com/office/powerpoint/2010/main" val="2608755573"/>
       </p:ext>
     </p:extLst>
   </p:cSld>
@@ -18400,7 +18643,7 @@
                   <a:srgbClr val="E46102"/>
                 </a:solidFill>
               </a:rPr>
-              <a:t>Dropout Regularization</a:t>
+              <a:t>Regularization</a:t>
             </a:r>
           </a:p>
         </p:txBody>
@@ -18420,7 +18663,7 @@
         <p:spPr>
           <a:xfrm>
             <a:off x="495301" y="1346200"/>
-            <a:ext cx="11194672" cy="4814887"/>
+            <a:ext cx="11194672" cy="5194299"/>
           </a:xfrm>
           <a:prstGeom prst="rect">
             <a:avLst/>
@@ -18442,8 +18685,81 @@
               <a:buChar char="•"/>
             </a:pPr>
             <a:r>
-              <a:rPr lang="en-US" sz="2800" dirty="0"/>
-              <a:t>Proposed* by Geoffrey Hinton in 2012 </a:t>
+              <a:rPr lang="en-US" sz="3200" dirty="0"/>
+              <a:t>Regularization reduces complexity by using</a:t>
+            </a:r>
+            <a:r>
+              <a:rPr lang="en-US" sz="4000" dirty="0"/>
+              <a:t> </a:t>
+            </a:r>
+          </a:p>
+          <a:p>
+            <a:pPr marL="1168383" lvl="1" indent="-457200">
+              <a:buSzPts val="2400"/>
+              <a:buFont typeface="Arial" panose="020B0604020202020204" pitchFamily="34" charset="0"/>
+              <a:buChar char="•"/>
+            </a:pPr>
+            <a:r>
+              <a:rPr lang="en-US" sz="3200" dirty="0">
+                <a:latin typeface="Brush Script MT" panose="03060802040406070304" pitchFamily="66" charset="-122"/>
+                <a:ea typeface="Brush Script MT" panose="03060802040406070304" pitchFamily="66" charset="-122"/>
+                <a:cs typeface="Brush Script MT" panose="03060802040406070304" pitchFamily="66" charset="-122"/>
+              </a:rPr>
+              <a:t>l</a:t>
+            </a:r>
+            <a:r>
+              <a:rPr lang="en-US" sz="3200" dirty="0"/>
+              <a:t>1 and </a:t>
+            </a:r>
+            <a:r>
+              <a:rPr lang="en-US" sz="3200" dirty="0">
+                <a:latin typeface="Brush Script MT" panose="03060802040406070304" pitchFamily="66" charset="-122"/>
+                <a:ea typeface="Brush Script MT" panose="03060802040406070304" pitchFamily="66" charset="-122"/>
+                <a:cs typeface="Brush Script MT" panose="03060802040406070304" pitchFamily="66" charset="-122"/>
+              </a:rPr>
+              <a:t>l</a:t>
+            </a:r>
+            <a:r>
+              <a:rPr lang="en-US" sz="3200" dirty="0"/>
+              <a:t>2 technique</a:t>
+            </a:r>
+          </a:p>
+          <a:p>
+            <a:pPr marL="1168383" lvl="1" indent="-457200">
+              <a:buSzPts val="2400"/>
+              <a:buFont typeface="Arial" panose="020B0604020202020204" pitchFamily="34" charset="0"/>
+              <a:buChar char="•"/>
+            </a:pPr>
+            <a:endParaRPr lang="en-US" sz="3200" dirty="0"/>
+          </a:p>
+          <a:p>
+            <a:pPr marL="1168383" lvl="1" indent="-457200">
+              <a:buSzPts val="2400"/>
+              <a:buFont typeface="Arial" panose="020B0604020202020204" pitchFamily="34" charset="0"/>
+              <a:buChar char="•"/>
+            </a:pPr>
+            <a:r>
+              <a:rPr lang="en-US" sz="3200" b="1" dirty="0"/>
+              <a:t>Dropout</a:t>
+            </a:r>
+          </a:p>
+          <a:p>
+            <a:pPr marL="1168383" lvl="1" indent="-457200">
+              <a:buSzPts val="2400"/>
+              <a:buFont typeface="Arial" panose="020B0604020202020204" pitchFamily="34" charset="0"/>
+              <a:buChar char="•"/>
+            </a:pPr>
+            <a:endParaRPr lang="en-US" sz="3200" dirty="0"/>
+          </a:p>
+          <a:p>
+            <a:pPr marL="1168383" lvl="1" indent="-457200">
+              <a:buSzPts val="2400"/>
+              <a:buFont typeface="Arial" panose="020B0604020202020204" pitchFamily="34" charset="0"/>
+              <a:buChar char="•"/>
+            </a:pPr>
+            <a:r>
+              <a:rPr lang="en-US" sz="3200" dirty="0"/>
+              <a:t>Max-norm regularization (self study)</a:t>
             </a:r>
           </a:p>
           <a:p>
@@ -18452,45 +18768,6 @@
               <a:buFont typeface="Arial" panose="020B0604020202020204" pitchFamily="34" charset="0"/>
               <a:buChar char="•"/>
             </a:pPr>
-            <a:endParaRPr lang="en-US" sz="3600" dirty="0"/>
-          </a:p>
-          <a:p>
-            <a:pPr marL="1168383" lvl="1" indent="-457200">
-              <a:buSzPts val="2400"/>
-              <a:buFont typeface="Arial" panose="020B0604020202020204" pitchFamily="34" charset="0"/>
-              <a:buChar char="•"/>
-            </a:pPr>
-            <a:r>
-              <a:rPr lang="en-US" dirty="0"/>
-              <a:t>highly successful, even the state-of- the-art neural networks (95% accuracy) got a 1–2% accuracy boost simply by adding dropout</a:t>
-            </a:r>
-          </a:p>
-          <a:p>
-            <a:pPr marL="1168383" lvl="1" indent="-457200">
-              <a:buSzPts val="2400"/>
-              <a:buFont typeface="Arial" panose="020B0604020202020204" pitchFamily="34" charset="0"/>
-              <a:buChar char="•"/>
-            </a:pPr>
-            <a:endParaRPr lang="en-US" dirty="0"/>
-          </a:p>
-          <a:p>
-            <a:pPr marL="1168383" lvl="1" indent="-457200">
-              <a:buSzPts val="2400"/>
-              <a:buFont typeface="Arial" panose="020B0604020202020204" pitchFamily="34" charset="0"/>
-              <a:buChar char="•"/>
-            </a:pPr>
-            <a:r>
-              <a:rPr lang="en-US" dirty="0"/>
-              <a:t>what this means -&gt; getting a 2% accuracy boost means dropping the error rate by almost 40% (going from 5% error to roughly 3%). </a:t>
-            </a:r>
-            <a:endParaRPr lang="en-US" sz="3200" dirty="0"/>
-          </a:p>
-          <a:p>
-            <a:pPr marL="1168383" lvl="1" indent="-457200">
-              <a:buSzPts val="2400"/>
-              <a:buFont typeface="Arial" panose="020B0604020202020204" pitchFamily="34" charset="0"/>
-              <a:buChar char="•"/>
-            </a:pPr>
             <a:endParaRPr lang="en-US" sz="3200" dirty="0"/>
           </a:p>
           <a:p>
@@ -18499,56 +18776,9 @@
               <a:buFont typeface="Arial" panose="020B0604020202020204" pitchFamily="34" charset="0"/>
               <a:buChar char="•"/>
             </a:pPr>
-            <a:endParaRPr lang="en-US" sz="3600" dirty="0"/>
-          </a:p>
-          <a:p>
-            <a:pPr marL="558798" indent="-457200">
-              <a:buSzPts val="2400"/>
-              <a:buFont typeface="Arial" panose="020B0604020202020204" pitchFamily="34" charset="0"/>
-              <a:buChar char="•"/>
-            </a:pPr>
-            <a:endParaRPr lang="en-US" sz="3600" dirty="0"/>
-          </a:p>
-        </p:txBody>
-      </p:sp>
-      <p:sp>
-        <p:nvSpPr>
-          <p:cNvPr id="2" name="TextBox 1">
-            <a:extLst>
-              <a:ext uri="{FF2B5EF4-FFF2-40B4-BE49-F238E27FC236}">
-                <a16:creationId xmlns:a16="http://schemas.microsoft.com/office/drawing/2014/main" id="{3081F310-2260-F240-AD0C-CAA60FB6DE27}"/>
-              </a:ext>
-            </a:extLst>
-          </p:cNvPr>
-          <p:cNvSpPr txBox="1"/>
-          <p:nvPr/>
-        </p:nvSpPr>
-        <p:spPr>
-          <a:xfrm>
-            <a:off x="337611" y="6373857"/>
-            <a:ext cx="10713189" cy="369332"/>
-          </a:xfrm>
-          <a:prstGeom prst="rect">
-            <a:avLst/>
-          </a:prstGeom>
-          <a:noFill/>
-        </p:spPr>
-        <p:txBody>
-          <a:bodyPr wrap="none" rtlCol="0">
-            <a:spAutoFit/>
-          </a:bodyPr>
-          <a:lstStyle/>
-          <a:p>
-            <a:r>
-              <a:rPr lang="en-US" sz="1800" i="1" dirty="0">
-                <a:solidFill>
-                  <a:schemeClr val="tx1">
-                    <a:lumMod val="50000"/>
-                    <a:lumOff val="50000"/>
-                  </a:schemeClr>
-                </a:solidFill>
-              </a:rPr>
-              <a:t>* Improving neural networks by preventing co-adaptation of feature detectors by G. Hinton et al. (2012).</a:t>
+            <a:r>
+              <a:rPr lang="en-US" sz="3200" dirty="0"/>
+              <a:t>But first, how is complexity added?</a:t>
             </a:r>
           </a:p>
         </p:txBody>
@@ -18556,7 +18786,7 @@
     </p:spTree>
     <p:extLst>
       <p:ext uri="{BB962C8B-B14F-4D97-AF65-F5344CB8AC3E}">
-        <p14:creationId xmlns:p14="http://schemas.microsoft.com/office/powerpoint/2010/main" val="197080534"/>
+        <p14:creationId xmlns:p14="http://schemas.microsoft.com/office/powerpoint/2010/main" val="2661756504"/>
       </p:ext>
     </p:extLst>
   </p:cSld>
@@ -19063,7 +19293,7 @@
                   <a:srgbClr val="E46102"/>
                 </a:solidFill>
               </a:rPr>
-              <a:t>Dropout - Intuition</a:t>
+              <a:t>Dropout Regularization</a:t>
             </a:r>
           </a:p>
         </p:txBody>
@@ -19082,8 +19312,8 @@
         </p:nvSpPr>
         <p:spPr>
           <a:xfrm>
-            <a:off x="997328" y="1346200"/>
-            <a:ext cx="10200940" cy="4703871"/>
+            <a:off x="495301" y="1346200"/>
+            <a:ext cx="11194672" cy="4814887"/>
           </a:xfrm>
           <a:prstGeom prst="rect">
             <a:avLst/>
@@ -19099,33 +19329,119 @@
           </a:bodyPr>
           <a:lstStyle/>
           <a:p>
-            <a:pPr marL="101598">
+            <a:pPr marL="558798" indent="-457200">
               <a:buSzPts val="2400"/>
-            </a:pPr>
-            <a:r>
-              <a:rPr lang="en-US" sz="2000" dirty="0"/>
-              <a:t>Real world Analogy - Would a company perform better if its employees were told to toss a coin every morning to decide whether or not to go to work? Well, who knows; perhaps it would! The company would obviously be forced to adapt its organization; it could not rely on any single person to fill in the coffee machine or perform any other critical tasks, so this expertise would have to be spread across several people. Employees would have to learn to cooperate with many of their coworkers, not just a handful of them. The company would become much more resilient. If one person quit, it wouldn’t make much of a difference. It’s unclear whether this idea would actually work for companies, but it certainly does for neural networks.</a:t>
-            </a:r>
-          </a:p>
-          <a:p>
-            <a:pPr marL="101598">
+              <a:buFont typeface="Arial" panose="020B0604020202020204" pitchFamily="34" charset="0"/>
+              <a:buChar char="•"/>
+            </a:pPr>
+            <a:r>
+              <a:rPr lang="en-US" sz="2800" dirty="0"/>
+              <a:t>Proposed* by Geoffrey Hinton in 2012 </a:t>
+            </a:r>
+          </a:p>
+          <a:p>
+            <a:pPr marL="558798" indent="-457200">
               <a:buSzPts val="2400"/>
-            </a:pPr>
-            <a:endParaRPr lang="en-US" sz="2000" dirty="0"/>
-          </a:p>
-          <a:p>
-            <a:pPr marL="101598">
+              <a:buFont typeface="Arial" panose="020B0604020202020204" pitchFamily="34" charset="0"/>
+              <a:buChar char="•"/>
+            </a:pPr>
+            <a:endParaRPr lang="en-US" sz="3600" dirty="0"/>
+          </a:p>
+          <a:p>
+            <a:pPr marL="1168383" lvl="1" indent="-457200">
               <a:buSzPts val="2400"/>
-            </a:pPr>
-            <a:endParaRPr lang="en-US" sz="2000" dirty="0"/>
-          </a:p>
-          <a:p>
-            <a:pPr marL="101598">
+              <a:buFont typeface="Arial" panose="020B0604020202020204" pitchFamily="34" charset="0"/>
+              <a:buChar char="•"/>
+            </a:pPr>
+            <a:r>
+              <a:rPr lang="en-US" dirty="0"/>
+              <a:t>highly successful, even the state-of- the-art neural networks (95% accuracy) got a 1–2% accuracy boost simply by adding dropout</a:t>
+            </a:r>
+          </a:p>
+          <a:p>
+            <a:pPr marL="1168383" lvl="1" indent="-457200">
               <a:buSzPts val="2400"/>
-            </a:pPr>
-            <a:r>
-              <a:rPr lang="en-US" sz="2000" dirty="0"/>
-              <a:t>NN - Neurons trained with dropout cannot co-adapt with their neighboring neurons; they have to be as useful as possible on their own. They also cannot rely excessively on just a few input neurons; they must pay attention to each of their input neurons. They end up being less sensitive to slight changes in the inputs. In the end you get a more robust network that generalizes better.</a:t>
+              <a:buFont typeface="Arial" panose="020B0604020202020204" pitchFamily="34" charset="0"/>
+              <a:buChar char="•"/>
+            </a:pPr>
+            <a:endParaRPr lang="en-US" dirty="0"/>
+          </a:p>
+          <a:p>
+            <a:pPr marL="1168383" lvl="1" indent="-457200">
+              <a:buSzPts val="2400"/>
+              <a:buFont typeface="Arial" panose="020B0604020202020204" pitchFamily="34" charset="0"/>
+              <a:buChar char="•"/>
+            </a:pPr>
+            <a:r>
+              <a:rPr lang="en-US" dirty="0"/>
+              <a:t>what this means -&gt; getting a 2% accuracy boost means dropping the error rate by almost 40% (going from 5% error to roughly 3%). </a:t>
+            </a:r>
+            <a:endParaRPr lang="en-US" sz="3200" dirty="0"/>
+          </a:p>
+          <a:p>
+            <a:pPr marL="1168383" lvl="1" indent="-457200">
+              <a:buSzPts val="2400"/>
+              <a:buFont typeface="Arial" panose="020B0604020202020204" pitchFamily="34" charset="0"/>
+              <a:buChar char="•"/>
+            </a:pPr>
+            <a:endParaRPr lang="en-US" sz="3200" dirty="0"/>
+          </a:p>
+          <a:p>
+            <a:pPr marL="558798" indent="-457200">
+              <a:buSzPts val="2400"/>
+              <a:buFont typeface="Arial" panose="020B0604020202020204" pitchFamily="34" charset="0"/>
+              <a:buChar char="•"/>
+            </a:pPr>
+            <a:endParaRPr lang="en-US" sz="3600" dirty="0"/>
+          </a:p>
+          <a:p>
+            <a:pPr marL="558798" indent="-457200">
+              <a:buSzPts val="2400"/>
+              <a:buFont typeface="Arial" panose="020B0604020202020204" pitchFamily="34" charset="0"/>
+              <a:buChar char="•"/>
+            </a:pPr>
+            <a:endParaRPr lang="en-US" sz="3600" dirty="0"/>
+          </a:p>
+        </p:txBody>
+      </p:sp>
+      <p:sp>
+        <p:nvSpPr>
+          <p:cNvPr id="2" name="TextBox 1">
+            <a:extLst>
+              <a:ext uri="{FF2B5EF4-FFF2-40B4-BE49-F238E27FC236}">
+                <a16:creationId xmlns:a16="http://schemas.microsoft.com/office/drawing/2014/main" id="{3081F310-2260-F240-AD0C-CAA60FB6DE27}"/>
+              </a:ext>
+            </a:extLst>
+          </p:cNvPr>
+          <p:cNvSpPr txBox="1"/>
+          <p:nvPr/>
+        </p:nvSpPr>
+        <p:spPr>
+          <a:xfrm>
+            <a:off x="337611" y="6373857"/>
+            <a:ext cx="10713189" cy="369332"/>
+          </a:xfrm>
+          <a:prstGeom prst="rect">
+            <a:avLst/>
+          </a:prstGeom>
+          <a:noFill/>
+        </p:spPr>
+        <p:txBody>
+          <a:bodyPr wrap="none" rtlCol="0">
+            <a:spAutoFit/>
+          </a:bodyPr>
+          <a:lstStyle/>
+          <a:p>
+            <a:r>
+              <a:rPr lang="en-US" sz="1800" i="1" dirty="0">
+                <a:solidFill>
+                  <a:schemeClr val="tx1">
+                    <a:lumMod val="50000"/>
+                    <a:lumOff val="50000"/>
+                  </a:schemeClr>
+                </a:solidFill>
+              </a:rPr>
+              <a:t>* Improving neural networks by preventing co-adaptation of feature detectors by G. Hinton et al. (2012).</a:t>
             </a:r>
           </a:p>
         </p:txBody>
@@ -19133,7 +19449,7 @@
     </p:spTree>
     <p:extLst>
       <p:ext uri="{BB962C8B-B14F-4D97-AF65-F5344CB8AC3E}">
-        <p14:creationId xmlns:p14="http://schemas.microsoft.com/office/powerpoint/2010/main" val="3006778903"/>
+        <p14:creationId xmlns:p14="http://schemas.microsoft.com/office/powerpoint/2010/main" val="197080534"/>
       </p:ext>
     </p:extLst>
   </p:cSld>
@@ -19213,7 +19529,7 @@
                   <a:srgbClr val="E46102"/>
                 </a:solidFill>
               </a:rPr>
-              <a:t>Dropout - Algorithm</a:t>
+              <a:t>Dropout - Intuition</a:t>
             </a:r>
           </a:p>
         </p:txBody>
@@ -19232,8 +19548,8 @@
         </p:nvSpPr>
         <p:spPr>
           <a:xfrm>
-            <a:off x="495301" y="1346200"/>
-            <a:ext cx="11194672" cy="4814887"/>
+            <a:off x="997328" y="1346200"/>
+            <a:ext cx="10200940" cy="4703871"/>
           </a:xfrm>
           <a:prstGeom prst="rect">
             <a:avLst/>
@@ -19249,149 +19565,41 @@
           </a:bodyPr>
           <a:lstStyle/>
           <a:p>
-            <a:pPr marL="558798" indent="-457200">
+            <a:pPr marL="101598">
               <a:buSzPts val="2400"/>
-              <a:buFont typeface="Arial" panose="020B0604020202020204" pitchFamily="34" charset="0"/>
-              <a:buChar char="•"/>
-            </a:pPr>
-            <a:r>
-              <a:rPr lang="en-US" dirty="0"/>
-              <a:t>at every training step, every neuron </a:t>
-            </a:r>
-            <a:r>
-              <a:rPr lang="en-US" i="1" dirty="0"/>
-              <a:t>(including input neurons, always excluding output neurons) </a:t>
-            </a:r>
-            <a:r>
-              <a:rPr lang="en-US" dirty="0"/>
-              <a:t>has a probability</a:t>
-            </a:r>
-            <a:r>
-              <a:rPr lang="en-US" b="1" i="1" dirty="0"/>
-              <a:t> p </a:t>
-            </a:r>
-            <a:r>
-              <a:rPr lang="en-US" dirty="0"/>
-              <a:t>of being temporarily “dropped out”,</a:t>
-            </a:r>
-          </a:p>
-          <a:p>
-            <a:pPr marL="1168383" lvl="1" indent="-457200">
+            </a:pPr>
+            <a:r>
+              <a:rPr lang="en-US" sz="2000" dirty="0"/>
+              <a:t>Real world Analogy - Would a company perform better if its employees were told to toss a coin every morning to decide whether or not to go to work? Well, who knows; perhaps it would! The company would obviously be forced to adapt its organization; it could not rely on any single person to fill in the coffee machine or perform any other critical tasks, so this expertise would have to be spread across several people. Employees would have to learn to cooperate with many of their coworkers, not just a handful of them. The company would become much more resilient. If one person quit, it wouldn’t make much of a difference. It’s unclear whether this idea would actually work for companies, but it certainly does for neural networks.</a:t>
+            </a:r>
+          </a:p>
+          <a:p>
+            <a:pPr marL="101598">
               <a:buSzPts val="2400"/>
-              <a:buFont typeface="Arial" panose="020B0604020202020204" pitchFamily="34" charset="0"/>
-              <a:buChar char="•"/>
-            </a:pPr>
-            <a:r>
-              <a:rPr lang="en-US" dirty="0"/>
-              <a:t>dropped neuron entirely ignored during this training step</a:t>
-            </a:r>
-          </a:p>
-          <a:p>
-            <a:pPr marL="1168383" lvl="1" indent="-457200">
+            </a:pPr>
+            <a:endParaRPr lang="en-US" sz="2000" dirty="0"/>
+          </a:p>
+          <a:p>
+            <a:pPr marL="101598">
               <a:buSzPts val="2400"/>
-              <a:buFont typeface="Arial" panose="020B0604020202020204" pitchFamily="34" charset="0"/>
-              <a:buChar char="•"/>
-            </a:pPr>
-            <a:r>
-              <a:rPr lang="en-US" dirty="0"/>
-              <a:t>it may be active during next training step </a:t>
-            </a:r>
-          </a:p>
-          <a:p>
-            <a:pPr marL="711183" lvl="1">
+            </a:pPr>
+            <a:endParaRPr lang="en-US" sz="2000" dirty="0"/>
+          </a:p>
+          <a:p>
+            <a:pPr marL="101598">
               <a:buSzPts val="2400"/>
             </a:pPr>
-            <a:endParaRPr lang="en-US" dirty="0"/>
-          </a:p>
-          <a:p>
-            <a:pPr marL="558798" indent="-457200">
-              <a:buSzPts val="2400"/>
-              <a:buFont typeface="Arial" panose="020B0604020202020204" pitchFamily="34" charset="0"/>
-              <a:buChar char="•"/>
-            </a:pPr>
-            <a:r>
-              <a:rPr lang="en-US" dirty="0"/>
-              <a:t>hyperparameter p</a:t>
-            </a:r>
-          </a:p>
-          <a:p>
-            <a:pPr marL="1168383" lvl="1" indent="-457200">
-              <a:buSzPts val="2400"/>
-              <a:buFont typeface="Arial" panose="020B0604020202020204" pitchFamily="34" charset="0"/>
-              <a:buChar char="•"/>
-            </a:pPr>
-            <a:r>
-              <a:rPr lang="en-US" dirty="0"/>
-              <a:t>called dropout rate</a:t>
-            </a:r>
-          </a:p>
-          <a:p>
-            <a:pPr marL="1168383" lvl="1" indent="-457200">
-              <a:buSzPts val="2400"/>
-              <a:buFont typeface="Arial" panose="020B0604020202020204" pitchFamily="34" charset="0"/>
-              <a:buChar char="•"/>
-            </a:pPr>
-            <a:r>
-              <a:rPr lang="en-US" dirty="0"/>
-              <a:t>typically set to 50%. </a:t>
-            </a:r>
-          </a:p>
-          <a:p>
-            <a:pPr marL="1168383" lvl="1" indent="-457200">
-              <a:buSzPts val="2400"/>
-              <a:buFont typeface="Arial" panose="020B0604020202020204" pitchFamily="34" charset="0"/>
-              <a:buChar char="•"/>
-            </a:pPr>
-            <a:r>
-              <a:rPr lang="en-US" dirty="0"/>
-              <a:t>after training, neurons don’t get dropped </a:t>
-            </a:r>
-          </a:p>
-          <a:p>
-            <a:pPr marL="711183" lvl="1">
-              <a:buSzPts val="2400"/>
-            </a:pPr>
-            <a:r>
-              <a:rPr lang="en-US" dirty="0"/>
-              <a:t>	anymore. </a:t>
+            <a:r>
+              <a:rPr lang="en-US" sz="2000" dirty="0"/>
+              <a:t>NN - Neurons trained with dropout cannot co-adapt with their neighboring neurons; they have to be as useful as possible on their own. They also cannot rely excessively on just a few input neurons; they must pay attention to each of their input neurons. They end up being less sensitive to slight changes in the inputs. In the end you get a more robust network that generalizes better.</a:t>
             </a:r>
           </a:p>
         </p:txBody>
       </p:sp>
-      <p:pic>
-        <p:nvPicPr>
-          <p:cNvPr id="6" name="Picture 5">
-            <a:extLst>
-              <a:ext uri="{FF2B5EF4-FFF2-40B4-BE49-F238E27FC236}">
-                <a16:creationId xmlns:a16="http://schemas.microsoft.com/office/drawing/2014/main" id="{D1DBF404-C8BF-C746-BE5B-59839F0BCED8}"/>
-              </a:ext>
-            </a:extLst>
-          </p:cNvPr>
-          <p:cNvPicPr>
-            <a:picLocks noChangeAspect="1"/>
-          </p:cNvPicPr>
-          <p:nvPr/>
-        </p:nvPicPr>
-        <p:blipFill>
-          <a:blip r:embed="rId2"/>
-          <a:stretch>
-            <a:fillRect/>
-          </a:stretch>
-        </p:blipFill>
-        <p:spPr>
-          <a:xfrm>
-            <a:off x="7912002" y="3122323"/>
-            <a:ext cx="3985865" cy="2597346"/>
-          </a:xfrm>
-          <a:prstGeom prst="rect">
-            <a:avLst/>
-          </a:prstGeom>
-        </p:spPr>
-      </p:pic>
     </p:spTree>
     <p:extLst>
       <p:ext uri="{BB962C8B-B14F-4D97-AF65-F5344CB8AC3E}">
-        <p14:creationId xmlns:p14="http://schemas.microsoft.com/office/powerpoint/2010/main" val="189843167"/>
+        <p14:creationId xmlns:p14="http://schemas.microsoft.com/office/powerpoint/2010/main" val="3006778903"/>
       </p:ext>
     </p:extLst>
   </p:cSld>
@@ -19402,7 +19610,7 @@
 </file>
 
 <file path=ppt/slides/slide52.xml><?xml version="1.0" encoding="utf-8"?>
-<p:sld xmlns:a="http://schemas.openxmlformats.org/drawingml/2006/main" xmlns:r="http://schemas.openxmlformats.org/officeDocument/2006/relationships" xmlns:p="http://schemas.openxmlformats.org/presentationml/2006/main" show="0">
+<p:sld xmlns:a="http://schemas.openxmlformats.org/drawingml/2006/main" xmlns:r="http://schemas.openxmlformats.org/officeDocument/2006/relationships" xmlns:p="http://schemas.openxmlformats.org/presentationml/2006/main">
   <p:cSld>
     <p:spTree>
       <p:nvGrpSpPr>
@@ -19471,7 +19679,7 @@
                   <a:srgbClr val="E46102"/>
                 </a:solidFill>
               </a:rPr>
-              <a:t>Power of dropout</a:t>
+              <a:t>Dropout - Algorithm</a:t>
             </a:r>
           </a:p>
         </p:txBody>
@@ -19490,8 +19698,8 @@
         </p:nvSpPr>
         <p:spPr>
           <a:xfrm>
-            <a:off x="345057" y="1346200"/>
-            <a:ext cx="11559396" cy="5194299"/>
+            <a:off x="495301" y="1346200"/>
+            <a:ext cx="11194672" cy="4814887"/>
           </a:xfrm>
           <a:prstGeom prst="rect">
             <a:avLst/>
@@ -19507,68 +19715,149 @@
           </a:bodyPr>
           <a:lstStyle/>
           <a:p>
-            <a:r>
-              <a:rPr lang="en-US" sz="2000" dirty="0"/>
-              <a:t>Another way to understand the power of dropout is to realize that a unique neural network is generated at each training step. Since each neuron can be either present or absent, there is a total of 2</a:t>
-            </a:r>
-            <a:r>
-              <a:rPr lang="en-US" sz="2000" i="1" dirty="0"/>
-              <a:t>N </a:t>
-            </a:r>
-            <a:r>
-              <a:rPr lang="en-US" sz="2000" dirty="0"/>
-              <a:t>possible networks (where </a:t>
-            </a:r>
-            <a:r>
-              <a:rPr lang="en-US" sz="2000" i="1" dirty="0"/>
-              <a:t>N </a:t>
-            </a:r>
-            <a:r>
-              <a:rPr lang="en-US" sz="2000" dirty="0"/>
-              <a:t>is the total number of droppable neurons). This is such a huge number that it is virtually impossible for the same neural network to be sampled twice. Once you have run a 10,000 training steps, you have essentially trained 10,000 different neural networks (each with just one training instance). These neural networks are obviously not independent since they share many of their weights, but they are nevertheless all different. The resulting neural network can be seen as an averaging ensemble of all these smaller neural networks. </a:t>
-            </a:r>
-            <a:endParaRPr lang="en-US" sz="2800" dirty="0"/>
-          </a:p>
-          <a:p>
-            <a:r>
-              <a:rPr lang="en-US" sz="2000" dirty="0"/>
-              <a:t>There is one small but important technical detail. Suppose </a:t>
-            </a:r>
-            <a:r>
-              <a:rPr lang="en-US" sz="2000" i="1" dirty="0"/>
-              <a:t>p </a:t>
-            </a:r>
-            <a:r>
-              <a:rPr lang="en-US" sz="2000" dirty="0"/>
-              <a:t>= 50%, in which case during testing a neuron will be connected to twice as many input neurons as it was (on average) during training. To compensate for this fact, we need to multiply each neuron’s input connection weights by 0.5 after training. If we don’t, each neuron will get a total input signal roughly twice as large as what the network was trained on, and it is unlikely to perform well. More generally, we need to multiply each input connection weight by the </a:t>
-            </a:r>
-            <a:r>
-              <a:rPr lang="en-US" sz="2000" i="1" dirty="0"/>
-              <a:t>keep probability </a:t>
-            </a:r>
-            <a:r>
-              <a:rPr lang="en-US" sz="2000" dirty="0"/>
-              <a:t>(1 – </a:t>
-            </a:r>
-            <a:r>
-              <a:rPr lang="en-US" sz="2000" i="1" dirty="0"/>
-              <a:t>p</a:t>
-            </a:r>
-            <a:r>
-              <a:rPr lang="en-US" sz="2000" dirty="0"/>
-              <a:t>) after training. Alternatively, we can divide each neuron’s output by the keep probability during training (these alternatives are not perfectly equivalent, but they work equally well). </a:t>
-            </a:r>
-            <a:endParaRPr lang="en-US" sz="2800" dirty="0"/>
-          </a:p>
-          <a:p>
-            <a:endParaRPr lang="en-US" sz="3200" dirty="0"/>
+            <a:pPr marL="558798" indent="-457200">
+              <a:buSzPts val="2400"/>
+              <a:buFont typeface="Arial" panose="020B0604020202020204" pitchFamily="34" charset="0"/>
+              <a:buChar char="•"/>
+            </a:pPr>
+            <a:r>
+              <a:rPr lang="en-US" dirty="0"/>
+              <a:t>at every training step, every neuron </a:t>
+            </a:r>
+            <a:r>
+              <a:rPr lang="en-US" i="1" dirty="0"/>
+              <a:t>(including input neurons, always excluding output neurons) </a:t>
+            </a:r>
+            <a:r>
+              <a:rPr lang="en-US" dirty="0"/>
+              <a:t>has a probability</a:t>
+            </a:r>
+            <a:r>
+              <a:rPr lang="en-US" b="1" i="1" dirty="0"/>
+              <a:t> p </a:t>
+            </a:r>
+            <a:r>
+              <a:rPr lang="en-US" dirty="0"/>
+              <a:t>of being temporarily “dropped out”,</a:t>
+            </a:r>
+          </a:p>
+          <a:p>
+            <a:pPr marL="1168383" lvl="1" indent="-457200">
+              <a:buSzPts val="2400"/>
+              <a:buFont typeface="Arial" panose="020B0604020202020204" pitchFamily="34" charset="0"/>
+              <a:buChar char="•"/>
+            </a:pPr>
+            <a:r>
+              <a:rPr lang="en-US" dirty="0"/>
+              <a:t>dropped neuron entirely ignored during this training step</a:t>
+            </a:r>
+          </a:p>
+          <a:p>
+            <a:pPr marL="1168383" lvl="1" indent="-457200">
+              <a:buSzPts val="2400"/>
+              <a:buFont typeface="Arial" panose="020B0604020202020204" pitchFamily="34" charset="0"/>
+              <a:buChar char="•"/>
+            </a:pPr>
+            <a:r>
+              <a:rPr lang="en-US" dirty="0"/>
+              <a:t>it may be active during next training step </a:t>
+            </a:r>
+          </a:p>
+          <a:p>
+            <a:pPr marL="711183" lvl="1">
+              <a:buSzPts val="2400"/>
+            </a:pPr>
+            <a:endParaRPr lang="en-US" dirty="0"/>
+          </a:p>
+          <a:p>
+            <a:pPr marL="558798" indent="-457200">
+              <a:buSzPts val="2400"/>
+              <a:buFont typeface="Arial" panose="020B0604020202020204" pitchFamily="34" charset="0"/>
+              <a:buChar char="•"/>
+            </a:pPr>
+            <a:r>
+              <a:rPr lang="en-US" dirty="0"/>
+              <a:t>hyperparameter p</a:t>
+            </a:r>
+          </a:p>
+          <a:p>
+            <a:pPr marL="1168383" lvl="1" indent="-457200">
+              <a:buSzPts val="2400"/>
+              <a:buFont typeface="Arial" panose="020B0604020202020204" pitchFamily="34" charset="0"/>
+              <a:buChar char="•"/>
+            </a:pPr>
+            <a:r>
+              <a:rPr lang="en-US" dirty="0"/>
+              <a:t>called dropout rate</a:t>
+            </a:r>
+          </a:p>
+          <a:p>
+            <a:pPr marL="1168383" lvl="1" indent="-457200">
+              <a:buSzPts val="2400"/>
+              <a:buFont typeface="Arial" panose="020B0604020202020204" pitchFamily="34" charset="0"/>
+              <a:buChar char="•"/>
+            </a:pPr>
+            <a:r>
+              <a:rPr lang="en-US" dirty="0"/>
+              <a:t>typically set to 50%. </a:t>
+            </a:r>
+          </a:p>
+          <a:p>
+            <a:pPr marL="1168383" lvl="1" indent="-457200">
+              <a:buSzPts val="2400"/>
+              <a:buFont typeface="Arial" panose="020B0604020202020204" pitchFamily="34" charset="0"/>
+              <a:buChar char="•"/>
+            </a:pPr>
+            <a:r>
+              <a:rPr lang="en-US" dirty="0"/>
+              <a:t>after training, neurons don’t get dropped </a:t>
+            </a:r>
+          </a:p>
+          <a:p>
+            <a:pPr marL="711183" lvl="1">
+              <a:buSzPts val="2400"/>
+            </a:pPr>
+            <a:r>
+              <a:rPr lang="en-US" dirty="0"/>
+              <a:t>	anymore. </a:t>
+            </a:r>
           </a:p>
         </p:txBody>
       </p:sp>
+      <p:pic>
+        <p:nvPicPr>
+          <p:cNvPr id="6" name="Picture 5">
+            <a:extLst>
+              <a:ext uri="{FF2B5EF4-FFF2-40B4-BE49-F238E27FC236}">
+                <a16:creationId xmlns:a16="http://schemas.microsoft.com/office/drawing/2014/main" id="{D1DBF404-C8BF-C746-BE5B-59839F0BCED8}"/>
+              </a:ext>
+            </a:extLst>
+          </p:cNvPr>
+          <p:cNvPicPr>
+            <a:picLocks noChangeAspect="1"/>
+          </p:cNvPicPr>
+          <p:nvPr/>
+        </p:nvPicPr>
+        <p:blipFill>
+          <a:blip r:embed="rId2"/>
+          <a:stretch>
+            <a:fillRect/>
+          </a:stretch>
+        </p:blipFill>
+        <p:spPr>
+          <a:xfrm>
+            <a:off x="7912002" y="3122323"/>
+            <a:ext cx="3985865" cy="2597346"/>
+          </a:xfrm>
+          <a:prstGeom prst="rect">
+            <a:avLst/>
+          </a:prstGeom>
+        </p:spPr>
+      </p:pic>
     </p:spTree>
     <p:extLst>
       <p:ext uri="{BB962C8B-B14F-4D97-AF65-F5344CB8AC3E}">
-        <p14:creationId xmlns:p14="http://schemas.microsoft.com/office/powerpoint/2010/main" val="2707403550"/>
+        <p14:creationId xmlns:p14="http://schemas.microsoft.com/office/powerpoint/2010/main" val="189843167"/>
       </p:ext>
     </p:extLst>
   </p:cSld>
@@ -19667,6 +19956,183 @@
         </p:nvSpPr>
         <p:spPr>
           <a:xfrm>
+            <a:off x="345057" y="1346200"/>
+            <a:ext cx="11559396" cy="5194299"/>
+          </a:xfrm>
+          <a:prstGeom prst="rect">
+            <a:avLst/>
+          </a:prstGeom>
+          <a:noFill/>
+          <a:ln>
+            <a:noFill/>
+          </a:ln>
+        </p:spPr>
+        <p:txBody>
+          <a:bodyPr spcFirstLastPara="1" wrap="square" lIns="121900" tIns="121900" rIns="121900" bIns="121900" anchor="t" anchorCtr="0">
+            <a:noAutofit/>
+          </a:bodyPr>
+          <a:lstStyle/>
+          <a:p>
+            <a:r>
+              <a:rPr lang="en-US" sz="2000" dirty="0"/>
+              <a:t>Another way to understand the power of dropout is to realize that a unique neural network is generated at each training step. Since each neuron can be either present or absent, there is a total of 2</a:t>
+            </a:r>
+            <a:r>
+              <a:rPr lang="en-US" sz="2000" i="1" dirty="0"/>
+              <a:t>N </a:t>
+            </a:r>
+            <a:r>
+              <a:rPr lang="en-US" sz="2000" dirty="0"/>
+              <a:t>possible networks (where </a:t>
+            </a:r>
+            <a:r>
+              <a:rPr lang="en-US" sz="2000" i="1" dirty="0"/>
+              <a:t>N </a:t>
+            </a:r>
+            <a:r>
+              <a:rPr lang="en-US" sz="2000" dirty="0"/>
+              <a:t>is the total number of droppable neurons). This is such a huge number that it is virtually impossible for the same neural network to be sampled twice. Once you have run a 10,000 training steps, you have essentially trained 10,000 different neural networks (each with just one training instance). These neural networks are obviously not independent since they share many of their weights, but they are nevertheless all different. The resulting neural network can be seen as an averaging ensemble of all these smaller neural networks. </a:t>
+            </a:r>
+            <a:endParaRPr lang="en-US" sz="2800" dirty="0"/>
+          </a:p>
+          <a:p>
+            <a:r>
+              <a:rPr lang="en-US" sz="2000" dirty="0"/>
+              <a:t>There is one small but important technical detail. Suppose </a:t>
+            </a:r>
+            <a:r>
+              <a:rPr lang="en-US" sz="2000" i="1" dirty="0"/>
+              <a:t>p </a:t>
+            </a:r>
+            <a:r>
+              <a:rPr lang="en-US" sz="2000" dirty="0"/>
+              <a:t>= 50%, in which case during testing a neuron will be connected to twice as many input neurons as it was (on average) during training. To compensate for this fact, we need to multiply each neuron’s input connection weights by 0.5 after training. If we don’t, each neuron will get a total input signal roughly twice as large as what the network was trained on, and it is unlikely to perform well. More generally, we need to multiply each input connection weight by the </a:t>
+            </a:r>
+            <a:r>
+              <a:rPr lang="en-US" sz="2000" i="1" dirty="0"/>
+              <a:t>keep probability </a:t>
+            </a:r>
+            <a:r>
+              <a:rPr lang="en-US" sz="2000" dirty="0"/>
+              <a:t>(1 – </a:t>
+            </a:r>
+            <a:r>
+              <a:rPr lang="en-US" sz="2000" i="1" dirty="0"/>
+              <a:t>p</a:t>
+            </a:r>
+            <a:r>
+              <a:rPr lang="en-US" sz="2000" dirty="0"/>
+              <a:t>) after training. Alternatively, we can divide each neuron’s output by the keep probability during training (these alternatives are not perfectly equivalent, but they work equally well). </a:t>
+            </a:r>
+            <a:endParaRPr lang="en-US" sz="2800" dirty="0"/>
+          </a:p>
+          <a:p>
+            <a:endParaRPr lang="en-US" sz="3200" dirty="0"/>
+          </a:p>
+        </p:txBody>
+      </p:sp>
+    </p:spTree>
+    <p:extLst>
+      <p:ext uri="{BB962C8B-B14F-4D97-AF65-F5344CB8AC3E}">
+        <p14:creationId xmlns:p14="http://schemas.microsoft.com/office/powerpoint/2010/main" val="2707403550"/>
+      </p:ext>
+    </p:extLst>
+  </p:cSld>
+  <p:clrMapOvr>
+    <a:masterClrMapping/>
+  </p:clrMapOvr>
+</p:sld>
+</file>
+
+<file path=ppt/slides/slide54.xml><?xml version="1.0" encoding="utf-8"?>
+<p:sld xmlns:a="http://schemas.openxmlformats.org/drawingml/2006/main" xmlns:r="http://schemas.openxmlformats.org/officeDocument/2006/relationships" xmlns:p="http://schemas.openxmlformats.org/presentationml/2006/main" show="0">
+  <p:cSld>
+    <p:spTree>
+      <p:nvGrpSpPr>
+        <p:cNvPr id="1" name=""/>
+        <p:cNvGrpSpPr/>
+        <p:nvPr/>
+      </p:nvGrpSpPr>
+      <p:grpSpPr>
+        <a:xfrm>
+          <a:off x="0" y="0"/>
+          <a:ext cx="0" cy="0"/>
+          <a:chOff x="0" y="0"/>
+          <a:chExt cx="0" cy="0"/>
+        </a:xfrm>
+      </p:grpSpPr>
+      <p:sp>
+        <p:nvSpPr>
+          <p:cNvPr id="4" name="Google Shape;95;p14">
+            <a:extLst>
+              <a:ext uri="{FF2B5EF4-FFF2-40B4-BE49-F238E27FC236}">
+                <a16:creationId xmlns:a16="http://schemas.microsoft.com/office/drawing/2014/main" id="{F510D98E-5D08-45D0-94BE-70EBCB426A1D}"/>
+              </a:ext>
+            </a:extLst>
+          </p:cNvPr>
+          <p:cNvSpPr txBox="1">
+            <a:spLocks/>
+          </p:cNvSpPr>
+          <p:nvPr/>
+        </p:nvSpPr>
+        <p:spPr>
+          <a:xfrm>
+            <a:off x="717173" y="696913"/>
+            <a:ext cx="10972800" cy="649287"/>
+          </a:xfrm>
+          <a:prstGeom prst="rect">
+            <a:avLst/>
+          </a:prstGeom>
+          <a:ln>
+            <a:noFill/>
+          </a:ln>
+        </p:spPr>
+        <p:txBody>
+          <a:bodyPr spcFirstLastPara="1" wrap="square" lIns="121900" tIns="121900" rIns="121900" bIns="121900" anchor="ctr" anchorCtr="0">
+            <a:noAutofit/>
+          </a:bodyPr>
+          <a:lstStyle>
+            <a:lvl1pPr algn="ctr" defTabSz="609585" rtl="0" eaLnBrk="1" latinLnBrk="0" hangingPunct="1">
+              <a:spcBef>
+                <a:spcPct val="0"/>
+              </a:spcBef>
+              <a:buNone/>
+              <a:defRPr sz="5867" kern="1200">
+                <a:solidFill>
+                  <a:schemeClr val="tx1"/>
+                </a:solidFill>
+                <a:latin typeface="+mj-lt"/>
+                <a:ea typeface="+mj-ea"/>
+                <a:cs typeface="+mj-cs"/>
+              </a:defRPr>
+            </a:lvl1pPr>
+          </a:lstStyle>
+          <a:p>
+            <a:r>
+              <a:rPr lang="en-US" sz="4400" dirty="0">
+                <a:solidFill>
+                  <a:srgbClr val="E46102"/>
+                </a:solidFill>
+              </a:rPr>
+              <a:t>Power of dropout</a:t>
+            </a:r>
+          </a:p>
+        </p:txBody>
+      </p:sp>
+      <p:sp>
+        <p:nvSpPr>
+          <p:cNvPr id="5" name="Google Shape;96;p14">
+            <a:extLst>
+              <a:ext uri="{FF2B5EF4-FFF2-40B4-BE49-F238E27FC236}">
+                <a16:creationId xmlns:a16="http://schemas.microsoft.com/office/drawing/2014/main" id="{9AF559A4-0F1F-4BB7-9370-E97582222A3B}"/>
+              </a:ext>
+            </a:extLst>
+          </p:cNvPr>
+          <p:cNvSpPr txBox="1"/>
+          <p:nvPr/>
+        </p:nvSpPr>
+        <p:spPr>
+          <a:xfrm>
             <a:off x="495301" y="1346200"/>
             <a:ext cx="11194672" cy="5194299"/>
           </a:xfrm>
@@ -19712,7 +20178,7 @@
 </p:sld>
 </file>
 
-<file path=ppt/slides/slide54.xml><?xml version="1.0" encoding="utf-8"?>
+<file path=ppt/slides/slide55.xml><?xml version="1.0" encoding="utf-8"?>
 <p:sld xmlns:a="http://schemas.openxmlformats.org/drawingml/2006/main" xmlns:r="http://schemas.openxmlformats.org/officeDocument/2006/relationships" xmlns:p="http://schemas.openxmlformats.org/presentationml/2006/main">
   <p:cSld>
     <p:spTree>
@@ -19782,7 +20248,7 @@
 </p:sld>
 </file>
 
-<file path=ppt/slides/slide55.xml><?xml version="1.0" encoding="utf-8"?>
+<file path=ppt/slides/slide56.xml><?xml version="1.0" encoding="utf-8"?>
 <p:sld xmlns:a="http://schemas.openxmlformats.org/drawingml/2006/main" xmlns:r="http://schemas.openxmlformats.org/officeDocument/2006/relationships" xmlns:p="http://schemas.openxmlformats.org/presentationml/2006/main">
   <p:cSld>
     <p:spTree>

--- a/Syllabus/Lecture19/Lec19DNN2.pptx
+++ b/Syllabus/Lecture19/Lec19DNN2.pptx
@@ -5,10 +5,10 @@
     <p:sldMasterId id="2147483664" r:id="rId1"/>
   </p:sldMasterIdLst>
   <p:notesMasterIdLst>
-    <p:notesMasterId r:id="rId58"/>
+    <p:notesMasterId r:id="rId54"/>
   </p:notesMasterIdLst>
   <p:handoutMasterIdLst>
-    <p:handoutMasterId r:id="rId59"/>
+    <p:handoutMasterId r:id="rId55"/>
   </p:handoutMasterIdLst>
   <p:sldIdLst>
     <p:sldId id="266" r:id="rId2"/>
@@ -57,16 +57,12 @@
     <p:sldId id="1551" r:id="rId45"/>
     <p:sldId id="1594" r:id="rId46"/>
     <p:sldId id="1580" r:id="rId47"/>
-    <p:sldId id="1552" r:id="rId48"/>
-    <p:sldId id="1579" r:id="rId49"/>
-    <p:sldId id="1597" r:id="rId50"/>
-    <p:sldId id="1555" r:id="rId51"/>
-    <p:sldId id="1582" r:id="rId52"/>
-    <p:sldId id="1581" r:id="rId53"/>
-    <p:sldId id="1556" r:id="rId54"/>
-    <p:sldId id="1557" r:id="rId55"/>
-    <p:sldId id="1444" r:id="rId56"/>
-    <p:sldId id="410" r:id="rId57"/>
+    <p:sldId id="1597" r:id="rId48"/>
+    <p:sldId id="1555" r:id="rId49"/>
+    <p:sldId id="1582" r:id="rId50"/>
+    <p:sldId id="1581" r:id="rId51"/>
+    <p:sldId id="1444" r:id="rId52"/>
+    <p:sldId id="410" r:id="rId53"/>
   </p:sldIdLst>
   <p:sldSz cx="12192000" cy="6858000"/>
   <p:notesSz cx="6858000" cy="9144000"/>
@@ -216,14 +212,10 @@
             <p14:sldId id="1551"/>
             <p14:sldId id="1594"/>
             <p14:sldId id="1580"/>
-            <p14:sldId id="1552"/>
-            <p14:sldId id="1579"/>
             <p14:sldId id="1597"/>
             <p14:sldId id="1555"/>
             <p14:sldId id="1582"/>
             <p14:sldId id="1581"/>
-            <p14:sldId id="1556"/>
-            <p14:sldId id="1557"/>
             <p14:sldId id="1444"/>
             <p14:sldId id="410"/>
           </p14:sldIdLst>
@@ -14452,12 +14444,8 @@
               <a:buChar char="•"/>
             </a:pPr>
             <a:r>
-              <a:rPr lang="en-US"/>
-              <a:t>If you want </a:t>
-            </a:r>
-            <a:r>
               <a:rPr lang="en-US" dirty="0"/>
-              <a:t>to use gradient descent algorithm than mini-batch gradient descent is the best option.</a:t>
+              <a:t>If you want to use gradient descent algorithm than mini-batch gradient descent is the best option.</a:t>
             </a:r>
           </a:p>
         </p:txBody>
@@ -17888,7 +17876,7 @@
 </file>
 
 <file path=ppt/slides/slide47.xml><?xml version="1.0" encoding="utf-8"?>
-<p:sld xmlns:a="http://schemas.openxmlformats.org/drawingml/2006/main" xmlns:r="http://schemas.openxmlformats.org/officeDocument/2006/relationships" xmlns:p="http://schemas.openxmlformats.org/presentationml/2006/main" show="0">
+<p:sld xmlns:a="http://schemas.openxmlformats.org/drawingml/2006/main" xmlns:r="http://schemas.openxmlformats.org/officeDocument/2006/relationships" xmlns:p="http://schemas.openxmlformats.org/presentationml/2006/main">
   <p:cSld>
     <p:spTree>
       <p:nvGrpSpPr>
@@ -17952,12 +17940,12 @@
           </a:lstStyle>
           <a:p>
             <a:r>
-              <a:rPr lang="en-US" sz="4000" dirty="0">
+              <a:rPr lang="en-US" sz="4400" dirty="0">
                 <a:solidFill>
                   <a:srgbClr val="E46102"/>
                 </a:solidFill>
               </a:rPr>
-              <a:t>Other methods to minimize model complexity</a:t>
+              <a:t>Regularization</a:t>
             </a:r>
           </a:p>
         </p:txBody>
@@ -17976,8 +17964,8 @@
         </p:nvSpPr>
         <p:spPr>
           <a:xfrm>
-            <a:off x="495301" y="1346201"/>
-            <a:ext cx="6923416" cy="2725468"/>
+            <a:off x="495301" y="1346200"/>
+            <a:ext cx="11194672" cy="5194299"/>
           </a:xfrm>
           <a:prstGeom prst="rect">
             <a:avLst/>
@@ -17999,8 +17987,81 @@
               <a:buChar char="•"/>
             </a:pPr>
             <a:r>
-              <a:rPr lang="en-US" dirty="0"/>
-              <a:t>We can also reduce the model complexity by tuning the hyperparameters. Each algorithm has its own hyperparameters. In case of a random forest model, tree depth has a large impact on the model complexity.</a:t>
+              <a:rPr lang="en-US" sz="3200" dirty="0"/>
+              <a:t>Regularization reduces complexity by using</a:t>
+            </a:r>
+            <a:r>
+              <a:rPr lang="en-US" sz="4000" dirty="0"/>
+              <a:t> </a:t>
+            </a:r>
+          </a:p>
+          <a:p>
+            <a:pPr marL="1168383" lvl="1" indent="-457200">
+              <a:buSzPts val="2400"/>
+              <a:buFont typeface="Arial" panose="020B0604020202020204" pitchFamily="34" charset="0"/>
+              <a:buChar char="•"/>
+            </a:pPr>
+            <a:r>
+              <a:rPr lang="en-US" sz="3200" dirty="0">
+                <a:latin typeface="Brush Script MT" panose="03060802040406070304" pitchFamily="66" charset="-122"/>
+                <a:ea typeface="Brush Script MT" panose="03060802040406070304" pitchFamily="66" charset="-122"/>
+                <a:cs typeface="Brush Script MT" panose="03060802040406070304" pitchFamily="66" charset="-122"/>
+              </a:rPr>
+              <a:t>l</a:t>
+            </a:r>
+            <a:r>
+              <a:rPr lang="en-US" sz="3200" dirty="0"/>
+              <a:t>1 and </a:t>
+            </a:r>
+            <a:r>
+              <a:rPr lang="en-US" sz="3200" dirty="0">
+                <a:latin typeface="Brush Script MT" panose="03060802040406070304" pitchFamily="66" charset="-122"/>
+                <a:ea typeface="Brush Script MT" panose="03060802040406070304" pitchFamily="66" charset="-122"/>
+                <a:cs typeface="Brush Script MT" panose="03060802040406070304" pitchFamily="66" charset="-122"/>
+              </a:rPr>
+              <a:t>l</a:t>
+            </a:r>
+            <a:r>
+              <a:rPr lang="en-US" sz="3200" dirty="0"/>
+              <a:t>2 technique</a:t>
+            </a:r>
+          </a:p>
+          <a:p>
+            <a:pPr marL="1168383" lvl="1" indent="-457200">
+              <a:buSzPts val="2400"/>
+              <a:buFont typeface="Arial" panose="020B0604020202020204" pitchFamily="34" charset="0"/>
+              <a:buChar char="•"/>
+            </a:pPr>
+            <a:endParaRPr lang="en-US" sz="3200" dirty="0"/>
+          </a:p>
+          <a:p>
+            <a:pPr marL="1168383" lvl="1" indent="-457200">
+              <a:buSzPts val="2400"/>
+              <a:buFont typeface="Arial" panose="020B0604020202020204" pitchFamily="34" charset="0"/>
+              <a:buChar char="•"/>
+            </a:pPr>
+            <a:r>
+              <a:rPr lang="en-US" sz="3200" b="1" dirty="0"/>
+              <a:t>Dropout</a:t>
+            </a:r>
+          </a:p>
+          <a:p>
+            <a:pPr marL="1168383" lvl="1" indent="-457200">
+              <a:buSzPts val="2400"/>
+              <a:buFont typeface="Arial" panose="020B0604020202020204" pitchFamily="34" charset="0"/>
+              <a:buChar char="•"/>
+            </a:pPr>
+            <a:endParaRPr lang="en-US" sz="3200" dirty="0"/>
+          </a:p>
+          <a:p>
+            <a:pPr marL="1168383" lvl="1" indent="-457200">
+              <a:buSzPts val="2400"/>
+              <a:buFont typeface="Arial" panose="020B0604020202020204" pitchFamily="34" charset="0"/>
+              <a:buChar char="•"/>
+            </a:pPr>
+            <a:r>
+              <a:rPr lang="en-US" sz="3200" dirty="0"/>
+              <a:t>Max-norm regularization (self study)</a:t>
             </a:r>
           </a:p>
           <a:p>
@@ -18009,7 +18070,7 @@
               <a:buFont typeface="Arial" panose="020B0604020202020204" pitchFamily="34" charset="0"/>
               <a:buChar char="•"/>
             </a:pPr>
-            <a:endParaRPr lang="en-US" dirty="0"/>
+            <a:endParaRPr lang="en-US" sz="3200" dirty="0"/>
           </a:p>
           <a:p>
             <a:pPr marL="558798" indent="-457200">
@@ -18018,229 +18079,16 @@
               <a:buChar char="•"/>
             </a:pPr>
             <a:r>
-              <a:rPr lang="en-US" dirty="0"/>
-              <a:t>one of the best regularization techniques in Chapter 10: early stopping. </a:t>
-            </a:r>
-          </a:p>
-          <a:p>
-            <a:pPr marL="1168383" lvl="1" indent="-457200">
-              <a:buSzPts val="2400"/>
-              <a:buFont typeface="Arial" panose="020B0604020202020204" pitchFamily="34" charset="0"/>
-              <a:buChar char="•"/>
-            </a:pPr>
-            <a:r>
-              <a:rPr lang="en-US" dirty="0"/>
-              <a:t>Stop training as soon as validation error reaches a minimum </a:t>
-            </a:r>
-          </a:p>
-          <a:p>
-            <a:pPr marL="1168383" lvl="1" indent="-457200">
-              <a:buSzPts val="2400"/>
-              <a:buFont typeface="Arial" panose="020B0604020202020204" pitchFamily="34" charset="0"/>
-              <a:buChar char="•"/>
-            </a:pPr>
-            <a:endParaRPr lang="en-US" dirty="0"/>
-          </a:p>
-        </p:txBody>
-      </p:sp>
-      <p:pic>
-        <p:nvPicPr>
-          <p:cNvPr id="6145" name="Picture 1" descr="page169image1287458944">
-            <a:extLst>
-              <a:ext uri="{FF2B5EF4-FFF2-40B4-BE49-F238E27FC236}">
-                <a16:creationId xmlns:a16="http://schemas.microsoft.com/office/drawing/2014/main" id="{47C7CFFB-0EB0-1649-97F8-822DE8C893CA}"/>
-              </a:ext>
-            </a:extLst>
-          </p:cNvPr>
-          <p:cNvPicPr>
-            <a:picLocks noChangeAspect="1" noChangeArrowheads="1"/>
-          </p:cNvPicPr>
-          <p:nvPr/>
-        </p:nvPicPr>
-        <p:blipFill>
-          <a:blip r:embed="rId2">
-            <a:extLst>
-              <a:ext uri="{28A0092B-C50C-407E-A947-70E740481C1C}">
-                <a14:useLocalDpi xmlns:a14="http://schemas.microsoft.com/office/drawing/2010/main" val="0"/>
-              </a:ext>
-            </a:extLst>
-          </a:blip>
-          <a:srcRect/>
-          <a:stretch>
-            <a:fillRect/>
-          </a:stretch>
-        </p:blipFill>
-        <p:spPr bwMode="auto">
-          <a:xfrm>
-            <a:off x="0" y="0"/>
-            <a:ext cx="0" cy="2501900"/>
-          </a:xfrm>
-          <a:prstGeom prst="rect">
-            <a:avLst/>
-          </a:prstGeom>
-          <a:noFill/>
-          <a:extLst>
-            <a:ext uri="{909E8E84-426E-40DD-AFC4-6F175D3DCCD1}">
-              <a14:hiddenFill xmlns:a14="http://schemas.microsoft.com/office/drawing/2010/main">
-                <a:solidFill>
-                  <a:srgbClr val="FFFFFF"/>
-                </a:solidFill>
-              </a14:hiddenFill>
-            </a:ext>
-          </a:extLst>
-        </p:spPr>
-      </p:pic>
-      <p:pic>
-        <p:nvPicPr>
-          <p:cNvPr id="6146" name="Picture 2" descr="page169image1287458560">
-            <a:extLst>
-              <a:ext uri="{FF2B5EF4-FFF2-40B4-BE49-F238E27FC236}">
-                <a16:creationId xmlns:a16="http://schemas.microsoft.com/office/drawing/2014/main" id="{57AC0AF4-C9AB-064E-8233-A143B23CFD36}"/>
-              </a:ext>
-            </a:extLst>
-          </p:cNvPr>
-          <p:cNvPicPr>
-            <a:picLocks noChangeAspect="1" noChangeArrowheads="1"/>
-          </p:cNvPicPr>
-          <p:nvPr/>
-        </p:nvPicPr>
-        <p:blipFill>
-          <a:blip r:embed="rId3">
-            <a:extLst>
-              <a:ext uri="{28A0092B-C50C-407E-A947-70E740481C1C}">
-                <a14:useLocalDpi xmlns:a14="http://schemas.microsoft.com/office/drawing/2010/main" val="0"/>
-              </a:ext>
-            </a:extLst>
-          </a:blip>
-          <a:srcRect/>
-          <a:stretch>
-            <a:fillRect/>
-          </a:stretch>
-        </p:blipFill>
-        <p:spPr bwMode="auto">
-          <a:xfrm>
-            <a:off x="0" y="0"/>
-            <a:ext cx="0" cy="2501900"/>
-          </a:xfrm>
-          <a:prstGeom prst="rect">
-            <a:avLst/>
-          </a:prstGeom>
-          <a:noFill/>
-          <a:extLst>
-            <a:ext uri="{909E8E84-426E-40DD-AFC4-6F175D3DCCD1}">
-              <a14:hiddenFill xmlns:a14="http://schemas.microsoft.com/office/drawing/2010/main">
-                <a:solidFill>
-                  <a:srgbClr val="FFFFFF"/>
-                </a:solidFill>
-              </a14:hiddenFill>
-            </a:ext>
-          </a:extLst>
-        </p:spPr>
-      </p:pic>
-      <p:pic>
-        <p:nvPicPr>
-          <p:cNvPr id="6148" name="Picture 4" descr="page169image11260592">
-            <a:extLst>
-              <a:ext uri="{FF2B5EF4-FFF2-40B4-BE49-F238E27FC236}">
-                <a16:creationId xmlns:a16="http://schemas.microsoft.com/office/drawing/2014/main" id="{FC9F8D82-9091-6F44-8D6B-311164753DF9}"/>
-              </a:ext>
-            </a:extLst>
-          </p:cNvPr>
-          <p:cNvPicPr>
-            <a:picLocks noChangeAspect="1" noChangeArrowheads="1"/>
-          </p:cNvPicPr>
-          <p:nvPr/>
-        </p:nvPicPr>
-        <p:blipFill>
-          <a:blip r:embed="rId4">
-            <a:extLst>
-              <a:ext uri="{28A0092B-C50C-407E-A947-70E740481C1C}">
-                <a14:useLocalDpi xmlns:a14="http://schemas.microsoft.com/office/drawing/2010/main" val="0"/>
-              </a:ext>
-            </a:extLst>
-          </a:blip>
-          <a:srcRect/>
-          <a:stretch>
-            <a:fillRect/>
-          </a:stretch>
-        </p:blipFill>
-        <p:spPr bwMode="auto">
-          <a:xfrm>
-            <a:off x="7914017" y="3798887"/>
-            <a:ext cx="3657600" cy="2362200"/>
-          </a:xfrm>
-          <a:prstGeom prst="rect">
-            <a:avLst/>
-          </a:prstGeom>
-          <a:noFill/>
-          <a:extLst>
-            <a:ext uri="{909E8E84-426E-40DD-AFC4-6F175D3DCCD1}">
-              <a14:hiddenFill xmlns:a14="http://schemas.microsoft.com/office/drawing/2010/main">
-                <a:solidFill>
-                  <a:srgbClr val="FFFFFF"/>
-                </a:solidFill>
-              </a14:hiddenFill>
-            </a:ext>
-          </a:extLst>
-        </p:spPr>
-      </p:pic>
-      <p:sp>
-        <p:nvSpPr>
-          <p:cNvPr id="12" name="TextBox 11">
-            <a:extLst>
-              <a:ext uri="{FF2B5EF4-FFF2-40B4-BE49-F238E27FC236}">
-                <a16:creationId xmlns:a16="http://schemas.microsoft.com/office/drawing/2014/main" id="{EFD2E80B-2A26-C94D-8F6B-2A5711A62F22}"/>
-              </a:ext>
-            </a:extLst>
-          </p:cNvPr>
-          <p:cNvSpPr txBox="1"/>
-          <p:nvPr/>
-        </p:nvSpPr>
-        <p:spPr>
-          <a:xfrm>
-            <a:off x="8087264" y="6161087"/>
-            <a:ext cx="3657600" cy="400110"/>
-          </a:xfrm>
-          <a:prstGeom prst="rect">
-            <a:avLst/>
-          </a:prstGeom>
-          <a:noFill/>
-        </p:spPr>
-        <p:txBody>
-          <a:bodyPr wrap="square">
-            <a:spAutoFit/>
-          </a:bodyPr>
-          <a:lstStyle/>
-          <a:p>
-            <a:pPr algn="ctr"/>
-            <a:r>
-              <a:rPr lang="en-US" sz="2000" i="1" dirty="0">
-                <a:solidFill>
-                  <a:schemeClr val="tx1">
-                    <a:lumMod val="65000"/>
-                    <a:lumOff val="35000"/>
-                  </a:schemeClr>
-                </a:solidFill>
-                <a:effectLst/>
-                <a:latin typeface="MinionPro"/>
-              </a:rPr>
-              <a:t>Early stopping regularization </a:t>
-            </a:r>
-            <a:endParaRPr lang="en-US" sz="2000" dirty="0">
-              <a:solidFill>
-                <a:schemeClr val="tx1">
-                  <a:lumMod val="65000"/>
-                  <a:lumOff val="35000"/>
-                </a:schemeClr>
-              </a:solidFill>
-            </a:endParaRPr>
+              <a:rPr lang="en-US" sz="3200" dirty="0"/>
+              <a:t>But first, how is complexity added?</a:t>
+            </a:r>
           </a:p>
         </p:txBody>
       </p:sp>
     </p:spTree>
     <p:extLst>
       <p:ext uri="{BB962C8B-B14F-4D97-AF65-F5344CB8AC3E}">
-        <p14:creationId xmlns:p14="http://schemas.microsoft.com/office/powerpoint/2010/main" val="197990983"/>
+        <p14:creationId xmlns:p14="http://schemas.microsoft.com/office/powerpoint/2010/main" val="2661756504"/>
       </p:ext>
     </p:extLst>
   </p:cSld>
@@ -18251,7 +18099,7 @@
 </file>
 
 <file path=ppt/slides/slide48.xml><?xml version="1.0" encoding="utf-8"?>
-<p:sld xmlns:a="http://schemas.openxmlformats.org/drawingml/2006/main" xmlns:r="http://schemas.openxmlformats.org/officeDocument/2006/relationships" xmlns:p="http://schemas.openxmlformats.org/presentationml/2006/main" show="0">
+<p:sld xmlns:a="http://schemas.openxmlformats.org/drawingml/2006/main" xmlns:r="http://schemas.openxmlformats.org/officeDocument/2006/relationships" xmlns:p="http://schemas.openxmlformats.org/presentationml/2006/main">
   <p:cSld>
     <p:spTree>
       <p:nvGrpSpPr>
@@ -18315,12 +18163,12 @@
           </a:lstStyle>
           <a:p>
             <a:r>
-              <a:rPr lang="en-US" sz="4000" dirty="0">
+              <a:rPr lang="en-US" sz="4400" dirty="0">
                 <a:solidFill>
                   <a:srgbClr val="E46102"/>
                 </a:solidFill>
               </a:rPr>
-              <a:t>Other methods to minimize model complexity</a:t>
+              <a:t>Dropout Regularization</a:t>
             </a:r>
           </a:p>
         </p:txBody>
@@ -18339,8 +18187,8 @@
         </p:nvSpPr>
         <p:spPr>
           <a:xfrm>
-            <a:off x="495301" y="1346201"/>
-            <a:ext cx="6923416" cy="2725468"/>
+            <a:off x="495301" y="1346200"/>
+            <a:ext cx="11194672" cy="4814887"/>
           </a:xfrm>
           <a:prstGeom prst="rect">
             <a:avLst/>
@@ -18356,163 +18204,87 @@
           </a:bodyPr>
           <a:lstStyle/>
           <a:p>
-            <a:pPr marL="101598">
+            <a:pPr marL="558798" indent="-457200">
               <a:buSzPts val="2400"/>
+              <a:buFont typeface="Arial" panose="020B0604020202020204" pitchFamily="34" charset="0"/>
+              <a:buChar char="•"/>
+            </a:pPr>
+            <a:r>
+              <a:rPr lang="en-US" sz="2800" dirty="0"/>
+              <a:t>Proposed* by Geoffrey Hinton in 2012 </a:t>
+            </a:r>
+          </a:p>
+          <a:p>
+            <a:pPr marL="558798" indent="-457200">
+              <a:buSzPts val="2400"/>
+              <a:buFont typeface="Arial" panose="020B0604020202020204" pitchFamily="34" charset="0"/>
+              <a:buChar char="•"/>
+            </a:pPr>
+            <a:endParaRPr lang="en-US" sz="3600" dirty="0"/>
+          </a:p>
+          <a:p>
+            <a:pPr marL="1168383" lvl="1" indent="-457200">
+              <a:buSzPts val="2400"/>
+              <a:buFont typeface="Arial" panose="020B0604020202020204" pitchFamily="34" charset="0"/>
+              <a:buChar char="•"/>
             </a:pPr>
             <a:r>
               <a:rPr lang="en-US" dirty="0"/>
-              <a:t>Note: With SGD and Mini-batch Gradient Descent, the curves are not so smooth, and it may be hard to know whether you have reached the minimum or not. One solution is to stop only after the validation error has been above the minimum for some time (when you are confident that the model will not do any better), then roll back the model parameters to the point where the validation error was at a minimum. </a:t>
-            </a:r>
+              <a:t>highly successful, even the state-of- the-art neural networks (95% accuracy) got a 1–2% accuracy boost simply by adding dropout</a:t>
+            </a:r>
+          </a:p>
+          <a:p>
+            <a:pPr marL="1168383" lvl="1" indent="-457200">
+              <a:buSzPts val="2400"/>
+              <a:buFont typeface="Arial" panose="020B0604020202020204" pitchFamily="34" charset="0"/>
+              <a:buChar char="•"/>
+            </a:pPr>
+            <a:endParaRPr lang="en-US" dirty="0"/>
+          </a:p>
+          <a:p>
+            <a:pPr marL="1168383" lvl="1" indent="-457200">
+              <a:buSzPts val="2400"/>
+              <a:buFont typeface="Arial" panose="020B0604020202020204" pitchFamily="34" charset="0"/>
+              <a:buChar char="•"/>
+            </a:pPr>
+            <a:r>
+              <a:rPr lang="en-US" dirty="0"/>
+              <a:t>what this means -&gt; getting a 2% accuracy boost means dropping the error rate by almost 40% (going from 5% error to roughly 3%). </a:t>
+            </a:r>
+            <a:endParaRPr lang="en-US" sz="3200" dirty="0"/>
+          </a:p>
+          <a:p>
+            <a:pPr marL="1168383" lvl="1" indent="-457200">
+              <a:buSzPts val="2400"/>
+              <a:buFont typeface="Arial" panose="020B0604020202020204" pitchFamily="34" charset="0"/>
+              <a:buChar char="•"/>
+            </a:pPr>
+            <a:endParaRPr lang="en-US" sz="3200" dirty="0"/>
+          </a:p>
+          <a:p>
+            <a:pPr marL="558798" indent="-457200">
+              <a:buSzPts val="2400"/>
+              <a:buFont typeface="Arial" panose="020B0604020202020204" pitchFamily="34" charset="0"/>
+              <a:buChar char="•"/>
+            </a:pPr>
+            <a:endParaRPr lang="en-US" sz="3600" dirty="0"/>
+          </a:p>
+          <a:p>
+            <a:pPr marL="558798" indent="-457200">
+              <a:buSzPts val="2400"/>
+              <a:buFont typeface="Arial" panose="020B0604020202020204" pitchFamily="34" charset="0"/>
+              <a:buChar char="•"/>
+            </a:pPr>
+            <a:endParaRPr lang="en-US" sz="3600" dirty="0"/>
           </a:p>
         </p:txBody>
       </p:sp>
-      <p:pic>
-        <p:nvPicPr>
-          <p:cNvPr id="6145" name="Picture 1" descr="page169image1287458944">
+      <p:sp>
+        <p:nvSpPr>
+          <p:cNvPr id="2" name="TextBox 1">
             <a:extLst>
               <a:ext uri="{FF2B5EF4-FFF2-40B4-BE49-F238E27FC236}">
-                <a16:creationId xmlns:a16="http://schemas.microsoft.com/office/drawing/2014/main" id="{47C7CFFB-0EB0-1649-97F8-822DE8C893CA}"/>
-              </a:ext>
-            </a:extLst>
-          </p:cNvPr>
-          <p:cNvPicPr>
-            <a:picLocks noChangeAspect="1" noChangeArrowheads="1"/>
-          </p:cNvPicPr>
-          <p:nvPr/>
-        </p:nvPicPr>
-        <p:blipFill>
-          <a:blip r:embed="rId2">
-            <a:extLst>
-              <a:ext uri="{28A0092B-C50C-407E-A947-70E740481C1C}">
-                <a14:useLocalDpi xmlns:a14="http://schemas.microsoft.com/office/drawing/2010/main" val="0"/>
-              </a:ext>
-            </a:extLst>
-          </a:blip>
-          <a:srcRect/>
-          <a:stretch>
-            <a:fillRect/>
-          </a:stretch>
-        </p:blipFill>
-        <p:spPr bwMode="auto">
-          <a:xfrm>
-            <a:off x="0" y="0"/>
-            <a:ext cx="0" cy="2501900"/>
-          </a:xfrm>
-          <a:prstGeom prst="rect">
-            <a:avLst/>
-          </a:prstGeom>
-          <a:noFill/>
-          <a:extLst>
-            <a:ext uri="{909E8E84-426E-40DD-AFC4-6F175D3DCCD1}">
-              <a14:hiddenFill xmlns:a14="http://schemas.microsoft.com/office/drawing/2010/main">
-                <a:solidFill>
-                  <a:srgbClr val="FFFFFF"/>
-                </a:solidFill>
-              </a14:hiddenFill>
-            </a:ext>
-          </a:extLst>
-        </p:spPr>
-      </p:pic>
-      <p:pic>
-        <p:nvPicPr>
-          <p:cNvPr id="6146" name="Picture 2" descr="page169image1287458560">
-            <a:extLst>
-              <a:ext uri="{FF2B5EF4-FFF2-40B4-BE49-F238E27FC236}">
-                <a16:creationId xmlns:a16="http://schemas.microsoft.com/office/drawing/2014/main" id="{57AC0AF4-C9AB-064E-8233-A143B23CFD36}"/>
-              </a:ext>
-            </a:extLst>
-          </p:cNvPr>
-          <p:cNvPicPr>
-            <a:picLocks noChangeAspect="1" noChangeArrowheads="1"/>
-          </p:cNvPicPr>
-          <p:nvPr/>
-        </p:nvPicPr>
-        <p:blipFill>
-          <a:blip r:embed="rId3">
-            <a:extLst>
-              <a:ext uri="{28A0092B-C50C-407E-A947-70E740481C1C}">
-                <a14:useLocalDpi xmlns:a14="http://schemas.microsoft.com/office/drawing/2010/main" val="0"/>
-              </a:ext>
-            </a:extLst>
-          </a:blip>
-          <a:srcRect/>
-          <a:stretch>
-            <a:fillRect/>
-          </a:stretch>
-        </p:blipFill>
-        <p:spPr bwMode="auto">
-          <a:xfrm>
-            <a:off x="0" y="0"/>
-            <a:ext cx="0" cy="2501900"/>
-          </a:xfrm>
-          <a:prstGeom prst="rect">
-            <a:avLst/>
-          </a:prstGeom>
-          <a:noFill/>
-          <a:extLst>
-            <a:ext uri="{909E8E84-426E-40DD-AFC4-6F175D3DCCD1}">
-              <a14:hiddenFill xmlns:a14="http://schemas.microsoft.com/office/drawing/2010/main">
-                <a:solidFill>
-                  <a:srgbClr val="FFFFFF"/>
-                </a:solidFill>
-              </a14:hiddenFill>
-            </a:ext>
-          </a:extLst>
-        </p:spPr>
-      </p:pic>
-      <p:pic>
-        <p:nvPicPr>
-          <p:cNvPr id="6148" name="Picture 4" descr="page169image11260592">
-            <a:extLst>
-              <a:ext uri="{FF2B5EF4-FFF2-40B4-BE49-F238E27FC236}">
-                <a16:creationId xmlns:a16="http://schemas.microsoft.com/office/drawing/2014/main" id="{FC9F8D82-9091-6F44-8D6B-311164753DF9}"/>
-              </a:ext>
-            </a:extLst>
-          </p:cNvPr>
-          <p:cNvPicPr>
-            <a:picLocks noChangeAspect="1" noChangeArrowheads="1"/>
-          </p:cNvPicPr>
-          <p:nvPr/>
-        </p:nvPicPr>
-        <p:blipFill>
-          <a:blip r:embed="rId4">
-            <a:extLst>
-              <a:ext uri="{28A0092B-C50C-407E-A947-70E740481C1C}">
-                <a14:useLocalDpi xmlns:a14="http://schemas.microsoft.com/office/drawing/2010/main" val="0"/>
-              </a:ext>
-            </a:extLst>
-          </a:blip>
-          <a:srcRect/>
-          <a:stretch>
-            <a:fillRect/>
-          </a:stretch>
-        </p:blipFill>
-        <p:spPr bwMode="auto">
-          <a:xfrm>
-            <a:off x="7351538" y="3435619"/>
-            <a:ext cx="4220079" cy="2725468"/>
-          </a:xfrm>
-          <a:prstGeom prst="rect">
-            <a:avLst/>
-          </a:prstGeom>
-          <a:noFill/>
-          <a:extLst>
-            <a:ext uri="{909E8E84-426E-40DD-AFC4-6F175D3DCCD1}">
-              <a14:hiddenFill xmlns:a14="http://schemas.microsoft.com/office/drawing/2010/main">
-                <a:solidFill>
-                  <a:srgbClr val="FFFFFF"/>
-                </a:solidFill>
-              </a14:hiddenFill>
-            </a:ext>
-          </a:extLst>
-        </p:spPr>
-      </p:pic>
-      <p:sp>
-        <p:nvSpPr>
-          <p:cNvPr id="12" name="TextBox 11">
-            <a:extLst>
-              <a:ext uri="{FF2B5EF4-FFF2-40B4-BE49-F238E27FC236}">
-                <a16:creationId xmlns:a16="http://schemas.microsoft.com/office/drawing/2014/main" id="{EFD2E80B-2A26-C94D-8F6B-2A5711A62F22}"/>
+                <a16:creationId xmlns:a16="http://schemas.microsoft.com/office/drawing/2014/main" id="{3081F310-2260-F240-AD0C-CAA60FB6DE27}"/>
               </a:ext>
             </a:extLst>
           </p:cNvPr>
@@ -18521,8 +18293,8 @@
         </p:nvSpPr>
         <p:spPr>
           <a:xfrm>
-            <a:off x="8087264" y="6161087"/>
-            <a:ext cx="3657600" cy="400110"/>
+            <a:off x="337611" y="6373857"/>
+            <a:ext cx="10713189" cy="369332"/>
           </a:xfrm>
           <a:prstGeom prst="rect">
             <a:avLst/>
@@ -18530,40 +18302,29 @@
           <a:noFill/>
         </p:spPr>
         <p:txBody>
-          <a:bodyPr wrap="square">
+          <a:bodyPr wrap="none" rtlCol="0">
             <a:spAutoFit/>
           </a:bodyPr>
           <a:lstStyle/>
           <a:p>
-            <a:pPr algn="ctr"/>
-            <a:r>
-              <a:rPr lang="en-US" sz="2000" i="1" dirty="0">
+            <a:r>
+              <a:rPr lang="en-US" sz="1800" i="1" dirty="0">
                 <a:solidFill>
                   <a:schemeClr val="tx1">
-                    <a:lumMod val="65000"/>
-                    <a:lumOff val="35000"/>
+                    <a:lumMod val="50000"/>
+                    <a:lumOff val="50000"/>
                   </a:schemeClr>
                 </a:solidFill>
-                <a:effectLst/>
-                <a:latin typeface="MinionPro"/>
-              </a:rPr>
-              <a:t>Early stopping regularization </a:t>
-            </a:r>
-            <a:endParaRPr lang="en-US" sz="2000" dirty="0">
-              <a:solidFill>
-                <a:schemeClr val="tx1">
-                  <a:lumMod val="65000"/>
-                  <a:lumOff val="35000"/>
-                </a:schemeClr>
-              </a:solidFill>
-            </a:endParaRPr>
+              </a:rPr>
+              <a:t>* Improving neural networks by preventing co-adaptation of feature detectors by G. Hinton et al. (2012).</a:t>
+            </a:r>
           </a:p>
         </p:txBody>
       </p:sp>
     </p:spTree>
     <p:extLst>
       <p:ext uri="{BB962C8B-B14F-4D97-AF65-F5344CB8AC3E}">
-        <p14:creationId xmlns:p14="http://schemas.microsoft.com/office/powerpoint/2010/main" val="2608755573"/>
+        <p14:creationId xmlns:p14="http://schemas.microsoft.com/office/powerpoint/2010/main" val="197080534"/>
       </p:ext>
     </p:extLst>
   </p:cSld>
@@ -18643,7 +18404,7 @@
                   <a:srgbClr val="E46102"/>
                 </a:solidFill>
               </a:rPr>
-              <a:t>Regularization</a:t>
+              <a:t>Dropout - Intuition</a:t>
             </a:r>
           </a:p>
         </p:txBody>
@@ -18662,8 +18423,8 @@
         </p:nvSpPr>
         <p:spPr>
           <a:xfrm>
-            <a:off x="495301" y="1346200"/>
-            <a:ext cx="11194672" cy="5194299"/>
+            <a:off x="997328" y="1346200"/>
+            <a:ext cx="10200940" cy="4703871"/>
           </a:xfrm>
           <a:prstGeom prst="rect">
             <a:avLst/>
@@ -18679,106 +18440,33 @@
           </a:bodyPr>
           <a:lstStyle/>
           <a:p>
-            <a:pPr marL="558798" indent="-457200">
+            <a:pPr marL="101598">
               <a:buSzPts val="2400"/>
-              <a:buFont typeface="Arial" panose="020B0604020202020204" pitchFamily="34" charset="0"/>
-              <a:buChar char="•"/>
-            </a:pPr>
-            <a:r>
-              <a:rPr lang="en-US" sz="3200" dirty="0"/>
-              <a:t>Regularization reduces complexity by using</a:t>
-            </a:r>
-            <a:r>
-              <a:rPr lang="en-US" sz="4000" dirty="0"/>
-              <a:t> </a:t>
-            </a:r>
-          </a:p>
-          <a:p>
-            <a:pPr marL="1168383" lvl="1" indent="-457200">
+            </a:pPr>
+            <a:r>
+              <a:rPr lang="en-US" sz="2000" dirty="0"/>
+              <a:t>Real world Analogy - Would a company perform better if its employees were told to toss a coin every morning to decide whether or not to go to work? Well, who knows; perhaps it would! The company would obviously be forced to adapt its organization; it could not rely on any single person to fill in the coffee machine or perform any other critical tasks, so this expertise would have to be spread across several people. Employees would have to learn to cooperate with many of their coworkers, not just a handful of them. The company would become much more resilient. If one person quit, it wouldn’t make much of a difference. It’s unclear whether this idea would actually work for companies, but it certainly does for neural networks.</a:t>
+            </a:r>
+          </a:p>
+          <a:p>
+            <a:pPr marL="101598">
               <a:buSzPts val="2400"/>
-              <a:buFont typeface="Arial" panose="020B0604020202020204" pitchFamily="34" charset="0"/>
-              <a:buChar char="•"/>
-            </a:pPr>
-            <a:r>
-              <a:rPr lang="en-US" sz="3200" dirty="0">
-                <a:latin typeface="Brush Script MT" panose="03060802040406070304" pitchFamily="66" charset="-122"/>
-                <a:ea typeface="Brush Script MT" panose="03060802040406070304" pitchFamily="66" charset="-122"/>
-                <a:cs typeface="Brush Script MT" panose="03060802040406070304" pitchFamily="66" charset="-122"/>
-              </a:rPr>
-              <a:t>l</a:t>
-            </a:r>
-            <a:r>
-              <a:rPr lang="en-US" sz="3200" dirty="0"/>
-              <a:t>1 and </a:t>
-            </a:r>
-            <a:r>
-              <a:rPr lang="en-US" sz="3200" dirty="0">
-                <a:latin typeface="Brush Script MT" panose="03060802040406070304" pitchFamily="66" charset="-122"/>
-                <a:ea typeface="Brush Script MT" panose="03060802040406070304" pitchFamily="66" charset="-122"/>
-                <a:cs typeface="Brush Script MT" panose="03060802040406070304" pitchFamily="66" charset="-122"/>
-              </a:rPr>
-              <a:t>l</a:t>
-            </a:r>
-            <a:r>
-              <a:rPr lang="en-US" sz="3200" dirty="0"/>
-              <a:t>2 technique</a:t>
-            </a:r>
-          </a:p>
-          <a:p>
-            <a:pPr marL="1168383" lvl="1" indent="-457200">
+            </a:pPr>
+            <a:endParaRPr lang="en-US" sz="2000" dirty="0"/>
+          </a:p>
+          <a:p>
+            <a:pPr marL="101598">
               <a:buSzPts val="2400"/>
-              <a:buFont typeface="Arial" panose="020B0604020202020204" pitchFamily="34" charset="0"/>
-              <a:buChar char="•"/>
-            </a:pPr>
-            <a:endParaRPr lang="en-US" sz="3200" dirty="0"/>
-          </a:p>
-          <a:p>
-            <a:pPr marL="1168383" lvl="1" indent="-457200">
+            </a:pPr>
+            <a:endParaRPr lang="en-US" sz="2000" dirty="0"/>
+          </a:p>
+          <a:p>
+            <a:pPr marL="101598">
               <a:buSzPts val="2400"/>
-              <a:buFont typeface="Arial" panose="020B0604020202020204" pitchFamily="34" charset="0"/>
-              <a:buChar char="•"/>
-            </a:pPr>
-            <a:r>
-              <a:rPr lang="en-US" sz="3200" b="1" dirty="0"/>
-              <a:t>Dropout</a:t>
-            </a:r>
-          </a:p>
-          <a:p>
-            <a:pPr marL="1168383" lvl="1" indent="-457200">
-              <a:buSzPts val="2400"/>
-              <a:buFont typeface="Arial" panose="020B0604020202020204" pitchFamily="34" charset="0"/>
-              <a:buChar char="•"/>
-            </a:pPr>
-            <a:endParaRPr lang="en-US" sz="3200" dirty="0"/>
-          </a:p>
-          <a:p>
-            <a:pPr marL="1168383" lvl="1" indent="-457200">
-              <a:buSzPts val="2400"/>
-              <a:buFont typeface="Arial" panose="020B0604020202020204" pitchFamily="34" charset="0"/>
-              <a:buChar char="•"/>
-            </a:pPr>
-            <a:r>
-              <a:rPr lang="en-US" sz="3200" dirty="0"/>
-              <a:t>Max-norm regularization (self study)</a:t>
-            </a:r>
-          </a:p>
-          <a:p>
-            <a:pPr marL="558798" indent="-457200">
-              <a:buSzPts val="2400"/>
-              <a:buFont typeface="Arial" panose="020B0604020202020204" pitchFamily="34" charset="0"/>
-              <a:buChar char="•"/>
-            </a:pPr>
-            <a:endParaRPr lang="en-US" sz="3200" dirty="0"/>
-          </a:p>
-          <a:p>
-            <a:pPr marL="558798" indent="-457200">
-              <a:buSzPts val="2400"/>
-              <a:buFont typeface="Arial" panose="020B0604020202020204" pitchFamily="34" charset="0"/>
-              <a:buChar char="•"/>
-            </a:pPr>
-            <a:r>
-              <a:rPr lang="en-US" sz="3200" dirty="0"/>
-              <a:t>But first, how is complexity added?</a:t>
+            </a:pPr>
+            <a:r>
+              <a:rPr lang="en-US" sz="2000" dirty="0"/>
+              <a:t>NN - Neurons trained with dropout cannot co-adapt with their neighboring neurons; they have to be as useful as possible on their own. They also cannot rely excessively on just a few input neurons; they must pay attention to each of their input neurons. They end up being less sensitive to slight changes in the inputs. In the end you get a more robust network that generalizes better.</a:t>
             </a:r>
           </a:p>
         </p:txBody>
@@ -18786,7 +18474,7 @@
     </p:spTree>
     <p:extLst>
       <p:ext uri="{BB962C8B-B14F-4D97-AF65-F5344CB8AC3E}">
-        <p14:creationId xmlns:p14="http://schemas.microsoft.com/office/powerpoint/2010/main" val="2661756504"/>
+        <p14:creationId xmlns:p14="http://schemas.microsoft.com/office/powerpoint/2010/main" val="3006778903"/>
       </p:ext>
     </p:extLst>
   </p:cSld>
@@ -19293,392 +18981,6 @@
                   <a:srgbClr val="E46102"/>
                 </a:solidFill>
               </a:rPr>
-              <a:t>Dropout Regularization</a:t>
-            </a:r>
-          </a:p>
-        </p:txBody>
-      </p:sp>
-      <p:sp>
-        <p:nvSpPr>
-          <p:cNvPr id="5" name="Google Shape;96;p14">
-            <a:extLst>
-              <a:ext uri="{FF2B5EF4-FFF2-40B4-BE49-F238E27FC236}">
-                <a16:creationId xmlns:a16="http://schemas.microsoft.com/office/drawing/2014/main" id="{9AF559A4-0F1F-4BB7-9370-E97582222A3B}"/>
-              </a:ext>
-            </a:extLst>
-          </p:cNvPr>
-          <p:cNvSpPr txBox="1"/>
-          <p:nvPr/>
-        </p:nvSpPr>
-        <p:spPr>
-          <a:xfrm>
-            <a:off x="495301" y="1346200"/>
-            <a:ext cx="11194672" cy="4814887"/>
-          </a:xfrm>
-          <a:prstGeom prst="rect">
-            <a:avLst/>
-          </a:prstGeom>
-          <a:noFill/>
-          <a:ln>
-            <a:noFill/>
-          </a:ln>
-        </p:spPr>
-        <p:txBody>
-          <a:bodyPr spcFirstLastPara="1" wrap="square" lIns="121900" tIns="121900" rIns="121900" bIns="121900" anchor="t" anchorCtr="0">
-            <a:noAutofit/>
-          </a:bodyPr>
-          <a:lstStyle/>
-          <a:p>
-            <a:pPr marL="558798" indent="-457200">
-              <a:buSzPts val="2400"/>
-              <a:buFont typeface="Arial" panose="020B0604020202020204" pitchFamily="34" charset="0"/>
-              <a:buChar char="•"/>
-            </a:pPr>
-            <a:r>
-              <a:rPr lang="en-US" sz="2800" dirty="0"/>
-              <a:t>Proposed* by Geoffrey Hinton in 2012 </a:t>
-            </a:r>
-          </a:p>
-          <a:p>
-            <a:pPr marL="558798" indent="-457200">
-              <a:buSzPts val="2400"/>
-              <a:buFont typeface="Arial" panose="020B0604020202020204" pitchFamily="34" charset="0"/>
-              <a:buChar char="•"/>
-            </a:pPr>
-            <a:endParaRPr lang="en-US" sz="3600" dirty="0"/>
-          </a:p>
-          <a:p>
-            <a:pPr marL="1168383" lvl="1" indent="-457200">
-              <a:buSzPts val="2400"/>
-              <a:buFont typeface="Arial" panose="020B0604020202020204" pitchFamily="34" charset="0"/>
-              <a:buChar char="•"/>
-            </a:pPr>
-            <a:r>
-              <a:rPr lang="en-US" dirty="0"/>
-              <a:t>highly successful, even the state-of- the-art neural networks (95% accuracy) got a 1–2% accuracy boost simply by adding dropout</a:t>
-            </a:r>
-          </a:p>
-          <a:p>
-            <a:pPr marL="1168383" lvl="1" indent="-457200">
-              <a:buSzPts val="2400"/>
-              <a:buFont typeface="Arial" panose="020B0604020202020204" pitchFamily="34" charset="0"/>
-              <a:buChar char="•"/>
-            </a:pPr>
-            <a:endParaRPr lang="en-US" dirty="0"/>
-          </a:p>
-          <a:p>
-            <a:pPr marL="1168383" lvl="1" indent="-457200">
-              <a:buSzPts val="2400"/>
-              <a:buFont typeface="Arial" panose="020B0604020202020204" pitchFamily="34" charset="0"/>
-              <a:buChar char="•"/>
-            </a:pPr>
-            <a:r>
-              <a:rPr lang="en-US" dirty="0"/>
-              <a:t>what this means -&gt; getting a 2% accuracy boost means dropping the error rate by almost 40% (going from 5% error to roughly 3%). </a:t>
-            </a:r>
-            <a:endParaRPr lang="en-US" sz="3200" dirty="0"/>
-          </a:p>
-          <a:p>
-            <a:pPr marL="1168383" lvl="1" indent="-457200">
-              <a:buSzPts val="2400"/>
-              <a:buFont typeface="Arial" panose="020B0604020202020204" pitchFamily="34" charset="0"/>
-              <a:buChar char="•"/>
-            </a:pPr>
-            <a:endParaRPr lang="en-US" sz="3200" dirty="0"/>
-          </a:p>
-          <a:p>
-            <a:pPr marL="558798" indent="-457200">
-              <a:buSzPts val="2400"/>
-              <a:buFont typeface="Arial" panose="020B0604020202020204" pitchFamily="34" charset="0"/>
-              <a:buChar char="•"/>
-            </a:pPr>
-            <a:endParaRPr lang="en-US" sz="3600" dirty="0"/>
-          </a:p>
-          <a:p>
-            <a:pPr marL="558798" indent="-457200">
-              <a:buSzPts val="2400"/>
-              <a:buFont typeface="Arial" panose="020B0604020202020204" pitchFamily="34" charset="0"/>
-              <a:buChar char="•"/>
-            </a:pPr>
-            <a:endParaRPr lang="en-US" sz="3600" dirty="0"/>
-          </a:p>
-        </p:txBody>
-      </p:sp>
-      <p:sp>
-        <p:nvSpPr>
-          <p:cNvPr id="2" name="TextBox 1">
-            <a:extLst>
-              <a:ext uri="{FF2B5EF4-FFF2-40B4-BE49-F238E27FC236}">
-                <a16:creationId xmlns:a16="http://schemas.microsoft.com/office/drawing/2014/main" id="{3081F310-2260-F240-AD0C-CAA60FB6DE27}"/>
-              </a:ext>
-            </a:extLst>
-          </p:cNvPr>
-          <p:cNvSpPr txBox="1"/>
-          <p:nvPr/>
-        </p:nvSpPr>
-        <p:spPr>
-          <a:xfrm>
-            <a:off x="337611" y="6373857"/>
-            <a:ext cx="10713189" cy="369332"/>
-          </a:xfrm>
-          <a:prstGeom prst="rect">
-            <a:avLst/>
-          </a:prstGeom>
-          <a:noFill/>
-        </p:spPr>
-        <p:txBody>
-          <a:bodyPr wrap="none" rtlCol="0">
-            <a:spAutoFit/>
-          </a:bodyPr>
-          <a:lstStyle/>
-          <a:p>
-            <a:r>
-              <a:rPr lang="en-US" sz="1800" i="1" dirty="0">
-                <a:solidFill>
-                  <a:schemeClr val="tx1">
-                    <a:lumMod val="50000"/>
-                    <a:lumOff val="50000"/>
-                  </a:schemeClr>
-                </a:solidFill>
-              </a:rPr>
-              <a:t>* Improving neural networks by preventing co-adaptation of feature detectors by G. Hinton et al. (2012).</a:t>
-            </a:r>
-          </a:p>
-        </p:txBody>
-      </p:sp>
-    </p:spTree>
-    <p:extLst>
-      <p:ext uri="{BB962C8B-B14F-4D97-AF65-F5344CB8AC3E}">
-        <p14:creationId xmlns:p14="http://schemas.microsoft.com/office/powerpoint/2010/main" val="197080534"/>
-      </p:ext>
-    </p:extLst>
-  </p:cSld>
-  <p:clrMapOvr>
-    <a:masterClrMapping/>
-  </p:clrMapOvr>
-</p:sld>
-</file>
-
-<file path=ppt/slides/slide51.xml><?xml version="1.0" encoding="utf-8"?>
-<p:sld xmlns:a="http://schemas.openxmlformats.org/drawingml/2006/main" xmlns:r="http://schemas.openxmlformats.org/officeDocument/2006/relationships" xmlns:p="http://schemas.openxmlformats.org/presentationml/2006/main">
-  <p:cSld>
-    <p:spTree>
-      <p:nvGrpSpPr>
-        <p:cNvPr id="1" name=""/>
-        <p:cNvGrpSpPr/>
-        <p:nvPr/>
-      </p:nvGrpSpPr>
-      <p:grpSpPr>
-        <a:xfrm>
-          <a:off x="0" y="0"/>
-          <a:ext cx="0" cy="0"/>
-          <a:chOff x="0" y="0"/>
-          <a:chExt cx="0" cy="0"/>
-        </a:xfrm>
-      </p:grpSpPr>
-      <p:sp>
-        <p:nvSpPr>
-          <p:cNvPr id="4" name="Google Shape;95;p14">
-            <a:extLst>
-              <a:ext uri="{FF2B5EF4-FFF2-40B4-BE49-F238E27FC236}">
-                <a16:creationId xmlns:a16="http://schemas.microsoft.com/office/drawing/2014/main" id="{F510D98E-5D08-45D0-94BE-70EBCB426A1D}"/>
-              </a:ext>
-            </a:extLst>
-          </p:cNvPr>
-          <p:cNvSpPr txBox="1">
-            <a:spLocks/>
-          </p:cNvSpPr>
-          <p:nvPr/>
-        </p:nvSpPr>
-        <p:spPr>
-          <a:xfrm>
-            <a:off x="717173" y="696913"/>
-            <a:ext cx="10972800" cy="649287"/>
-          </a:xfrm>
-          <a:prstGeom prst="rect">
-            <a:avLst/>
-          </a:prstGeom>
-          <a:ln>
-            <a:noFill/>
-          </a:ln>
-        </p:spPr>
-        <p:txBody>
-          <a:bodyPr spcFirstLastPara="1" wrap="square" lIns="121900" tIns="121900" rIns="121900" bIns="121900" anchor="ctr" anchorCtr="0">
-            <a:noAutofit/>
-          </a:bodyPr>
-          <a:lstStyle>
-            <a:lvl1pPr algn="ctr" defTabSz="609585" rtl="0" eaLnBrk="1" latinLnBrk="0" hangingPunct="1">
-              <a:spcBef>
-                <a:spcPct val="0"/>
-              </a:spcBef>
-              <a:buNone/>
-              <a:defRPr sz="5867" kern="1200">
-                <a:solidFill>
-                  <a:schemeClr val="tx1"/>
-                </a:solidFill>
-                <a:latin typeface="+mj-lt"/>
-                <a:ea typeface="+mj-ea"/>
-                <a:cs typeface="+mj-cs"/>
-              </a:defRPr>
-            </a:lvl1pPr>
-          </a:lstStyle>
-          <a:p>
-            <a:r>
-              <a:rPr lang="en-US" sz="4400" dirty="0">
-                <a:solidFill>
-                  <a:srgbClr val="E46102"/>
-                </a:solidFill>
-              </a:rPr>
-              <a:t>Dropout - Intuition</a:t>
-            </a:r>
-          </a:p>
-        </p:txBody>
-      </p:sp>
-      <p:sp>
-        <p:nvSpPr>
-          <p:cNvPr id="5" name="Google Shape;96;p14">
-            <a:extLst>
-              <a:ext uri="{FF2B5EF4-FFF2-40B4-BE49-F238E27FC236}">
-                <a16:creationId xmlns:a16="http://schemas.microsoft.com/office/drawing/2014/main" id="{9AF559A4-0F1F-4BB7-9370-E97582222A3B}"/>
-              </a:ext>
-            </a:extLst>
-          </p:cNvPr>
-          <p:cNvSpPr txBox="1"/>
-          <p:nvPr/>
-        </p:nvSpPr>
-        <p:spPr>
-          <a:xfrm>
-            <a:off x="997328" y="1346200"/>
-            <a:ext cx="10200940" cy="4703871"/>
-          </a:xfrm>
-          <a:prstGeom prst="rect">
-            <a:avLst/>
-          </a:prstGeom>
-          <a:noFill/>
-          <a:ln>
-            <a:noFill/>
-          </a:ln>
-        </p:spPr>
-        <p:txBody>
-          <a:bodyPr spcFirstLastPara="1" wrap="square" lIns="121900" tIns="121900" rIns="121900" bIns="121900" anchor="t" anchorCtr="0">
-            <a:noAutofit/>
-          </a:bodyPr>
-          <a:lstStyle/>
-          <a:p>
-            <a:pPr marL="101598">
-              <a:buSzPts val="2400"/>
-            </a:pPr>
-            <a:r>
-              <a:rPr lang="en-US" sz="2000" dirty="0"/>
-              <a:t>Real world Analogy - Would a company perform better if its employees were told to toss a coin every morning to decide whether or not to go to work? Well, who knows; perhaps it would! The company would obviously be forced to adapt its organization; it could not rely on any single person to fill in the coffee machine or perform any other critical tasks, so this expertise would have to be spread across several people. Employees would have to learn to cooperate with many of their coworkers, not just a handful of them. The company would become much more resilient. If one person quit, it wouldn’t make much of a difference. It’s unclear whether this idea would actually work for companies, but it certainly does for neural networks.</a:t>
-            </a:r>
-          </a:p>
-          <a:p>
-            <a:pPr marL="101598">
-              <a:buSzPts val="2400"/>
-            </a:pPr>
-            <a:endParaRPr lang="en-US" sz="2000" dirty="0"/>
-          </a:p>
-          <a:p>
-            <a:pPr marL="101598">
-              <a:buSzPts val="2400"/>
-            </a:pPr>
-            <a:endParaRPr lang="en-US" sz="2000" dirty="0"/>
-          </a:p>
-          <a:p>
-            <a:pPr marL="101598">
-              <a:buSzPts val="2400"/>
-            </a:pPr>
-            <a:r>
-              <a:rPr lang="en-US" sz="2000" dirty="0"/>
-              <a:t>NN - Neurons trained with dropout cannot co-adapt with their neighboring neurons; they have to be as useful as possible on their own. They also cannot rely excessively on just a few input neurons; they must pay attention to each of their input neurons. They end up being less sensitive to slight changes in the inputs. In the end you get a more robust network that generalizes better.</a:t>
-            </a:r>
-          </a:p>
-        </p:txBody>
-      </p:sp>
-    </p:spTree>
-    <p:extLst>
-      <p:ext uri="{BB962C8B-B14F-4D97-AF65-F5344CB8AC3E}">
-        <p14:creationId xmlns:p14="http://schemas.microsoft.com/office/powerpoint/2010/main" val="3006778903"/>
-      </p:ext>
-    </p:extLst>
-  </p:cSld>
-  <p:clrMapOvr>
-    <a:masterClrMapping/>
-  </p:clrMapOvr>
-</p:sld>
-</file>
-
-<file path=ppt/slides/slide52.xml><?xml version="1.0" encoding="utf-8"?>
-<p:sld xmlns:a="http://schemas.openxmlformats.org/drawingml/2006/main" xmlns:r="http://schemas.openxmlformats.org/officeDocument/2006/relationships" xmlns:p="http://schemas.openxmlformats.org/presentationml/2006/main">
-  <p:cSld>
-    <p:spTree>
-      <p:nvGrpSpPr>
-        <p:cNvPr id="1" name=""/>
-        <p:cNvGrpSpPr/>
-        <p:nvPr/>
-      </p:nvGrpSpPr>
-      <p:grpSpPr>
-        <a:xfrm>
-          <a:off x="0" y="0"/>
-          <a:ext cx="0" cy="0"/>
-          <a:chOff x="0" y="0"/>
-          <a:chExt cx="0" cy="0"/>
-        </a:xfrm>
-      </p:grpSpPr>
-      <p:sp>
-        <p:nvSpPr>
-          <p:cNvPr id="4" name="Google Shape;95;p14">
-            <a:extLst>
-              <a:ext uri="{FF2B5EF4-FFF2-40B4-BE49-F238E27FC236}">
-                <a16:creationId xmlns:a16="http://schemas.microsoft.com/office/drawing/2014/main" id="{F510D98E-5D08-45D0-94BE-70EBCB426A1D}"/>
-              </a:ext>
-            </a:extLst>
-          </p:cNvPr>
-          <p:cNvSpPr txBox="1">
-            <a:spLocks/>
-          </p:cNvSpPr>
-          <p:nvPr/>
-        </p:nvSpPr>
-        <p:spPr>
-          <a:xfrm>
-            <a:off x="717173" y="696913"/>
-            <a:ext cx="10972800" cy="649287"/>
-          </a:xfrm>
-          <a:prstGeom prst="rect">
-            <a:avLst/>
-          </a:prstGeom>
-          <a:ln>
-            <a:noFill/>
-          </a:ln>
-        </p:spPr>
-        <p:txBody>
-          <a:bodyPr spcFirstLastPara="1" wrap="square" lIns="121900" tIns="121900" rIns="121900" bIns="121900" anchor="ctr" anchorCtr="0">
-            <a:noAutofit/>
-          </a:bodyPr>
-          <a:lstStyle>
-            <a:lvl1pPr algn="ctr" defTabSz="609585" rtl="0" eaLnBrk="1" latinLnBrk="0" hangingPunct="1">
-              <a:spcBef>
-                <a:spcPct val="0"/>
-              </a:spcBef>
-              <a:buNone/>
-              <a:defRPr sz="5867" kern="1200">
-                <a:solidFill>
-                  <a:schemeClr val="tx1"/>
-                </a:solidFill>
-                <a:latin typeface="+mj-lt"/>
-                <a:ea typeface="+mj-ea"/>
-                <a:cs typeface="+mj-cs"/>
-              </a:defRPr>
-            </a:lvl1pPr>
-          </a:lstStyle>
-          <a:p>
-            <a:r>
-              <a:rPr lang="en-US" sz="4400" dirty="0">
-                <a:solidFill>
-                  <a:srgbClr val="E46102"/>
-                </a:solidFill>
-              </a:rPr>
               <a:t>Dropout - Algorithm</a:t>
             </a:r>
           </a:p>
@@ -19867,318 +19169,7 @@
 </p:sld>
 </file>
 
-<file path=ppt/slides/slide53.xml><?xml version="1.0" encoding="utf-8"?>
-<p:sld xmlns:a="http://schemas.openxmlformats.org/drawingml/2006/main" xmlns:r="http://schemas.openxmlformats.org/officeDocument/2006/relationships" xmlns:p="http://schemas.openxmlformats.org/presentationml/2006/main" show="0">
-  <p:cSld>
-    <p:spTree>
-      <p:nvGrpSpPr>
-        <p:cNvPr id="1" name=""/>
-        <p:cNvGrpSpPr/>
-        <p:nvPr/>
-      </p:nvGrpSpPr>
-      <p:grpSpPr>
-        <a:xfrm>
-          <a:off x="0" y="0"/>
-          <a:ext cx="0" cy="0"/>
-          <a:chOff x="0" y="0"/>
-          <a:chExt cx="0" cy="0"/>
-        </a:xfrm>
-      </p:grpSpPr>
-      <p:sp>
-        <p:nvSpPr>
-          <p:cNvPr id="4" name="Google Shape;95;p14">
-            <a:extLst>
-              <a:ext uri="{FF2B5EF4-FFF2-40B4-BE49-F238E27FC236}">
-                <a16:creationId xmlns:a16="http://schemas.microsoft.com/office/drawing/2014/main" id="{F510D98E-5D08-45D0-94BE-70EBCB426A1D}"/>
-              </a:ext>
-            </a:extLst>
-          </p:cNvPr>
-          <p:cNvSpPr txBox="1">
-            <a:spLocks/>
-          </p:cNvSpPr>
-          <p:nvPr/>
-        </p:nvSpPr>
-        <p:spPr>
-          <a:xfrm>
-            <a:off x="717173" y="696913"/>
-            <a:ext cx="10972800" cy="649287"/>
-          </a:xfrm>
-          <a:prstGeom prst="rect">
-            <a:avLst/>
-          </a:prstGeom>
-          <a:ln>
-            <a:noFill/>
-          </a:ln>
-        </p:spPr>
-        <p:txBody>
-          <a:bodyPr spcFirstLastPara="1" wrap="square" lIns="121900" tIns="121900" rIns="121900" bIns="121900" anchor="ctr" anchorCtr="0">
-            <a:noAutofit/>
-          </a:bodyPr>
-          <a:lstStyle>
-            <a:lvl1pPr algn="ctr" defTabSz="609585" rtl="0" eaLnBrk="1" latinLnBrk="0" hangingPunct="1">
-              <a:spcBef>
-                <a:spcPct val="0"/>
-              </a:spcBef>
-              <a:buNone/>
-              <a:defRPr sz="5867" kern="1200">
-                <a:solidFill>
-                  <a:schemeClr val="tx1"/>
-                </a:solidFill>
-                <a:latin typeface="+mj-lt"/>
-                <a:ea typeface="+mj-ea"/>
-                <a:cs typeface="+mj-cs"/>
-              </a:defRPr>
-            </a:lvl1pPr>
-          </a:lstStyle>
-          <a:p>
-            <a:r>
-              <a:rPr lang="en-US" sz="4400" dirty="0">
-                <a:solidFill>
-                  <a:srgbClr val="E46102"/>
-                </a:solidFill>
-              </a:rPr>
-              <a:t>Power of dropout</a:t>
-            </a:r>
-          </a:p>
-        </p:txBody>
-      </p:sp>
-      <p:sp>
-        <p:nvSpPr>
-          <p:cNvPr id="5" name="Google Shape;96;p14">
-            <a:extLst>
-              <a:ext uri="{FF2B5EF4-FFF2-40B4-BE49-F238E27FC236}">
-                <a16:creationId xmlns:a16="http://schemas.microsoft.com/office/drawing/2014/main" id="{9AF559A4-0F1F-4BB7-9370-E97582222A3B}"/>
-              </a:ext>
-            </a:extLst>
-          </p:cNvPr>
-          <p:cNvSpPr txBox="1"/>
-          <p:nvPr/>
-        </p:nvSpPr>
-        <p:spPr>
-          <a:xfrm>
-            <a:off x="345057" y="1346200"/>
-            <a:ext cx="11559396" cy="5194299"/>
-          </a:xfrm>
-          <a:prstGeom prst="rect">
-            <a:avLst/>
-          </a:prstGeom>
-          <a:noFill/>
-          <a:ln>
-            <a:noFill/>
-          </a:ln>
-        </p:spPr>
-        <p:txBody>
-          <a:bodyPr spcFirstLastPara="1" wrap="square" lIns="121900" tIns="121900" rIns="121900" bIns="121900" anchor="t" anchorCtr="0">
-            <a:noAutofit/>
-          </a:bodyPr>
-          <a:lstStyle/>
-          <a:p>
-            <a:r>
-              <a:rPr lang="en-US" sz="2000" dirty="0"/>
-              <a:t>Another way to understand the power of dropout is to realize that a unique neural network is generated at each training step. Since each neuron can be either present or absent, there is a total of 2</a:t>
-            </a:r>
-            <a:r>
-              <a:rPr lang="en-US" sz="2000" i="1" dirty="0"/>
-              <a:t>N </a:t>
-            </a:r>
-            <a:r>
-              <a:rPr lang="en-US" sz="2000" dirty="0"/>
-              <a:t>possible networks (where </a:t>
-            </a:r>
-            <a:r>
-              <a:rPr lang="en-US" sz="2000" i="1" dirty="0"/>
-              <a:t>N </a:t>
-            </a:r>
-            <a:r>
-              <a:rPr lang="en-US" sz="2000" dirty="0"/>
-              <a:t>is the total number of droppable neurons). This is such a huge number that it is virtually impossible for the same neural network to be sampled twice. Once you have run a 10,000 training steps, you have essentially trained 10,000 different neural networks (each with just one training instance). These neural networks are obviously not independent since they share many of their weights, but they are nevertheless all different. The resulting neural network can be seen as an averaging ensemble of all these smaller neural networks. </a:t>
-            </a:r>
-            <a:endParaRPr lang="en-US" sz="2800" dirty="0"/>
-          </a:p>
-          <a:p>
-            <a:r>
-              <a:rPr lang="en-US" sz="2000" dirty="0"/>
-              <a:t>There is one small but important technical detail. Suppose </a:t>
-            </a:r>
-            <a:r>
-              <a:rPr lang="en-US" sz="2000" i="1" dirty="0"/>
-              <a:t>p </a:t>
-            </a:r>
-            <a:r>
-              <a:rPr lang="en-US" sz="2000" dirty="0"/>
-              <a:t>= 50%, in which case during testing a neuron will be connected to twice as many input neurons as it was (on average) during training. To compensate for this fact, we need to multiply each neuron’s input connection weights by 0.5 after training. If we don’t, each neuron will get a total input signal roughly twice as large as what the network was trained on, and it is unlikely to perform well. More generally, we need to multiply each input connection weight by the </a:t>
-            </a:r>
-            <a:r>
-              <a:rPr lang="en-US" sz="2000" i="1" dirty="0"/>
-              <a:t>keep probability </a:t>
-            </a:r>
-            <a:r>
-              <a:rPr lang="en-US" sz="2000" dirty="0"/>
-              <a:t>(1 – </a:t>
-            </a:r>
-            <a:r>
-              <a:rPr lang="en-US" sz="2000" i="1" dirty="0"/>
-              <a:t>p</a:t>
-            </a:r>
-            <a:r>
-              <a:rPr lang="en-US" sz="2000" dirty="0"/>
-              <a:t>) after training. Alternatively, we can divide each neuron’s output by the keep probability during training (these alternatives are not perfectly equivalent, but they work equally well). </a:t>
-            </a:r>
-            <a:endParaRPr lang="en-US" sz="2800" dirty="0"/>
-          </a:p>
-          <a:p>
-            <a:endParaRPr lang="en-US" sz="3200" dirty="0"/>
-          </a:p>
-        </p:txBody>
-      </p:sp>
-    </p:spTree>
-    <p:extLst>
-      <p:ext uri="{BB962C8B-B14F-4D97-AF65-F5344CB8AC3E}">
-        <p14:creationId xmlns:p14="http://schemas.microsoft.com/office/powerpoint/2010/main" val="2707403550"/>
-      </p:ext>
-    </p:extLst>
-  </p:cSld>
-  <p:clrMapOvr>
-    <a:masterClrMapping/>
-  </p:clrMapOvr>
-</p:sld>
-</file>
-
-<file path=ppt/slides/slide54.xml><?xml version="1.0" encoding="utf-8"?>
-<p:sld xmlns:a="http://schemas.openxmlformats.org/drawingml/2006/main" xmlns:r="http://schemas.openxmlformats.org/officeDocument/2006/relationships" xmlns:p="http://schemas.openxmlformats.org/presentationml/2006/main" show="0">
-  <p:cSld>
-    <p:spTree>
-      <p:nvGrpSpPr>
-        <p:cNvPr id="1" name=""/>
-        <p:cNvGrpSpPr/>
-        <p:nvPr/>
-      </p:nvGrpSpPr>
-      <p:grpSpPr>
-        <a:xfrm>
-          <a:off x="0" y="0"/>
-          <a:ext cx="0" cy="0"/>
-          <a:chOff x="0" y="0"/>
-          <a:chExt cx="0" cy="0"/>
-        </a:xfrm>
-      </p:grpSpPr>
-      <p:sp>
-        <p:nvSpPr>
-          <p:cNvPr id="4" name="Google Shape;95;p14">
-            <a:extLst>
-              <a:ext uri="{FF2B5EF4-FFF2-40B4-BE49-F238E27FC236}">
-                <a16:creationId xmlns:a16="http://schemas.microsoft.com/office/drawing/2014/main" id="{F510D98E-5D08-45D0-94BE-70EBCB426A1D}"/>
-              </a:ext>
-            </a:extLst>
-          </p:cNvPr>
-          <p:cNvSpPr txBox="1">
-            <a:spLocks/>
-          </p:cNvSpPr>
-          <p:nvPr/>
-        </p:nvSpPr>
-        <p:spPr>
-          <a:xfrm>
-            <a:off x="717173" y="696913"/>
-            <a:ext cx="10972800" cy="649287"/>
-          </a:xfrm>
-          <a:prstGeom prst="rect">
-            <a:avLst/>
-          </a:prstGeom>
-          <a:ln>
-            <a:noFill/>
-          </a:ln>
-        </p:spPr>
-        <p:txBody>
-          <a:bodyPr spcFirstLastPara="1" wrap="square" lIns="121900" tIns="121900" rIns="121900" bIns="121900" anchor="ctr" anchorCtr="0">
-            <a:noAutofit/>
-          </a:bodyPr>
-          <a:lstStyle>
-            <a:lvl1pPr algn="ctr" defTabSz="609585" rtl="0" eaLnBrk="1" latinLnBrk="0" hangingPunct="1">
-              <a:spcBef>
-                <a:spcPct val="0"/>
-              </a:spcBef>
-              <a:buNone/>
-              <a:defRPr sz="5867" kern="1200">
-                <a:solidFill>
-                  <a:schemeClr val="tx1"/>
-                </a:solidFill>
-                <a:latin typeface="+mj-lt"/>
-                <a:ea typeface="+mj-ea"/>
-                <a:cs typeface="+mj-cs"/>
-              </a:defRPr>
-            </a:lvl1pPr>
-          </a:lstStyle>
-          <a:p>
-            <a:r>
-              <a:rPr lang="en-US" sz="4400" dirty="0">
-                <a:solidFill>
-                  <a:srgbClr val="E46102"/>
-                </a:solidFill>
-              </a:rPr>
-              <a:t>Power of dropout</a:t>
-            </a:r>
-          </a:p>
-        </p:txBody>
-      </p:sp>
-      <p:sp>
-        <p:nvSpPr>
-          <p:cNvPr id="5" name="Google Shape;96;p14">
-            <a:extLst>
-              <a:ext uri="{FF2B5EF4-FFF2-40B4-BE49-F238E27FC236}">
-                <a16:creationId xmlns:a16="http://schemas.microsoft.com/office/drawing/2014/main" id="{9AF559A4-0F1F-4BB7-9370-E97582222A3B}"/>
-              </a:ext>
-            </a:extLst>
-          </p:cNvPr>
-          <p:cNvSpPr txBox="1"/>
-          <p:nvPr/>
-        </p:nvSpPr>
-        <p:spPr>
-          <a:xfrm>
-            <a:off x="495301" y="1346200"/>
-            <a:ext cx="11194672" cy="5194299"/>
-          </a:xfrm>
-          <a:prstGeom prst="rect">
-            <a:avLst/>
-          </a:prstGeom>
-          <a:noFill/>
-          <a:ln>
-            <a:noFill/>
-          </a:ln>
-        </p:spPr>
-        <p:txBody>
-          <a:bodyPr spcFirstLastPara="1" wrap="square" lIns="121900" tIns="121900" rIns="121900" bIns="121900" anchor="t" anchorCtr="0">
-            <a:noAutofit/>
-          </a:bodyPr>
-          <a:lstStyle/>
-          <a:p>
-            <a:r>
-              <a:rPr lang="en-US" dirty="0"/>
-              <a:t>If you observe that the model is overfitting, you can increase the dropout rate. Conversely, you should try decreasing the dropout rate if the model underfits the training set. It can also help to increase the dropout rate for large layers, and reduce it for small ones. Moreover, many state-of-the-art architectures only use dropout after the last hidden layer, so you may want to try this if full dropout is too strong. </a:t>
-            </a:r>
-            <a:endParaRPr lang="en-US" sz="3200" dirty="0"/>
-          </a:p>
-          <a:p>
-            <a:r>
-              <a:rPr lang="en-US" dirty="0"/>
-              <a:t>Dropout does tend to significantly slow down convergence, but it usually results in a much better model when tuned properly. So, it is generally well worth the extra time and effort. </a:t>
-            </a:r>
-            <a:endParaRPr lang="en-US" sz="3200" dirty="0"/>
-          </a:p>
-        </p:txBody>
-      </p:sp>
-    </p:spTree>
-    <p:extLst>
-      <p:ext uri="{BB962C8B-B14F-4D97-AF65-F5344CB8AC3E}">
-        <p14:creationId xmlns:p14="http://schemas.microsoft.com/office/powerpoint/2010/main" val="2738589081"/>
-      </p:ext>
-    </p:extLst>
-  </p:cSld>
-  <p:clrMapOvr>
-    <a:masterClrMapping/>
-  </p:clrMapOvr>
-</p:sld>
-</file>
-
-<file path=ppt/slides/slide55.xml><?xml version="1.0" encoding="utf-8"?>
+<file path=ppt/slides/slide51.xml><?xml version="1.0" encoding="utf-8"?>
 <p:sld xmlns:a="http://schemas.openxmlformats.org/drawingml/2006/main" xmlns:r="http://schemas.openxmlformats.org/officeDocument/2006/relationships" xmlns:p="http://schemas.openxmlformats.org/presentationml/2006/main">
   <p:cSld>
     <p:spTree>
@@ -20248,7 +19239,7 @@
 </p:sld>
 </file>
 
-<file path=ppt/slides/slide56.xml><?xml version="1.0" encoding="utf-8"?>
+<file path=ppt/slides/slide52.xml><?xml version="1.0" encoding="utf-8"?>
 <p:sld xmlns:a="http://schemas.openxmlformats.org/drawingml/2006/main" xmlns:r="http://schemas.openxmlformats.org/officeDocument/2006/relationships" xmlns:p="http://schemas.openxmlformats.org/presentationml/2006/main">
   <p:cSld>
     <p:spTree>
@@ -20319,8 +19310,13 @@
             <a:pPr lvl="1"/>
             <a:r>
               <a:rPr lang="en-US" dirty="0"/>
-              <a:t>Coding exercise are from the text book and from Kaggle</a:t>
-            </a:r>
+              <a:t>Coding exercise are from the </a:t>
+            </a:r>
+            <a:r>
+              <a:rPr lang="en-US"/>
+              <a:t>text book</a:t>
+            </a:r>
+            <a:endParaRPr lang="en-US" dirty="0"/>
           </a:p>
         </p:txBody>
       </p:sp>

--- a/Syllabus/Lecture19/Lec19DNN2.pptx
+++ b/Syllabus/Lecture19/Lec19DNN2.pptx
@@ -337,7 +337,7 @@
           <a:p>
             <a:fld id="{DF9C6931-D0F6-AB40-9D7F-95567148A5C2}" type="datetimeFigureOut">
               <a:rPr lang="en-US" smtClean="0"/>
-              <a:t>11/9/22</a:t>
+              <a:t>11/14/22</a:t>
             </a:fld>
             <a:endParaRPr lang="en-US"/>
           </a:p>
@@ -514,7 +514,7 @@
           <a:p>
             <a:fld id="{736C18F2-6801-5147-A332-A6E1C7D69D18}" type="datetimeFigureOut">
               <a:rPr lang="en-US" smtClean="0"/>
-              <a:t>11/9/22</a:t>
+              <a:t>11/14/22</a:t>
             </a:fld>
             <a:endParaRPr lang="en-US"/>
           </a:p>
@@ -18423,8 +18423,8 @@
         </p:nvSpPr>
         <p:spPr>
           <a:xfrm>
-            <a:off x="997328" y="1346200"/>
-            <a:ext cx="10200940" cy="4703871"/>
+            <a:off x="502027" y="1346200"/>
+            <a:ext cx="11187945" cy="4703871"/>
           </a:xfrm>
           <a:prstGeom prst="rect">
             <a:avLst/>
@@ -18444,29 +18444,49 @@
               <a:buSzPts val="2400"/>
             </a:pPr>
             <a:r>
+              <a:rPr lang="en-US" sz="2000" b="1" dirty="0"/>
+              <a:t>Real world Analogy </a:t>
+            </a:r>
+            <a:r>
               <a:rPr lang="en-US" sz="2000" dirty="0"/>
-              <a:t>Real world Analogy - Would a company perform better if its employees were told to toss a coin every morning to decide whether or not to go to work? Well, who knows; perhaps it would! The company would obviously be forced to adapt its organization; it could not rely on any single person to fill in the coffee machine or perform any other critical tasks, so this expertise would have to be spread across several people. Employees would have to learn to cooperate with many of their coworkers, not just a handful of them. The company would become much more resilient. If one person quit, it wouldn’t make much of a difference. It’s unclear whether this idea would actually work for companies, but it certainly does for neural networks.</a:t>
+              <a:t>– </a:t>
             </a:r>
           </a:p>
           <a:p>
             <a:pPr marL="101598">
               <a:buSzPts val="2400"/>
             </a:pPr>
-            <a:endParaRPr lang="en-US" sz="2000" dirty="0"/>
+            <a:r>
+              <a:rPr lang="en-US" sz="2000" dirty="0"/>
+              <a:t>Would a company perform better if its employees were told to toss a coin every morning to decide whether or not to go to work? </a:t>
+            </a:r>
           </a:p>
           <a:p>
             <a:pPr marL="101598">
               <a:buSzPts val="2400"/>
             </a:pPr>
-            <a:endParaRPr lang="en-US" sz="2000" dirty="0"/>
+            <a:r>
+              <a:rPr lang="en-US" sz="2000" dirty="0"/>
+              <a:t>Well, who knows; perhaps it would! The company would obviously be forced to adapt its organization; it could not rely on any single person to perform any other critical tasks, so this expertise would have to be spread across several people. Employees would have to learn to cooperate with many of their coworkers, not just a handful of them. The company would become much more resilient. If one person quit, it wouldn’t make much of a difference. It’s unclear whether this idea would actually work for companies, but it certainly does for neural networks.</a:t>
+            </a:r>
           </a:p>
           <a:p>
             <a:pPr marL="101598">
               <a:buSzPts val="2400"/>
             </a:pPr>
+            <a:endParaRPr lang="en-US" sz="2000" dirty="0"/>
+          </a:p>
+          <a:p>
+            <a:pPr marL="101598">
+              <a:buSzPts val="2400"/>
+            </a:pPr>
+            <a:r>
+              <a:rPr lang="en-US" sz="2000" b="1" dirty="0"/>
+              <a:t>NN</a:t>
+            </a:r>
             <a:r>
               <a:rPr lang="en-US" sz="2000" dirty="0"/>
-              <a:t>NN - Neurons trained with dropout cannot co-adapt with their neighboring neurons; they have to be as useful as possible on their own. They also cannot rely excessively on just a few input neurons; they must pay attention to each of their input neurons. They end up being less sensitive to slight changes in the inputs. In the end you get a more robust network that generalizes better.</a:t>
+              <a:t> - Neurons trained with dropout cannot co-adapt with their neighboring neurons; they have to be as useful as possible on their own. They also cannot rely excessively on just a few input neurons; they must pay attention to each of their input neurons. They end up being less sensitive to slight changes in the inputs. In the end you get a more robust network that generalizes better.</a:t>
             </a:r>
           </a:p>
         </p:txBody>
